--- a/Short Course in Linguistics Wk 1.pptx
+++ b/Short Course in Linguistics Wk 1.pptx
@@ -4,6 +4,9 @@
   <p:sldMasterIdLst>
     <p:sldMasterId id="2147483751" r:id="rId1"/>
   </p:sldMasterIdLst>
+  <p:notesMasterIdLst>
+    <p:notesMasterId r:id="rId18"/>
+  </p:notesMasterIdLst>
   <p:sldIdLst>
     <p:sldId id="256" r:id="rId2"/>
     <p:sldId id="257" r:id="rId3"/>
@@ -15,8 +18,12 @@
     <p:sldId id="260" r:id="rId9"/>
     <p:sldId id="263" r:id="rId10"/>
     <p:sldId id="262" r:id="rId11"/>
-    <p:sldId id="264" r:id="rId12"/>
-    <p:sldId id="267" r:id="rId13"/>
+    <p:sldId id="267" r:id="rId12"/>
+    <p:sldId id="264" r:id="rId13"/>
+    <p:sldId id="270" r:id="rId14"/>
+    <p:sldId id="269" r:id="rId15"/>
+    <p:sldId id="271" r:id="rId16"/>
+    <p:sldId id="268" r:id="rId17"/>
   </p:sldIdLst>
   <p:sldSz cx="12192000" cy="6858000"/>
   <p:notesSz cx="6858000" cy="9144000"/>
@@ -115,11 +122,484 @@
       </a:defRPr>
     </a:lvl9pPr>
   </p:defaultTextStyle>
+  <p:extLst>
+    <p:ext uri="{EFAFB233-063F-42B5-8137-9DF3F51BA10A}">
+      <p15:sldGuideLst xmlns:p15="http://schemas.microsoft.com/office/powerpoint/2012/main"/>
+    </p:ext>
+  </p:extLst>
 </p:presentation>
 </file>
 
 <file path=ppt/revisionInfo.xml><?xml version="1.0" encoding="utf-8"?>
 <p1510:revInfo xmlns:a="http://schemas.openxmlformats.org/drawingml/2006/main" xmlns:r="http://schemas.openxmlformats.org/officeDocument/2006/relationships" xmlns:p1510="http://schemas.microsoft.com/office/powerpoint/2015/10/main"/>
+</file>
+
+<file path=ppt/notesMasters/notesMaster1.xml><?xml version="1.0" encoding="utf-8"?>
+<p:notesMaster xmlns:a="http://schemas.openxmlformats.org/drawingml/2006/main" xmlns:r="http://schemas.openxmlformats.org/officeDocument/2006/relationships" xmlns:p="http://schemas.openxmlformats.org/presentationml/2006/main">
+  <p:cSld>
+    <p:bg>
+      <p:bgRef idx="1001">
+        <a:schemeClr val="bg1"/>
+      </p:bgRef>
+    </p:bg>
+    <p:spTree>
+      <p:nvGrpSpPr>
+        <p:cNvPr id="1" name=""/>
+        <p:cNvGrpSpPr/>
+        <p:nvPr/>
+      </p:nvGrpSpPr>
+      <p:grpSpPr>
+        <a:xfrm>
+          <a:off x="0" y="0"/>
+          <a:ext cx="0" cy="0"/>
+          <a:chOff x="0" y="0"/>
+          <a:chExt cx="0" cy="0"/>
+        </a:xfrm>
+      </p:grpSpPr>
+      <p:sp>
+        <p:nvSpPr>
+          <p:cNvPr id="2" name="Header Placeholder 1"/>
+          <p:cNvSpPr>
+            <a:spLocks noGrp="1"/>
+          </p:cNvSpPr>
+          <p:nvPr>
+            <p:ph type="hdr" sz="quarter"/>
+          </p:nvPr>
+        </p:nvSpPr>
+        <p:spPr>
+          <a:xfrm>
+            <a:off x="0" y="0"/>
+            <a:ext cx="2971800" cy="458788"/>
+          </a:xfrm>
+          <a:prstGeom prst="rect">
+            <a:avLst/>
+          </a:prstGeom>
+        </p:spPr>
+        <p:txBody>
+          <a:bodyPr vert="horz" lIns="91440" tIns="45720" rIns="91440" bIns="45720" rtlCol="0"/>
+          <a:lstStyle>
+            <a:lvl1pPr algn="l">
+              <a:defRPr sz="1200"/>
+            </a:lvl1pPr>
+          </a:lstStyle>
+          <a:p>
+            <a:endParaRPr lang="en-AU"/>
+          </a:p>
+        </p:txBody>
+      </p:sp>
+      <p:sp>
+        <p:nvSpPr>
+          <p:cNvPr id="3" name="Date Placeholder 2"/>
+          <p:cNvSpPr>
+            <a:spLocks noGrp="1"/>
+          </p:cNvSpPr>
+          <p:nvPr>
+            <p:ph type="dt" idx="1"/>
+          </p:nvPr>
+        </p:nvSpPr>
+        <p:spPr>
+          <a:xfrm>
+            <a:off x="3884613" y="0"/>
+            <a:ext cx="2971800" cy="458788"/>
+          </a:xfrm>
+          <a:prstGeom prst="rect">
+            <a:avLst/>
+          </a:prstGeom>
+        </p:spPr>
+        <p:txBody>
+          <a:bodyPr vert="horz" lIns="91440" tIns="45720" rIns="91440" bIns="45720" rtlCol="0"/>
+          <a:lstStyle>
+            <a:lvl1pPr algn="r">
+              <a:defRPr sz="1200"/>
+            </a:lvl1pPr>
+          </a:lstStyle>
+          <a:p>
+            <a:fld id="{E40DEB81-EA0B-4A90-A2DC-C42277C61635}" type="datetimeFigureOut">
+              <a:rPr lang="en-AU" smtClean="0"/>
+              <a:t>24/04/2018</a:t>
+            </a:fld>
+            <a:endParaRPr lang="en-AU"/>
+          </a:p>
+        </p:txBody>
+      </p:sp>
+      <p:sp>
+        <p:nvSpPr>
+          <p:cNvPr id="4" name="Slide Image Placeholder 3"/>
+          <p:cNvSpPr>
+            <a:spLocks noGrp="1" noRot="1" noChangeAspect="1"/>
+          </p:cNvSpPr>
+          <p:nvPr>
+            <p:ph type="sldImg" idx="2"/>
+          </p:nvPr>
+        </p:nvSpPr>
+        <p:spPr>
+          <a:xfrm>
+            <a:off x="685800" y="1143000"/>
+            <a:ext cx="5486400" cy="3086100"/>
+          </a:xfrm>
+          <a:prstGeom prst="rect">
+            <a:avLst/>
+          </a:prstGeom>
+          <a:noFill/>
+          <a:ln w="12700">
+            <a:solidFill>
+              <a:prstClr val="black"/>
+            </a:solidFill>
+          </a:ln>
+        </p:spPr>
+        <p:txBody>
+          <a:bodyPr vert="horz" lIns="91440" tIns="45720" rIns="91440" bIns="45720" rtlCol="0" anchor="ctr"/>
+          <a:lstStyle/>
+          <a:p>
+            <a:endParaRPr lang="en-AU"/>
+          </a:p>
+        </p:txBody>
+      </p:sp>
+      <p:sp>
+        <p:nvSpPr>
+          <p:cNvPr id="5" name="Notes Placeholder 4"/>
+          <p:cNvSpPr>
+            <a:spLocks noGrp="1"/>
+          </p:cNvSpPr>
+          <p:nvPr>
+            <p:ph type="body" sz="quarter" idx="3"/>
+          </p:nvPr>
+        </p:nvSpPr>
+        <p:spPr>
+          <a:xfrm>
+            <a:off x="685800" y="4400550"/>
+            <a:ext cx="5486400" cy="3600450"/>
+          </a:xfrm>
+          <a:prstGeom prst="rect">
+            <a:avLst/>
+          </a:prstGeom>
+        </p:spPr>
+        <p:txBody>
+          <a:bodyPr vert="horz" lIns="91440" tIns="45720" rIns="91440" bIns="45720" rtlCol="0"/>
+          <a:lstStyle/>
+          <a:p>
+            <a:pPr lvl="0"/>
+            <a:r>
+              <a:rPr lang="en-US"/>
+              <a:t>Edit Master text styles</a:t>
+            </a:r>
+          </a:p>
+          <a:p>
+            <a:pPr lvl="1"/>
+            <a:r>
+              <a:rPr lang="en-US"/>
+              <a:t>Second level</a:t>
+            </a:r>
+          </a:p>
+          <a:p>
+            <a:pPr lvl="2"/>
+            <a:r>
+              <a:rPr lang="en-US"/>
+              <a:t>Third level</a:t>
+            </a:r>
+          </a:p>
+          <a:p>
+            <a:pPr lvl="3"/>
+            <a:r>
+              <a:rPr lang="en-US"/>
+              <a:t>Fourth level</a:t>
+            </a:r>
+          </a:p>
+          <a:p>
+            <a:pPr lvl="4"/>
+            <a:r>
+              <a:rPr lang="en-US"/>
+              <a:t>Fifth level</a:t>
+            </a:r>
+            <a:endParaRPr lang="en-AU"/>
+          </a:p>
+        </p:txBody>
+      </p:sp>
+      <p:sp>
+        <p:nvSpPr>
+          <p:cNvPr id="6" name="Footer Placeholder 5"/>
+          <p:cNvSpPr>
+            <a:spLocks noGrp="1"/>
+          </p:cNvSpPr>
+          <p:nvPr>
+            <p:ph type="ftr" sz="quarter" idx="4"/>
+          </p:nvPr>
+        </p:nvSpPr>
+        <p:spPr>
+          <a:xfrm>
+            <a:off x="0" y="8685213"/>
+            <a:ext cx="2971800" cy="458787"/>
+          </a:xfrm>
+          <a:prstGeom prst="rect">
+            <a:avLst/>
+          </a:prstGeom>
+        </p:spPr>
+        <p:txBody>
+          <a:bodyPr vert="horz" lIns="91440" tIns="45720" rIns="91440" bIns="45720" rtlCol="0" anchor="b"/>
+          <a:lstStyle>
+            <a:lvl1pPr algn="l">
+              <a:defRPr sz="1200"/>
+            </a:lvl1pPr>
+          </a:lstStyle>
+          <a:p>
+            <a:endParaRPr lang="en-AU"/>
+          </a:p>
+        </p:txBody>
+      </p:sp>
+      <p:sp>
+        <p:nvSpPr>
+          <p:cNvPr id="7" name="Slide Number Placeholder 6"/>
+          <p:cNvSpPr>
+            <a:spLocks noGrp="1"/>
+          </p:cNvSpPr>
+          <p:nvPr>
+            <p:ph type="sldNum" sz="quarter" idx="5"/>
+          </p:nvPr>
+        </p:nvSpPr>
+        <p:spPr>
+          <a:xfrm>
+            <a:off x="3884613" y="8685213"/>
+            <a:ext cx="2971800" cy="458787"/>
+          </a:xfrm>
+          <a:prstGeom prst="rect">
+            <a:avLst/>
+          </a:prstGeom>
+        </p:spPr>
+        <p:txBody>
+          <a:bodyPr vert="horz" lIns="91440" tIns="45720" rIns="91440" bIns="45720" rtlCol="0" anchor="b"/>
+          <a:lstStyle>
+            <a:lvl1pPr algn="r">
+              <a:defRPr sz="1200"/>
+            </a:lvl1pPr>
+          </a:lstStyle>
+          <a:p>
+            <a:fld id="{22B12596-9D7F-465E-82D3-2E76171EBC41}" type="slidenum">
+              <a:rPr lang="en-AU" smtClean="0"/>
+              <a:t>‹#›</a:t>
+            </a:fld>
+            <a:endParaRPr lang="en-AU"/>
+          </a:p>
+        </p:txBody>
+      </p:sp>
+    </p:spTree>
+    <p:extLst>
+      <p:ext uri="{BB962C8B-B14F-4D97-AF65-F5344CB8AC3E}">
+        <p14:creationId xmlns:p14="http://schemas.microsoft.com/office/powerpoint/2010/main" val="2474205120"/>
+      </p:ext>
+    </p:extLst>
+  </p:cSld>
+  <p:clrMap bg1="lt1" tx1="dk1" bg2="lt2" tx2="dk2" accent1="accent1" accent2="accent2" accent3="accent3" accent4="accent4" accent5="accent5" accent6="accent6" hlink="hlink" folHlink="folHlink"/>
+  <p:notesStyle>
+    <a:lvl1pPr marL="0" algn="l" defTabSz="914400" rtl="0" eaLnBrk="1" latinLnBrk="0" hangingPunct="1">
+      <a:defRPr sz="1200" kern="1200">
+        <a:solidFill>
+          <a:schemeClr val="tx1"/>
+        </a:solidFill>
+        <a:latin typeface="+mn-lt"/>
+        <a:ea typeface="+mn-ea"/>
+        <a:cs typeface="+mn-cs"/>
+      </a:defRPr>
+    </a:lvl1pPr>
+    <a:lvl2pPr marL="457200" algn="l" defTabSz="914400" rtl="0" eaLnBrk="1" latinLnBrk="0" hangingPunct="1">
+      <a:defRPr sz="1200" kern="1200">
+        <a:solidFill>
+          <a:schemeClr val="tx1"/>
+        </a:solidFill>
+        <a:latin typeface="+mn-lt"/>
+        <a:ea typeface="+mn-ea"/>
+        <a:cs typeface="+mn-cs"/>
+      </a:defRPr>
+    </a:lvl2pPr>
+    <a:lvl3pPr marL="914400" algn="l" defTabSz="914400" rtl="0" eaLnBrk="1" latinLnBrk="0" hangingPunct="1">
+      <a:defRPr sz="1200" kern="1200">
+        <a:solidFill>
+          <a:schemeClr val="tx1"/>
+        </a:solidFill>
+        <a:latin typeface="+mn-lt"/>
+        <a:ea typeface="+mn-ea"/>
+        <a:cs typeface="+mn-cs"/>
+      </a:defRPr>
+    </a:lvl3pPr>
+    <a:lvl4pPr marL="1371600" algn="l" defTabSz="914400" rtl="0" eaLnBrk="1" latinLnBrk="0" hangingPunct="1">
+      <a:defRPr sz="1200" kern="1200">
+        <a:solidFill>
+          <a:schemeClr val="tx1"/>
+        </a:solidFill>
+        <a:latin typeface="+mn-lt"/>
+        <a:ea typeface="+mn-ea"/>
+        <a:cs typeface="+mn-cs"/>
+      </a:defRPr>
+    </a:lvl4pPr>
+    <a:lvl5pPr marL="1828800" algn="l" defTabSz="914400" rtl="0" eaLnBrk="1" latinLnBrk="0" hangingPunct="1">
+      <a:defRPr sz="1200" kern="1200">
+        <a:solidFill>
+          <a:schemeClr val="tx1"/>
+        </a:solidFill>
+        <a:latin typeface="+mn-lt"/>
+        <a:ea typeface="+mn-ea"/>
+        <a:cs typeface="+mn-cs"/>
+      </a:defRPr>
+    </a:lvl5pPr>
+    <a:lvl6pPr marL="2286000" algn="l" defTabSz="914400" rtl="0" eaLnBrk="1" latinLnBrk="0" hangingPunct="1">
+      <a:defRPr sz="1200" kern="1200">
+        <a:solidFill>
+          <a:schemeClr val="tx1"/>
+        </a:solidFill>
+        <a:latin typeface="+mn-lt"/>
+        <a:ea typeface="+mn-ea"/>
+        <a:cs typeface="+mn-cs"/>
+      </a:defRPr>
+    </a:lvl6pPr>
+    <a:lvl7pPr marL="2743200" algn="l" defTabSz="914400" rtl="0" eaLnBrk="1" latinLnBrk="0" hangingPunct="1">
+      <a:defRPr sz="1200" kern="1200">
+        <a:solidFill>
+          <a:schemeClr val="tx1"/>
+        </a:solidFill>
+        <a:latin typeface="+mn-lt"/>
+        <a:ea typeface="+mn-ea"/>
+        <a:cs typeface="+mn-cs"/>
+      </a:defRPr>
+    </a:lvl7pPr>
+    <a:lvl8pPr marL="3200400" algn="l" defTabSz="914400" rtl="0" eaLnBrk="1" latinLnBrk="0" hangingPunct="1">
+      <a:defRPr sz="1200" kern="1200">
+        <a:solidFill>
+          <a:schemeClr val="tx1"/>
+        </a:solidFill>
+        <a:latin typeface="+mn-lt"/>
+        <a:ea typeface="+mn-ea"/>
+        <a:cs typeface="+mn-cs"/>
+      </a:defRPr>
+    </a:lvl8pPr>
+    <a:lvl9pPr marL="3657600" algn="l" defTabSz="914400" rtl="0" eaLnBrk="1" latinLnBrk="0" hangingPunct="1">
+      <a:defRPr sz="1200" kern="1200">
+        <a:solidFill>
+          <a:schemeClr val="tx1"/>
+        </a:solidFill>
+        <a:latin typeface="+mn-lt"/>
+        <a:ea typeface="+mn-ea"/>
+        <a:cs typeface="+mn-cs"/>
+      </a:defRPr>
+    </a:lvl9pPr>
+  </p:notesStyle>
+</p:notesMaster>
+</file>
+
+<file path=ppt/notesSlides/notesSlide1.xml><?xml version="1.0" encoding="utf-8"?>
+<p:notes xmlns:a="http://schemas.openxmlformats.org/drawingml/2006/main" xmlns:r="http://schemas.openxmlformats.org/officeDocument/2006/relationships" xmlns:p="http://schemas.openxmlformats.org/presentationml/2006/main">
+  <p:cSld>
+    <p:spTree>
+      <p:nvGrpSpPr>
+        <p:cNvPr id="1" name=""/>
+        <p:cNvGrpSpPr/>
+        <p:nvPr/>
+      </p:nvGrpSpPr>
+      <p:grpSpPr>
+        <a:xfrm>
+          <a:off x="0" y="0"/>
+          <a:ext cx="0" cy="0"/>
+          <a:chOff x="0" y="0"/>
+          <a:chExt cx="0" cy="0"/>
+        </a:xfrm>
+      </p:grpSpPr>
+      <p:sp>
+        <p:nvSpPr>
+          <p:cNvPr id="2" name="Slide Image Placeholder 1"/>
+          <p:cNvSpPr>
+            <a:spLocks noGrp="1" noRot="1" noChangeAspect="1"/>
+          </p:cNvSpPr>
+          <p:nvPr>
+            <p:ph type="sldImg"/>
+          </p:nvPr>
+        </p:nvSpPr>
+        <p:spPr/>
+      </p:sp>
+      <p:sp>
+        <p:nvSpPr>
+          <p:cNvPr id="3" name="Notes Placeholder 2"/>
+          <p:cNvSpPr>
+            <a:spLocks noGrp="1"/>
+          </p:cNvSpPr>
+          <p:nvPr>
+            <p:ph type="body" idx="1"/>
+          </p:nvPr>
+        </p:nvSpPr>
+        <p:spPr/>
+        <p:txBody>
+          <a:bodyPr/>
+          <a:lstStyle/>
+          <a:p>
+            <a:r>
+              <a:rPr lang="en-AU" dirty="0"/>
+              <a:t>Figure 3. Wide band spectrograms of the vowels of American English in a /</a:t>
+            </a:r>
+            <a:r>
+              <a:rPr lang="en-AU" dirty="0" err="1"/>
+              <a:t>b__d</a:t>
+            </a:r>
+            <a:r>
+              <a:rPr lang="en-AU" dirty="0"/>
+              <a:t>/ context. </a:t>
+            </a:r>
+            <a:br>
+              <a:rPr lang="en-AU" dirty="0"/>
+            </a:br>
+            <a:r>
+              <a:rPr lang="en-AU" dirty="0"/>
+              <a:t>Top row, left to right: [</a:t>
+            </a:r>
+            <a:r>
+              <a:rPr lang="en-AU" dirty="0" err="1"/>
+              <a:t>i</a:t>
+            </a:r>
+            <a:r>
+              <a:rPr lang="en-AU" dirty="0"/>
+              <a:t>, ɪ, </a:t>
+            </a:r>
+            <a:r>
+              <a:rPr lang="en-AU" dirty="0" err="1"/>
+              <a:t>eɪ</a:t>
+            </a:r>
+            <a:r>
+              <a:rPr lang="en-AU" dirty="0"/>
+              <a:t>, ɛ, æ]. Bottom row, left to right: [ɑ, ɔ, o, ʊ, u].</a:t>
+            </a:r>
+          </a:p>
+        </p:txBody>
+      </p:sp>
+      <p:sp>
+        <p:nvSpPr>
+          <p:cNvPr id="4" name="Slide Number Placeholder 3"/>
+          <p:cNvSpPr>
+            <a:spLocks noGrp="1"/>
+          </p:cNvSpPr>
+          <p:nvPr>
+            <p:ph type="sldNum" sz="quarter" idx="10"/>
+          </p:nvPr>
+        </p:nvSpPr>
+        <p:spPr/>
+        <p:txBody>
+          <a:bodyPr/>
+          <a:lstStyle/>
+          <a:p>
+            <a:fld id="{22B12596-9D7F-465E-82D3-2E76171EBC41}" type="slidenum">
+              <a:rPr lang="en-AU" smtClean="0"/>
+              <a:t>16</a:t>
+            </a:fld>
+            <a:endParaRPr lang="en-AU"/>
+          </a:p>
+        </p:txBody>
+      </p:sp>
+    </p:spTree>
+    <p:extLst>
+      <p:ext uri="{BB962C8B-B14F-4D97-AF65-F5344CB8AC3E}">
+        <p14:creationId xmlns:p14="http://schemas.microsoft.com/office/powerpoint/2010/main" val="2886396369"/>
+      </p:ext>
+    </p:extLst>
+  </p:cSld>
+  <p:clrMapOvr>
+    <a:masterClrMapping/>
+  </p:clrMapOvr>
+</p:notes>
 </file>
 
 <file path=ppt/slideLayouts/slideLayout1.xml><?xml version="1.0" encoding="utf-8"?>
@@ -847,7 +1327,7 @@
             <a:fld id="{B61BEF0D-F0BB-DE4B-95CE-6DB70DBA9567}" type="datetimeFigureOut">
               <a:rPr lang="en-US" smtClean="0"/>
               <a:pPr/>
-              <a:t>4/23/2018</a:t>
+              <a:t>4/24/2018</a:t>
             </a:fld>
             <a:endParaRPr lang="en-US" dirty="0"/>
           </a:p>
@@ -1100,7 +1580,7 @@
             <a:fld id="{B61BEF0D-F0BB-DE4B-95CE-6DB70DBA9567}" type="datetimeFigureOut">
               <a:rPr lang="en-US" smtClean="0"/>
               <a:pPr/>
-              <a:t>4/23/2018</a:t>
+              <a:t>4/24/2018</a:t>
             </a:fld>
             <a:endParaRPr lang="en-US" dirty="0"/>
           </a:p>
@@ -1416,7 +1896,7 @@
             <a:fld id="{B61BEF0D-F0BB-DE4B-95CE-6DB70DBA9567}" type="datetimeFigureOut">
               <a:rPr lang="en-US" smtClean="0"/>
               <a:pPr/>
-              <a:t>4/23/2018</a:t>
+              <a:t>4/24/2018</a:t>
             </a:fld>
             <a:endParaRPr lang="en-US" dirty="0"/>
           </a:p>
@@ -1745,7 +2225,7 @@
             <a:fld id="{B61BEF0D-F0BB-DE4B-95CE-6DB70DBA9567}" type="datetimeFigureOut">
               <a:rPr lang="en-US" smtClean="0"/>
               <a:pPr/>
-              <a:t>4/23/2018</a:t>
+              <a:t>4/24/2018</a:t>
             </a:fld>
             <a:endParaRPr lang="en-US" dirty="0"/>
           </a:p>
@@ -2061,7 +2541,7 @@
             <a:fld id="{B61BEF0D-F0BB-DE4B-95CE-6DB70DBA9567}" type="datetimeFigureOut">
               <a:rPr lang="en-US" smtClean="0"/>
               <a:pPr/>
-              <a:t>4/23/2018</a:t>
+              <a:t>4/24/2018</a:t>
             </a:fld>
             <a:endParaRPr lang="en-US" dirty="0"/>
           </a:p>
@@ -2450,7 +2930,7 @@
             <a:fld id="{B61BEF0D-F0BB-DE4B-95CE-6DB70DBA9567}" type="datetimeFigureOut">
               <a:rPr lang="en-US" smtClean="0"/>
               <a:pPr/>
-              <a:t>4/23/2018</a:t>
+              <a:t>4/24/2018</a:t>
             </a:fld>
             <a:endParaRPr lang="en-US" dirty="0"/>
           </a:p>
@@ -2622,7 +3102,7 @@
             <a:fld id="{B61BEF0D-F0BB-DE4B-95CE-6DB70DBA9567}" type="datetimeFigureOut">
               <a:rPr lang="en-US" smtClean="0"/>
               <a:pPr/>
-              <a:t>4/23/2018</a:t>
+              <a:t>4/24/2018</a:t>
             </a:fld>
             <a:endParaRPr lang="en-US" dirty="0"/>
           </a:p>
@@ -2804,7 +3284,7 @@
             <a:fld id="{B61BEF0D-F0BB-DE4B-95CE-6DB70DBA9567}" type="datetimeFigureOut">
               <a:rPr lang="en-US" smtClean="0"/>
               <a:pPr/>
-              <a:t>4/23/2018</a:t>
+              <a:t>4/24/2018</a:t>
             </a:fld>
             <a:endParaRPr lang="en-US" dirty="0"/>
           </a:p>
@@ -2982,7 +3462,7 @@
             <a:fld id="{B61BEF0D-F0BB-DE4B-95CE-6DB70DBA9567}" type="datetimeFigureOut">
               <a:rPr lang="en-US" smtClean="0"/>
               <a:pPr/>
-              <a:t>4/23/2018</a:t>
+              <a:t>4/24/2018</a:t>
             </a:fld>
             <a:endParaRPr lang="en-US" dirty="0"/>
           </a:p>
@@ -3231,7 +3711,7 @@
             <a:fld id="{B61BEF0D-F0BB-DE4B-95CE-6DB70DBA9567}" type="datetimeFigureOut">
               <a:rPr lang="en-US" smtClean="0"/>
               <a:pPr/>
-              <a:t>4/23/2018</a:t>
+              <a:t>4/24/2018</a:t>
             </a:fld>
             <a:endParaRPr lang="en-US" dirty="0"/>
           </a:p>
@@ -3465,7 +3945,7 @@
             <a:fld id="{B61BEF0D-F0BB-DE4B-95CE-6DB70DBA9567}" type="datetimeFigureOut">
               <a:rPr lang="en-US" smtClean="0"/>
               <a:pPr/>
-              <a:t>4/23/2018</a:t>
+              <a:t>4/24/2018</a:t>
             </a:fld>
             <a:endParaRPr lang="en-US" dirty="0"/>
           </a:p>
@@ -3841,7 +4321,7 @@
             <a:fld id="{B61BEF0D-F0BB-DE4B-95CE-6DB70DBA9567}" type="datetimeFigureOut">
               <a:rPr lang="en-US" smtClean="0"/>
               <a:pPr/>
-              <a:t>4/23/2018</a:t>
+              <a:t>4/24/2018</a:t>
             </a:fld>
             <a:endParaRPr lang="en-US" dirty="0"/>
           </a:p>
@@ -3966,7 +4446,7 @@
             <a:fld id="{B61BEF0D-F0BB-DE4B-95CE-6DB70DBA9567}" type="datetimeFigureOut">
               <a:rPr lang="en-US" smtClean="0"/>
               <a:pPr/>
-              <a:t>4/23/2018</a:t>
+              <a:t>4/24/2018</a:t>
             </a:fld>
             <a:endParaRPr lang="en-US" dirty="0"/>
           </a:p>
@@ -4063,7 +4543,7 @@
             <a:fld id="{B61BEF0D-F0BB-DE4B-95CE-6DB70DBA9567}" type="datetimeFigureOut">
               <a:rPr lang="en-US" smtClean="0"/>
               <a:pPr/>
-              <a:t>4/23/2018</a:t>
+              <a:t>4/24/2018</a:t>
             </a:fld>
             <a:endParaRPr lang="en-US" dirty="0"/>
           </a:p>
@@ -4320,7 +4800,7 @@
             <a:fld id="{B61BEF0D-F0BB-DE4B-95CE-6DB70DBA9567}" type="datetimeFigureOut">
               <a:rPr lang="en-US" smtClean="0"/>
               <a:pPr/>
-              <a:t>4/23/2018</a:t>
+              <a:t>4/24/2018</a:t>
             </a:fld>
             <a:endParaRPr lang="en-US" dirty="0"/>
           </a:p>
@@ -4585,7 +5065,7 @@
             <a:fld id="{B61BEF0D-F0BB-DE4B-95CE-6DB70DBA9567}" type="datetimeFigureOut">
               <a:rPr lang="en-US" smtClean="0"/>
               <a:pPr/>
-              <a:t>4/23/2018</a:t>
+              <a:t>4/24/2018</a:t>
             </a:fld>
             <a:endParaRPr lang="en-US" dirty="0"/>
           </a:p>
@@ -5332,7 +5812,7 @@
             <a:fld id="{B61BEF0D-F0BB-DE4B-95CE-6DB70DBA9567}" type="datetimeFigureOut">
               <a:rPr lang="en-US" smtClean="0"/>
               <a:pPr/>
-              <a:t>4/23/2018</a:t>
+              <a:t>4/24/2018</a:t>
             </a:fld>
             <a:endParaRPr lang="en-US" dirty="0"/>
           </a:p>
@@ -6038,7 +6518,7 @@
           <p:cNvPr id="2" name="Title 1">
             <a:extLst>
               <a:ext uri="{FF2B5EF4-FFF2-40B4-BE49-F238E27FC236}">
-                <a16:creationId xmlns:a16="http://schemas.microsoft.com/office/drawing/2014/main" id="{12AF34B9-D03A-4C51-B7B6-0538822C84A6}"/>
+                <a16:creationId xmlns:a16="http://schemas.microsoft.com/office/drawing/2014/main" id="{E931A03F-31A0-44E4-89BD-4469B51F6D42}"/>
               </a:ext>
             </a:extLst>
           </p:cNvPr>
@@ -6056,7 +6536,7 @@
           <a:p>
             <a:r>
               <a:rPr lang="en-AU" dirty="0"/>
-              <a:t>Consonants</a:t>
+              <a:t>Segue </a:t>
             </a:r>
           </a:p>
         </p:txBody>
@@ -6066,7 +6546,7 @@
           <p:cNvPr id="3" name="Content Placeholder 2">
             <a:extLst>
               <a:ext uri="{FF2B5EF4-FFF2-40B4-BE49-F238E27FC236}">
-                <a16:creationId xmlns:a16="http://schemas.microsoft.com/office/drawing/2014/main" id="{DE7C34D9-C2E6-42BF-A6A6-2D8D4BD34B22}"/>
+                <a16:creationId xmlns:a16="http://schemas.microsoft.com/office/drawing/2014/main" id="{27162CA5-6BDD-432C-9F1F-34749A5EC5BE}"/>
               </a:ext>
             </a:extLst>
           </p:cNvPr>
@@ -6084,39 +6564,38 @@
           <a:p>
             <a:r>
               <a:rPr lang="en-AU" dirty="0"/>
-              <a:t>Consonants are characterised in two ways:</a:t>
-            </a:r>
-          </a:p>
-          <a:p>
-            <a:pPr marL="0" indent="0">
-              <a:buNone/>
-            </a:pPr>
+              <a:t>For the rest of this hour, you need to suspend any notion you have that you may know how to spell</a:t>
+            </a:r>
+          </a:p>
+          <a:p>
             <a:endParaRPr lang="en-AU" dirty="0"/>
           </a:p>
           <a:p>
-            <a:pPr lvl="1"/>
             <a:r>
               <a:rPr lang="en-AU" dirty="0"/>
-              <a:t>Place of articulation – where we impede the flow of air</a:t>
-            </a:r>
-          </a:p>
-          <a:p>
-            <a:pPr lvl="1"/>
+              <a:t>We’ll be spelling things exactly as they sound, using the International Phonetic Alphabet (IPA)</a:t>
+            </a:r>
+          </a:p>
+          <a:p>
             <a:endParaRPr lang="en-AU" dirty="0"/>
           </a:p>
           <a:p>
-            <a:pPr lvl="1"/>
             <a:r>
               <a:rPr lang="en-AU" dirty="0"/>
-              <a:t>Manner of articulation – the way in which we impede the flow of air</a:t>
-            </a:r>
+              <a:t>Hopefully you all have an IPA sheet to </a:t>
+            </a:r>
+            <a:r>
+              <a:rPr lang="en-AU"/>
+              <a:t>read from...</a:t>
+            </a:r>
+            <a:endParaRPr lang="en-AU" dirty="0"/>
           </a:p>
         </p:txBody>
       </p:sp>
     </p:spTree>
     <p:extLst>
       <p:ext uri="{BB962C8B-B14F-4D97-AF65-F5344CB8AC3E}">
-        <p14:creationId xmlns:p14="http://schemas.microsoft.com/office/powerpoint/2010/main" val="360156302"/>
+        <p14:creationId xmlns:p14="http://schemas.microsoft.com/office/powerpoint/2010/main" val="2508846116"/>
       </p:ext>
     </p:extLst>
   </p:cSld>
@@ -6148,7 +6627,7 @@
           <p:cNvPr id="2" name="Title 1">
             <a:extLst>
               <a:ext uri="{FF2B5EF4-FFF2-40B4-BE49-F238E27FC236}">
-                <a16:creationId xmlns:a16="http://schemas.microsoft.com/office/drawing/2014/main" id="{E931A03F-31A0-44E4-89BD-4469B51F6D42}"/>
+                <a16:creationId xmlns:a16="http://schemas.microsoft.com/office/drawing/2014/main" id="{12AF34B9-D03A-4C51-B7B6-0538822C84A6}"/>
               </a:ext>
             </a:extLst>
           </p:cNvPr>
@@ -6166,7 +6645,7 @@
           <a:p>
             <a:r>
               <a:rPr lang="en-AU" dirty="0"/>
-              <a:t>Segue </a:t>
+              <a:t>Consonants</a:t>
             </a:r>
           </a:p>
         </p:txBody>
@@ -6176,7 +6655,7 @@
           <p:cNvPr id="3" name="Content Placeholder 2">
             <a:extLst>
               <a:ext uri="{FF2B5EF4-FFF2-40B4-BE49-F238E27FC236}">
-                <a16:creationId xmlns:a16="http://schemas.microsoft.com/office/drawing/2014/main" id="{27162CA5-6BDD-432C-9F1F-34749A5EC5BE}"/>
+                <a16:creationId xmlns:a16="http://schemas.microsoft.com/office/drawing/2014/main" id="{DE7C34D9-C2E6-42BF-A6A6-2D8D4BD34B22}"/>
               </a:ext>
             </a:extLst>
           </p:cNvPr>
@@ -6194,38 +6673,544 @@
           <a:p>
             <a:r>
               <a:rPr lang="en-AU" dirty="0"/>
-              <a:t>For the rest of this hour, you need to suspend any notion you have that you may know how to spell</a:t>
-            </a:r>
-          </a:p>
-          <a:p>
+              <a:t>Consonants are characterised in two ways:</a:t>
+            </a:r>
+          </a:p>
+          <a:p>
+            <a:pPr marL="0" indent="0">
+              <a:buNone/>
+            </a:pPr>
             <a:endParaRPr lang="en-AU" dirty="0"/>
           </a:p>
           <a:p>
+            <a:pPr lvl="1"/>
             <a:r>
               <a:rPr lang="en-AU" dirty="0"/>
-              <a:t>We’ll be spelling things exactly as they sound, using the International Phonetic Alphabet (IPA)</a:t>
-            </a:r>
-          </a:p>
-          <a:p>
+              <a:t>Place of articulation – where we impede the flow of air</a:t>
+            </a:r>
+          </a:p>
+          <a:p>
+            <a:pPr lvl="3"/>
+            <a:r>
+              <a:rPr lang="en-AU" dirty="0"/>
+              <a:t>Was the air stopped by you teeth?</a:t>
+            </a:r>
+          </a:p>
+          <a:p>
+            <a:pPr lvl="3"/>
+            <a:r>
+              <a:rPr lang="en-AU" dirty="0"/>
+              <a:t>Did you make a sound by closing your pharynx?</a:t>
+            </a:r>
+          </a:p>
+          <a:p>
+            <a:pPr lvl="1"/>
             <a:endParaRPr lang="en-AU" dirty="0"/>
           </a:p>
           <a:p>
+            <a:pPr lvl="1"/>
             <a:r>
               <a:rPr lang="en-AU" dirty="0"/>
-              <a:t>Hopefully you all have an IPA sheet to </a:t>
-            </a:r>
-            <a:r>
-              <a:rPr lang="en-AU"/>
-              <a:t>read from...</a:t>
-            </a:r>
-            <a:endParaRPr lang="en-AU" dirty="0"/>
+              <a:t>Manner of articulation – the way in which we impede the flow of air</a:t>
+            </a:r>
+          </a:p>
+          <a:p>
+            <a:pPr lvl="3"/>
+            <a:r>
+              <a:rPr lang="en-AU" dirty="0"/>
+              <a:t>Did you use your vocal chords?</a:t>
+            </a:r>
+          </a:p>
+          <a:p>
+            <a:pPr lvl="3"/>
+            <a:r>
+              <a:rPr lang="en-AU" dirty="0"/>
+              <a:t>Did you roll the sides of your tongue?</a:t>
+            </a:r>
+          </a:p>
+          <a:p>
+            <a:pPr lvl="3"/>
+            <a:r>
+              <a:rPr lang="en-AU" dirty="0"/>
+              <a:t>Did you stop the air completely? Or let it through, hissing?</a:t>
+            </a:r>
           </a:p>
         </p:txBody>
       </p:sp>
     </p:spTree>
     <p:extLst>
       <p:ext uri="{BB962C8B-B14F-4D97-AF65-F5344CB8AC3E}">
-        <p14:creationId xmlns:p14="http://schemas.microsoft.com/office/powerpoint/2010/main" val="2508846116"/>
+        <p14:creationId xmlns:p14="http://schemas.microsoft.com/office/powerpoint/2010/main" val="360156302"/>
+      </p:ext>
+    </p:extLst>
+  </p:cSld>
+  <p:clrMapOvr>
+    <a:masterClrMapping/>
+  </p:clrMapOvr>
+</p:sld>
+</file>
+
+<file path=ppt/slides/slide13.xml><?xml version="1.0" encoding="utf-8"?>
+<p:sld xmlns:a="http://schemas.openxmlformats.org/drawingml/2006/main" xmlns:r="http://schemas.openxmlformats.org/officeDocument/2006/relationships" xmlns:p="http://schemas.openxmlformats.org/presentationml/2006/main">
+  <p:cSld>
+    <p:spTree>
+      <p:nvGrpSpPr>
+        <p:cNvPr id="1" name=""/>
+        <p:cNvGrpSpPr/>
+        <p:nvPr/>
+      </p:nvGrpSpPr>
+      <p:grpSpPr>
+        <a:xfrm>
+          <a:off x="0" y="0"/>
+          <a:ext cx="0" cy="0"/>
+          <a:chOff x="0" y="0"/>
+          <a:chExt cx="0" cy="0"/>
+        </a:xfrm>
+      </p:grpSpPr>
+      <p:sp>
+        <p:nvSpPr>
+          <p:cNvPr id="2" name="Title 1">
+            <a:extLst>
+              <a:ext uri="{FF2B5EF4-FFF2-40B4-BE49-F238E27FC236}">
+                <a16:creationId xmlns:a16="http://schemas.microsoft.com/office/drawing/2014/main" id="{AFEDBBBB-23DC-480C-AE7E-068C0FEAD734}"/>
+              </a:ext>
+            </a:extLst>
+          </p:cNvPr>
+          <p:cNvSpPr>
+            <a:spLocks noGrp="1"/>
+          </p:cNvSpPr>
+          <p:nvPr>
+            <p:ph type="title"/>
+          </p:nvPr>
+        </p:nvSpPr>
+        <p:spPr/>
+        <p:txBody>
+          <a:bodyPr/>
+          <a:lstStyle/>
+          <a:p>
+            <a:r>
+              <a:rPr lang="en-AU" dirty="0"/>
+              <a:t>The vocal tract</a:t>
+            </a:r>
+          </a:p>
+        </p:txBody>
+      </p:sp>
+      <p:pic>
+        <p:nvPicPr>
+          <p:cNvPr id="4" name="Content Placeholder 3">
+            <a:extLst>
+              <a:ext uri="{FF2B5EF4-FFF2-40B4-BE49-F238E27FC236}">
+                <a16:creationId xmlns:a16="http://schemas.microsoft.com/office/drawing/2014/main" id="{B023A06B-1E5B-4683-9A6D-3AD179124FF4}"/>
+              </a:ext>
+            </a:extLst>
+          </p:cNvPr>
+          <p:cNvPicPr>
+            <a:picLocks noGrp="1" noChangeAspect="1"/>
+          </p:cNvPicPr>
+          <p:nvPr>
+            <p:ph idx="1"/>
+          </p:nvPr>
+        </p:nvPicPr>
+        <p:blipFill>
+          <a:blip r:embed="rId2"/>
+          <a:stretch>
+            <a:fillRect/>
+          </a:stretch>
+        </p:blipFill>
+        <p:spPr>
+          <a:xfrm>
+            <a:off x="2869809" y="1315007"/>
+            <a:ext cx="4375053" cy="5372872"/>
+          </a:xfrm>
+          <a:prstGeom prst="rect">
+            <a:avLst/>
+          </a:prstGeom>
+        </p:spPr>
+      </p:pic>
+    </p:spTree>
+    <p:extLst>
+      <p:ext uri="{BB962C8B-B14F-4D97-AF65-F5344CB8AC3E}">
+        <p14:creationId xmlns:p14="http://schemas.microsoft.com/office/powerpoint/2010/main" val="3965792070"/>
+      </p:ext>
+    </p:extLst>
+  </p:cSld>
+  <p:clrMapOvr>
+    <a:masterClrMapping/>
+  </p:clrMapOvr>
+</p:sld>
+</file>
+
+<file path=ppt/slides/slide14.xml><?xml version="1.0" encoding="utf-8"?>
+<p:sld xmlns:a="http://schemas.openxmlformats.org/drawingml/2006/main" xmlns:r="http://schemas.openxmlformats.org/officeDocument/2006/relationships" xmlns:p="http://schemas.openxmlformats.org/presentationml/2006/main">
+  <p:cSld>
+    <p:spTree>
+      <p:nvGrpSpPr>
+        <p:cNvPr id="1" name=""/>
+        <p:cNvGrpSpPr/>
+        <p:nvPr/>
+      </p:nvGrpSpPr>
+      <p:grpSpPr>
+        <a:xfrm>
+          <a:off x="0" y="0"/>
+          <a:ext cx="0" cy="0"/>
+          <a:chOff x="0" y="0"/>
+          <a:chExt cx="0" cy="0"/>
+        </a:xfrm>
+      </p:grpSpPr>
+      <p:sp>
+        <p:nvSpPr>
+          <p:cNvPr id="2" name="Title 1">
+            <a:extLst>
+              <a:ext uri="{FF2B5EF4-FFF2-40B4-BE49-F238E27FC236}">
+                <a16:creationId xmlns:a16="http://schemas.microsoft.com/office/drawing/2014/main" id="{05599190-7439-4A6F-9DB9-24A323B9A369}"/>
+              </a:ext>
+            </a:extLst>
+          </p:cNvPr>
+          <p:cNvSpPr>
+            <a:spLocks noGrp="1"/>
+          </p:cNvSpPr>
+          <p:nvPr>
+            <p:ph type="title"/>
+          </p:nvPr>
+        </p:nvSpPr>
+        <p:spPr/>
+        <p:txBody>
+          <a:bodyPr/>
+          <a:lstStyle/>
+          <a:p>
+            <a:r>
+              <a:rPr lang="en-AU" dirty="0"/>
+              <a:t>Consonants</a:t>
+            </a:r>
+          </a:p>
+        </p:txBody>
+      </p:sp>
+      <p:sp>
+        <p:nvSpPr>
+          <p:cNvPr id="3" name="Content Placeholder 2">
+            <a:extLst>
+              <a:ext uri="{FF2B5EF4-FFF2-40B4-BE49-F238E27FC236}">
+                <a16:creationId xmlns:a16="http://schemas.microsoft.com/office/drawing/2014/main" id="{0836ECB2-6747-425B-AFE6-2E07396F366E}"/>
+              </a:ext>
+            </a:extLst>
+          </p:cNvPr>
+          <p:cNvSpPr>
+            <a:spLocks noGrp="1"/>
+          </p:cNvSpPr>
+          <p:nvPr>
+            <p:ph idx="1"/>
+          </p:nvPr>
+        </p:nvSpPr>
+        <p:spPr/>
+        <p:txBody>
+          <a:bodyPr/>
+          <a:lstStyle/>
+          <a:p>
+            <a:r>
+              <a:rPr lang="en-AU" dirty="0"/>
+              <a:t>Consonants can be formed in two ways</a:t>
+            </a:r>
+          </a:p>
+          <a:p>
+            <a:pPr lvl="2"/>
+            <a:r>
+              <a:rPr lang="en-AU" dirty="0"/>
+              <a:t>Air going out of the mouth (</a:t>
+            </a:r>
+            <a:r>
+              <a:rPr lang="en-AU" dirty="0" err="1"/>
+              <a:t>egressive</a:t>
+            </a:r>
+            <a:r>
+              <a:rPr lang="en-AU" dirty="0"/>
+              <a:t>)</a:t>
+            </a:r>
+          </a:p>
+          <a:p>
+            <a:pPr lvl="2"/>
+            <a:r>
+              <a:rPr lang="en-AU" dirty="0"/>
+              <a:t>Air being pulled into the mouth (ingressive)</a:t>
+            </a:r>
+          </a:p>
+          <a:p>
+            <a:pPr lvl="2"/>
+            <a:endParaRPr lang="en-AU" dirty="0"/>
+          </a:p>
+          <a:p>
+            <a:r>
+              <a:rPr lang="en-AU" dirty="0"/>
+              <a:t>The IPA sheet shows the full range of consonants that can be made in the human vocal tract. </a:t>
+            </a:r>
+          </a:p>
+          <a:p>
+            <a:endParaRPr lang="en-AU" dirty="0"/>
+          </a:p>
+          <a:p>
+            <a:r>
+              <a:rPr lang="en-AU" dirty="0"/>
+              <a:t>There are clicks and ejectives as well, but we’ll leave those for another day, they can be treated in the same way as all other consonants</a:t>
+            </a:r>
+          </a:p>
+        </p:txBody>
+      </p:sp>
+    </p:spTree>
+    <p:extLst>
+      <p:ext uri="{BB962C8B-B14F-4D97-AF65-F5344CB8AC3E}">
+        <p14:creationId xmlns:p14="http://schemas.microsoft.com/office/powerpoint/2010/main" val="2280833697"/>
+      </p:ext>
+    </p:extLst>
+  </p:cSld>
+  <p:clrMapOvr>
+    <a:masterClrMapping/>
+  </p:clrMapOvr>
+</p:sld>
+</file>
+
+<file path=ppt/slides/slide15.xml><?xml version="1.0" encoding="utf-8"?>
+<p:sld xmlns:a="http://schemas.openxmlformats.org/drawingml/2006/main" xmlns:r="http://schemas.openxmlformats.org/officeDocument/2006/relationships" xmlns:p="http://schemas.openxmlformats.org/presentationml/2006/main">
+  <p:cSld>
+    <p:spTree>
+      <p:nvGrpSpPr>
+        <p:cNvPr id="1" name=""/>
+        <p:cNvGrpSpPr/>
+        <p:nvPr/>
+      </p:nvGrpSpPr>
+      <p:grpSpPr>
+        <a:xfrm>
+          <a:off x="0" y="0"/>
+          <a:ext cx="0" cy="0"/>
+          <a:chOff x="0" y="0"/>
+          <a:chExt cx="0" cy="0"/>
+        </a:xfrm>
+      </p:grpSpPr>
+      <p:sp>
+        <p:nvSpPr>
+          <p:cNvPr id="2" name="Title 1">
+            <a:extLst>
+              <a:ext uri="{FF2B5EF4-FFF2-40B4-BE49-F238E27FC236}">
+                <a16:creationId xmlns:a16="http://schemas.microsoft.com/office/drawing/2014/main" id="{6E72809D-8C2E-4607-AA77-A0B52C9797DB}"/>
+              </a:ext>
+            </a:extLst>
+          </p:cNvPr>
+          <p:cNvSpPr>
+            <a:spLocks noGrp="1"/>
+          </p:cNvSpPr>
+          <p:nvPr>
+            <p:ph type="title"/>
+          </p:nvPr>
+        </p:nvSpPr>
+        <p:spPr/>
+        <p:txBody>
+          <a:bodyPr/>
+          <a:lstStyle/>
+          <a:p>
+            <a:r>
+              <a:rPr lang="en-AU" dirty="0"/>
+              <a:t>Vowels</a:t>
+            </a:r>
+          </a:p>
+        </p:txBody>
+      </p:sp>
+      <p:sp>
+        <p:nvSpPr>
+          <p:cNvPr id="3" name="Content Placeholder 2">
+            <a:extLst>
+              <a:ext uri="{FF2B5EF4-FFF2-40B4-BE49-F238E27FC236}">
+                <a16:creationId xmlns:a16="http://schemas.microsoft.com/office/drawing/2014/main" id="{3865896F-D7D7-4C92-86EC-0C5BF6AF4EE4}"/>
+              </a:ext>
+            </a:extLst>
+          </p:cNvPr>
+          <p:cNvSpPr>
+            <a:spLocks noGrp="1"/>
+          </p:cNvSpPr>
+          <p:nvPr>
+            <p:ph idx="1"/>
+          </p:nvPr>
+        </p:nvSpPr>
+        <p:spPr/>
+        <p:txBody>
+          <a:bodyPr/>
+          <a:lstStyle/>
+          <a:p>
+            <a:r>
+              <a:rPr lang="en-AU" dirty="0"/>
+              <a:t>Vowels are made by engaging your vocal chords and shaping your vocal tract</a:t>
+            </a:r>
+          </a:p>
+          <a:p>
+            <a:endParaRPr lang="en-AU" dirty="0"/>
+          </a:p>
+          <a:p>
+            <a:r>
+              <a:rPr lang="en-AU" dirty="0"/>
+              <a:t>Only a few ways to alter the sound of a vowel</a:t>
+            </a:r>
+          </a:p>
+          <a:p>
+            <a:pPr lvl="2"/>
+            <a:r>
+              <a:rPr lang="en-AU" dirty="0"/>
+              <a:t>Height of your tongue</a:t>
+            </a:r>
+          </a:p>
+          <a:p>
+            <a:pPr lvl="2"/>
+            <a:r>
+              <a:rPr lang="en-AU" dirty="0"/>
+              <a:t>‘</a:t>
+            </a:r>
+            <a:r>
+              <a:rPr lang="en-AU" dirty="0" err="1"/>
+              <a:t>Backness</a:t>
+            </a:r>
+            <a:r>
+              <a:rPr lang="en-AU" dirty="0"/>
+              <a:t>’ of your tongue</a:t>
+            </a:r>
+          </a:p>
+          <a:p>
+            <a:pPr lvl="2"/>
+            <a:r>
+              <a:rPr lang="en-AU" dirty="0"/>
+              <a:t>Modifying the way your vocal chords vibrate</a:t>
+            </a:r>
+          </a:p>
+        </p:txBody>
+      </p:sp>
+    </p:spTree>
+    <p:extLst>
+      <p:ext uri="{BB962C8B-B14F-4D97-AF65-F5344CB8AC3E}">
+        <p14:creationId xmlns:p14="http://schemas.microsoft.com/office/powerpoint/2010/main" val="2608507744"/>
+      </p:ext>
+    </p:extLst>
+  </p:cSld>
+  <p:clrMapOvr>
+    <a:masterClrMapping/>
+  </p:clrMapOvr>
+</p:sld>
+</file>
+
+<file path=ppt/slides/slide16.xml><?xml version="1.0" encoding="utf-8"?>
+<p:sld xmlns:a="http://schemas.openxmlformats.org/drawingml/2006/main" xmlns:r="http://schemas.openxmlformats.org/officeDocument/2006/relationships" xmlns:p="http://schemas.openxmlformats.org/presentationml/2006/main">
+  <p:cSld>
+    <p:spTree>
+      <p:nvGrpSpPr>
+        <p:cNvPr id="1" name=""/>
+        <p:cNvGrpSpPr/>
+        <p:nvPr/>
+      </p:nvGrpSpPr>
+      <p:grpSpPr>
+        <a:xfrm>
+          <a:off x="0" y="0"/>
+          <a:ext cx="0" cy="0"/>
+          <a:chOff x="0" y="0"/>
+          <a:chExt cx="0" cy="0"/>
+        </a:xfrm>
+      </p:grpSpPr>
+      <p:sp>
+        <p:nvSpPr>
+          <p:cNvPr id="2" name="Title 1">
+            <a:extLst>
+              <a:ext uri="{FF2B5EF4-FFF2-40B4-BE49-F238E27FC236}">
+                <a16:creationId xmlns:a16="http://schemas.microsoft.com/office/drawing/2014/main" id="{F9B96981-AD54-4FAB-8C02-96D7500B7E77}"/>
+              </a:ext>
+            </a:extLst>
+          </p:cNvPr>
+          <p:cNvSpPr>
+            <a:spLocks noGrp="1"/>
+          </p:cNvSpPr>
+          <p:nvPr>
+            <p:ph type="title"/>
+          </p:nvPr>
+        </p:nvSpPr>
+        <p:spPr/>
+        <p:txBody>
+          <a:bodyPr/>
+          <a:lstStyle/>
+          <a:p>
+            <a:r>
+              <a:rPr lang="en-AU" dirty="0"/>
+              <a:t>Reading a </a:t>
+            </a:r>
+            <a:r>
+              <a:rPr lang="en-AU" dirty="0" err="1"/>
+              <a:t>specrtogram</a:t>
+            </a:r>
+            <a:endParaRPr lang="en-AU" dirty="0"/>
+          </a:p>
+        </p:txBody>
+      </p:sp>
+      <p:pic>
+        <p:nvPicPr>
+          <p:cNvPr id="4" name="Content Placeholder 3">
+            <a:extLst>
+              <a:ext uri="{FF2B5EF4-FFF2-40B4-BE49-F238E27FC236}">
+                <a16:creationId xmlns:a16="http://schemas.microsoft.com/office/drawing/2014/main" id="{FA9BC0A9-6DDC-4109-88A5-759D180F9123}"/>
+              </a:ext>
+            </a:extLst>
+          </p:cNvPr>
+          <p:cNvPicPr>
+            <a:picLocks noGrp="1" noChangeAspect="1"/>
+          </p:cNvPicPr>
+          <p:nvPr>
+            <p:ph idx="1"/>
+          </p:nvPr>
+        </p:nvPicPr>
+        <p:blipFill>
+          <a:blip r:embed="rId3"/>
+          <a:stretch>
+            <a:fillRect/>
+          </a:stretch>
+        </p:blipFill>
+        <p:spPr>
+          <a:xfrm>
+            <a:off x="2085587" y="2160588"/>
+            <a:ext cx="5780863" cy="3881437"/>
+          </a:xfrm>
+          <a:prstGeom prst="rect">
+            <a:avLst/>
+          </a:prstGeom>
+        </p:spPr>
+      </p:pic>
+      <p:sp>
+        <p:nvSpPr>
+          <p:cNvPr id="5" name="Rectangle 4">
+            <a:extLst>
+              <a:ext uri="{FF2B5EF4-FFF2-40B4-BE49-F238E27FC236}">
+                <a16:creationId xmlns:a16="http://schemas.microsoft.com/office/drawing/2014/main" id="{B8D4820B-7B50-4B81-B2AD-AC5371005320}"/>
+              </a:ext>
+            </a:extLst>
+          </p:cNvPr>
+          <p:cNvSpPr/>
+          <p:nvPr/>
+        </p:nvSpPr>
+        <p:spPr>
+          <a:xfrm>
+            <a:off x="677334" y="6272213"/>
+            <a:ext cx="5583580" cy="369332"/>
+          </a:xfrm>
+          <a:prstGeom prst="rect">
+            <a:avLst/>
+          </a:prstGeom>
+        </p:spPr>
+        <p:txBody>
+          <a:bodyPr wrap="none">
+            <a:spAutoFit/>
+          </a:bodyPr>
+          <a:lstStyle/>
+          <a:p>
+            <a:r>
+              <a:rPr lang="en-AU" dirty="0"/>
+              <a:t>https://home.cc.umanitoba.ca/~robh/howto.html#</a:t>
+            </a:r>
+          </a:p>
+        </p:txBody>
+      </p:sp>
+    </p:spTree>
+    <p:extLst>
+      <p:ext uri="{BB962C8B-B14F-4D97-AF65-F5344CB8AC3E}">
+        <p14:creationId xmlns:p14="http://schemas.microsoft.com/office/powerpoint/2010/main" val="3053739869"/>
       </p:ext>
     </p:extLst>
   </p:cSld>
@@ -7505,4 +8490,299 @@
     </a:ext>
   </a:extLst>
 </a:theme>
+</file>
+
+<file path=ppt/theme/theme2.xml><?xml version="1.0" encoding="utf-8"?>
+<a:theme xmlns:a="http://schemas.openxmlformats.org/drawingml/2006/main" name="Office Theme">
+  <a:themeElements>
+    <a:clrScheme name="Office">
+      <a:dk1>
+        <a:sysClr val="windowText" lastClr="000000"/>
+      </a:dk1>
+      <a:lt1>
+        <a:sysClr val="window" lastClr="FFFFFF"/>
+      </a:lt1>
+      <a:dk2>
+        <a:srgbClr val="44546A"/>
+      </a:dk2>
+      <a:lt2>
+        <a:srgbClr val="E7E6E6"/>
+      </a:lt2>
+      <a:accent1>
+        <a:srgbClr val="4472C4"/>
+      </a:accent1>
+      <a:accent2>
+        <a:srgbClr val="ED7D31"/>
+      </a:accent2>
+      <a:accent3>
+        <a:srgbClr val="A5A5A5"/>
+      </a:accent3>
+      <a:accent4>
+        <a:srgbClr val="FFC000"/>
+      </a:accent4>
+      <a:accent5>
+        <a:srgbClr val="5B9BD5"/>
+      </a:accent5>
+      <a:accent6>
+        <a:srgbClr val="70AD47"/>
+      </a:accent6>
+      <a:hlink>
+        <a:srgbClr val="0563C1"/>
+      </a:hlink>
+      <a:folHlink>
+        <a:srgbClr val="954F72"/>
+      </a:folHlink>
+    </a:clrScheme>
+    <a:fontScheme name="Office">
+      <a:majorFont>
+        <a:latin typeface="Calibri Light" panose="020F0302020204030204"/>
+        <a:ea typeface=""/>
+        <a:cs typeface=""/>
+        <a:font script="Jpan" typeface="游ゴシック Light"/>
+        <a:font script="Hang" typeface="맑은 고딕"/>
+        <a:font script="Hans" typeface="等线 Light"/>
+        <a:font script="Hant" typeface="新細明體"/>
+        <a:font script="Arab" typeface="Times New Roman"/>
+        <a:font script="Hebr" typeface="Times New Roman"/>
+        <a:font script="Thai" typeface="Angsana New"/>
+        <a:font script="Ethi" typeface="Nyala"/>
+        <a:font script="Beng" typeface="Vrinda"/>
+        <a:font script="Gujr" typeface="Shruti"/>
+        <a:font script="Khmr" typeface="MoolBoran"/>
+        <a:font script="Knda" typeface="Tunga"/>
+        <a:font script="Guru" typeface="Raavi"/>
+        <a:font script="Cans" typeface="Euphemia"/>
+        <a:font script="Cher" typeface="Plantagenet Cherokee"/>
+        <a:font script="Yiii" typeface="Microsoft Yi Baiti"/>
+        <a:font script="Tibt" typeface="Microsoft Himalaya"/>
+        <a:font script="Thaa" typeface="MV Boli"/>
+        <a:font script="Deva" typeface="Mangal"/>
+        <a:font script="Telu" typeface="Gautami"/>
+        <a:font script="Taml" typeface="Latha"/>
+        <a:font script="Syrc" typeface="Estrangelo Edessa"/>
+        <a:font script="Orya" typeface="Kalinga"/>
+        <a:font script="Mlym" typeface="Kartika"/>
+        <a:font script="Laoo" typeface="DokChampa"/>
+        <a:font script="Sinh" typeface="Iskoola Pota"/>
+        <a:font script="Mong" typeface="Mongolian Baiti"/>
+        <a:font script="Viet" typeface="Times New Roman"/>
+        <a:font script="Uigh" typeface="Microsoft Uighur"/>
+        <a:font script="Geor" typeface="Sylfaen"/>
+        <a:font script="Armn" typeface="Arial"/>
+        <a:font script="Bugi" typeface="Leelawadee UI"/>
+        <a:font script="Bopo" typeface="Microsoft JhengHei"/>
+        <a:font script="Java" typeface="Javanese Text"/>
+        <a:font script="Lisu" typeface="Segoe UI"/>
+        <a:font script="Mymr" typeface="Myanmar Text"/>
+        <a:font script="Nkoo" typeface="Ebrima"/>
+        <a:font script="Olck" typeface="Nirmala UI"/>
+        <a:font script="Osma" typeface="Ebrima"/>
+        <a:font script="Phag" typeface="Phagspa"/>
+        <a:font script="Syrn" typeface="Estrangelo Edessa"/>
+        <a:font script="Syrj" typeface="Estrangelo Edessa"/>
+        <a:font script="Syre" typeface="Estrangelo Edessa"/>
+        <a:font script="Sora" typeface="Nirmala UI"/>
+        <a:font script="Tale" typeface="Microsoft Tai Le"/>
+        <a:font script="Talu" typeface="Microsoft New Tai Lue"/>
+        <a:font script="Tfng" typeface="Ebrima"/>
+      </a:majorFont>
+      <a:minorFont>
+        <a:latin typeface="Calibri" panose="020F0502020204030204"/>
+        <a:ea typeface=""/>
+        <a:cs typeface=""/>
+        <a:font script="Jpan" typeface="游ゴシック"/>
+        <a:font script="Hang" typeface="맑은 고딕"/>
+        <a:font script="Hans" typeface="等线"/>
+        <a:font script="Hant" typeface="新細明體"/>
+        <a:font script="Arab" typeface="Arial"/>
+        <a:font script="Hebr" typeface="Arial"/>
+        <a:font script="Thai" typeface="Cordia New"/>
+        <a:font script="Ethi" typeface="Nyala"/>
+        <a:font script="Beng" typeface="Vrinda"/>
+        <a:font script="Gujr" typeface="Shruti"/>
+        <a:font script="Khmr" typeface="DaunPenh"/>
+        <a:font script="Knda" typeface="Tunga"/>
+        <a:font script="Guru" typeface="Raavi"/>
+        <a:font script="Cans" typeface="Euphemia"/>
+        <a:font script="Cher" typeface="Plantagenet Cherokee"/>
+        <a:font script="Yiii" typeface="Microsoft Yi Baiti"/>
+        <a:font script="Tibt" typeface="Microsoft Himalaya"/>
+        <a:font script="Thaa" typeface="MV Boli"/>
+        <a:font script="Deva" typeface="Mangal"/>
+        <a:font script="Telu" typeface="Gautami"/>
+        <a:font script="Taml" typeface="Latha"/>
+        <a:font script="Syrc" typeface="Estrangelo Edessa"/>
+        <a:font script="Orya" typeface="Kalinga"/>
+        <a:font script="Mlym" typeface="Kartika"/>
+        <a:font script="Laoo" typeface="DokChampa"/>
+        <a:font script="Sinh" typeface="Iskoola Pota"/>
+        <a:font script="Mong" typeface="Mongolian Baiti"/>
+        <a:font script="Viet" typeface="Arial"/>
+        <a:font script="Uigh" typeface="Microsoft Uighur"/>
+        <a:font script="Geor" typeface="Sylfaen"/>
+        <a:font script="Armn" typeface="Arial"/>
+        <a:font script="Bugi" typeface="Leelawadee UI"/>
+        <a:font script="Bopo" typeface="Microsoft JhengHei"/>
+        <a:font script="Java" typeface="Javanese Text"/>
+        <a:font script="Lisu" typeface="Segoe UI"/>
+        <a:font script="Mymr" typeface="Myanmar Text"/>
+        <a:font script="Nkoo" typeface="Ebrima"/>
+        <a:font script="Olck" typeface="Nirmala UI"/>
+        <a:font script="Osma" typeface="Ebrima"/>
+        <a:font script="Phag" typeface="Phagspa"/>
+        <a:font script="Syrn" typeface="Estrangelo Edessa"/>
+        <a:font script="Syrj" typeface="Estrangelo Edessa"/>
+        <a:font script="Syre" typeface="Estrangelo Edessa"/>
+        <a:font script="Sora" typeface="Nirmala UI"/>
+        <a:font script="Tale" typeface="Microsoft Tai Le"/>
+        <a:font script="Talu" typeface="Microsoft New Tai Lue"/>
+        <a:font script="Tfng" typeface="Ebrima"/>
+      </a:minorFont>
+    </a:fontScheme>
+    <a:fmtScheme name="Office">
+      <a:fillStyleLst>
+        <a:solidFill>
+          <a:schemeClr val="phClr"/>
+        </a:solidFill>
+        <a:gradFill rotWithShape="1">
+          <a:gsLst>
+            <a:gs pos="0">
+              <a:schemeClr val="phClr">
+                <a:lumMod val="110000"/>
+                <a:satMod val="105000"/>
+                <a:tint val="67000"/>
+              </a:schemeClr>
+            </a:gs>
+            <a:gs pos="50000">
+              <a:schemeClr val="phClr">
+                <a:lumMod val="105000"/>
+                <a:satMod val="103000"/>
+                <a:tint val="73000"/>
+              </a:schemeClr>
+            </a:gs>
+            <a:gs pos="100000">
+              <a:schemeClr val="phClr">
+                <a:lumMod val="105000"/>
+                <a:satMod val="109000"/>
+                <a:tint val="81000"/>
+              </a:schemeClr>
+            </a:gs>
+          </a:gsLst>
+          <a:lin ang="5400000" scaled="0"/>
+        </a:gradFill>
+        <a:gradFill rotWithShape="1">
+          <a:gsLst>
+            <a:gs pos="0">
+              <a:schemeClr val="phClr">
+                <a:satMod val="103000"/>
+                <a:lumMod val="102000"/>
+                <a:tint val="94000"/>
+              </a:schemeClr>
+            </a:gs>
+            <a:gs pos="50000">
+              <a:schemeClr val="phClr">
+                <a:satMod val="110000"/>
+                <a:lumMod val="100000"/>
+                <a:shade val="100000"/>
+              </a:schemeClr>
+            </a:gs>
+            <a:gs pos="100000">
+              <a:schemeClr val="phClr">
+                <a:lumMod val="99000"/>
+                <a:satMod val="120000"/>
+                <a:shade val="78000"/>
+              </a:schemeClr>
+            </a:gs>
+          </a:gsLst>
+          <a:lin ang="5400000" scaled="0"/>
+        </a:gradFill>
+      </a:fillStyleLst>
+      <a:lnStyleLst>
+        <a:ln w="6350" cap="flat" cmpd="sng" algn="ctr">
+          <a:solidFill>
+            <a:schemeClr val="phClr"/>
+          </a:solidFill>
+          <a:prstDash val="solid"/>
+          <a:miter lim="800000"/>
+        </a:ln>
+        <a:ln w="12700" cap="flat" cmpd="sng" algn="ctr">
+          <a:solidFill>
+            <a:schemeClr val="phClr"/>
+          </a:solidFill>
+          <a:prstDash val="solid"/>
+          <a:miter lim="800000"/>
+        </a:ln>
+        <a:ln w="19050" cap="flat" cmpd="sng" algn="ctr">
+          <a:solidFill>
+            <a:schemeClr val="phClr"/>
+          </a:solidFill>
+          <a:prstDash val="solid"/>
+          <a:miter lim="800000"/>
+        </a:ln>
+      </a:lnStyleLst>
+      <a:effectStyleLst>
+        <a:effectStyle>
+          <a:effectLst/>
+        </a:effectStyle>
+        <a:effectStyle>
+          <a:effectLst/>
+        </a:effectStyle>
+        <a:effectStyle>
+          <a:effectLst>
+            <a:outerShdw blurRad="57150" dist="19050" dir="5400000" algn="ctr" rotWithShape="0">
+              <a:srgbClr val="000000">
+                <a:alpha val="63000"/>
+              </a:srgbClr>
+            </a:outerShdw>
+          </a:effectLst>
+        </a:effectStyle>
+      </a:effectStyleLst>
+      <a:bgFillStyleLst>
+        <a:solidFill>
+          <a:schemeClr val="phClr"/>
+        </a:solidFill>
+        <a:solidFill>
+          <a:schemeClr val="phClr">
+            <a:tint val="95000"/>
+            <a:satMod val="170000"/>
+          </a:schemeClr>
+        </a:solidFill>
+        <a:gradFill rotWithShape="1">
+          <a:gsLst>
+            <a:gs pos="0">
+              <a:schemeClr val="phClr">
+                <a:tint val="93000"/>
+                <a:satMod val="150000"/>
+                <a:shade val="98000"/>
+                <a:lumMod val="102000"/>
+              </a:schemeClr>
+            </a:gs>
+            <a:gs pos="50000">
+              <a:schemeClr val="phClr">
+                <a:tint val="98000"/>
+                <a:satMod val="130000"/>
+                <a:shade val="90000"/>
+                <a:lumMod val="103000"/>
+              </a:schemeClr>
+            </a:gs>
+            <a:gs pos="100000">
+              <a:schemeClr val="phClr">
+                <a:shade val="63000"/>
+                <a:satMod val="120000"/>
+              </a:schemeClr>
+            </a:gs>
+          </a:gsLst>
+          <a:lin ang="5400000" scaled="0"/>
+        </a:gradFill>
+      </a:bgFillStyleLst>
+    </a:fmtScheme>
+  </a:themeElements>
+  <a:objectDefaults/>
+  <a:extraClrSchemeLst/>
+  <a:extLst>
+    <a:ext uri="{05A4C25C-085E-4340-85A3-A5531E510DB2}">
+      <thm15:themeFamily xmlns:thm15="http://schemas.microsoft.com/office/thememl/2012/main" name="Office Theme" id="{62F939B6-93AF-4DB8-9C6B-D6C7DFDC589F}" vid="{4A3C46E8-61CC-4603-A589-7422A47A8E4A}"/>
+    </a:ext>
+  </a:extLst>
+</a:theme>
 </file>
--- a/Short Course in Linguistics Wk 1.pptx
+++ b/Short Course in Linguistics Wk 1.pptx
@@ -5,7 +5,7 @@
     <p:sldMasterId id="2147483751" r:id="rId1"/>
   </p:sldMasterIdLst>
   <p:notesMasterIdLst>
-    <p:notesMasterId r:id="rId18"/>
+    <p:notesMasterId r:id="rId58"/>
   </p:notesMasterIdLst>
   <p:sldIdLst>
     <p:sldId id="256" r:id="rId2"/>
@@ -14,16 +14,56 @@
     <p:sldId id="259" r:id="rId5"/>
     <p:sldId id="265" r:id="rId6"/>
     <p:sldId id="266" r:id="rId7"/>
-    <p:sldId id="261" r:id="rId8"/>
-    <p:sldId id="260" r:id="rId9"/>
-    <p:sldId id="263" r:id="rId10"/>
-    <p:sldId id="262" r:id="rId11"/>
-    <p:sldId id="267" r:id="rId12"/>
-    <p:sldId id="264" r:id="rId13"/>
-    <p:sldId id="270" r:id="rId14"/>
-    <p:sldId id="269" r:id="rId15"/>
-    <p:sldId id="271" r:id="rId16"/>
-    <p:sldId id="268" r:id="rId17"/>
+    <p:sldId id="272" r:id="rId8"/>
+    <p:sldId id="261" r:id="rId9"/>
+    <p:sldId id="260" r:id="rId10"/>
+    <p:sldId id="263" r:id="rId11"/>
+    <p:sldId id="262" r:id="rId12"/>
+    <p:sldId id="267" r:id="rId13"/>
+    <p:sldId id="269" r:id="rId14"/>
+    <p:sldId id="264" r:id="rId15"/>
+    <p:sldId id="274" r:id="rId16"/>
+    <p:sldId id="273" r:id="rId17"/>
+    <p:sldId id="275" r:id="rId18"/>
+    <p:sldId id="276" r:id="rId19"/>
+    <p:sldId id="271" r:id="rId20"/>
+    <p:sldId id="277" r:id="rId21"/>
+    <p:sldId id="278" r:id="rId22"/>
+    <p:sldId id="279" r:id="rId23"/>
+    <p:sldId id="280" r:id="rId24"/>
+    <p:sldId id="268" r:id="rId25"/>
+    <p:sldId id="281" r:id="rId26"/>
+    <p:sldId id="282" r:id="rId27"/>
+    <p:sldId id="284" r:id="rId28"/>
+    <p:sldId id="283" r:id="rId29"/>
+    <p:sldId id="286" r:id="rId30"/>
+    <p:sldId id="287" r:id="rId31"/>
+    <p:sldId id="288" r:id="rId32"/>
+    <p:sldId id="289" r:id="rId33"/>
+    <p:sldId id="290" r:id="rId34"/>
+    <p:sldId id="291" r:id="rId35"/>
+    <p:sldId id="292" r:id="rId36"/>
+    <p:sldId id="293" r:id="rId37"/>
+    <p:sldId id="295" r:id="rId38"/>
+    <p:sldId id="294" r:id="rId39"/>
+    <p:sldId id="296" r:id="rId40"/>
+    <p:sldId id="297" r:id="rId41"/>
+    <p:sldId id="298" r:id="rId42"/>
+    <p:sldId id="299" r:id="rId43"/>
+    <p:sldId id="300" r:id="rId44"/>
+    <p:sldId id="301" r:id="rId45"/>
+    <p:sldId id="302" r:id="rId46"/>
+    <p:sldId id="303" r:id="rId47"/>
+    <p:sldId id="304" r:id="rId48"/>
+    <p:sldId id="305" r:id="rId49"/>
+    <p:sldId id="306" r:id="rId50"/>
+    <p:sldId id="307" r:id="rId51"/>
+    <p:sldId id="309" r:id="rId52"/>
+    <p:sldId id="308" r:id="rId53"/>
+    <p:sldId id="285" r:id="rId54"/>
+    <p:sldId id="310" r:id="rId55"/>
+    <p:sldId id="312" r:id="rId56"/>
+    <p:sldId id="311" r:id="rId57"/>
   </p:sldIdLst>
   <p:sldSz cx="12192000" cy="6858000"/>
   <p:notesSz cx="6858000" cy="9144000"/>
@@ -125,6 +165,9 @@
   <p:extLst>
     <p:ext uri="{EFAFB233-063F-42B5-8137-9DF3F51BA10A}">
       <p15:sldGuideLst xmlns:p15="http://schemas.microsoft.com/office/powerpoint/2012/main"/>
+    </p:ext>
+    <p:ext uri="{2D200454-40CA-4A62-9FC3-DE9A4176ACB9}">
+      <p15:notesGuideLst xmlns:p15="http://schemas.microsoft.com/office/powerpoint/2012/main"/>
     </p:ext>
   </p:extLst>
 </p:presentation>
@@ -528,41 +571,7 @@
           <a:bodyPr/>
           <a:lstStyle/>
           <a:p>
-            <a:r>
-              <a:rPr lang="en-AU" dirty="0"/>
-              <a:t>Figure 3. Wide band spectrograms of the vowels of American English in a /</a:t>
-            </a:r>
-            <a:r>
-              <a:rPr lang="en-AU" dirty="0" err="1"/>
-              <a:t>b__d</a:t>
-            </a:r>
-            <a:r>
-              <a:rPr lang="en-AU" dirty="0"/>
-              <a:t>/ context. </a:t>
-            </a:r>
-            <a:br>
-              <a:rPr lang="en-AU" dirty="0"/>
-            </a:br>
-            <a:r>
-              <a:rPr lang="en-AU" dirty="0"/>
-              <a:t>Top row, left to right: [</a:t>
-            </a:r>
-            <a:r>
-              <a:rPr lang="en-AU" dirty="0" err="1"/>
-              <a:t>i</a:t>
-            </a:r>
-            <a:r>
-              <a:rPr lang="en-AU" dirty="0"/>
-              <a:t>, ɪ, </a:t>
-            </a:r>
-            <a:r>
-              <a:rPr lang="en-AU" dirty="0" err="1"/>
-              <a:t>eɪ</a:t>
-            </a:r>
-            <a:r>
-              <a:rPr lang="en-AU" dirty="0"/>
-              <a:t>, ɛ, æ]. Bottom row, left to right: [ɑ, ɔ, o, ʊ, u].</a:t>
-            </a:r>
+            <a:endParaRPr lang="en-AU" dirty="0"/>
           </a:p>
         </p:txBody>
       </p:sp>
@@ -583,7 +592,7 @@
           <a:p>
             <a:fld id="{22B12596-9D7F-465E-82D3-2E76171EBC41}" type="slidenum">
               <a:rPr lang="en-AU" smtClean="0"/>
-              <a:t>16</a:t>
+              <a:t>24</a:t>
             </a:fld>
             <a:endParaRPr lang="en-AU"/>
           </a:p>
@@ -593,6 +602,93 @@
     <p:extLst>
       <p:ext uri="{BB962C8B-B14F-4D97-AF65-F5344CB8AC3E}">
         <p14:creationId xmlns:p14="http://schemas.microsoft.com/office/powerpoint/2010/main" val="2886396369"/>
+      </p:ext>
+    </p:extLst>
+  </p:cSld>
+  <p:clrMapOvr>
+    <a:masterClrMapping/>
+  </p:clrMapOvr>
+</p:notes>
+</file>
+
+<file path=ppt/notesSlides/notesSlide2.xml><?xml version="1.0" encoding="utf-8"?>
+<p:notes xmlns:a="http://schemas.openxmlformats.org/drawingml/2006/main" xmlns:r="http://schemas.openxmlformats.org/officeDocument/2006/relationships" xmlns:p="http://schemas.openxmlformats.org/presentationml/2006/main">
+  <p:cSld>
+    <p:spTree>
+      <p:nvGrpSpPr>
+        <p:cNvPr id="1" name=""/>
+        <p:cNvGrpSpPr/>
+        <p:nvPr/>
+      </p:nvGrpSpPr>
+      <p:grpSpPr>
+        <a:xfrm>
+          <a:off x="0" y="0"/>
+          <a:ext cx="0" cy="0"/>
+          <a:chOff x="0" y="0"/>
+          <a:chExt cx="0" cy="0"/>
+        </a:xfrm>
+      </p:grpSpPr>
+      <p:sp>
+        <p:nvSpPr>
+          <p:cNvPr id="2" name="Slide Image Placeholder 1"/>
+          <p:cNvSpPr>
+            <a:spLocks noGrp="1" noRot="1" noChangeAspect="1"/>
+          </p:cNvSpPr>
+          <p:nvPr>
+            <p:ph type="sldImg"/>
+          </p:nvPr>
+        </p:nvSpPr>
+        <p:spPr/>
+      </p:sp>
+      <p:sp>
+        <p:nvSpPr>
+          <p:cNvPr id="3" name="Notes Placeholder 2"/>
+          <p:cNvSpPr>
+            <a:spLocks noGrp="1"/>
+          </p:cNvSpPr>
+          <p:nvPr>
+            <p:ph type="body" idx="1"/>
+          </p:nvPr>
+        </p:nvSpPr>
+        <p:spPr/>
+        <p:txBody>
+          <a:bodyPr/>
+          <a:lstStyle/>
+          <a:p>
+            <a:r>
+              <a:rPr lang="en-AU" dirty="0"/>
+              <a:t>To accurately sample we must have two samples per cycle (Nyquist frequency)</a:t>
+            </a:r>
+          </a:p>
+        </p:txBody>
+      </p:sp>
+      <p:sp>
+        <p:nvSpPr>
+          <p:cNvPr id="4" name="Slide Number Placeholder 3"/>
+          <p:cNvSpPr>
+            <a:spLocks noGrp="1"/>
+          </p:cNvSpPr>
+          <p:nvPr>
+            <p:ph type="sldNum" sz="quarter" idx="10"/>
+          </p:nvPr>
+        </p:nvSpPr>
+        <p:spPr/>
+        <p:txBody>
+          <a:bodyPr/>
+          <a:lstStyle/>
+          <a:p>
+            <a:fld id="{22B12596-9D7F-465E-82D3-2E76171EBC41}" type="slidenum">
+              <a:rPr lang="en-AU" smtClean="0"/>
+              <a:t>40</a:t>
+            </a:fld>
+            <a:endParaRPr lang="en-AU"/>
+          </a:p>
+        </p:txBody>
+      </p:sp>
+    </p:spTree>
+    <p:extLst>
+      <p:ext uri="{BB962C8B-B14F-4D97-AF65-F5344CB8AC3E}">
+        <p14:creationId xmlns:p14="http://schemas.microsoft.com/office/powerpoint/2010/main" val="3434796924"/>
       </p:ext>
     </p:extLst>
   </p:cSld>
@@ -6428,6 +6524,124 @@
           <p:cNvPr id="2" name="Title 1">
             <a:extLst>
               <a:ext uri="{FF2B5EF4-FFF2-40B4-BE49-F238E27FC236}">
+                <a16:creationId xmlns:a16="http://schemas.microsoft.com/office/drawing/2014/main" id="{E62EB756-97C0-4417-9CE9-3592966F1F18}"/>
+              </a:ext>
+            </a:extLst>
+          </p:cNvPr>
+          <p:cNvSpPr>
+            <a:spLocks noGrp="1"/>
+          </p:cNvSpPr>
+          <p:nvPr>
+            <p:ph type="title"/>
+          </p:nvPr>
+        </p:nvSpPr>
+        <p:spPr/>
+        <p:txBody>
+          <a:bodyPr/>
+          <a:lstStyle/>
+          <a:p>
+            <a:r>
+              <a:rPr lang="en-AU" dirty="0"/>
+              <a:t>How do we produce speech sounds?</a:t>
+            </a:r>
+          </a:p>
+        </p:txBody>
+      </p:sp>
+      <p:sp>
+        <p:nvSpPr>
+          <p:cNvPr id="3" name="Content Placeholder 2">
+            <a:extLst>
+              <a:ext uri="{FF2B5EF4-FFF2-40B4-BE49-F238E27FC236}">
+                <a16:creationId xmlns:a16="http://schemas.microsoft.com/office/drawing/2014/main" id="{56D564AA-8BCA-49B1-B518-59C3812C82CB}"/>
+              </a:ext>
+            </a:extLst>
+          </p:cNvPr>
+          <p:cNvSpPr>
+            <a:spLocks noGrp="1"/>
+          </p:cNvSpPr>
+          <p:nvPr>
+            <p:ph idx="1"/>
+          </p:nvPr>
+        </p:nvSpPr>
+        <p:spPr/>
+        <p:txBody>
+          <a:bodyPr/>
+          <a:lstStyle/>
+          <a:p>
+            <a:r>
+              <a:rPr lang="en-AU" dirty="0"/>
+              <a:t>Majority of speech sound created by releasing air from the lungs through the mouth or nose</a:t>
+            </a:r>
+          </a:p>
+          <a:p>
+            <a:endParaRPr lang="en-AU" dirty="0"/>
+          </a:p>
+          <a:p>
+            <a:r>
+              <a:rPr lang="en-AU" dirty="0"/>
+              <a:t>We use the stream of air, vocal chords and different configurations of the mouth</a:t>
+            </a:r>
+          </a:p>
+          <a:p>
+            <a:endParaRPr lang="en-AU" dirty="0"/>
+          </a:p>
+          <a:p>
+            <a:r>
+              <a:rPr lang="en-AU" dirty="0"/>
+              <a:t>Two different types of sounds</a:t>
+            </a:r>
+          </a:p>
+          <a:p>
+            <a:pPr lvl="1"/>
+            <a:r>
+              <a:rPr lang="en-AU" dirty="0"/>
+              <a:t>Consonants – use the mouth to restrict the flow of air</a:t>
+            </a:r>
+          </a:p>
+          <a:p>
+            <a:pPr lvl="1"/>
+            <a:r>
+              <a:rPr lang="en-AU" dirty="0"/>
+              <a:t>Vowels – allow free flowing </a:t>
+            </a:r>
+          </a:p>
+        </p:txBody>
+      </p:sp>
+    </p:spTree>
+    <p:extLst>
+      <p:ext uri="{BB962C8B-B14F-4D97-AF65-F5344CB8AC3E}">
+        <p14:creationId xmlns:p14="http://schemas.microsoft.com/office/powerpoint/2010/main" val="2054790232"/>
+      </p:ext>
+    </p:extLst>
+  </p:cSld>
+  <p:clrMapOvr>
+    <a:masterClrMapping/>
+  </p:clrMapOvr>
+</p:sld>
+</file>
+
+<file path=ppt/slides/slide11.xml><?xml version="1.0" encoding="utf-8"?>
+<p:sld xmlns:a="http://schemas.openxmlformats.org/drawingml/2006/main" xmlns:r="http://schemas.openxmlformats.org/officeDocument/2006/relationships" xmlns:p="http://schemas.openxmlformats.org/presentationml/2006/main">
+  <p:cSld>
+    <p:spTree>
+      <p:nvGrpSpPr>
+        <p:cNvPr id="1" name=""/>
+        <p:cNvGrpSpPr/>
+        <p:nvPr/>
+      </p:nvGrpSpPr>
+      <p:grpSpPr>
+        <a:xfrm>
+          <a:off x="0" y="0"/>
+          <a:ext cx="0" cy="0"/>
+          <a:chOff x="0" y="0"/>
+          <a:chExt cx="0" cy="0"/>
+        </a:xfrm>
+      </p:grpSpPr>
+      <p:sp>
+        <p:nvSpPr>
+          <p:cNvPr id="2" name="Title 1">
+            <a:extLst>
+              <a:ext uri="{FF2B5EF4-FFF2-40B4-BE49-F238E27FC236}">
                 <a16:creationId xmlns:a16="http://schemas.microsoft.com/office/drawing/2014/main" id="{AFEDBBBB-23DC-480C-AE7E-068C0FEAD734}"/>
               </a:ext>
             </a:extLst>
@@ -6496,115 +6710,6 @@
 </p:sld>
 </file>
 
-<file path=ppt/slides/slide11.xml><?xml version="1.0" encoding="utf-8"?>
-<p:sld xmlns:a="http://schemas.openxmlformats.org/drawingml/2006/main" xmlns:r="http://schemas.openxmlformats.org/officeDocument/2006/relationships" xmlns:p="http://schemas.openxmlformats.org/presentationml/2006/main">
-  <p:cSld>
-    <p:spTree>
-      <p:nvGrpSpPr>
-        <p:cNvPr id="1" name=""/>
-        <p:cNvGrpSpPr/>
-        <p:nvPr/>
-      </p:nvGrpSpPr>
-      <p:grpSpPr>
-        <a:xfrm>
-          <a:off x="0" y="0"/>
-          <a:ext cx="0" cy="0"/>
-          <a:chOff x="0" y="0"/>
-          <a:chExt cx="0" cy="0"/>
-        </a:xfrm>
-      </p:grpSpPr>
-      <p:sp>
-        <p:nvSpPr>
-          <p:cNvPr id="2" name="Title 1">
-            <a:extLst>
-              <a:ext uri="{FF2B5EF4-FFF2-40B4-BE49-F238E27FC236}">
-                <a16:creationId xmlns:a16="http://schemas.microsoft.com/office/drawing/2014/main" id="{E931A03F-31A0-44E4-89BD-4469B51F6D42}"/>
-              </a:ext>
-            </a:extLst>
-          </p:cNvPr>
-          <p:cNvSpPr>
-            <a:spLocks noGrp="1"/>
-          </p:cNvSpPr>
-          <p:nvPr>
-            <p:ph type="title"/>
-          </p:nvPr>
-        </p:nvSpPr>
-        <p:spPr/>
-        <p:txBody>
-          <a:bodyPr/>
-          <a:lstStyle/>
-          <a:p>
-            <a:r>
-              <a:rPr lang="en-AU" dirty="0"/>
-              <a:t>Segue </a:t>
-            </a:r>
-          </a:p>
-        </p:txBody>
-      </p:sp>
-      <p:sp>
-        <p:nvSpPr>
-          <p:cNvPr id="3" name="Content Placeholder 2">
-            <a:extLst>
-              <a:ext uri="{FF2B5EF4-FFF2-40B4-BE49-F238E27FC236}">
-                <a16:creationId xmlns:a16="http://schemas.microsoft.com/office/drawing/2014/main" id="{27162CA5-6BDD-432C-9F1F-34749A5EC5BE}"/>
-              </a:ext>
-            </a:extLst>
-          </p:cNvPr>
-          <p:cNvSpPr>
-            <a:spLocks noGrp="1"/>
-          </p:cNvSpPr>
-          <p:nvPr>
-            <p:ph idx="1"/>
-          </p:nvPr>
-        </p:nvSpPr>
-        <p:spPr/>
-        <p:txBody>
-          <a:bodyPr/>
-          <a:lstStyle/>
-          <a:p>
-            <a:r>
-              <a:rPr lang="en-AU" dirty="0"/>
-              <a:t>For the rest of this hour, you need to suspend any notion you have that you may know how to spell</a:t>
-            </a:r>
-          </a:p>
-          <a:p>
-            <a:endParaRPr lang="en-AU" dirty="0"/>
-          </a:p>
-          <a:p>
-            <a:r>
-              <a:rPr lang="en-AU" dirty="0"/>
-              <a:t>We’ll be spelling things exactly as they sound, using the International Phonetic Alphabet (IPA)</a:t>
-            </a:r>
-          </a:p>
-          <a:p>
-            <a:endParaRPr lang="en-AU" dirty="0"/>
-          </a:p>
-          <a:p>
-            <a:r>
-              <a:rPr lang="en-AU" dirty="0"/>
-              <a:t>Hopefully you all have an IPA sheet to </a:t>
-            </a:r>
-            <a:r>
-              <a:rPr lang="en-AU"/>
-              <a:t>read from...</a:t>
-            </a:r>
-            <a:endParaRPr lang="en-AU" dirty="0"/>
-          </a:p>
-        </p:txBody>
-      </p:sp>
-    </p:spTree>
-    <p:extLst>
-      <p:ext uri="{BB962C8B-B14F-4D97-AF65-F5344CB8AC3E}">
-        <p14:creationId xmlns:p14="http://schemas.microsoft.com/office/powerpoint/2010/main" val="2508846116"/>
-      </p:ext>
-    </p:extLst>
-  </p:cSld>
-  <p:clrMapOvr>
-    <a:masterClrMapping/>
-  </p:clrMapOvr>
-</p:sld>
-</file>
-
 <file path=ppt/slides/slide12.xml><?xml version="1.0" encoding="utf-8"?>
 <p:sld xmlns:a="http://schemas.openxmlformats.org/drawingml/2006/main" xmlns:r="http://schemas.openxmlformats.org/officeDocument/2006/relationships" xmlns:p="http://schemas.openxmlformats.org/presentationml/2006/main">
   <p:cSld>
@@ -6627,7 +6732,7 @@
           <p:cNvPr id="2" name="Title 1">
             <a:extLst>
               <a:ext uri="{FF2B5EF4-FFF2-40B4-BE49-F238E27FC236}">
-                <a16:creationId xmlns:a16="http://schemas.microsoft.com/office/drawing/2014/main" id="{12AF34B9-D03A-4C51-B7B6-0538822C84A6}"/>
+                <a16:creationId xmlns:a16="http://schemas.microsoft.com/office/drawing/2014/main" id="{E931A03F-31A0-44E4-89BD-4469B51F6D42}"/>
               </a:ext>
             </a:extLst>
           </p:cNvPr>
@@ -6645,7 +6750,7 @@
           <a:p>
             <a:r>
               <a:rPr lang="en-AU" dirty="0"/>
-              <a:t>Consonants</a:t>
+              <a:t>Segue </a:t>
             </a:r>
           </a:p>
         </p:txBody>
@@ -6655,7 +6760,7 @@
           <p:cNvPr id="3" name="Content Placeholder 2">
             <a:extLst>
               <a:ext uri="{FF2B5EF4-FFF2-40B4-BE49-F238E27FC236}">
-                <a16:creationId xmlns:a16="http://schemas.microsoft.com/office/drawing/2014/main" id="{DE7C34D9-C2E6-42BF-A6A6-2D8D4BD34B22}"/>
+                <a16:creationId xmlns:a16="http://schemas.microsoft.com/office/drawing/2014/main" id="{27162CA5-6BDD-432C-9F1F-34749A5EC5BE}"/>
               </a:ext>
             </a:extLst>
           </p:cNvPr>
@@ -6673,74 +6778,38 @@
           <a:p>
             <a:r>
               <a:rPr lang="en-AU" dirty="0"/>
-              <a:t>Consonants are characterised in two ways:</a:t>
-            </a:r>
-          </a:p>
-          <a:p>
-            <a:pPr marL="0" indent="0">
-              <a:buNone/>
-            </a:pPr>
+              <a:t>For the rest of this hour, you need to suspend any notion you have that you may know how to spell</a:t>
+            </a:r>
+          </a:p>
+          <a:p>
             <a:endParaRPr lang="en-AU" dirty="0"/>
           </a:p>
           <a:p>
-            <a:pPr lvl="1"/>
-            <a:r>
-              <a:rPr lang="en-AU" dirty="0"/>
-              <a:t>Place of articulation – where we impede the flow of air</a:t>
-            </a:r>
-          </a:p>
-          <a:p>
-            <a:pPr lvl="3"/>
-            <a:r>
-              <a:rPr lang="en-AU" dirty="0"/>
-              <a:t>Was the air stopped by you teeth?</a:t>
-            </a:r>
-          </a:p>
-          <a:p>
-            <a:pPr lvl="3"/>
-            <a:r>
-              <a:rPr lang="en-AU" dirty="0"/>
-              <a:t>Did you make a sound by closing your pharynx?</a:t>
-            </a:r>
-          </a:p>
-          <a:p>
-            <a:pPr lvl="1"/>
+            <a:r>
+              <a:rPr lang="en-AU" dirty="0"/>
+              <a:t>We’ll be spelling things exactly as they sound, using the International Phonetic Alphabet (IPA)</a:t>
+            </a:r>
+          </a:p>
+          <a:p>
             <a:endParaRPr lang="en-AU" dirty="0"/>
           </a:p>
           <a:p>
-            <a:pPr lvl="1"/>
-            <a:r>
-              <a:rPr lang="en-AU" dirty="0"/>
-              <a:t>Manner of articulation – the way in which we impede the flow of air</a:t>
-            </a:r>
-          </a:p>
-          <a:p>
-            <a:pPr lvl="3"/>
-            <a:r>
-              <a:rPr lang="en-AU" dirty="0"/>
-              <a:t>Did you use your vocal chords?</a:t>
-            </a:r>
-          </a:p>
-          <a:p>
-            <a:pPr lvl="3"/>
-            <a:r>
-              <a:rPr lang="en-AU" dirty="0"/>
-              <a:t>Did you roll the sides of your tongue?</a:t>
-            </a:r>
-          </a:p>
-          <a:p>
-            <a:pPr lvl="3"/>
-            <a:r>
-              <a:rPr lang="en-AU" dirty="0"/>
-              <a:t>Did you stop the air completely? Or let it through, hissing?</a:t>
-            </a:r>
+            <a:r>
+              <a:rPr lang="en-AU" dirty="0"/>
+              <a:t>Hopefully you all have an IPA sheet to </a:t>
+            </a:r>
+            <a:r>
+              <a:rPr lang="en-AU"/>
+              <a:t>read from...</a:t>
+            </a:r>
+            <a:endParaRPr lang="en-AU" dirty="0"/>
           </a:p>
         </p:txBody>
       </p:sp>
     </p:spTree>
     <p:extLst>
       <p:ext uri="{BB962C8B-B14F-4D97-AF65-F5344CB8AC3E}">
-        <p14:creationId xmlns:p14="http://schemas.microsoft.com/office/powerpoint/2010/main" val="360156302"/>
+        <p14:creationId xmlns:p14="http://schemas.microsoft.com/office/powerpoint/2010/main" val="2508846116"/>
       </p:ext>
     </p:extLst>
   </p:cSld>
@@ -6772,7 +6841,7 @@
           <p:cNvPr id="2" name="Title 1">
             <a:extLst>
               <a:ext uri="{FF2B5EF4-FFF2-40B4-BE49-F238E27FC236}">
-                <a16:creationId xmlns:a16="http://schemas.microsoft.com/office/drawing/2014/main" id="{AFEDBBBB-23DC-480C-AE7E-068C0FEAD734}"/>
+                <a16:creationId xmlns:a16="http://schemas.microsoft.com/office/drawing/2014/main" id="{05599190-7439-4A6F-9DB9-24A323B9A369}"/>
               </a:ext>
             </a:extLst>
           </p:cNvPr>
@@ -6790,47 +6859,84 @@
           <a:p>
             <a:r>
               <a:rPr lang="en-AU" dirty="0"/>
-              <a:t>The vocal tract</a:t>
-            </a:r>
-          </a:p>
-        </p:txBody>
-      </p:sp>
-      <p:pic>
-        <p:nvPicPr>
-          <p:cNvPr id="4" name="Content Placeholder 3">
+              <a:t>Consonants</a:t>
+            </a:r>
+          </a:p>
+        </p:txBody>
+      </p:sp>
+      <p:sp>
+        <p:nvSpPr>
+          <p:cNvPr id="3" name="Content Placeholder 2">
             <a:extLst>
               <a:ext uri="{FF2B5EF4-FFF2-40B4-BE49-F238E27FC236}">
-                <a16:creationId xmlns:a16="http://schemas.microsoft.com/office/drawing/2014/main" id="{B023A06B-1E5B-4683-9A6D-3AD179124FF4}"/>
+                <a16:creationId xmlns:a16="http://schemas.microsoft.com/office/drawing/2014/main" id="{0836ECB2-6747-425B-AFE6-2E07396F366E}"/>
               </a:ext>
             </a:extLst>
           </p:cNvPr>
-          <p:cNvPicPr>
-            <a:picLocks noGrp="1" noChangeAspect="1"/>
-          </p:cNvPicPr>
+          <p:cNvSpPr>
+            <a:spLocks noGrp="1"/>
+          </p:cNvSpPr>
           <p:nvPr>
             <p:ph idx="1"/>
           </p:nvPr>
-        </p:nvPicPr>
-        <p:blipFill>
-          <a:blip r:embed="rId2"/>
-          <a:stretch>
-            <a:fillRect/>
-          </a:stretch>
-        </p:blipFill>
-        <p:spPr>
-          <a:xfrm>
-            <a:off x="2869809" y="1315007"/>
-            <a:ext cx="4375053" cy="5372872"/>
-          </a:xfrm>
-          <a:prstGeom prst="rect">
-            <a:avLst/>
-          </a:prstGeom>
-        </p:spPr>
-      </p:pic>
+        </p:nvSpPr>
+        <p:spPr/>
+        <p:txBody>
+          <a:bodyPr/>
+          <a:lstStyle/>
+          <a:p>
+            <a:r>
+              <a:rPr lang="en-AU" dirty="0"/>
+              <a:t>Consonants can be formed in two ways</a:t>
+            </a:r>
+          </a:p>
+          <a:p>
+            <a:pPr lvl="2"/>
+            <a:r>
+              <a:rPr lang="en-AU" dirty="0"/>
+              <a:t>Air going out of the mouth (</a:t>
+            </a:r>
+            <a:r>
+              <a:rPr lang="en-AU" dirty="0" err="1"/>
+              <a:t>egressive</a:t>
+            </a:r>
+            <a:r>
+              <a:rPr lang="en-AU" dirty="0"/>
+              <a:t>)</a:t>
+            </a:r>
+          </a:p>
+          <a:p>
+            <a:pPr lvl="2"/>
+            <a:r>
+              <a:rPr lang="en-AU" dirty="0"/>
+              <a:t>Air being pulled into the mouth (ingressive)</a:t>
+            </a:r>
+          </a:p>
+          <a:p>
+            <a:pPr lvl="2"/>
+            <a:endParaRPr lang="en-AU" dirty="0"/>
+          </a:p>
+          <a:p>
+            <a:r>
+              <a:rPr lang="en-AU" dirty="0"/>
+              <a:t>The IPA sheet shows the full range of consonants that can be made in the human vocal tract. </a:t>
+            </a:r>
+          </a:p>
+          <a:p>
+            <a:endParaRPr lang="en-AU" dirty="0"/>
+          </a:p>
+          <a:p>
+            <a:r>
+              <a:rPr lang="en-AU" dirty="0"/>
+              <a:t>There are clicks and ejectives as well, but we’ll leave those for another day, they can be treated in the same way as all other consonants</a:t>
+            </a:r>
+          </a:p>
+        </p:txBody>
+      </p:sp>
     </p:spTree>
     <p:extLst>
       <p:ext uri="{BB962C8B-B14F-4D97-AF65-F5344CB8AC3E}">
-        <p14:creationId xmlns:p14="http://schemas.microsoft.com/office/powerpoint/2010/main" val="3965792070"/>
+        <p14:creationId xmlns:p14="http://schemas.microsoft.com/office/powerpoint/2010/main" val="2280833697"/>
       </p:ext>
     </p:extLst>
   </p:cSld>
@@ -6862,7 +6968,7 @@
           <p:cNvPr id="2" name="Title 1">
             <a:extLst>
               <a:ext uri="{FF2B5EF4-FFF2-40B4-BE49-F238E27FC236}">
-                <a16:creationId xmlns:a16="http://schemas.microsoft.com/office/drawing/2014/main" id="{05599190-7439-4A6F-9DB9-24A323B9A369}"/>
+                <a16:creationId xmlns:a16="http://schemas.microsoft.com/office/drawing/2014/main" id="{12AF34B9-D03A-4C51-B7B6-0538822C84A6}"/>
               </a:ext>
             </a:extLst>
           </p:cNvPr>
@@ -6890,7 +6996,7 @@
           <p:cNvPr id="3" name="Content Placeholder 2">
             <a:extLst>
               <a:ext uri="{FF2B5EF4-FFF2-40B4-BE49-F238E27FC236}">
-                <a16:creationId xmlns:a16="http://schemas.microsoft.com/office/drawing/2014/main" id="{0836ECB2-6747-425B-AFE6-2E07396F366E}"/>
+                <a16:creationId xmlns:a16="http://schemas.microsoft.com/office/drawing/2014/main" id="{DE7C34D9-C2E6-42BF-A6A6-2D8D4BD34B22}"/>
               </a:ext>
             </a:extLst>
           </p:cNvPr>
@@ -6908,56 +7014,48 @@
           <a:p>
             <a:r>
               <a:rPr lang="en-AU" dirty="0"/>
-              <a:t>Consonants can be formed in two ways</a:t>
-            </a:r>
-          </a:p>
-          <a:p>
-            <a:pPr lvl="2"/>
-            <a:r>
-              <a:rPr lang="en-AU" dirty="0"/>
-              <a:t>Air going out of the mouth (</a:t>
-            </a:r>
-            <a:r>
-              <a:rPr lang="en-AU" dirty="0" err="1"/>
-              <a:t>egressive</a:t>
-            </a:r>
-            <a:r>
-              <a:rPr lang="en-AU" dirty="0"/>
-              <a:t>)</a:t>
-            </a:r>
-          </a:p>
-          <a:p>
-            <a:pPr lvl="2"/>
-            <a:r>
-              <a:rPr lang="en-AU" dirty="0"/>
-              <a:t>Air being pulled into the mouth (ingressive)</a:t>
-            </a:r>
-          </a:p>
-          <a:p>
-            <a:pPr lvl="2"/>
+              <a:t>Consonants are characterised in two ways:</a:t>
+            </a:r>
+          </a:p>
+          <a:p>
+            <a:pPr marL="0" indent="0">
+              <a:buNone/>
+            </a:pPr>
             <a:endParaRPr lang="en-AU" dirty="0"/>
           </a:p>
           <a:p>
-            <a:r>
-              <a:rPr lang="en-AU" dirty="0"/>
-              <a:t>The IPA sheet shows the full range of consonants that can be made in the human vocal tract. </a:t>
-            </a:r>
-          </a:p>
-          <a:p>
+            <a:pPr lvl="1"/>
+            <a:r>
+              <a:rPr lang="en-AU" dirty="0"/>
+              <a:t>Place of articulation – where we impede the flow of air</a:t>
+            </a:r>
+          </a:p>
+          <a:p>
+            <a:pPr lvl="3"/>
+            <a:r>
+              <a:rPr lang="en-AU" dirty="0"/>
+              <a:t>Was the air stopped by you teeth?</a:t>
+            </a:r>
+          </a:p>
+          <a:p>
+            <a:pPr lvl="3"/>
+            <a:r>
+              <a:rPr lang="en-AU" dirty="0"/>
+              <a:t>Did you make a sound by closing your pharynx?</a:t>
+            </a:r>
+          </a:p>
+          <a:p>
+            <a:pPr marL="457200" lvl="1" indent="0">
+              <a:buNone/>
+            </a:pPr>
             <a:endParaRPr lang="en-AU" dirty="0"/>
-          </a:p>
-          <a:p>
-            <a:r>
-              <a:rPr lang="en-AU" dirty="0"/>
-              <a:t>There are clicks and ejectives as well, but we’ll leave those for another day, they can be treated in the same way as all other consonants</a:t>
-            </a:r>
           </a:p>
         </p:txBody>
       </p:sp>
     </p:spTree>
     <p:extLst>
       <p:ext uri="{BB962C8B-B14F-4D97-AF65-F5344CB8AC3E}">
-        <p14:creationId xmlns:p14="http://schemas.microsoft.com/office/powerpoint/2010/main" val="2280833697"/>
+        <p14:creationId xmlns:p14="http://schemas.microsoft.com/office/powerpoint/2010/main" val="360156302"/>
       </p:ext>
     </p:extLst>
   </p:cSld>
@@ -6970,6 +7068,14 @@
 <file path=ppt/slides/slide15.xml><?xml version="1.0" encoding="utf-8"?>
 <p:sld xmlns:a="http://schemas.openxmlformats.org/drawingml/2006/main" xmlns:r="http://schemas.openxmlformats.org/officeDocument/2006/relationships" xmlns:p="http://schemas.openxmlformats.org/presentationml/2006/main">
   <p:cSld>
+    <p:bg>
+      <p:bgPr>
+        <a:solidFill>
+          <a:schemeClr val="bg2"/>
+        </a:solidFill>
+        <a:effectLst/>
+      </p:bgPr>
+    </p:bg>
     <p:spTree>
       <p:nvGrpSpPr>
         <p:cNvPr id="1" name=""/>
@@ -6984,12 +7090,42 @@
           <a:chExt cx="0" cy="0"/>
         </a:xfrm>
       </p:grpSpPr>
+      <p:pic>
+        <p:nvPicPr>
+          <p:cNvPr id="14" name="Content Placeholder 3">
+            <a:extLst>
+              <a:ext uri="{FF2B5EF4-FFF2-40B4-BE49-F238E27FC236}">
+                <a16:creationId xmlns:a16="http://schemas.microsoft.com/office/drawing/2014/main" id="{C932F3BA-3039-472F-9748-CE6CFEF5618D}"/>
+              </a:ext>
+            </a:extLst>
+          </p:cNvPr>
+          <p:cNvPicPr>
+            <a:picLocks noChangeAspect="1"/>
+          </p:cNvPicPr>
+          <p:nvPr/>
+        </p:nvPicPr>
+        <p:blipFill>
+          <a:blip r:embed="rId2"/>
+          <a:stretch>
+            <a:fillRect/>
+          </a:stretch>
+        </p:blipFill>
+        <p:spPr>
+          <a:xfrm>
+            <a:off x="1197224" y="804672"/>
+            <a:ext cx="4268172" cy="5237021"/>
+          </a:xfrm>
+          <a:prstGeom prst="rect">
+            <a:avLst/>
+          </a:prstGeom>
+        </p:spPr>
+      </p:pic>
       <p:sp>
         <p:nvSpPr>
           <p:cNvPr id="2" name="Title 1">
             <a:extLst>
               <a:ext uri="{FF2B5EF4-FFF2-40B4-BE49-F238E27FC236}">
-                <a16:creationId xmlns:a16="http://schemas.microsoft.com/office/drawing/2014/main" id="{6E72809D-8C2E-4607-AA77-A0B52C9797DB}"/>
+                <a16:creationId xmlns:a16="http://schemas.microsoft.com/office/drawing/2014/main" id="{883AF15E-B99F-4090-94C7-42B0606290AD}"/>
               </a:ext>
             </a:extLst>
           </p:cNvPr>
@@ -7000,24 +7136,31 @@
             <p:ph type="title"/>
           </p:nvPr>
         </p:nvSpPr>
-        <p:spPr/>
-        <p:txBody>
-          <a:bodyPr/>
-          <a:lstStyle/>
-          <a:p>
-            <a:r>
-              <a:rPr lang="en-AU" dirty="0"/>
-              <a:t>Vowels</a:t>
-            </a:r>
-          </a:p>
-        </p:txBody>
-      </p:sp>
-      <p:sp>
-        <p:nvSpPr>
-          <p:cNvPr id="3" name="Content Placeholder 2">
+        <p:spPr>
+          <a:xfrm>
+            <a:off x="6090445" y="609600"/>
+            <a:ext cx="3183556" cy="1320800"/>
+          </a:xfrm>
+        </p:spPr>
+        <p:txBody>
+          <a:bodyPr anchor="ctr">
+            <a:normAutofit/>
+          </a:bodyPr>
+          <a:lstStyle/>
+          <a:p>
+            <a:r>
+              <a:rPr lang="en-AU" dirty="0"/>
+              <a:t>Places of Articulation</a:t>
+            </a:r>
+          </a:p>
+        </p:txBody>
+      </p:sp>
+      <p:sp>
+        <p:nvSpPr>
+          <p:cNvPr id="15" name="Content Placeholder 8">
             <a:extLst>
               <a:ext uri="{FF2B5EF4-FFF2-40B4-BE49-F238E27FC236}">
-                <a16:creationId xmlns:a16="http://schemas.microsoft.com/office/drawing/2014/main" id="{3865896F-D7D7-4C92-86EC-0C5BF6AF4EE4}"/>
+                <a16:creationId xmlns:a16="http://schemas.microsoft.com/office/drawing/2014/main" id="{0DAD06DE-FDB1-4555-88BC-29C9CCE08491}"/>
               </a:ext>
             </a:extLst>
           </p:cNvPr>
@@ -7028,52 +7171,51 @@
             <p:ph idx="1"/>
           </p:nvPr>
         </p:nvSpPr>
-        <p:spPr/>
-        <p:txBody>
-          <a:bodyPr/>
-          <a:lstStyle/>
-          <a:p>
-            <a:r>
-              <a:rPr lang="en-AU" dirty="0"/>
-              <a:t>Vowels are made by engaging your vocal chords and shaping your vocal tract</a:t>
-            </a:r>
-          </a:p>
-          <a:p>
-            <a:endParaRPr lang="en-AU" dirty="0"/>
-          </a:p>
-          <a:p>
-            <a:r>
-              <a:rPr lang="en-AU" dirty="0"/>
-              <a:t>Only a few ways to alter the sound of a vowel</a:t>
-            </a:r>
-          </a:p>
-          <a:p>
-            <a:pPr lvl="2"/>
-            <a:r>
-              <a:rPr lang="en-AU" dirty="0"/>
-              <a:t>Height of your tongue</a:t>
-            </a:r>
-          </a:p>
-          <a:p>
-            <a:pPr lvl="2"/>
-            <a:r>
-              <a:rPr lang="en-AU" dirty="0"/>
-              <a:t>‘</a:t>
-            </a:r>
-            <a:r>
-              <a:rPr lang="en-AU" dirty="0" err="1"/>
-              <a:t>Backness</a:t>
-            </a:r>
-            <a:r>
-              <a:rPr lang="en-AU" dirty="0"/>
-              <a:t>’ of your tongue</a:t>
-            </a:r>
-          </a:p>
-          <a:p>
-            <a:pPr lvl="2"/>
-            <a:r>
-              <a:rPr lang="en-AU" dirty="0"/>
-              <a:t>Modifying the way your vocal chords vibrate</a:t>
+        <p:spPr>
+          <a:xfrm>
+            <a:off x="6094410" y="2160589"/>
+            <a:ext cx="3176589" cy="3880773"/>
+          </a:xfrm>
+        </p:spPr>
+        <p:txBody>
+          <a:bodyPr>
+            <a:normAutofit/>
+          </a:bodyPr>
+          <a:lstStyle/>
+          <a:p>
+            <a:r>
+              <a:rPr lang="en-US" dirty="0"/>
+              <a:t>Bilabial</a:t>
+            </a:r>
+          </a:p>
+          <a:p>
+            <a:r>
+              <a:rPr lang="en-US" dirty="0"/>
+              <a:t>Interdental</a:t>
+            </a:r>
+          </a:p>
+          <a:p>
+            <a:r>
+              <a:rPr lang="en-US" dirty="0"/>
+              <a:t>Palatal</a:t>
+            </a:r>
+          </a:p>
+          <a:p>
+            <a:r>
+              <a:rPr lang="en-US" dirty="0"/>
+              <a:t>Velar</a:t>
+            </a:r>
+          </a:p>
+          <a:p>
+            <a:r>
+              <a:rPr lang="en-US" dirty="0"/>
+              <a:t>Uvular</a:t>
+            </a:r>
+          </a:p>
+          <a:p>
+            <a:r>
+              <a:rPr lang="en-US" dirty="0"/>
+              <a:t>Glottal</a:t>
             </a:r>
           </a:p>
         </p:txBody>
@@ -7081,7 +7223,7 @@
     </p:spTree>
     <p:extLst>
       <p:ext uri="{BB962C8B-B14F-4D97-AF65-F5344CB8AC3E}">
-        <p14:creationId xmlns:p14="http://schemas.microsoft.com/office/powerpoint/2010/main" val="2608507744"/>
+        <p14:creationId xmlns:p14="http://schemas.microsoft.com/office/powerpoint/2010/main" val="1028175197"/>
       </p:ext>
     </p:extLst>
   </p:cSld>
@@ -7113,7 +7255,7 @@
           <p:cNvPr id="2" name="Title 1">
             <a:extLst>
               <a:ext uri="{FF2B5EF4-FFF2-40B4-BE49-F238E27FC236}">
-                <a16:creationId xmlns:a16="http://schemas.microsoft.com/office/drawing/2014/main" id="{F9B96981-AD54-4FAB-8C02-96D7500B7E77}"/>
+                <a16:creationId xmlns:a16="http://schemas.microsoft.com/office/drawing/2014/main" id="{12AF34B9-D03A-4C51-B7B6-0538822C84A6}"/>
               </a:ext>
             </a:extLst>
           </p:cNvPr>
@@ -7131,78 +7273,548 @@
           <a:p>
             <a:r>
               <a:rPr lang="en-AU" dirty="0"/>
-              <a:t>Reading a </a:t>
-            </a:r>
-            <a:r>
-              <a:rPr lang="en-AU" dirty="0" err="1"/>
-              <a:t>specrtogram</a:t>
-            </a:r>
+              <a:t>Consonants</a:t>
+            </a:r>
+          </a:p>
+        </p:txBody>
+      </p:sp>
+      <p:sp>
+        <p:nvSpPr>
+          <p:cNvPr id="3" name="Content Placeholder 2">
+            <a:extLst>
+              <a:ext uri="{FF2B5EF4-FFF2-40B4-BE49-F238E27FC236}">
+                <a16:creationId xmlns:a16="http://schemas.microsoft.com/office/drawing/2014/main" id="{DE7C34D9-C2E6-42BF-A6A6-2D8D4BD34B22}"/>
+              </a:ext>
+            </a:extLst>
+          </p:cNvPr>
+          <p:cNvSpPr>
+            <a:spLocks noGrp="1"/>
+          </p:cNvSpPr>
+          <p:nvPr>
+            <p:ph idx="1"/>
+          </p:nvPr>
+        </p:nvSpPr>
+        <p:spPr/>
+        <p:txBody>
+          <a:bodyPr/>
+          <a:lstStyle/>
+          <a:p>
+            <a:r>
+              <a:rPr lang="en-AU" dirty="0"/>
+              <a:t>Consonants are characterised in two ways:</a:t>
+            </a:r>
+          </a:p>
+          <a:p>
+            <a:pPr marL="0" indent="0">
+              <a:buNone/>
+            </a:pPr>
             <a:endParaRPr lang="en-AU" dirty="0"/>
           </a:p>
-        </p:txBody>
-      </p:sp>
-      <p:pic>
-        <p:nvPicPr>
+          <a:p>
+            <a:pPr lvl="1"/>
+            <a:r>
+              <a:rPr lang="en-AU" dirty="0"/>
+              <a:t>Place of articulation – where we impede the flow of air</a:t>
+            </a:r>
+          </a:p>
+          <a:p>
+            <a:pPr lvl="3"/>
+            <a:r>
+              <a:rPr lang="en-AU" dirty="0"/>
+              <a:t>Was the air stopped by you teeth?</a:t>
+            </a:r>
+          </a:p>
+          <a:p>
+            <a:pPr lvl="3"/>
+            <a:r>
+              <a:rPr lang="en-AU" dirty="0"/>
+              <a:t>Did you make a sound by closing your pharynx?</a:t>
+            </a:r>
+          </a:p>
+          <a:p>
+            <a:pPr lvl="1"/>
+            <a:endParaRPr lang="en-AU" dirty="0"/>
+          </a:p>
+          <a:p>
+            <a:pPr lvl="1"/>
+            <a:r>
+              <a:rPr lang="en-AU" dirty="0"/>
+              <a:t>Manner of articulation – the way in which we impede the flow of air</a:t>
+            </a:r>
+          </a:p>
+          <a:p>
+            <a:pPr lvl="3"/>
+            <a:r>
+              <a:rPr lang="en-AU" dirty="0"/>
+              <a:t>Did you use your vocal chords? </a:t>
+            </a:r>
+          </a:p>
+          <a:p>
+            <a:pPr lvl="3"/>
+            <a:r>
+              <a:rPr lang="en-AU" dirty="0"/>
+              <a:t>Did you roll the sides of your tongue?</a:t>
+            </a:r>
+          </a:p>
+          <a:p>
+            <a:pPr lvl="3"/>
+            <a:r>
+              <a:rPr lang="en-AU" dirty="0"/>
+              <a:t>Did you stop the air completely? Or let it through, hissing?</a:t>
+            </a:r>
+          </a:p>
+        </p:txBody>
+      </p:sp>
+    </p:spTree>
+    <p:extLst>
+      <p:ext uri="{BB962C8B-B14F-4D97-AF65-F5344CB8AC3E}">
+        <p14:creationId xmlns:p14="http://schemas.microsoft.com/office/powerpoint/2010/main" val="1490677589"/>
+      </p:ext>
+    </p:extLst>
+  </p:cSld>
+  <p:clrMapOvr>
+    <a:masterClrMapping/>
+  </p:clrMapOvr>
+</p:sld>
+</file>
+
+<file path=ppt/slides/slide17.xml><?xml version="1.0" encoding="utf-8"?>
+<p:sld xmlns:a="http://schemas.openxmlformats.org/drawingml/2006/main" xmlns:r="http://schemas.openxmlformats.org/officeDocument/2006/relationships" xmlns:p="http://schemas.openxmlformats.org/presentationml/2006/main">
+  <p:cSld>
+    <p:spTree>
+      <p:nvGrpSpPr>
+        <p:cNvPr id="1" name=""/>
+        <p:cNvGrpSpPr/>
+        <p:nvPr/>
+      </p:nvGrpSpPr>
+      <p:grpSpPr>
+        <a:xfrm>
+          <a:off x="0" y="0"/>
+          <a:ext cx="0" cy="0"/>
+          <a:chOff x="0" y="0"/>
+          <a:chExt cx="0" cy="0"/>
+        </a:xfrm>
+      </p:grpSpPr>
+      <p:sp>
+        <p:nvSpPr>
+          <p:cNvPr id="2" name="Title 1">
+            <a:extLst>
+              <a:ext uri="{FF2B5EF4-FFF2-40B4-BE49-F238E27FC236}">
+                <a16:creationId xmlns:a16="http://schemas.microsoft.com/office/drawing/2014/main" id="{1E2E6DCC-1FC9-421A-90A2-DC7F84BF1F1A}"/>
+              </a:ext>
+            </a:extLst>
+          </p:cNvPr>
+          <p:cNvSpPr>
+            <a:spLocks noGrp="1"/>
+          </p:cNvSpPr>
+          <p:nvPr>
+            <p:ph type="title"/>
+          </p:nvPr>
+        </p:nvSpPr>
+        <p:spPr/>
+        <p:txBody>
+          <a:bodyPr/>
+          <a:lstStyle/>
+          <a:p>
+            <a:r>
+              <a:rPr lang="en-AU" dirty="0"/>
+              <a:t>Manner of Articulation</a:t>
+            </a:r>
+          </a:p>
+        </p:txBody>
+      </p:sp>
+      <p:sp>
+        <p:nvSpPr>
+          <p:cNvPr id="3" name="Content Placeholder 2">
+            <a:extLst>
+              <a:ext uri="{FF2B5EF4-FFF2-40B4-BE49-F238E27FC236}">
+                <a16:creationId xmlns:a16="http://schemas.microsoft.com/office/drawing/2014/main" id="{DA209F21-16FF-48E4-9ADA-0DA2D1D9877D}"/>
+              </a:ext>
+            </a:extLst>
+          </p:cNvPr>
+          <p:cNvSpPr>
+            <a:spLocks noGrp="1"/>
+          </p:cNvSpPr>
+          <p:nvPr>
+            <p:ph idx="1"/>
+          </p:nvPr>
+        </p:nvSpPr>
+        <p:spPr>
+          <a:xfrm>
+            <a:off x="677334" y="1547447"/>
+            <a:ext cx="8596668" cy="4493916"/>
+          </a:xfrm>
+        </p:spPr>
+        <p:txBody>
+          <a:bodyPr/>
+          <a:lstStyle/>
+          <a:p>
+            <a:r>
+              <a:rPr lang="en-AU" dirty="0"/>
+              <a:t>Does the air stop entirely in the mouth – its a stop</a:t>
+            </a:r>
+          </a:p>
+          <a:p>
+            <a:endParaRPr lang="en-AU" dirty="0"/>
+          </a:p>
+          <a:p>
+            <a:r>
+              <a:rPr lang="en-AU" dirty="0"/>
+              <a:t>Have you lowered your velum – its a nasal</a:t>
+            </a:r>
+          </a:p>
+          <a:p>
+            <a:endParaRPr lang="en-AU" dirty="0"/>
+          </a:p>
+          <a:p>
+            <a:r>
+              <a:rPr lang="en-AU" dirty="0"/>
+              <a:t>Have you almost stopped the flow of air – its a fricative</a:t>
+            </a:r>
+          </a:p>
+          <a:p>
+            <a:endParaRPr lang="en-AU" dirty="0"/>
+          </a:p>
+          <a:p>
+            <a:r>
+              <a:rPr lang="en-AU" dirty="0"/>
+              <a:t>Do you tap the top of your tongue on the roof of your mouth – its a tap</a:t>
+            </a:r>
+          </a:p>
+          <a:p>
+            <a:endParaRPr lang="en-AU" dirty="0"/>
+          </a:p>
+          <a:p>
+            <a:r>
+              <a:rPr lang="en-AU" dirty="0"/>
+              <a:t>Do you use the bottom of your tongue on the top of your mouth – its retroflex</a:t>
+            </a:r>
+          </a:p>
+          <a:p>
+            <a:endParaRPr lang="en-AU" dirty="0"/>
+          </a:p>
+          <a:p>
+            <a:r>
+              <a:rPr lang="en-AU" dirty="0"/>
+              <a:t>Do you do something else entirely – its a sibilant, an affricate, an approximant</a:t>
+            </a:r>
+          </a:p>
+        </p:txBody>
+      </p:sp>
+    </p:spTree>
+    <p:extLst>
+      <p:ext uri="{BB962C8B-B14F-4D97-AF65-F5344CB8AC3E}">
+        <p14:creationId xmlns:p14="http://schemas.microsoft.com/office/powerpoint/2010/main" val="4255414999"/>
+      </p:ext>
+    </p:extLst>
+  </p:cSld>
+  <p:clrMapOvr>
+    <a:masterClrMapping/>
+  </p:clrMapOvr>
+</p:sld>
+</file>
+
+<file path=ppt/slides/slide18.xml><?xml version="1.0" encoding="utf-8"?>
+<p:sld xmlns:a="http://schemas.openxmlformats.org/drawingml/2006/main" xmlns:r="http://schemas.openxmlformats.org/officeDocument/2006/relationships" xmlns:p="http://schemas.openxmlformats.org/presentationml/2006/main">
+  <p:cSld>
+    <p:spTree>
+      <p:nvGrpSpPr>
+        <p:cNvPr id="1" name=""/>
+        <p:cNvGrpSpPr/>
+        <p:nvPr/>
+      </p:nvGrpSpPr>
+      <p:grpSpPr>
+        <a:xfrm>
+          <a:off x="0" y="0"/>
+          <a:ext cx="0" cy="0"/>
+          <a:chOff x="0" y="0"/>
+          <a:chExt cx="0" cy="0"/>
+        </a:xfrm>
+      </p:grpSpPr>
+      <p:sp>
+        <p:nvSpPr>
+          <p:cNvPr id="2" name="Title 1">
+            <a:extLst>
+              <a:ext uri="{FF2B5EF4-FFF2-40B4-BE49-F238E27FC236}">
+                <a16:creationId xmlns:a16="http://schemas.microsoft.com/office/drawing/2014/main" id="{A28EC671-F4C8-4640-BB0F-E315C7268E30}"/>
+              </a:ext>
+            </a:extLst>
+          </p:cNvPr>
+          <p:cNvSpPr>
+            <a:spLocks noGrp="1"/>
+          </p:cNvSpPr>
+          <p:nvPr>
+            <p:ph type="title"/>
+          </p:nvPr>
+        </p:nvSpPr>
+        <p:spPr/>
+        <p:txBody>
+          <a:bodyPr/>
+          <a:lstStyle/>
+          <a:p>
+            <a:r>
+              <a:rPr lang="en-AU" dirty="0"/>
+              <a:t>Some examples from English...</a:t>
+            </a:r>
+          </a:p>
+        </p:txBody>
+      </p:sp>
+      <p:sp>
+        <p:nvSpPr>
+          <p:cNvPr id="3" name="Content Placeholder 2">
+            <a:extLst>
+              <a:ext uri="{FF2B5EF4-FFF2-40B4-BE49-F238E27FC236}">
+                <a16:creationId xmlns:a16="http://schemas.microsoft.com/office/drawing/2014/main" id="{928A3241-C60F-4AE9-BAC0-C45A5CD628D7}"/>
+              </a:ext>
+            </a:extLst>
+          </p:cNvPr>
+          <p:cNvSpPr>
+            <a:spLocks noGrp="1"/>
+          </p:cNvSpPr>
+          <p:nvPr>
+            <p:ph sz="half" idx="1"/>
+          </p:nvPr>
+        </p:nvSpPr>
+        <p:spPr/>
+        <p:txBody>
+          <a:bodyPr/>
+          <a:lstStyle/>
+          <a:p>
+            <a:r>
+              <a:rPr lang="en-AU" dirty="0"/>
+              <a:t>Stops – [p] [b] [t] [k]</a:t>
+            </a:r>
+          </a:p>
+          <a:p>
+            <a:endParaRPr lang="en-AU" dirty="0"/>
+          </a:p>
+          <a:p>
+            <a:r>
+              <a:rPr lang="en-AU" dirty="0"/>
+              <a:t>Fricatives – [f] [v] [</a:t>
+            </a:r>
+            <a:r>
+              <a:rPr lang="el-GR" dirty="0">
+                <a:latin typeface="Calibri" panose="020F0502020204030204" pitchFamily="34" charset="0"/>
+                <a:cs typeface="Calibri" panose="020F0502020204030204" pitchFamily="34" charset="0"/>
+              </a:rPr>
+              <a:t>θ</a:t>
+            </a:r>
+            <a:r>
+              <a:rPr lang="en-AU" dirty="0">
+                <a:latin typeface="Calibri" panose="020F0502020204030204" pitchFamily="34" charset="0"/>
+                <a:cs typeface="Calibri" panose="020F0502020204030204" pitchFamily="34" charset="0"/>
+              </a:rPr>
+              <a:t>] [ð]</a:t>
+            </a:r>
+            <a:endParaRPr lang="en-AU" dirty="0"/>
+          </a:p>
+          <a:p>
+            <a:endParaRPr lang="en-AU" dirty="0"/>
+          </a:p>
+          <a:p>
+            <a:r>
+              <a:rPr lang="en-AU" dirty="0"/>
+              <a:t>Sibilants – [s] [z]</a:t>
+            </a:r>
+          </a:p>
+          <a:p>
+            <a:endParaRPr lang="en-AU" dirty="0"/>
+          </a:p>
+          <a:p>
+            <a:r>
+              <a:rPr lang="en-AU" dirty="0"/>
+              <a:t>Affricates – [</a:t>
+            </a:r>
+            <a:r>
+              <a:rPr lang="en-AU" dirty="0">
+                <a:latin typeface="Calibri" panose="020F0502020204030204" pitchFamily="34" charset="0"/>
+                <a:cs typeface="Calibri" panose="020F0502020204030204" pitchFamily="34" charset="0"/>
+              </a:rPr>
+              <a:t>ʧ</a:t>
+            </a:r>
+            <a:r>
+              <a:rPr lang="en-AU" dirty="0"/>
+              <a:t>] [</a:t>
+            </a:r>
+            <a:r>
+              <a:rPr lang="en-AU" dirty="0">
+                <a:latin typeface="Calibri" panose="020F0502020204030204" pitchFamily="34" charset="0"/>
+                <a:cs typeface="Calibri" panose="020F0502020204030204" pitchFamily="34" charset="0"/>
+              </a:rPr>
+              <a:t>ʤ</a:t>
+            </a:r>
+            <a:r>
+              <a:rPr lang="en-AU" dirty="0"/>
+              <a:t>]</a:t>
+            </a:r>
+          </a:p>
+          <a:p>
+            <a:endParaRPr lang="en-AU" dirty="0"/>
+          </a:p>
+          <a:p>
+            <a:r>
+              <a:rPr lang="en-AU" dirty="0"/>
+              <a:t>Approximants – [w] [y] </a:t>
+            </a:r>
+          </a:p>
+        </p:txBody>
+      </p:sp>
+      <p:sp>
+        <p:nvSpPr>
           <p:cNvPr id="4" name="Content Placeholder 3">
             <a:extLst>
               <a:ext uri="{FF2B5EF4-FFF2-40B4-BE49-F238E27FC236}">
-                <a16:creationId xmlns:a16="http://schemas.microsoft.com/office/drawing/2014/main" id="{FA9BC0A9-6DDC-4109-88A5-759D180F9123}"/>
+                <a16:creationId xmlns:a16="http://schemas.microsoft.com/office/drawing/2014/main" id="{50DB5045-D1A6-4280-AB97-39131F230F98}"/>
               </a:ext>
             </a:extLst>
           </p:cNvPr>
-          <p:cNvPicPr>
-            <a:picLocks noGrp="1" noChangeAspect="1"/>
-          </p:cNvPicPr>
-          <p:nvPr>
-            <p:ph idx="1"/>
-          </p:nvPr>
-        </p:nvPicPr>
-        <p:blipFill>
-          <a:blip r:embed="rId3"/>
-          <a:stretch>
-            <a:fillRect/>
-          </a:stretch>
-        </p:blipFill>
-        <p:spPr>
-          <a:xfrm>
-            <a:off x="2085587" y="2160588"/>
-            <a:ext cx="5780863" cy="3881437"/>
-          </a:xfrm>
-          <a:prstGeom prst="rect">
-            <a:avLst/>
-          </a:prstGeom>
-        </p:spPr>
-      </p:pic>
-      <p:sp>
-        <p:nvSpPr>
-          <p:cNvPr id="5" name="Rectangle 4">
+          <p:cNvSpPr>
+            <a:spLocks noGrp="1"/>
+          </p:cNvSpPr>
+          <p:nvPr>
+            <p:ph sz="half" idx="2"/>
+          </p:nvPr>
+        </p:nvSpPr>
+        <p:spPr/>
+        <p:txBody>
+          <a:bodyPr/>
+          <a:lstStyle/>
+          <a:p>
+            <a:r>
+              <a:rPr lang="en-AU" dirty="0"/>
+              <a:t>Nasals – [n] [ŋ] [m]</a:t>
+            </a:r>
+          </a:p>
+        </p:txBody>
+      </p:sp>
+    </p:spTree>
+    <p:extLst>
+      <p:ext uri="{BB962C8B-B14F-4D97-AF65-F5344CB8AC3E}">
+        <p14:creationId xmlns:p14="http://schemas.microsoft.com/office/powerpoint/2010/main" val="2209752776"/>
+      </p:ext>
+    </p:extLst>
+  </p:cSld>
+  <p:clrMapOvr>
+    <a:masterClrMapping/>
+  </p:clrMapOvr>
+</p:sld>
+</file>
+
+<file path=ppt/slides/slide19.xml><?xml version="1.0" encoding="utf-8"?>
+<p:sld xmlns:a="http://schemas.openxmlformats.org/drawingml/2006/main" xmlns:r="http://schemas.openxmlformats.org/officeDocument/2006/relationships" xmlns:p="http://schemas.openxmlformats.org/presentationml/2006/main">
+  <p:cSld>
+    <p:spTree>
+      <p:nvGrpSpPr>
+        <p:cNvPr id="1" name=""/>
+        <p:cNvGrpSpPr/>
+        <p:nvPr/>
+      </p:nvGrpSpPr>
+      <p:grpSpPr>
+        <a:xfrm>
+          <a:off x="0" y="0"/>
+          <a:ext cx="0" cy="0"/>
+          <a:chOff x="0" y="0"/>
+          <a:chExt cx="0" cy="0"/>
+        </a:xfrm>
+      </p:grpSpPr>
+      <p:sp>
+        <p:nvSpPr>
+          <p:cNvPr id="2" name="Title 1">
             <a:extLst>
               <a:ext uri="{FF2B5EF4-FFF2-40B4-BE49-F238E27FC236}">
-                <a16:creationId xmlns:a16="http://schemas.microsoft.com/office/drawing/2014/main" id="{B8D4820B-7B50-4B81-B2AD-AC5371005320}"/>
+                <a16:creationId xmlns:a16="http://schemas.microsoft.com/office/drawing/2014/main" id="{6E72809D-8C2E-4607-AA77-A0B52C9797DB}"/>
               </a:ext>
             </a:extLst>
           </p:cNvPr>
-          <p:cNvSpPr/>
-          <p:nvPr/>
-        </p:nvSpPr>
-        <p:spPr>
-          <a:xfrm>
-            <a:off x="677334" y="6272213"/>
-            <a:ext cx="5583580" cy="369332"/>
-          </a:xfrm>
-          <a:prstGeom prst="rect">
-            <a:avLst/>
-          </a:prstGeom>
-        </p:spPr>
-        <p:txBody>
-          <a:bodyPr wrap="none">
-            <a:spAutoFit/>
-          </a:bodyPr>
-          <a:lstStyle/>
-          <a:p>
-            <a:r>
-              <a:rPr lang="en-AU" dirty="0"/>
-              <a:t>https://home.cc.umanitoba.ca/~robh/howto.html#</a:t>
+          <p:cNvSpPr>
+            <a:spLocks noGrp="1"/>
+          </p:cNvSpPr>
+          <p:nvPr>
+            <p:ph type="title"/>
+          </p:nvPr>
+        </p:nvSpPr>
+        <p:spPr/>
+        <p:txBody>
+          <a:bodyPr/>
+          <a:lstStyle/>
+          <a:p>
+            <a:r>
+              <a:rPr lang="en-AU" dirty="0"/>
+              <a:t>Vowels</a:t>
+            </a:r>
+          </a:p>
+        </p:txBody>
+      </p:sp>
+      <p:sp>
+        <p:nvSpPr>
+          <p:cNvPr id="3" name="Content Placeholder 2">
+            <a:extLst>
+              <a:ext uri="{FF2B5EF4-FFF2-40B4-BE49-F238E27FC236}">
+                <a16:creationId xmlns:a16="http://schemas.microsoft.com/office/drawing/2014/main" id="{3865896F-D7D7-4C92-86EC-0C5BF6AF4EE4}"/>
+              </a:ext>
+            </a:extLst>
+          </p:cNvPr>
+          <p:cNvSpPr>
+            <a:spLocks noGrp="1"/>
+          </p:cNvSpPr>
+          <p:nvPr>
+            <p:ph idx="1"/>
+          </p:nvPr>
+        </p:nvSpPr>
+        <p:spPr/>
+        <p:txBody>
+          <a:bodyPr/>
+          <a:lstStyle/>
+          <a:p>
+            <a:r>
+              <a:rPr lang="en-AU" dirty="0"/>
+              <a:t>Vowels are made by engaging your vocal chords and shaping your vocal tract</a:t>
+            </a:r>
+          </a:p>
+          <a:p>
+            <a:endParaRPr lang="en-AU" dirty="0"/>
+          </a:p>
+          <a:p>
+            <a:r>
+              <a:rPr lang="en-AU" dirty="0"/>
+              <a:t>Only a few ways to alter the sound of a vowel</a:t>
+            </a:r>
+          </a:p>
+          <a:p>
+            <a:pPr lvl="2"/>
+            <a:r>
+              <a:rPr lang="en-AU" dirty="0"/>
+              <a:t>Height of your tongue</a:t>
+            </a:r>
+          </a:p>
+          <a:p>
+            <a:pPr lvl="2"/>
+            <a:r>
+              <a:rPr lang="en-AU" dirty="0"/>
+              <a:t>‘</a:t>
+            </a:r>
+            <a:r>
+              <a:rPr lang="en-AU" dirty="0" err="1"/>
+              <a:t>Backness</a:t>
+            </a:r>
+            <a:r>
+              <a:rPr lang="en-AU" dirty="0"/>
+              <a:t>’ of your tongue</a:t>
+            </a:r>
+          </a:p>
+          <a:p>
+            <a:pPr lvl="2"/>
+            <a:r>
+              <a:rPr lang="en-AU" dirty="0"/>
+              <a:t>Rounding of your lips</a:t>
+            </a:r>
+          </a:p>
+          <a:p>
+            <a:pPr lvl="2"/>
+            <a:r>
+              <a:rPr lang="en-AU" dirty="0"/>
+              <a:t>Modifying the way your vocal chords vibrate</a:t>
             </a:r>
           </a:p>
         </p:txBody>
@@ -7210,7 +7822,7 @@
     </p:spTree>
     <p:extLst>
       <p:ext uri="{BB962C8B-B14F-4D97-AF65-F5344CB8AC3E}">
-        <p14:creationId xmlns:p14="http://schemas.microsoft.com/office/powerpoint/2010/main" val="3053739869"/>
+        <p14:creationId xmlns:p14="http://schemas.microsoft.com/office/powerpoint/2010/main" val="2608507744"/>
       </p:ext>
     </p:extLst>
   </p:cSld>
@@ -7333,6 +7945,2371 @@
 </p:sld>
 </file>
 
+<file path=ppt/slides/slide20.xml><?xml version="1.0" encoding="utf-8"?>
+<p:sld xmlns:a="http://schemas.openxmlformats.org/drawingml/2006/main" xmlns:r="http://schemas.openxmlformats.org/officeDocument/2006/relationships" xmlns:p="http://schemas.openxmlformats.org/presentationml/2006/main">
+  <p:cSld>
+    <p:bg>
+      <p:bgPr>
+        <a:solidFill>
+          <a:schemeClr val="bg1"/>
+        </a:solidFill>
+        <a:effectLst/>
+      </p:bgPr>
+    </p:bg>
+    <p:spTree>
+      <p:nvGrpSpPr>
+        <p:cNvPr id="1" name=""/>
+        <p:cNvGrpSpPr/>
+        <p:nvPr/>
+      </p:nvGrpSpPr>
+      <p:grpSpPr>
+        <a:xfrm>
+          <a:off x="0" y="0"/>
+          <a:ext cx="0" cy="0"/>
+          <a:chOff x="0" y="0"/>
+          <a:chExt cx="0" cy="0"/>
+        </a:xfrm>
+      </p:grpSpPr>
+      <p:sp useBgFill="1">
+        <p:nvSpPr>
+          <p:cNvPr id="13" name="Rectangle 12">
+            <a:extLst>
+              <a:ext uri="{FF2B5EF4-FFF2-40B4-BE49-F238E27FC236}">
+                <a16:creationId xmlns:a16="http://schemas.microsoft.com/office/drawing/2014/main" id="{9F4444CE-BC8D-4D61-B303-4C05614E62AB}"/>
+              </a:ext>
+            </a:extLst>
+          </p:cNvPr>
+          <p:cNvSpPr>
+            <a:spLocks noGrp="1" noRot="1" noChangeAspect="1" noMove="1" noResize="1" noEditPoints="1" noAdjustHandles="1" noChangeArrowheads="1" noChangeShapeType="1" noTextEdit="1"/>
+          </p:cNvSpPr>
+          <p:nvPr>
+            <p:extLst>
+              <p:ext uri="{386F3935-93C4-4BCD-93E2-E3B085C9AB24}">
+                <p16:designElem xmlns:p16="http://schemas.microsoft.com/office/powerpoint/2015/main" val="1"/>
+              </p:ext>
+            </p:extLst>
+          </p:nvPr>
+        </p:nvSpPr>
+        <p:spPr>
+          <a:xfrm>
+            <a:off x="0" y="0"/>
+            <a:ext cx="12192000" cy="6858000"/>
+          </a:xfrm>
+          <a:prstGeom prst="rect">
+            <a:avLst/>
+          </a:prstGeom>
+          <a:ln>
+            <a:noFill/>
+          </a:ln>
+        </p:spPr>
+        <p:style>
+          <a:lnRef idx="2">
+            <a:schemeClr val="accent1">
+              <a:shade val="50000"/>
+            </a:schemeClr>
+          </a:lnRef>
+          <a:fillRef idx="1">
+            <a:schemeClr val="accent1"/>
+          </a:fillRef>
+          <a:effectRef idx="0">
+            <a:schemeClr val="accent1"/>
+          </a:effectRef>
+          <a:fontRef idx="minor">
+            <a:schemeClr val="lt1"/>
+          </a:fontRef>
+        </p:style>
+        <p:txBody>
+          <a:bodyPr rtlCol="0" anchor="ctr"/>
+          <a:lstStyle/>
+          <a:p>
+            <a:pPr algn="ctr"/>
+            <a:endParaRPr lang="en-US"/>
+          </a:p>
+        </p:txBody>
+      </p:sp>
+      <p:sp>
+        <p:nvSpPr>
+          <p:cNvPr id="15" name="Isosceles Triangle 14">
+            <a:extLst>
+              <a:ext uri="{FF2B5EF4-FFF2-40B4-BE49-F238E27FC236}">
+                <a16:creationId xmlns:a16="http://schemas.microsoft.com/office/drawing/2014/main" id="{73772B81-181F-48B7-8826-4D9686D15DF5}"/>
+              </a:ext>
+            </a:extLst>
+          </p:cNvPr>
+          <p:cNvSpPr>
+            <a:spLocks noGrp="1" noRot="1" noChangeAspect="1" noMove="1" noResize="1" noEditPoints="1" noAdjustHandles="1" noChangeArrowheads="1" noChangeShapeType="1" noTextEdit="1"/>
+          </p:cNvSpPr>
+          <p:nvPr>
+            <p:extLst>
+              <p:ext uri="{386F3935-93C4-4BCD-93E2-E3B085C9AB24}">
+                <p16:designElem xmlns:p16="http://schemas.microsoft.com/office/powerpoint/2015/main" val="1"/>
+              </p:ext>
+            </p:extLst>
+          </p:nvPr>
+        </p:nvSpPr>
+        <p:spPr>
+          <a:xfrm rot="10800000">
+            <a:off x="4660127" y="-3"/>
+            <a:ext cx="1056745" cy="6858001"/>
+          </a:xfrm>
+          <a:prstGeom prst="triangle">
+            <a:avLst>
+              <a:gd name="adj" fmla="val 100000"/>
+            </a:avLst>
+          </a:prstGeom>
+          <a:solidFill>
+            <a:schemeClr val="tx2"/>
+          </a:solidFill>
+          <a:ln>
+            <a:noFill/>
+          </a:ln>
+          <a:effectLst/>
+        </p:spPr>
+        <p:style>
+          <a:lnRef idx="1">
+            <a:schemeClr val="accent1"/>
+          </a:lnRef>
+          <a:fillRef idx="3">
+            <a:schemeClr val="accent1"/>
+          </a:fillRef>
+          <a:effectRef idx="2">
+            <a:schemeClr val="accent1"/>
+          </a:effectRef>
+          <a:fontRef idx="minor">
+            <a:schemeClr val="lt1"/>
+          </a:fontRef>
+        </p:style>
+        <p:txBody>
+          <a:bodyPr/>
+          <a:lstStyle/>
+          <a:p>
+            <a:endParaRPr lang="en-US" dirty="0"/>
+          </a:p>
+        </p:txBody>
+      </p:sp>
+      <p:sp>
+        <p:nvSpPr>
+          <p:cNvPr id="17" name="Rectangle 16">
+            <a:extLst>
+              <a:ext uri="{FF2B5EF4-FFF2-40B4-BE49-F238E27FC236}">
+                <a16:creationId xmlns:a16="http://schemas.microsoft.com/office/drawing/2014/main" id="{62423CA5-E2E1-4789-B759-9906C1C94063}"/>
+              </a:ext>
+            </a:extLst>
+          </p:cNvPr>
+          <p:cNvSpPr>
+            <a:spLocks noGrp="1" noRot="1" noChangeAspect="1" noMove="1" noResize="1" noEditPoints="1" noAdjustHandles="1" noChangeArrowheads="1" noChangeShapeType="1" noTextEdit="1"/>
+          </p:cNvSpPr>
+          <p:nvPr>
+            <p:extLst>
+              <p:ext uri="{386F3935-93C4-4BCD-93E2-E3B085C9AB24}">
+                <p16:designElem xmlns:p16="http://schemas.microsoft.com/office/powerpoint/2015/main" val="1"/>
+              </p:ext>
+            </p:extLst>
+          </p:nvPr>
+        </p:nvSpPr>
+        <p:spPr>
+          <a:xfrm>
+            <a:off x="0" y="-3"/>
+            <a:ext cx="4660126" cy="6858000"/>
+          </a:xfrm>
+          <a:prstGeom prst="rect">
+            <a:avLst/>
+          </a:prstGeom>
+          <a:solidFill>
+            <a:schemeClr val="tx2"/>
+          </a:solidFill>
+          <a:ln>
+            <a:noFill/>
+          </a:ln>
+          <a:effectLst/>
+        </p:spPr>
+        <p:style>
+          <a:lnRef idx="1">
+            <a:schemeClr val="accent1"/>
+          </a:lnRef>
+          <a:fillRef idx="3">
+            <a:schemeClr val="accent1"/>
+          </a:fillRef>
+          <a:effectRef idx="2">
+            <a:schemeClr val="accent1"/>
+          </a:effectRef>
+          <a:fontRef idx="minor">
+            <a:schemeClr val="lt1"/>
+          </a:fontRef>
+        </p:style>
+        <p:txBody>
+          <a:bodyPr/>
+          <a:lstStyle/>
+          <a:p>
+            <a:endParaRPr lang="en-US"/>
+          </a:p>
+        </p:txBody>
+      </p:sp>
+      <p:sp>
+        <p:nvSpPr>
+          <p:cNvPr id="19" name="Isosceles Triangle 18">
+            <a:extLst>
+              <a:ext uri="{FF2B5EF4-FFF2-40B4-BE49-F238E27FC236}">
+                <a16:creationId xmlns:a16="http://schemas.microsoft.com/office/drawing/2014/main" id="{B2205F6E-03C6-4E92-877C-E2482F6599AA}"/>
+              </a:ext>
+            </a:extLst>
+          </p:cNvPr>
+          <p:cNvSpPr>
+            <a:spLocks noGrp="1" noRot="1" noChangeAspect="1" noMove="1" noResize="1" noEditPoints="1" noAdjustHandles="1" noChangeArrowheads="1" noChangeShapeType="1" noTextEdit="1"/>
+          </p:cNvSpPr>
+          <p:nvPr>
+            <p:extLst>
+              <p:ext uri="{386F3935-93C4-4BCD-93E2-E3B085C9AB24}">
+                <p16:designElem xmlns:p16="http://schemas.microsoft.com/office/powerpoint/2015/main" val="1"/>
+              </p:ext>
+            </p:extLst>
+          </p:nvPr>
+        </p:nvSpPr>
+        <p:spPr>
+          <a:xfrm flipH="1">
+            <a:off x="11755696" y="4013200"/>
+            <a:ext cx="448733" cy="2844800"/>
+          </a:xfrm>
+          <a:prstGeom prst="triangle">
+            <a:avLst>
+              <a:gd name="adj" fmla="val 0"/>
+            </a:avLst>
+          </a:prstGeom>
+          <a:solidFill>
+            <a:schemeClr val="accent1">
+              <a:alpha val="85000"/>
+            </a:schemeClr>
+          </a:solidFill>
+          <a:ln>
+            <a:noFill/>
+          </a:ln>
+          <a:effectLst/>
+        </p:spPr>
+        <p:style>
+          <a:lnRef idx="1">
+            <a:schemeClr val="accent1"/>
+          </a:lnRef>
+          <a:fillRef idx="3">
+            <a:schemeClr val="accent1"/>
+          </a:fillRef>
+          <a:effectRef idx="2">
+            <a:schemeClr val="accent1"/>
+          </a:effectRef>
+          <a:fontRef idx="minor">
+            <a:schemeClr val="lt1"/>
+          </a:fontRef>
+        </p:style>
+        <p:txBody>
+          <a:bodyPr/>
+          <a:lstStyle/>
+          <a:p>
+            <a:endParaRPr lang="en-US" dirty="0"/>
+          </a:p>
+        </p:txBody>
+      </p:sp>
+      <p:pic>
+        <p:nvPicPr>
+          <p:cNvPr id="8" name="Content Placeholder 4">
+            <a:extLst>
+              <a:ext uri="{FF2B5EF4-FFF2-40B4-BE49-F238E27FC236}">
+                <a16:creationId xmlns:a16="http://schemas.microsoft.com/office/drawing/2014/main" id="{3C392882-3F26-459F-848E-3D48401DF652}"/>
+              </a:ext>
+            </a:extLst>
+          </p:cNvPr>
+          <p:cNvPicPr>
+            <a:picLocks noChangeAspect="1"/>
+          </p:cNvPicPr>
+          <p:nvPr/>
+        </p:nvPicPr>
+        <p:blipFill>
+          <a:blip r:embed="rId2"/>
+          <a:stretch>
+            <a:fillRect/>
+          </a:stretch>
+        </p:blipFill>
+        <p:spPr>
+          <a:xfrm>
+            <a:off x="6096001" y="1466399"/>
+            <a:ext cx="5143500" cy="3912686"/>
+          </a:xfrm>
+          <a:prstGeom prst="rect">
+            <a:avLst/>
+          </a:prstGeom>
+        </p:spPr>
+      </p:pic>
+      <p:sp>
+        <p:nvSpPr>
+          <p:cNvPr id="2" name="Title 1">
+            <a:extLst>
+              <a:ext uri="{FF2B5EF4-FFF2-40B4-BE49-F238E27FC236}">
+                <a16:creationId xmlns:a16="http://schemas.microsoft.com/office/drawing/2014/main" id="{A04B7B1B-7A05-453F-B38D-65FF7D52E50A}"/>
+              </a:ext>
+            </a:extLst>
+          </p:cNvPr>
+          <p:cNvSpPr>
+            <a:spLocks noGrp="1"/>
+          </p:cNvSpPr>
+          <p:nvPr>
+            <p:ph type="title"/>
+          </p:nvPr>
+        </p:nvSpPr>
+        <p:spPr>
+          <a:xfrm>
+            <a:off x="673754" y="643467"/>
+            <a:ext cx="4203045" cy="1375608"/>
+          </a:xfrm>
+        </p:spPr>
+        <p:txBody>
+          <a:bodyPr anchor="ctr">
+            <a:normAutofit/>
+          </a:bodyPr>
+          <a:lstStyle/>
+          <a:p>
+            <a:r>
+              <a:rPr lang="en-AU" dirty="0">
+                <a:solidFill>
+                  <a:schemeClr val="bg1"/>
+                </a:solidFill>
+              </a:rPr>
+              <a:t>Vowels</a:t>
+            </a:r>
+          </a:p>
+        </p:txBody>
+      </p:sp>
+      <p:sp>
+        <p:nvSpPr>
+          <p:cNvPr id="10" name="Content Placeholder 9">
+            <a:extLst>
+              <a:ext uri="{FF2B5EF4-FFF2-40B4-BE49-F238E27FC236}">
+                <a16:creationId xmlns:a16="http://schemas.microsoft.com/office/drawing/2014/main" id="{80170857-14BD-4B54-85A5-CB57EB65E208}"/>
+              </a:ext>
+            </a:extLst>
+          </p:cNvPr>
+          <p:cNvSpPr>
+            <a:spLocks noGrp="1"/>
+          </p:cNvSpPr>
+          <p:nvPr>
+            <p:ph idx="1"/>
+          </p:nvPr>
+        </p:nvSpPr>
+        <p:spPr>
+          <a:xfrm>
+            <a:off x="673754" y="2160590"/>
+            <a:ext cx="3973943" cy="3440110"/>
+          </a:xfrm>
+        </p:spPr>
+        <p:txBody>
+          <a:bodyPr>
+            <a:normAutofit/>
+          </a:bodyPr>
+          <a:lstStyle/>
+          <a:p>
+            <a:r>
+              <a:rPr lang="en-AU" dirty="0">
+                <a:solidFill>
+                  <a:schemeClr val="bg1"/>
+                </a:solidFill>
+              </a:rPr>
+              <a:t>Linguists can’t draw – this is meant to represent your mouth</a:t>
+            </a:r>
+          </a:p>
+          <a:p>
+            <a:endParaRPr lang="en-AU" dirty="0">
+              <a:solidFill>
+                <a:schemeClr val="bg1"/>
+              </a:solidFill>
+            </a:endParaRPr>
+          </a:p>
+          <a:p>
+            <a:r>
+              <a:rPr lang="en-AU" dirty="0">
+                <a:solidFill>
+                  <a:schemeClr val="bg1"/>
+                </a:solidFill>
+              </a:rPr>
+              <a:t>Symbols in pairs – rounded on the right</a:t>
+            </a:r>
+          </a:p>
+          <a:p>
+            <a:endParaRPr lang="en-AU" dirty="0">
+              <a:solidFill>
+                <a:schemeClr val="bg1"/>
+              </a:solidFill>
+            </a:endParaRPr>
+          </a:p>
+          <a:p>
+            <a:r>
+              <a:rPr lang="en-AU" dirty="0">
+                <a:solidFill>
+                  <a:schemeClr val="bg1"/>
+                </a:solidFill>
+              </a:rPr>
+              <a:t>Vowels combined together are called </a:t>
+            </a:r>
+            <a:r>
+              <a:rPr lang="en-AU" dirty="0" err="1">
+                <a:solidFill>
+                  <a:schemeClr val="bg1"/>
+                </a:solidFill>
+              </a:rPr>
+              <a:t>dipthongs</a:t>
+            </a:r>
+            <a:endParaRPr lang="en-AU" dirty="0">
+              <a:solidFill>
+                <a:schemeClr val="bg1"/>
+              </a:solidFill>
+            </a:endParaRPr>
+          </a:p>
+          <a:p>
+            <a:endParaRPr lang="en-US" dirty="0">
+              <a:solidFill>
+                <a:schemeClr val="bg1"/>
+              </a:solidFill>
+            </a:endParaRPr>
+          </a:p>
+        </p:txBody>
+      </p:sp>
+    </p:spTree>
+    <p:extLst>
+      <p:ext uri="{BB962C8B-B14F-4D97-AF65-F5344CB8AC3E}">
+        <p14:creationId xmlns:p14="http://schemas.microsoft.com/office/powerpoint/2010/main" val="30092536"/>
+      </p:ext>
+    </p:extLst>
+  </p:cSld>
+  <p:clrMapOvr>
+    <a:overrideClrMapping bg1="lt1" tx1="dk1" bg2="lt2" tx2="dk2" accent1="accent1" accent2="accent2" accent3="accent3" accent4="accent4" accent5="accent5" accent6="accent6" hlink="hlink" folHlink="folHlink"/>
+  </p:clrMapOvr>
+</p:sld>
+</file>
+
+<file path=ppt/slides/slide21.xml><?xml version="1.0" encoding="utf-8"?>
+<p:sld xmlns:a="http://schemas.openxmlformats.org/drawingml/2006/main" xmlns:r="http://schemas.openxmlformats.org/officeDocument/2006/relationships" xmlns:p="http://schemas.openxmlformats.org/presentationml/2006/main">
+  <p:cSld>
+    <p:spTree>
+      <p:nvGrpSpPr>
+        <p:cNvPr id="1" name=""/>
+        <p:cNvGrpSpPr/>
+        <p:nvPr/>
+      </p:nvGrpSpPr>
+      <p:grpSpPr>
+        <a:xfrm>
+          <a:off x="0" y="0"/>
+          <a:ext cx="0" cy="0"/>
+          <a:chOff x="0" y="0"/>
+          <a:chExt cx="0" cy="0"/>
+        </a:xfrm>
+      </p:grpSpPr>
+      <p:sp>
+        <p:nvSpPr>
+          <p:cNvPr id="2" name="Title 1">
+            <a:extLst>
+              <a:ext uri="{FF2B5EF4-FFF2-40B4-BE49-F238E27FC236}">
+                <a16:creationId xmlns:a16="http://schemas.microsoft.com/office/drawing/2014/main" id="{05482D41-850F-495F-A214-FA16C7E605C3}"/>
+              </a:ext>
+            </a:extLst>
+          </p:cNvPr>
+          <p:cNvSpPr>
+            <a:spLocks noGrp="1"/>
+          </p:cNvSpPr>
+          <p:nvPr>
+            <p:ph type="title"/>
+          </p:nvPr>
+        </p:nvSpPr>
+        <p:spPr/>
+        <p:txBody>
+          <a:bodyPr/>
+          <a:lstStyle/>
+          <a:p>
+            <a:r>
+              <a:rPr lang="en-AU" dirty="0"/>
+              <a:t>So all of this is nice...</a:t>
+            </a:r>
+          </a:p>
+        </p:txBody>
+      </p:sp>
+      <p:sp>
+        <p:nvSpPr>
+          <p:cNvPr id="3" name="Text Placeholder 2">
+            <a:extLst>
+              <a:ext uri="{FF2B5EF4-FFF2-40B4-BE49-F238E27FC236}">
+                <a16:creationId xmlns:a16="http://schemas.microsoft.com/office/drawing/2014/main" id="{C034215F-815C-4E65-894C-C34D29C3F62E}"/>
+              </a:ext>
+            </a:extLst>
+          </p:cNvPr>
+          <p:cNvSpPr>
+            <a:spLocks noGrp="1"/>
+          </p:cNvSpPr>
+          <p:nvPr>
+            <p:ph type="body" idx="1"/>
+          </p:nvPr>
+        </p:nvSpPr>
+        <p:spPr/>
+        <p:txBody>
+          <a:bodyPr/>
+          <a:lstStyle/>
+          <a:p>
+            <a:endParaRPr lang="en-AU"/>
+          </a:p>
+        </p:txBody>
+      </p:sp>
+    </p:spTree>
+    <p:extLst>
+      <p:ext uri="{BB962C8B-B14F-4D97-AF65-F5344CB8AC3E}">
+        <p14:creationId xmlns:p14="http://schemas.microsoft.com/office/powerpoint/2010/main" val="1528005859"/>
+      </p:ext>
+    </p:extLst>
+  </p:cSld>
+  <p:clrMapOvr>
+    <a:masterClrMapping/>
+  </p:clrMapOvr>
+</p:sld>
+</file>
+
+<file path=ppt/slides/slide22.xml><?xml version="1.0" encoding="utf-8"?>
+<p:sld xmlns:a="http://schemas.openxmlformats.org/drawingml/2006/main" xmlns:r="http://schemas.openxmlformats.org/officeDocument/2006/relationships" xmlns:p="http://schemas.openxmlformats.org/presentationml/2006/main">
+  <p:cSld>
+    <p:bg>
+      <p:bgPr>
+        <a:solidFill>
+          <a:schemeClr val="bg2"/>
+        </a:solidFill>
+        <a:effectLst/>
+      </p:bgPr>
+    </p:bg>
+    <p:spTree>
+      <p:nvGrpSpPr>
+        <p:cNvPr id="1" name=""/>
+        <p:cNvGrpSpPr/>
+        <p:nvPr/>
+      </p:nvGrpSpPr>
+      <p:grpSpPr>
+        <a:xfrm>
+          <a:off x="0" y="0"/>
+          <a:ext cx="0" cy="0"/>
+          <a:chOff x="0" y="0"/>
+          <a:chExt cx="0" cy="0"/>
+        </a:xfrm>
+      </p:grpSpPr>
+      <p:pic>
+        <p:nvPicPr>
+          <p:cNvPr id="8" name="Content Placeholder 4">
+            <a:extLst>
+              <a:ext uri="{FF2B5EF4-FFF2-40B4-BE49-F238E27FC236}">
+                <a16:creationId xmlns:a16="http://schemas.microsoft.com/office/drawing/2014/main" id="{336254C5-69FA-4B57-BDE3-39B713937BE9}"/>
+              </a:ext>
+            </a:extLst>
+          </p:cNvPr>
+          <p:cNvPicPr>
+            <a:picLocks noChangeAspect="1"/>
+          </p:cNvPicPr>
+          <p:nvPr/>
+        </p:nvPicPr>
+        <p:blipFill>
+          <a:blip r:embed="rId2"/>
+          <a:stretch>
+            <a:fillRect/>
+          </a:stretch>
+        </p:blipFill>
+        <p:spPr>
+          <a:xfrm>
+            <a:off x="4293135" y="4048918"/>
+            <a:ext cx="4977866" cy="1309207"/>
+          </a:xfrm>
+          <a:prstGeom prst="rect">
+            <a:avLst/>
+          </a:prstGeom>
+        </p:spPr>
+      </p:pic>
+      <p:sp>
+        <p:nvSpPr>
+          <p:cNvPr id="2" name="Title 1">
+            <a:extLst>
+              <a:ext uri="{FF2B5EF4-FFF2-40B4-BE49-F238E27FC236}">
+                <a16:creationId xmlns:a16="http://schemas.microsoft.com/office/drawing/2014/main" id="{D18039A4-D08B-4B0B-80B4-283DEC2F167D}"/>
+              </a:ext>
+            </a:extLst>
+          </p:cNvPr>
+          <p:cNvSpPr>
+            <a:spLocks noGrp="1"/>
+          </p:cNvSpPr>
+          <p:nvPr>
+            <p:ph type="title"/>
+          </p:nvPr>
+        </p:nvSpPr>
+        <p:spPr>
+          <a:xfrm>
+            <a:off x="677334" y="609600"/>
+            <a:ext cx="2938468" cy="5431762"/>
+          </a:xfrm>
+        </p:spPr>
+        <p:txBody>
+          <a:bodyPr anchor="ctr">
+            <a:normAutofit/>
+          </a:bodyPr>
+          <a:lstStyle/>
+          <a:p>
+            <a:r>
+              <a:rPr lang="en-AU" dirty="0"/>
+              <a:t>Speech waveform</a:t>
+            </a:r>
+          </a:p>
+        </p:txBody>
+      </p:sp>
+      <p:sp>
+        <p:nvSpPr>
+          <p:cNvPr id="10" name="Content Placeholder 9">
+            <a:extLst>
+              <a:ext uri="{FF2B5EF4-FFF2-40B4-BE49-F238E27FC236}">
+                <a16:creationId xmlns:a16="http://schemas.microsoft.com/office/drawing/2014/main" id="{DDBB7C5F-8C04-4BA7-ADC6-C6F8700868E1}"/>
+              </a:ext>
+            </a:extLst>
+          </p:cNvPr>
+          <p:cNvSpPr>
+            <a:spLocks noGrp="1"/>
+          </p:cNvSpPr>
+          <p:nvPr>
+            <p:ph idx="1"/>
+          </p:nvPr>
+        </p:nvSpPr>
+        <p:spPr>
+          <a:xfrm>
+            <a:off x="3846889" y="609602"/>
+            <a:ext cx="5424112" cy="3208334"/>
+          </a:xfrm>
+        </p:spPr>
+        <p:txBody>
+          <a:bodyPr>
+            <a:normAutofit/>
+          </a:bodyPr>
+          <a:lstStyle/>
+          <a:p>
+            <a:r>
+              <a:rPr lang="en-US" dirty="0"/>
+              <a:t>V</a:t>
+            </a:r>
+            <a:r>
+              <a:rPr lang="en-AU" dirty="0" err="1"/>
+              <a:t>oice</a:t>
+            </a:r>
+            <a:r>
+              <a:rPr lang="en-AU" dirty="0"/>
+              <a:t> is a complex wave</a:t>
+            </a:r>
+          </a:p>
+          <a:p>
+            <a:r>
+              <a:rPr lang="en-AU" dirty="0"/>
+              <a:t>Need to transform it using a Fourier Transform to make it more useful</a:t>
+            </a:r>
+          </a:p>
+          <a:p>
+            <a:r>
+              <a:rPr lang="en-AU" dirty="0"/>
+              <a:t>We then view as a spectrogram which allows us to visualise time v frequency v amplitude</a:t>
+            </a:r>
+            <a:endParaRPr lang="en-US" dirty="0"/>
+          </a:p>
+        </p:txBody>
+      </p:sp>
+    </p:spTree>
+    <p:extLst>
+      <p:ext uri="{BB962C8B-B14F-4D97-AF65-F5344CB8AC3E}">
+        <p14:creationId xmlns:p14="http://schemas.microsoft.com/office/powerpoint/2010/main" val="3482659205"/>
+      </p:ext>
+    </p:extLst>
+  </p:cSld>
+  <p:clrMapOvr>
+    <a:masterClrMapping/>
+  </p:clrMapOvr>
+</p:sld>
+</file>
+
+<file path=ppt/slides/slide23.xml><?xml version="1.0" encoding="utf-8"?>
+<p:sld xmlns:a="http://schemas.openxmlformats.org/drawingml/2006/main" xmlns:r="http://schemas.openxmlformats.org/officeDocument/2006/relationships" xmlns:p="http://schemas.openxmlformats.org/presentationml/2006/main">
+  <p:cSld>
+    <p:bg>
+      <p:bgPr>
+        <a:solidFill>
+          <a:schemeClr val="bg2"/>
+        </a:solidFill>
+        <a:effectLst/>
+      </p:bgPr>
+    </p:bg>
+    <p:spTree>
+      <p:nvGrpSpPr>
+        <p:cNvPr id="1" name=""/>
+        <p:cNvGrpSpPr/>
+        <p:nvPr/>
+      </p:nvGrpSpPr>
+      <p:grpSpPr>
+        <a:xfrm>
+          <a:off x="0" y="0"/>
+          <a:ext cx="0" cy="0"/>
+          <a:chOff x="0" y="0"/>
+          <a:chExt cx="0" cy="0"/>
+        </a:xfrm>
+      </p:grpSpPr>
+      <p:pic>
+        <p:nvPicPr>
+          <p:cNvPr id="4" name="Picture 3">
+            <a:extLst>
+              <a:ext uri="{FF2B5EF4-FFF2-40B4-BE49-F238E27FC236}">
+                <a16:creationId xmlns:a16="http://schemas.microsoft.com/office/drawing/2014/main" id="{1B44F2DD-6256-466B-8CB2-C85AD8D11A56}"/>
+              </a:ext>
+            </a:extLst>
+          </p:cNvPr>
+          <p:cNvPicPr>
+            <a:picLocks noChangeAspect="1"/>
+          </p:cNvPicPr>
+          <p:nvPr/>
+        </p:nvPicPr>
+        <p:blipFill>
+          <a:blip r:embed="rId2"/>
+          <a:stretch>
+            <a:fillRect/>
+          </a:stretch>
+        </p:blipFill>
+        <p:spPr>
+          <a:xfrm>
+            <a:off x="817474" y="2159331"/>
+            <a:ext cx="5283289" cy="3805759"/>
+          </a:xfrm>
+          <a:prstGeom prst="rect">
+            <a:avLst/>
+          </a:prstGeom>
+        </p:spPr>
+      </p:pic>
+      <p:sp>
+        <p:nvSpPr>
+          <p:cNvPr id="2" name="Title 1">
+            <a:extLst>
+              <a:ext uri="{FF2B5EF4-FFF2-40B4-BE49-F238E27FC236}">
+                <a16:creationId xmlns:a16="http://schemas.microsoft.com/office/drawing/2014/main" id="{74493D80-0B92-4715-BBB2-875743AC150C}"/>
+              </a:ext>
+            </a:extLst>
+          </p:cNvPr>
+          <p:cNvSpPr>
+            <a:spLocks noGrp="1"/>
+          </p:cNvSpPr>
+          <p:nvPr>
+            <p:ph type="title"/>
+          </p:nvPr>
+        </p:nvSpPr>
+        <p:spPr>
+          <a:xfrm>
+            <a:off x="677334" y="609600"/>
+            <a:ext cx="8596668" cy="1320800"/>
+          </a:xfrm>
+        </p:spPr>
+        <p:txBody>
+          <a:bodyPr vert="horz" lIns="91440" tIns="45720" rIns="91440" bIns="45720" rtlCol="0" anchor="t">
+            <a:normAutofit/>
+          </a:bodyPr>
+          <a:lstStyle/>
+          <a:p>
+            <a:r>
+              <a:rPr lang="en-US" dirty="0"/>
+              <a:t>Spectrograms</a:t>
+            </a:r>
+          </a:p>
+        </p:txBody>
+      </p:sp>
+      <p:sp>
+        <p:nvSpPr>
+          <p:cNvPr id="24" name="Content Placeholder 23">
+            <a:extLst>
+              <a:ext uri="{FF2B5EF4-FFF2-40B4-BE49-F238E27FC236}">
+                <a16:creationId xmlns:a16="http://schemas.microsoft.com/office/drawing/2014/main" id="{05D4B5A8-A5B9-49F5-BB87-C85C97447089}"/>
+              </a:ext>
+            </a:extLst>
+          </p:cNvPr>
+          <p:cNvSpPr>
+            <a:spLocks noGrp="1"/>
+          </p:cNvSpPr>
+          <p:nvPr>
+            <p:ph idx="1"/>
+          </p:nvPr>
+        </p:nvSpPr>
+        <p:spPr>
+          <a:xfrm>
+            <a:off x="6416039" y="2160589"/>
+            <a:ext cx="2927185" cy="3880773"/>
+          </a:xfrm>
+        </p:spPr>
+        <p:txBody>
+          <a:bodyPr>
+            <a:normAutofit lnSpcReduction="10000"/>
+          </a:bodyPr>
+          <a:lstStyle/>
+          <a:p>
+            <a:r>
+              <a:rPr lang="en-US" sz="1500" dirty="0"/>
+              <a:t>S</a:t>
+            </a:r>
+            <a:r>
+              <a:rPr lang="en-AU" sz="1500" dirty="0" err="1"/>
+              <a:t>pectrogram</a:t>
+            </a:r>
+            <a:r>
+              <a:rPr lang="en-AU" sz="1500" dirty="0"/>
+              <a:t> (top) and Waveform (bottom) for the word ‘heed’ (/</a:t>
+            </a:r>
+            <a:r>
+              <a:rPr lang="en-AU" sz="1500" dirty="0" err="1"/>
+              <a:t>hiːd</a:t>
+            </a:r>
+            <a:r>
+              <a:rPr lang="en-AU" sz="1500" dirty="0"/>
+              <a:t>/)</a:t>
+            </a:r>
+          </a:p>
+          <a:p>
+            <a:endParaRPr lang="en-AU" sz="1500" dirty="0"/>
+          </a:p>
+          <a:p>
+            <a:r>
+              <a:rPr lang="en-AU" sz="1500" dirty="0"/>
+              <a:t>On the left hand side of the spectrogram we can see the friction associated with producing an /h/</a:t>
+            </a:r>
+          </a:p>
+          <a:p>
+            <a:endParaRPr lang="en-AU" sz="1500" dirty="0"/>
+          </a:p>
+          <a:p>
+            <a:r>
+              <a:rPr lang="en-AU" sz="1500" dirty="0"/>
+              <a:t>In the middle we see the vowel /</a:t>
+            </a:r>
+            <a:r>
+              <a:rPr lang="en-AU" sz="1500" dirty="0" err="1"/>
+              <a:t>i</a:t>
+            </a:r>
+            <a:r>
+              <a:rPr lang="en-AU" sz="1500" dirty="0"/>
+              <a:t>ː/</a:t>
+            </a:r>
+          </a:p>
+          <a:p>
+            <a:endParaRPr lang="en-AU" sz="1500" dirty="0"/>
+          </a:p>
+          <a:p>
+            <a:r>
+              <a:rPr lang="en-AU" sz="1500" dirty="0"/>
+              <a:t>On the right we see the stop /d/</a:t>
+            </a:r>
+            <a:endParaRPr lang="en-US" sz="1500" dirty="0"/>
+          </a:p>
+        </p:txBody>
+      </p:sp>
+    </p:spTree>
+    <p:extLst>
+      <p:ext uri="{BB962C8B-B14F-4D97-AF65-F5344CB8AC3E}">
+        <p14:creationId xmlns:p14="http://schemas.microsoft.com/office/powerpoint/2010/main" val="17579854"/>
+      </p:ext>
+    </p:extLst>
+  </p:cSld>
+  <p:clrMapOvr>
+    <a:masterClrMapping/>
+  </p:clrMapOvr>
+</p:sld>
+</file>
+
+<file path=ppt/slides/slide24.xml><?xml version="1.0" encoding="utf-8"?>
+<p:sld xmlns:a="http://schemas.openxmlformats.org/drawingml/2006/main" xmlns:r="http://schemas.openxmlformats.org/officeDocument/2006/relationships" xmlns:p="http://schemas.openxmlformats.org/presentationml/2006/main">
+  <p:cSld>
+    <p:bg>
+      <p:bgPr>
+        <a:solidFill>
+          <a:schemeClr val="bg2"/>
+        </a:solidFill>
+        <a:effectLst/>
+      </p:bgPr>
+    </p:bg>
+    <p:spTree>
+      <p:nvGrpSpPr>
+        <p:cNvPr id="1" name=""/>
+        <p:cNvGrpSpPr/>
+        <p:nvPr/>
+      </p:nvGrpSpPr>
+      <p:grpSpPr>
+        <a:xfrm>
+          <a:off x="0" y="0"/>
+          <a:ext cx="0" cy="0"/>
+          <a:chOff x="0" y="0"/>
+          <a:chExt cx="0" cy="0"/>
+        </a:xfrm>
+      </p:grpSpPr>
+      <p:grpSp>
+        <p:nvGrpSpPr>
+          <p:cNvPr id="37" name="Group 36">
+            <a:extLst>
+              <a:ext uri="{FF2B5EF4-FFF2-40B4-BE49-F238E27FC236}">
+                <a16:creationId xmlns:a16="http://schemas.microsoft.com/office/drawing/2014/main" id="{A9071646-D6BB-4CCB-870D-1E804A3E4A25}"/>
+              </a:ext>
+            </a:extLst>
+          </p:cNvPr>
+          <p:cNvGrpSpPr>
+            <a:grpSpLocks noGrp="1" noUngrp="1" noRot="1" noChangeAspect="1" noMove="1" noResize="1"/>
+          </p:cNvGrpSpPr>
+          <p:nvPr>
+            <p:extLst>
+              <p:ext uri="{386F3935-93C4-4BCD-93E2-E3B085C9AB24}">
+                <p16:designElem xmlns:p16="http://schemas.microsoft.com/office/powerpoint/2015/main" val="1"/>
+              </p:ext>
+            </p:extLst>
+          </p:nvPr>
+        </p:nvGrpSpPr>
+        <p:grpSpPr>
+          <a:xfrm>
+            <a:off x="0" y="-8467"/>
+            <a:ext cx="12192000" cy="6866467"/>
+            <a:chOff x="0" y="-8467"/>
+            <a:chExt cx="12192000" cy="6866467"/>
+          </a:xfrm>
+        </p:grpSpPr>
+        <p:cxnSp>
+          <p:nvCxnSpPr>
+            <p:cNvPr id="38" name="Straight Connector 37">
+              <a:extLst>
+                <a:ext uri="{FF2B5EF4-FFF2-40B4-BE49-F238E27FC236}">
+                  <a16:creationId xmlns:a16="http://schemas.microsoft.com/office/drawing/2014/main" id="{EF36DCDC-1E5C-4B5F-9425-B27ED71B3180}"/>
+                </a:ext>
+              </a:extLst>
+            </p:cNvPr>
+            <p:cNvCxnSpPr/>
+            <p:nvPr>
+              <p:extLst>
+                <p:ext uri="{386F3935-93C4-4BCD-93E2-E3B085C9AB24}">
+                  <p16:designElem xmlns:p16="http://schemas.microsoft.com/office/powerpoint/2015/main" val="1"/>
+                </p:ext>
+              </p:extLst>
+            </p:nvPr>
+          </p:nvCxnSpPr>
+          <p:spPr>
+            <a:xfrm>
+              <a:off x="9371012" y="0"/>
+              <a:ext cx="1219200" cy="6858000"/>
+            </a:xfrm>
+            <a:prstGeom prst="line">
+              <a:avLst/>
+            </a:prstGeom>
+            <a:ln w="9525">
+              <a:solidFill>
+                <a:schemeClr val="bg1">
+                  <a:lumMod val="85000"/>
+                  <a:lumOff val="15000"/>
+                </a:schemeClr>
+              </a:solidFill>
+            </a:ln>
+          </p:spPr>
+          <p:style>
+            <a:lnRef idx="2">
+              <a:schemeClr val="accent1"/>
+            </a:lnRef>
+            <a:fillRef idx="0">
+              <a:schemeClr val="accent1"/>
+            </a:fillRef>
+            <a:effectRef idx="1">
+              <a:schemeClr val="accent1"/>
+            </a:effectRef>
+            <a:fontRef idx="minor">
+              <a:schemeClr val="tx1"/>
+            </a:fontRef>
+          </p:style>
+        </p:cxnSp>
+        <p:cxnSp>
+          <p:nvCxnSpPr>
+            <p:cNvPr id="39" name="Straight Connector 38">
+              <a:extLst>
+                <a:ext uri="{FF2B5EF4-FFF2-40B4-BE49-F238E27FC236}">
+                  <a16:creationId xmlns:a16="http://schemas.microsoft.com/office/drawing/2014/main" id="{13CC0BBB-9AB8-4B93-9757-60ED1BECAE1B}"/>
+                </a:ext>
+              </a:extLst>
+            </p:cNvPr>
+            <p:cNvCxnSpPr/>
+            <p:nvPr>
+              <p:extLst>
+                <p:ext uri="{386F3935-93C4-4BCD-93E2-E3B085C9AB24}">
+                  <p16:designElem xmlns:p16="http://schemas.microsoft.com/office/powerpoint/2015/main" val="1"/>
+                </p:ext>
+              </p:extLst>
+            </p:nvPr>
+          </p:nvCxnSpPr>
+          <p:spPr>
+            <a:xfrm flipH="1">
+              <a:off x="7425267" y="3681413"/>
+              <a:ext cx="4763558" cy="3176587"/>
+            </a:xfrm>
+            <a:prstGeom prst="line">
+              <a:avLst/>
+            </a:prstGeom>
+            <a:ln w="9525">
+              <a:solidFill>
+                <a:schemeClr val="bg1">
+                  <a:lumMod val="85000"/>
+                  <a:lumOff val="15000"/>
+                </a:schemeClr>
+              </a:solidFill>
+            </a:ln>
+          </p:spPr>
+          <p:style>
+            <a:lnRef idx="2">
+              <a:schemeClr val="accent1"/>
+            </a:lnRef>
+            <a:fillRef idx="0">
+              <a:schemeClr val="accent1"/>
+            </a:fillRef>
+            <a:effectRef idx="1">
+              <a:schemeClr val="accent1"/>
+            </a:effectRef>
+            <a:fontRef idx="minor">
+              <a:schemeClr val="tx1"/>
+            </a:fontRef>
+          </p:style>
+        </p:cxnSp>
+        <p:sp>
+          <p:nvSpPr>
+            <p:cNvPr id="40" name="Rectangle 23">
+              <a:extLst>
+                <a:ext uri="{FF2B5EF4-FFF2-40B4-BE49-F238E27FC236}">
+                  <a16:creationId xmlns:a16="http://schemas.microsoft.com/office/drawing/2014/main" id="{38104480-DCF6-4C8C-9238-29CDD8188098}"/>
+                </a:ext>
+              </a:extLst>
+            </p:cNvPr>
+            <p:cNvSpPr/>
+            <p:nvPr>
+              <p:extLst>
+                <p:ext uri="{386F3935-93C4-4BCD-93E2-E3B085C9AB24}">
+                  <p16:designElem xmlns:p16="http://schemas.microsoft.com/office/powerpoint/2015/main" val="1"/>
+                </p:ext>
+              </p:extLst>
+            </p:nvPr>
+          </p:nvSpPr>
+          <p:spPr>
+            <a:xfrm>
+              <a:off x="9181476" y="-8467"/>
+              <a:ext cx="3007349" cy="6866467"/>
+            </a:xfrm>
+            <a:custGeom>
+              <a:avLst/>
+              <a:gdLst/>
+              <a:ahLst/>
+              <a:cxnLst/>
+              <a:rect l="l" t="t" r="r" b="b"/>
+              <a:pathLst>
+                <a:path w="3007349" h="6866467">
+                  <a:moveTo>
+                    <a:pt x="2045532" y="0"/>
+                  </a:moveTo>
+                  <a:lnTo>
+                    <a:pt x="3007349" y="0"/>
+                  </a:lnTo>
+                  <a:lnTo>
+                    <a:pt x="3007349" y="6866467"/>
+                  </a:lnTo>
+                  <a:lnTo>
+                    <a:pt x="0" y="6866467"/>
+                  </a:lnTo>
+                  <a:lnTo>
+                    <a:pt x="2045532" y="0"/>
+                  </a:lnTo>
+                  <a:close/>
+                </a:path>
+              </a:pathLst>
+            </a:custGeom>
+            <a:solidFill>
+              <a:schemeClr val="accent1">
+                <a:alpha val="30000"/>
+              </a:schemeClr>
+            </a:solidFill>
+            <a:ln>
+              <a:noFill/>
+            </a:ln>
+            <a:effectLst/>
+          </p:spPr>
+          <p:style>
+            <a:lnRef idx="1">
+              <a:schemeClr val="accent1"/>
+            </a:lnRef>
+            <a:fillRef idx="3">
+              <a:schemeClr val="accent1"/>
+            </a:fillRef>
+            <a:effectRef idx="2">
+              <a:schemeClr val="accent1"/>
+            </a:effectRef>
+            <a:fontRef idx="minor">
+              <a:schemeClr val="lt1"/>
+            </a:fontRef>
+          </p:style>
+        </p:sp>
+        <p:sp>
+          <p:nvSpPr>
+            <p:cNvPr id="41" name="Rectangle 25">
+              <a:extLst>
+                <a:ext uri="{FF2B5EF4-FFF2-40B4-BE49-F238E27FC236}">
+                  <a16:creationId xmlns:a16="http://schemas.microsoft.com/office/drawing/2014/main" id="{84D8EC37-E9F4-43AB-AD4D-BCFECAD1464B}"/>
+                </a:ext>
+              </a:extLst>
+            </p:cNvPr>
+            <p:cNvSpPr/>
+            <p:nvPr>
+              <p:extLst>
+                <p:ext uri="{386F3935-93C4-4BCD-93E2-E3B085C9AB24}">
+                  <p16:designElem xmlns:p16="http://schemas.microsoft.com/office/powerpoint/2015/main" val="1"/>
+                </p:ext>
+              </p:extLst>
+            </p:nvPr>
+          </p:nvSpPr>
+          <p:spPr>
+            <a:xfrm>
+              <a:off x="9603442" y="-8467"/>
+              <a:ext cx="2588558" cy="6866467"/>
+            </a:xfrm>
+            <a:custGeom>
+              <a:avLst/>
+              <a:gdLst/>
+              <a:ahLst/>
+              <a:cxnLst/>
+              <a:rect l="l" t="t" r="r" b="b"/>
+              <a:pathLst>
+                <a:path w="2573311" h="6866467">
+                  <a:moveTo>
+                    <a:pt x="0" y="0"/>
+                  </a:moveTo>
+                  <a:lnTo>
+                    <a:pt x="2573311" y="0"/>
+                  </a:lnTo>
+                  <a:lnTo>
+                    <a:pt x="2573311" y="6866467"/>
+                  </a:lnTo>
+                  <a:lnTo>
+                    <a:pt x="1202336" y="6866467"/>
+                  </a:lnTo>
+                  <a:lnTo>
+                    <a:pt x="0" y="0"/>
+                  </a:lnTo>
+                  <a:close/>
+                </a:path>
+              </a:pathLst>
+            </a:custGeom>
+            <a:solidFill>
+              <a:schemeClr val="accent1">
+                <a:alpha val="20000"/>
+              </a:schemeClr>
+            </a:solidFill>
+            <a:ln>
+              <a:noFill/>
+            </a:ln>
+            <a:effectLst/>
+          </p:spPr>
+          <p:style>
+            <a:lnRef idx="1">
+              <a:schemeClr val="accent1"/>
+            </a:lnRef>
+            <a:fillRef idx="3">
+              <a:schemeClr val="accent1"/>
+            </a:fillRef>
+            <a:effectRef idx="2">
+              <a:schemeClr val="accent1"/>
+            </a:effectRef>
+            <a:fontRef idx="minor">
+              <a:schemeClr val="lt1"/>
+            </a:fontRef>
+          </p:style>
+        </p:sp>
+        <p:sp>
+          <p:nvSpPr>
+            <p:cNvPr id="42" name="Isosceles Triangle 41">
+              <a:extLst>
+                <a:ext uri="{FF2B5EF4-FFF2-40B4-BE49-F238E27FC236}">
+                  <a16:creationId xmlns:a16="http://schemas.microsoft.com/office/drawing/2014/main" id="{80537E6C-BA5A-40E7-95A4-598A2B2E2921}"/>
+                </a:ext>
+              </a:extLst>
+            </p:cNvPr>
+            <p:cNvSpPr/>
+            <p:nvPr>
+              <p:extLst>
+                <p:ext uri="{386F3935-93C4-4BCD-93E2-E3B085C9AB24}">
+                  <p16:designElem xmlns:p16="http://schemas.microsoft.com/office/powerpoint/2015/main" val="1"/>
+                </p:ext>
+              </p:extLst>
+            </p:nvPr>
+          </p:nvSpPr>
+          <p:spPr>
+            <a:xfrm>
+              <a:off x="8932333" y="3048000"/>
+              <a:ext cx="3259667" cy="3810000"/>
+            </a:xfrm>
+            <a:prstGeom prst="triangle">
+              <a:avLst>
+                <a:gd name="adj" fmla="val 100000"/>
+              </a:avLst>
+            </a:prstGeom>
+            <a:solidFill>
+              <a:schemeClr val="accent2">
+                <a:alpha val="72000"/>
+              </a:schemeClr>
+            </a:solidFill>
+            <a:ln>
+              <a:noFill/>
+            </a:ln>
+            <a:effectLst/>
+          </p:spPr>
+          <p:style>
+            <a:lnRef idx="1">
+              <a:schemeClr val="accent1"/>
+            </a:lnRef>
+            <a:fillRef idx="3">
+              <a:schemeClr val="accent1"/>
+            </a:fillRef>
+            <a:effectRef idx="2">
+              <a:schemeClr val="accent1"/>
+            </a:effectRef>
+            <a:fontRef idx="minor">
+              <a:schemeClr val="lt1"/>
+            </a:fontRef>
+          </p:style>
+        </p:sp>
+        <p:sp>
+          <p:nvSpPr>
+            <p:cNvPr id="43" name="Rectangle 27">
+              <a:extLst>
+                <a:ext uri="{FF2B5EF4-FFF2-40B4-BE49-F238E27FC236}">
+                  <a16:creationId xmlns:a16="http://schemas.microsoft.com/office/drawing/2014/main" id="{DDAE0CDC-4760-43E8-987D-5B5C85F2CCBA}"/>
+                </a:ext>
+              </a:extLst>
+            </p:cNvPr>
+            <p:cNvSpPr/>
+            <p:nvPr>
+              <p:extLst>
+                <p:ext uri="{386F3935-93C4-4BCD-93E2-E3B085C9AB24}">
+                  <p16:designElem xmlns:p16="http://schemas.microsoft.com/office/powerpoint/2015/main" val="1"/>
+                </p:ext>
+              </p:extLst>
+            </p:nvPr>
+          </p:nvSpPr>
+          <p:spPr>
+            <a:xfrm>
+              <a:off x="9334500" y="-8467"/>
+              <a:ext cx="2854326" cy="6866467"/>
+            </a:xfrm>
+            <a:custGeom>
+              <a:avLst/>
+              <a:gdLst/>
+              <a:ahLst/>
+              <a:cxnLst/>
+              <a:rect l="l" t="t" r="r" b="b"/>
+              <a:pathLst>
+                <a:path w="2858013" h="6866467">
+                  <a:moveTo>
+                    <a:pt x="0" y="0"/>
+                  </a:moveTo>
+                  <a:lnTo>
+                    <a:pt x="2858013" y="0"/>
+                  </a:lnTo>
+                  <a:lnTo>
+                    <a:pt x="2858013" y="6866467"/>
+                  </a:lnTo>
+                  <a:lnTo>
+                    <a:pt x="2473942" y="6866467"/>
+                  </a:lnTo>
+                  <a:lnTo>
+                    <a:pt x="0" y="0"/>
+                  </a:lnTo>
+                  <a:close/>
+                </a:path>
+              </a:pathLst>
+            </a:custGeom>
+            <a:solidFill>
+              <a:schemeClr val="accent2">
+                <a:lumMod val="75000"/>
+                <a:alpha val="70000"/>
+              </a:schemeClr>
+            </a:solidFill>
+            <a:ln>
+              <a:noFill/>
+            </a:ln>
+            <a:effectLst/>
+          </p:spPr>
+          <p:style>
+            <a:lnRef idx="1">
+              <a:schemeClr val="accent1"/>
+            </a:lnRef>
+            <a:fillRef idx="3">
+              <a:schemeClr val="accent1"/>
+            </a:fillRef>
+            <a:effectRef idx="2">
+              <a:schemeClr val="accent1"/>
+            </a:effectRef>
+            <a:fontRef idx="minor">
+              <a:schemeClr val="lt1"/>
+            </a:fontRef>
+          </p:style>
+        </p:sp>
+        <p:sp>
+          <p:nvSpPr>
+            <p:cNvPr id="44" name="Rectangle 28">
+              <a:extLst>
+                <a:ext uri="{FF2B5EF4-FFF2-40B4-BE49-F238E27FC236}">
+                  <a16:creationId xmlns:a16="http://schemas.microsoft.com/office/drawing/2014/main" id="{47132CD7-BED0-4F95-9B0C-983A2BA87160}"/>
+                </a:ext>
+              </a:extLst>
+            </p:cNvPr>
+            <p:cNvSpPr/>
+            <p:nvPr>
+              <p:extLst>
+                <p:ext uri="{386F3935-93C4-4BCD-93E2-E3B085C9AB24}">
+                  <p16:designElem xmlns:p16="http://schemas.microsoft.com/office/powerpoint/2015/main" val="1"/>
+                </p:ext>
+              </p:extLst>
+            </p:nvPr>
+          </p:nvSpPr>
+          <p:spPr>
+            <a:xfrm>
+              <a:off x="10898730" y="-8467"/>
+              <a:ext cx="1290094" cy="6866467"/>
+            </a:xfrm>
+            <a:custGeom>
+              <a:avLst/>
+              <a:gdLst/>
+              <a:ahLst/>
+              <a:cxnLst/>
+              <a:rect l="l" t="t" r="r" b="b"/>
+              <a:pathLst>
+                <a:path w="1290094" h="6858000">
+                  <a:moveTo>
+                    <a:pt x="1019735" y="0"/>
+                  </a:moveTo>
+                  <a:lnTo>
+                    <a:pt x="1290094" y="0"/>
+                  </a:lnTo>
+                  <a:lnTo>
+                    <a:pt x="1290094" y="6858000"/>
+                  </a:lnTo>
+                  <a:lnTo>
+                    <a:pt x="0" y="6858000"/>
+                  </a:lnTo>
+                  <a:lnTo>
+                    <a:pt x="1019735" y="0"/>
+                  </a:lnTo>
+                  <a:close/>
+                </a:path>
+              </a:pathLst>
+            </a:custGeom>
+            <a:solidFill>
+              <a:schemeClr val="accent1">
+                <a:lumMod val="60000"/>
+                <a:lumOff val="40000"/>
+                <a:alpha val="70000"/>
+              </a:schemeClr>
+            </a:solidFill>
+            <a:ln>
+              <a:noFill/>
+            </a:ln>
+            <a:effectLst/>
+          </p:spPr>
+          <p:style>
+            <a:lnRef idx="1">
+              <a:schemeClr val="accent1"/>
+            </a:lnRef>
+            <a:fillRef idx="3">
+              <a:schemeClr val="accent1"/>
+            </a:fillRef>
+            <a:effectRef idx="2">
+              <a:schemeClr val="accent1"/>
+            </a:effectRef>
+            <a:fontRef idx="minor">
+              <a:schemeClr val="lt1"/>
+            </a:fontRef>
+          </p:style>
+        </p:sp>
+        <p:sp>
+          <p:nvSpPr>
+            <p:cNvPr id="45" name="Rectangle 29">
+              <a:extLst>
+                <a:ext uri="{FF2B5EF4-FFF2-40B4-BE49-F238E27FC236}">
+                  <a16:creationId xmlns:a16="http://schemas.microsoft.com/office/drawing/2014/main" id="{12D5F06D-4DFC-4F08-9F4B-8BFD85A5F8B8}"/>
+                </a:ext>
+              </a:extLst>
+            </p:cNvPr>
+            <p:cNvSpPr/>
+            <p:nvPr>
+              <p:extLst>
+                <p:ext uri="{386F3935-93C4-4BCD-93E2-E3B085C9AB24}">
+                  <p16:designElem xmlns:p16="http://schemas.microsoft.com/office/powerpoint/2015/main" val="1"/>
+                </p:ext>
+              </p:extLst>
+            </p:nvPr>
+          </p:nvSpPr>
+          <p:spPr>
+            <a:xfrm>
+              <a:off x="10938999" y="-8467"/>
+              <a:ext cx="1249825" cy="6866467"/>
+            </a:xfrm>
+            <a:custGeom>
+              <a:avLst/>
+              <a:gdLst/>
+              <a:ahLst/>
+              <a:cxnLst/>
+              <a:rect l="l" t="t" r="r" b="b"/>
+              <a:pathLst>
+                <a:path w="1249825" h="6858000">
+                  <a:moveTo>
+                    <a:pt x="0" y="0"/>
+                  </a:moveTo>
+                  <a:lnTo>
+                    <a:pt x="1249825" y="0"/>
+                  </a:lnTo>
+                  <a:lnTo>
+                    <a:pt x="1249825" y="6858000"/>
+                  </a:lnTo>
+                  <a:lnTo>
+                    <a:pt x="1109382" y="6858000"/>
+                  </a:lnTo>
+                  <a:lnTo>
+                    <a:pt x="0" y="0"/>
+                  </a:lnTo>
+                  <a:close/>
+                </a:path>
+              </a:pathLst>
+            </a:custGeom>
+            <a:solidFill>
+              <a:schemeClr val="accent1">
+                <a:alpha val="65000"/>
+              </a:schemeClr>
+            </a:solidFill>
+            <a:ln>
+              <a:noFill/>
+            </a:ln>
+            <a:effectLst/>
+          </p:spPr>
+          <p:style>
+            <a:lnRef idx="1">
+              <a:schemeClr val="accent1"/>
+            </a:lnRef>
+            <a:fillRef idx="3">
+              <a:schemeClr val="accent1"/>
+            </a:fillRef>
+            <a:effectRef idx="2">
+              <a:schemeClr val="accent1"/>
+            </a:effectRef>
+            <a:fontRef idx="minor">
+              <a:schemeClr val="lt1"/>
+            </a:fontRef>
+          </p:style>
+        </p:sp>
+        <p:sp>
+          <p:nvSpPr>
+            <p:cNvPr id="46" name="Isosceles Triangle 45">
+              <a:extLst>
+                <a:ext uri="{FF2B5EF4-FFF2-40B4-BE49-F238E27FC236}">
+                  <a16:creationId xmlns:a16="http://schemas.microsoft.com/office/drawing/2014/main" id="{514F3571-56DF-4F1B-90B6-1B523456064D}"/>
+                </a:ext>
+              </a:extLst>
+            </p:cNvPr>
+            <p:cNvSpPr/>
+            <p:nvPr>
+              <p:extLst>
+                <p:ext uri="{386F3935-93C4-4BCD-93E2-E3B085C9AB24}">
+                  <p16:designElem xmlns:p16="http://schemas.microsoft.com/office/powerpoint/2015/main" val="1"/>
+                </p:ext>
+              </p:extLst>
+            </p:nvPr>
+          </p:nvSpPr>
+          <p:spPr>
+            <a:xfrm>
+              <a:off x="10371666" y="3589867"/>
+              <a:ext cx="1817159" cy="3268133"/>
+            </a:xfrm>
+            <a:prstGeom prst="triangle">
+              <a:avLst>
+                <a:gd name="adj" fmla="val 100000"/>
+              </a:avLst>
+            </a:prstGeom>
+            <a:solidFill>
+              <a:schemeClr val="accent1">
+                <a:alpha val="80000"/>
+              </a:schemeClr>
+            </a:solidFill>
+            <a:ln>
+              <a:noFill/>
+            </a:ln>
+            <a:effectLst/>
+          </p:spPr>
+          <p:style>
+            <a:lnRef idx="1">
+              <a:schemeClr val="accent1"/>
+            </a:lnRef>
+            <a:fillRef idx="3">
+              <a:schemeClr val="accent1"/>
+            </a:fillRef>
+            <a:effectRef idx="2">
+              <a:schemeClr val="accent1"/>
+            </a:effectRef>
+            <a:fontRef idx="minor">
+              <a:schemeClr val="lt1"/>
+            </a:fontRef>
+          </p:style>
+        </p:sp>
+        <p:sp>
+          <p:nvSpPr>
+            <p:cNvPr id="47" name="Isosceles Triangle 46">
+              <a:extLst>
+                <a:ext uri="{FF2B5EF4-FFF2-40B4-BE49-F238E27FC236}">
+                  <a16:creationId xmlns:a16="http://schemas.microsoft.com/office/drawing/2014/main" id="{3369C13E-BDAA-4ED7-9A7B-F27A68553E86}"/>
+                </a:ext>
+              </a:extLst>
+            </p:cNvPr>
+            <p:cNvSpPr/>
+            <p:nvPr>
+              <p:extLst>
+                <p:ext uri="{386F3935-93C4-4BCD-93E2-E3B085C9AB24}">
+                  <p16:designElem xmlns:p16="http://schemas.microsoft.com/office/powerpoint/2015/main" val="1"/>
+                </p:ext>
+              </p:extLst>
+            </p:nvPr>
+          </p:nvSpPr>
+          <p:spPr>
+            <a:xfrm>
+              <a:off x="0" y="4013200"/>
+              <a:ext cx="448733" cy="2844800"/>
+            </a:xfrm>
+            <a:prstGeom prst="triangle">
+              <a:avLst>
+                <a:gd name="adj" fmla="val 0"/>
+              </a:avLst>
+            </a:prstGeom>
+            <a:solidFill>
+              <a:schemeClr val="accent1">
+                <a:alpha val="85000"/>
+              </a:schemeClr>
+            </a:solidFill>
+            <a:ln>
+              <a:noFill/>
+            </a:ln>
+            <a:effectLst/>
+          </p:spPr>
+          <p:style>
+            <a:lnRef idx="1">
+              <a:schemeClr val="accent1"/>
+            </a:lnRef>
+            <a:fillRef idx="3">
+              <a:schemeClr val="accent1"/>
+            </a:fillRef>
+            <a:effectRef idx="2">
+              <a:schemeClr val="accent1"/>
+            </a:effectRef>
+            <a:fontRef idx="minor">
+              <a:schemeClr val="lt1"/>
+            </a:fontRef>
+          </p:style>
+        </p:sp>
+      </p:grpSp>
+      <p:pic>
+        <p:nvPicPr>
+          <p:cNvPr id="14" name="Content Placeholder 13">
+            <a:extLst>
+              <a:ext uri="{FF2B5EF4-FFF2-40B4-BE49-F238E27FC236}">
+                <a16:creationId xmlns:a16="http://schemas.microsoft.com/office/drawing/2014/main" id="{D6B83AAC-BFD9-4E55-AF71-05C252C955FA}"/>
+              </a:ext>
+            </a:extLst>
+          </p:cNvPr>
+          <p:cNvPicPr>
+            <a:picLocks noGrp="1" noChangeAspect="1"/>
+          </p:cNvPicPr>
+          <p:nvPr>
+            <p:ph sz="half" idx="2"/>
+          </p:nvPr>
+        </p:nvPicPr>
+        <p:blipFill>
+          <a:blip r:embed="rId3"/>
+          <a:stretch>
+            <a:fillRect/>
+          </a:stretch>
+        </p:blipFill>
+        <p:spPr>
+          <a:xfrm>
+            <a:off x="915286" y="3439020"/>
+            <a:ext cx="4945258" cy="2602341"/>
+          </a:xfrm>
+          <a:prstGeom prst="rect">
+            <a:avLst/>
+          </a:prstGeom>
+        </p:spPr>
+      </p:pic>
+      <p:pic>
+        <p:nvPicPr>
+          <p:cNvPr id="17" name="Content Placeholder 8">
+            <a:extLst>
+              <a:ext uri="{FF2B5EF4-FFF2-40B4-BE49-F238E27FC236}">
+                <a16:creationId xmlns:a16="http://schemas.microsoft.com/office/drawing/2014/main" id="{6075D9B8-7575-461E-AB9D-A31D9D958C79}"/>
+              </a:ext>
+            </a:extLst>
+          </p:cNvPr>
+          <p:cNvPicPr>
+            <a:picLocks noChangeAspect="1"/>
+          </p:cNvPicPr>
+          <p:nvPr/>
+        </p:nvPicPr>
+        <p:blipFill>
+          <a:blip r:embed="rId4"/>
+          <a:stretch>
+            <a:fillRect/>
+          </a:stretch>
+        </p:blipFill>
+        <p:spPr>
+          <a:xfrm>
+            <a:off x="863892" y="609600"/>
+            <a:ext cx="5048043" cy="2601747"/>
+          </a:xfrm>
+          <a:prstGeom prst="rect">
+            <a:avLst/>
+          </a:prstGeom>
+        </p:spPr>
+      </p:pic>
+      <p:sp>
+        <p:nvSpPr>
+          <p:cNvPr id="2" name="Title 1">
+            <a:extLst>
+              <a:ext uri="{FF2B5EF4-FFF2-40B4-BE49-F238E27FC236}">
+                <a16:creationId xmlns:a16="http://schemas.microsoft.com/office/drawing/2014/main" id="{F9B96981-AD54-4FAB-8C02-96D7500B7E77}"/>
+              </a:ext>
+            </a:extLst>
+          </p:cNvPr>
+          <p:cNvSpPr>
+            <a:spLocks noGrp="1"/>
+          </p:cNvSpPr>
+          <p:nvPr>
+            <p:ph type="title"/>
+          </p:nvPr>
+        </p:nvSpPr>
+        <p:spPr>
+          <a:xfrm>
+            <a:off x="6343484" y="609600"/>
+            <a:ext cx="2930518" cy="1320800"/>
+          </a:xfrm>
+        </p:spPr>
+        <p:txBody>
+          <a:bodyPr vert="horz" lIns="91440" tIns="45720" rIns="91440" bIns="45720" rtlCol="0" anchor="ctr">
+            <a:normAutofit/>
+          </a:bodyPr>
+          <a:lstStyle/>
+          <a:p>
+            <a:r>
+              <a:rPr lang="en-US"/>
+              <a:t>What can we see?</a:t>
+            </a:r>
+          </a:p>
+        </p:txBody>
+      </p:sp>
+      <p:sp>
+        <p:nvSpPr>
+          <p:cNvPr id="19" name="Content Placeholder 18">
+            <a:extLst>
+              <a:ext uri="{FF2B5EF4-FFF2-40B4-BE49-F238E27FC236}">
+                <a16:creationId xmlns:a16="http://schemas.microsoft.com/office/drawing/2014/main" id="{94C2661D-C066-482B-A1A9-990BF961E21B}"/>
+              </a:ext>
+            </a:extLst>
+          </p:cNvPr>
+          <p:cNvSpPr>
+            <a:spLocks noGrp="1"/>
+          </p:cNvSpPr>
+          <p:nvPr>
+            <p:ph sz="half" idx="1"/>
+          </p:nvPr>
+        </p:nvSpPr>
+        <p:spPr>
+          <a:xfrm>
+            <a:off x="6343484" y="2160589"/>
+            <a:ext cx="2930517" cy="3880773"/>
+          </a:xfrm>
+        </p:spPr>
+        <p:txBody>
+          <a:bodyPr vert="horz" lIns="91440" tIns="45720" rIns="91440" bIns="45720" rtlCol="0">
+            <a:normAutofit/>
+          </a:bodyPr>
+          <a:lstStyle/>
+          <a:p>
+            <a:r>
+              <a:rPr lang="en-US" dirty="0"/>
+              <a:t>Two spectrograms – 1 vowel difference</a:t>
+            </a:r>
+          </a:p>
+          <a:p>
+            <a:endParaRPr lang="en-US" dirty="0"/>
+          </a:p>
+          <a:p>
+            <a:r>
+              <a:rPr lang="en-US" dirty="0"/>
+              <a:t>Top word is ‘hid’ /</a:t>
+            </a:r>
+            <a:r>
+              <a:rPr lang="en-US" dirty="0" err="1"/>
+              <a:t>hɪd</a:t>
+            </a:r>
+            <a:r>
+              <a:rPr lang="en-US" dirty="0"/>
+              <a:t>/</a:t>
+            </a:r>
+          </a:p>
+          <a:p>
+            <a:endParaRPr lang="en-US" dirty="0"/>
+          </a:p>
+          <a:p>
+            <a:r>
+              <a:rPr lang="en-US" dirty="0"/>
+              <a:t>Bottom word is ‘heard’ /</a:t>
+            </a:r>
+            <a:r>
+              <a:rPr lang="en-US" dirty="0" err="1"/>
+              <a:t>hɛːd</a:t>
+            </a:r>
+            <a:r>
+              <a:rPr lang="en-US" dirty="0"/>
+              <a:t>/</a:t>
+            </a:r>
+          </a:p>
+        </p:txBody>
+      </p:sp>
+    </p:spTree>
+    <p:extLst>
+      <p:ext uri="{BB962C8B-B14F-4D97-AF65-F5344CB8AC3E}">
+        <p14:creationId xmlns:p14="http://schemas.microsoft.com/office/powerpoint/2010/main" val="3053739869"/>
+      </p:ext>
+    </p:extLst>
+  </p:cSld>
+  <p:clrMapOvr>
+    <a:masterClrMapping/>
+  </p:clrMapOvr>
+</p:sld>
+</file>
+
+<file path=ppt/slides/slide25.xml><?xml version="1.0" encoding="utf-8"?>
+<p:sld xmlns:a="http://schemas.openxmlformats.org/drawingml/2006/main" xmlns:r="http://schemas.openxmlformats.org/officeDocument/2006/relationships" xmlns:p="http://schemas.openxmlformats.org/presentationml/2006/main">
+  <p:cSld>
+    <p:spTree>
+      <p:nvGrpSpPr>
+        <p:cNvPr id="1" name=""/>
+        <p:cNvGrpSpPr/>
+        <p:nvPr/>
+      </p:nvGrpSpPr>
+      <p:grpSpPr>
+        <a:xfrm>
+          <a:off x="0" y="0"/>
+          <a:ext cx="0" cy="0"/>
+          <a:chOff x="0" y="0"/>
+          <a:chExt cx="0" cy="0"/>
+        </a:xfrm>
+      </p:grpSpPr>
+      <p:sp>
+        <p:nvSpPr>
+          <p:cNvPr id="5" name="Title 4">
+            <a:extLst>
+              <a:ext uri="{FF2B5EF4-FFF2-40B4-BE49-F238E27FC236}">
+                <a16:creationId xmlns:a16="http://schemas.microsoft.com/office/drawing/2014/main" id="{EDCAF378-0D06-4F8C-A00F-508BEE2AC918}"/>
+              </a:ext>
+            </a:extLst>
+          </p:cNvPr>
+          <p:cNvSpPr>
+            <a:spLocks noGrp="1"/>
+          </p:cNvSpPr>
+          <p:nvPr>
+            <p:ph type="title"/>
+          </p:nvPr>
+        </p:nvSpPr>
+        <p:spPr/>
+        <p:txBody>
+          <a:bodyPr/>
+          <a:lstStyle/>
+          <a:p>
+            <a:r>
+              <a:rPr lang="en-AU" dirty="0"/>
+              <a:t>But how do we tell which vowel is which?</a:t>
+            </a:r>
+          </a:p>
+        </p:txBody>
+      </p:sp>
+      <p:sp>
+        <p:nvSpPr>
+          <p:cNvPr id="6" name="Content Placeholder 5">
+            <a:extLst>
+              <a:ext uri="{FF2B5EF4-FFF2-40B4-BE49-F238E27FC236}">
+                <a16:creationId xmlns:a16="http://schemas.microsoft.com/office/drawing/2014/main" id="{B4FD4FF2-7FFF-49DF-B9E8-3B22C43EB5DD}"/>
+              </a:ext>
+            </a:extLst>
+          </p:cNvPr>
+          <p:cNvSpPr>
+            <a:spLocks noGrp="1"/>
+          </p:cNvSpPr>
+          <p:nvPr>
+            <p:ph idx="1"/>
+          </p:nvPr>
+        </p:nvSpPr>
+        <p:spPr/>
+        <p:txBody>
+          <a:bodyPr/>
+          <a:lstStyle/>
+          <a:p>
+            <a:r>
+              <a:rPr lang="en-AU" dirty="0"/>
+              <a:t>Taking measurements of F1 and F2 allows us to plot (approximately) the vowels on the vowel diagram we saw earlier</a:t>
+            </a:r>
+          </a:p>
+          <a:p>
+            <a:endParaRPr lang="en-AU" dirty="0"/>
+          </a:p>
+          <a:p>
+            <a:r>
+              <a:rPr lang="en-AU" dirty="0"/>
+              <a:t>The higher the vowel, the lower F1 </a:t>
+            </a:r>
+          </a:p>
+          <a:p>
+            <a:endParaRPr lang="en-AU" dirty="0"/>
+          </a:p>
+          <a:p>
+            <a:r>
+              <a:rPr lang="en-AU" dirty="0"/>
+              <a:t>The smaller the difference between F1 and F2, the further back the vowel is </a:t>
+            </a:r>
+          </a:p>
+          <a:p>
+            <a:endParaRPr lang="en-AU" dirty="0"/>
+          </a:p>
+          <a:p>
+            <a:endParaRPr lang="en-AU" dirty="0"/>
+          </a:p>
+        </p:txBody>
+      </p:sp>
+    </p:spTree>
+    <p:extLst>
+      <p:ext uri="{BB962C8B-B14F-4D97-AF65-F5344CB8AC3E}">
+        <p14:creationId xmlns:p14="http://schemas.microsoft.com/office/powerpoint/2010/main" val="495105128"/>
+      </p:ext>
+    </p:extLst>
+  </p:cSld>
+  <p:clrMapOvr>
+    <a:masterClrMapping/>
+  </p:clrMapOvr>
+</p:sld>
+</file>
+
+<file path=ppt/slides/slide26.xml><?xml version="1.0" encoding="utf-8"?>
+<p:sld xmlns:a="http://schemas.openxmlformats.org/drawingml/2006/main" xmlns:r="http://schemas.openxmlformats.org/officeDocument/2006/relationships" xmlns:p="http://schemas.openxmlformats.org/presentationml/2006/main">
+  <p:cSld>
+    <p:spTree>
+      <p:nvGrpSpPr>
+        <p:cNvPr id="1" name=""/>
+        <p:cNvGrpSpPr/>
+        <p:nvPr/>
+      </p:nvGrpSpPr>
+      <p:grpSpPr>
+        <a:xfrm>
+          <a:off x="0" y="0"/>
+          <a:ext cx="0" cy="0"/>
+          <a:chOff x="0" y="0"/>
+          <a:chExt cx="0" cy="0"/>
+        </a:xfrm>
+      </p:grpSpPr>
+      <p:sp>
+        <p:nvSpPr>
+          <p:cNvPr id="2" name="Title 1">
+            <a:extLst>
+              <a:ext uri="{FF2B5EF4-FFF2-40B4-BE49-F238E27FC236}">
+                <a16:creationId xmlns:a16="http://schemas.microsoft.com/office/drawing/2014/main" id="{E260DD41-C64A-4271-A629-B5F3A7950441}"/>
+              </a:ext>
+            </a:extLst>
+          </p:cNvPr>
+          <p:cNvSpPr>
+            <a:spLocks noGrp="1"/>
+          </p:cNvSpPr>
+          <p:nvPr>
+            <p:ph type="title"/>
+          </p:nvPr>
+        </p:nvSpPr>
+        <p:spPr/>
+        <p:txBody>
+          <a:bodyPr/>
+          <a:lstStyle/>
+          <a:p>
+            <a:r>
+              <a:rPr lang="en-AU" dirty="0"/>
+              <a:t>And the consonants...</a:t>
+            </a:r>
+          </a:p>
+        </p:txBody>
+      </p:sp>
+      <p:sp>
+        <p:nvSpPr>
+          <p:cNvPr id="3" name="Content Placeholder 2">
+            <a:extLst>
+              <a:ext uri="{FF2B5EF4-FFF2-40B4-BE49-F238E27FC236}">
+                <a16:creationId xmlns:a16="http://schemas.microsoft.com/office/drawing/2014/main" id="{8C2E1A0C-19A3-4EB7-80BF-FEF19FAD3280}"/>
+              </a:ext>
+            </a:extLst>
+          </p:cNvPr>
+          <p:cNvSpPr>
+            <a:spLocks noGrp="1"/>
+          </p:cNvSpPr>
+          <p:nvPr>
+            <p:ph idx="1"/>
+          </p:nvPr>
+        </p:nvSpPr>
+        <p:spPr/>
+        <p:txBody>
+          <a:bodyPr/>
+          <a:lstStyle/>
+          <a:p>
+            <a:r>
+              <a:rPr lang="en-AU" dirty="0"/>
+              <a:t>Looking at the characteristics of the consonants allows us to determine what they are but they are slightly trickier</a:t>
+            </a:r>
+          </a:p>
+          <a:p>
+            <a:endParaRPr lang="en-AU" dirty="0"/>
+          </a:p>
+          <a:p>
+            <a:r>
+              <a:rPr lang="en-AU" dirty="0"/>
+              <a:t>Voicing gives us a clue, along with the way the vowel slopes to meet the consonants</a:t>
+            </a:r>
+          </a:p>
+          <a:p>
+            <a:endParaRPr lang="en-AU" dirty="0"/>
+          </a:p>
+          <a:p>
+            <a:r>
+              <a:rPr lang="en-AU" dirty="0"/>
+              <a:t>Won’t go into too much of this now as not everyone will be interested (but if you are come and chat to me and I can talk you through it)</a:t>
+            </a:r>
+          </a:p>
+        </p:txBody>
+      </p:sp>
+    </p:spTree>
+    <p:extLst>
+      <p:ext uri="{BB962C8B-B14F-4D97-AF65-F5344CB8AC3E}">
+        <p14:creationId xmlns:p14="http://schemas.microsoft.com/office/powerpoint/2010/main" val="3805494345"/>
+      </p:ext>
+    </p:extLst>
+  </p:cSld>
+  <p:clrMapOvr>
+    <a:masterClrMapping/>
+  </p:clrMapOvr>
+</p:sld>
+</file>
+
+<file path=ppt/slides/slide27.xml><?xml version="1.0" encoding="utf-8"?>
+<p:sld xmlns:a="http://schemas.openxmlformats.org/drawingml/2006/main" xmlns:r="http://schemas.openxmlformats.org/officeDocument/2006/relationships" xmlns:p="http://schemas.openxmlformats.org/presentationml/2006/main">
+  <p:cSld>
+    <p:spTree>
+      <p:nvGrpSpPr>
+        <p:cNvPr id="1" name=""/>
+        <p:cNvGrpSpPr/>
+        <p:nvPr/>
+      </p:nvGrpSpPr>
+      <p:grpSpPr>
+        <a:xfrm>
+          <a:off x="0" y="0"/>
+          <a:ext cx="0" cy="0"/>
+          <a:chOff x="0" y="0"/>
+          <a:chExt cx="0" cy="0"/>
+        </a:xfrm>
+      </p:grpSpPr>
+      <p:sp>
+        <p:nvSpPr>
+          <p:cNvPr id="2" name="Title 1">
+            <a:extLst>
+              <a:ext uri="{FF2B5EF4-FFF2-40B4-BE49-F238E27FC236}">
+                <a16:creationId xmlns:a16="http://schemas.microsoft.com/office/drawing/2014/main" id="{B0FFD5ED-0388-4238-8B42-8B1E8FC69F85}"/>
+              </a:ext>
+            </a:extLst>
+          </p:cNvPr>
+          <p:cNvSpPr>
+            <a:spLocks noGrp="1"/>
+          </p:cNvSpPr>
+          <p:nvPr>
+            <p:ph type="title"/>
+          </p:nvPr>
+        </p:nvSpPr>
+        <p:spPr/>
+        <p:txBody>
+          <a:bodyPr/>
+          <a:lstStyle/>
+          <a:p>
+            <a:r>
+              <a:rPr lang="en-AU" dirty="0"/>
+              <a:t>So after that brief intro to articulatory phonetics...</a:t>
+            </a:r>
+          </a:p>
+        </p:txBody>
+      </p:sp>
+      <p:sp>
+        <p:nvSpPr>
+          <p:cNvPr id="3" name="Text Placeholder 2">
+            <a:extLst>
+              <a:ext uri="{FF2B5EF4-FFF2-40B4-BE49-F238E27FC236}">
+                <a16:creationId xmlns:a16="http://schemas.microsoft.com/office/drawing/2014/main" id="{1194A709-A0F2-4797-A1B4-DE4733319E1B}"/>
+              </a:ext>
+            </a:extLst>
+          </p:cNvPr>
+          <p:cNvSpPr>
+            <a:spLocks noGrp="1"/>
+          </p:cNvSpPr>
+          <p:nvPr>
+            <p:ph type="body" idx="1"/>
+          </p:nvPr>
+        </p:nvSpPr>
+        <p:spPr/>
+        <p:txBody>
+          <a:bodyPr/>
+          <a:lstStyle/>
+          <a:p>
+            <a:endParaRPr lang="en-AU"/>
+          </a:p>
+        </p:txBody>
+      </p:sp>
+    </p:spTree>
+    <p:extLst>
+      <p:ext uri="{BB962C8B-B14F-4D97-AF65-F5344CB8AC3E}">
+        <p14:creationId xmlns:p14="http://schemas.microsoft.com/office/powerpoint/2010/main" val="2304185272"/>
+      </p:ext>
+    </p:extLst>
+  </p:cSld>
+  <p:clrMapOvr>
+    <a:masterClrMapping/>
+  </p:clrMapOvr>
+</p:sld>
+</file>
+
+<file path=ppt/slides/slide28.xml><?xml version="1.0" encoding="utf-8"?>
+<p:sld xmlns:a="http://schemas.openxmlformats.org/drawingml/2006/main" xmlns:r="http://schemas.openxmlformats.org/officeDocument/2006/relationships" xmlns:p="http://schemas.openxmlformats.org/presentationml/2006/main">
+  <p:cSld>
+    <p:spTree>
+      <p:nvGrpSpPr>
+        <p:cNvPr id="1" name=""/>
+        <p:cNvGrpSpPr/>
+        <p:nvPr/>
+      </p:nvGrpSpPr>
+      <p:grpSpPr>
+        <a:xfrm>
+          <a:off x="0" y="0"/>
+          <a:ext cx="0" cy="0"/>
+          <a:chOff x="0" y="0"/>
+          <a:chExt cx="0" cy="0"/>
+        </a:xfrm>
+      </p:grpSpPr>
+      <p:sp>
+        <p:nvSpPr>
+          <p:cNvPr id="2" name="Title 1">
+            <a:extLst>
+              <a:ext uri="{FF2B5EF4-FFF2-40B4-BE49-F238E27FC236}">
+                <a16:creationId xmlns:a16="http://schemas.microsoft.com/office/drawing/2014/main" id="{FB2E097B-EEC0-4460-A1CD-A84C6F23CAE0}"/>
+              </a:ext>
+            </a:extLst>
+          </p:cNvPr>
+          <p:cNvSpPr>
+            <a:spLocks noGrp="1"/>
+          </p:cNvSpPr>
+          <p:nvPr>
+            <p:ph type="title"/>
+          </p:nvPr>
+        </p:nvSpPr>
+        <p:spPr/>
+        <p:txBody>
+          <a:bodyPr/>
+          <a:lstStyle/>
+          <a:p>
+            <a:r>
+              <a:rPr lang="en-AU" dirty="0"/>
+              <a:t>Phonology</a:t>
+            </a:r>
+          </a:p>
+        </p:txBody>
+      </p:sp>
+      <p:sp>
+        <p:nvSpPr>
+          <p:cNvPr id="3" name="Content Placeholder 2">
+            <a:extLst>
+              <a:ext uri="{FF2B5EF4-FFF2-40B4-BE49-F238E27FC236}">
+                <a16:creationId xmlns:a16="http://schemas.microsoft.com/office/drawing/2014/main" id="{CE4B3655-57E9-4762-A651-EA6C8552B27A}"/>
+              </a:ext>
+            </a:extLst>
+          </p:cNvPr>
+          <p:cNvSpPr>
+            <a:spLocks noGrp="1"/>
+          </p:cNvSpPr>
+          <p:nvPr>
+            <p:ph idx="1"/>
+          </p:nvPr>
+        </p:nvSpPr>
+        <p:spPr/>
+        <p:txBody>
+          <a:bodyPr>
+            <a:normAutofit lnSpcReduction="10000"/>
+          </a:bodyPr>
+          <a:lstStyle/>
+          <a:p>
+            <a:r>
+              <a:rPr lang="en-AU" dirty="0"/>
+              <a:t>Phonology is the study of systems of sounds that make up a language</a:t>
+            </a:r>
+          </a:p>
+          <a:p>
+            <a:endParaRPr lang="en-AU" dirty="0"/>
+          </a:p>
+          <a:p>
+            <a:r>
+              <a:rPr lang="en-AU" dirty="0"/>
+              <a:t>We introduced the full range of sounds that the human vocal tract can make for speech sounds in the previous section</a:t>
+            </a:r>
+          </a:p>
+          <a:p>
+            <a:endParaRPr lang="en-AU" dirty="0"/>
+          </a:p>
+          <a:p>
+            <a:r>
+              <a:rPr lang="en-AU" dirty="0"/>
+              <a:t>But just because you can doesn’t mean you should...</a:t>
+            </a:r>
+          </a:p>
+          <a:p>
+            <a:endParaRPr lang="en-AU" dirty="0"/>
+          </a:p>
+          <a:p>
+            <a:r>
+              <a:rPr lang="en-AU" dirty="0"/>
+              <a:t>Languages typically use a smaller set of the full number of sounds available</a:t>
+            </a:r>
+          </a:p>
+          <a:p>
+            <a:endParaRPr lang="en-AU" dirty="0"/>
+          </a:p>
+          <a:p>
+            <a:r>
+              <a:rPr lang="en-AU" dirty="0"/>
+              <a:t>These sounds are called phonemes (loosely using this terminology, the definition often causes arguments amongst linguists)</a:t>
+            </a:r>
+          </a:p>
+        </p:txBody>
+      </p:sp>
+    </p:spTree>
+    <p:extLst>
+      <p:ext uri="{BB962C8B-B14F-4D97-AF65-F5344CB8AC3E}">
+        <p14:creationId xmlns:p14="http://schemas.microsoft.com/office/powerpoint/2010/main" val="3853344478"/>
+      </p:ext>
+    </p:extLst>
+  </p:cSld>
+  <p:clrMapOvr>
+    <a:masterClrMapping/>
+  </p:clrMapOvr>
+</p:sld>
+</file>
+
+<file path=ppt/slides/slide29.xml><?xml version="1.0" encoding="utf-8"?>
+<p:sld xmlns:a="http://schemas.openxmlformats.org/drawingml/2006/main" xmlns:r="http://schemas.openxmlformats.org/officeDocument/2006/relationships" xmlns:p="http://schemas.openxmlformats.org/presentationml/2006/main">
+  <p:cSld>
+    <p:bg>
+      <p:bgPr>
+        <a:solidFill>
+          <a:schemeClr val="bg2"/>
+        </a:solidFill>
+        <a:effectLst/>
+      </p:bgPr>
+    </p:bg>
+    <p:spTree>
+      <p:nvGrpSpPr>
+        <p:cNvPr id="1" name=""/>
+        <p:cNvGrpSpPr/>
+        <p:nvPr/>
+      </p:nvGrpSpPr>
+      <p:grpSpPr>
+        <a:xfrm>
+          <a:off x="0" y="0"/>
+          <a:ext cx="0" cy="0"/>
+          <a:chOff x="0" y="0"/>
+          <a:chExt cx="0" cy="0"/>
+        </a:xfrm>
+      </p:grpSpPr>
+      <p:pic>
+        <p:nvPicPr>
+          <p:cNvPr id="5" name="Picture 4">
+            <a:extLst>
+              <a:ext uri="{FF2B5EF4-FFF2-40B4-BE49-F238E27FC236}">
+                <a16:creationId xmlns:a16="http://schemas.microsoft.com/office/drawing/2014/main" id="{E72D008E-0314-41F9-8FD9-E5B912D36B81}"/>
+              </a:ext>
+            </a:extLst>
+          </p:cNvPr>
+          <p:cNvPicPr>
+            <a:picLocks noChangeAspect="1"/>
+          </p:cNvPicPr>
+          <p:nvPr/>
+        </p:nvPicPr>
+        <p:blipFill>
+          <a:blip r:embed="rId2"/>
+          <a:stretch>
+            <a:fillRect/>
+          </a:stretch>
+        </p:blipFill>
+        <p:spPr>
+          <a:xfrm>
+            <a:off x="1707043" y="3439020"/>
+            <a:ext cx="3361743" cy="2602341"/>
+          </a:xfrm>
+          <a:prstGeom prst="rect">
+            <a:avLst/>
+          </a:prstGeom>
+        </p:spPr>
+      </p:pic>
+      <p:pic>
+        <p:nvPicPr>
+          <p:cNvPr id="7" name="Picture 6">
+            <a:extLst>
+              <a:ext uri="{FF2B5EF4-FFF2-40B4-BE49-F238E27FC236}">
+                <a16:creationId xmlns:a16="http://schemas.microsoft.com/office/drawing/2014/main" id="{EB8C492F-CF3B-4AC5-A75D-8D746ED518EF}"/>
+              </a:ext>
+            </a:extLst>
+          </p:cNvPr>
+          <p:cNvPicPr>
+            <a:picLocks noChangeAspect="1"/>
+          </p:cNvPicPr>
+          <p:nvPr/>
+        </p:nvPicPr>
+        <p:blipFill>
+          <a:blip r:embed="rId3"/>
+          <a:stretch>
+            <a:fillRect/>
+          </a:stretch>
+        </p:blipFill>
+        <p:spPr>
+          <a:xfrm>
+            <a:off x="1048385" y="609600"/>
+            <a:ext cx="4679057" cy="2601747"/>
+          </a:xfrm>
+          <a:prstGeom prst="rect">
+            <a:avLst/>
+          </a:prstGeom>
+        </p:spPr>
+      </p:pic>
+      <p:sp>
+        <p:nvSpPr>
+          <p:cNvPr id="2" name="Title 1">
+            <a:extLst>
+              <a:ext uri="{FF2B5EF4-FFF2-40B4-BE49-F238E27FC236}">
+                <a16:creationId xmlns:a16="http://schemas.microsoft.com/office/drawing/2014/main" id="{4BAA5DEA-6A35-447C-A7A1-7C8F46CBE13D}"/>
+              </a:ext>
+            </a:extLst>
+          </p:cNvPr>
+          <p:cNvSpPr>
+            <a:spLocks noGrp="1"/>
+          </p:cNvSpPr>
+          <p:nvPr>
+            <p:ph type="title"/>
+          </p:nvPr>
+        </p:nvSpPr>
+        <p:spPr>
+          <a:xfrm>
+            <a:off x="6343484" y="609600"/>
+            <a:ext cx="2930518" cy="1320800"/>
+          </a:xfrm>
+        </p:spPr>
+        <p:txBody>
+          <a:bodyPr anchor="ctr">
+            <a:normAutofit/>
+          </a:bodyPr>
+          <a:lstStyle/>
+          <a:p>
+            <a:r>
+              <a:rPr lang="en-AU" dirty="0"/>
+              <a:t>Maximal Phonology</a:t>
+            </a:r>
+          </a:p>
+        </p:txBody>
+      </p:sp>
+      <p:sp>
+        <p:nvSpPr>
+          <p:cNvPr id="3" name="Content Placeholder 2">
+            <a:extLst>
+              <a:ext uri="{FF2B5EF4-FFF2-40B4-BE49-F238E27FC236}">
+                <a16:creationId xmlns:a16="http://schemas.microsoft.com/office/drawing/2014/main" id="{D18BD8AD-B17E-46BD-877D-7A518FF4C1C8}"/>
+              </a:ext>
+            </a:extLst>
+          </p:cNvPr>
+          <p:cNvSpPr>
+            <a:spLocks noGrp="1"/>
+          </p:cNvSpPr>
+          <p:nvPr>
+            <p:ph idx="1"/>
+          </p:nvPr>
+        </p:nvSpPr>
+        <p:spPr>
+          <a:xfrm>
+            <a:off x="6343484" y="2160589"/>
+            <a:ext cx="2930517" cy="3880773"/>
+          </a:xfrm>
+        </p:spPr>
+        <p:txBody>
+          <a:bodyPr>
+            <a:normAutofit/>
+          </a:bodyPr>
+          <a:lstStyle/>
+          <a:p>
+            <a:r>
+              <a:rPr lang="en-AU" dirty="0"/>
+              <a:t>Language with the most phonemes </a:t>
+            </a:r>
+            <a:r>
+              <a:rPr lang="en-AU" dirty="0" err="1"/>
+              <a:t>Taa</a:t>
+            </a:r>
+            <a:r>
+              <a:rPr lang="en-AU" dirty="0"/>
+              <a:t> (a </a:t>
+            </a:r>
+            <a:r>
+              <a:rPr lang="en-AU" dirty="0" err="1"/>
+              <a:t>Tuu</a:t>
+            </a:r>
+            <a:r>
+              <a:rPr lang="en-AU" dirty="0"/>
+              <a:t> language spoken in Botswana)</a:t>
+            </a:r>
+          </a:p>
+          <a:p>
+            <a:endParaRPr lang="en-AU" dirty="0"/>
+          </a:p>
+          <a:p>
+            <a:r>
+              <a:rPr lang="en-AU" dirty="0"/>
+              <a:t>112 phonemes</a:t>
+            </a:r>
+          </a:p>
+          <a:p>
+            <a:endParaRPr lang="en-AU" dirty="0"/>
+          </a:p>
+          <a:p>
+            <a:r>
+              <a:rPr lang="en-AU" dirty="0"/>
+              <a:t>All of these consonants plus 26 vowels </a:t>
+            </a:r>
+          </a:p>
+          <a:p>
+            <a:endParaRPr lang="en-AU" dirty="0"/>
+          </a:p>
+        </p:txBody>
+      </p:sp>
+    </p:spTree>
+    <p:extLst>
+      <p:ext uri="{BB962C8B-B14F-4D97-AF65-F5344CB8AC3E}">
+        <p14:creationId xmlns:p14="http://schemas.microsoft.com/office/powerpoint/2010/main" val="2802179178"/>
+      </p:ext>
+    </p:extLst>
+  </p:cSld>
+  <p:clrMapOvr>
+    <a:masterClrMapping/>
+  </p:clrMapOvr>
+</p:sld>
+</file>
+
 <file path=ppt/slides/slide3.xml><?xml version="1.0" encoding="utf-8"?>
 <p:sld xmlns:a="http://schemas.openxmlformats.org/drawingml/2006/main" xmlns:r="http://schemas.openxmlformats.org/officeDocument/2006/relationships" xmlns:p="http://schemas.openxmlformats.org/presentationml/2006/main">
   <p:cSld>
@@ -7446,6 +10423,1997 @@
     <p:extLst>
       <p:ext uri="{BB962C8B-B14F-4D97-AF65-F5344CB8AC3E}">
         <p14:creationId xmlns:p14="http://schemas.microsoft.com/office/powerpoint/2010/main" val="2128648425"/>
+      </p:ext>
+    </p:extLst>
+  </p:cSld>
+  <p:clrMapOvr>
+    <a:masterClrMapping/>
+  </p:clrMapOvr>
+</p:sld>
+</file>
+
+<file path=ppt/slides/slide30.xml><?xml version="1.0" encoding="utf-8"?>
+<p:sld xmlns:a="http://schemas.openxmlformats.org/drawingml/2006/main" xmlns:r="http://schemas.openxmlformats.org/officeDocument/2006/relationships" xmlns:p="http://schemas.openxmlformats.org/presentationml/2006/main">
+  <p:cSld>
+    <p:bg>
+      <p:bgPr>
+        <a:solidFill>
+          <a:schemeClr val="bg2"/>
+        </a:solidFill>
+        <a:effectLst/>
+      </p:bgPr>
+    </p:bg>
+    <p:spTree>
+      <p:nvGrpSpPr>
+        <p:cNvPr id="1" name=""/>
+        <p:cNvGrpSpPr/>
+        <p:nvPr/>
+      </p:nvGrpSpPr>
+      <p:grpSpPr>
+        <a:xfrm>
+          <a:off x="0" y="0"/>
+          <a:ext cx="0" cy="0"/>
+          <a:chOff x="0" y="0"/>
+          <a:chExt cx="0" cy="0"/>
+        </a:xfrm>
+      </p:grpSpPr>
+      <p:pic>
+        <p:nvPicPr>
+          <p:cNvPr id="7" name="Picture 6">
+            <a:extLst>
+              <a:ext uri="{FF2B5EF4-FFF2-40B4-BE49-F238E27FC236}">
+                <a16:creationId xmlns:a16="http://schemas.microsoft.com/office/drawing/2014/main" id="{FA52C008-B516-42D4-B9AF-A7E4C0AB5ECF}"/>
+              </a:ext>
+            </a:extLst>
+          </p:cNvPr>
+          <p:cNvPicPr>
+            <a:picLocks noChangeAspect="1"/>
+          </p:cNvPicPr>
+          <p:nvPr/>
+        </p:nvPicPr>
+        <p:blipFill>
+          <a:blip r:embed="rId2"/>
+          <a:stretch>
+            <a:fillRect/>
+          </a:stretch>
+        </p:blipFill>
+        <p:spPr>
+          <a:xfrm>
+            <a:off x="677334" y="3624786"/>
+            <a:ext cx="3150527" cy="2230808"/>
+          </a:xfrm>
+          <a:prstGeom prst="rect">
+            <a:avLst/>
+          </a:prstGeom>
+        </p:spPr>
+      </p:pic>
+      <p:pic>
+        <p:nvPicPr>
+          <p:cNvPr id="10" name="Content Placeholder 4">
+            <a:extLst>
+              <a:ext uri="{FF2B5EF4-FFF2-40B4-BE49-F238E27FC236}">
+                <a16:creationId xmlns:a16="http://schemas.microsoft.com/office/drawing/2014/main" id="{4EE1A4F5-9EDD-4C41-8932-5E7C0D1B7121}"/>
+              </a:ext>
+            </a:extLst>
+          </p:cNvPr>
+          <p:cNvPicPr>
+            <a:picLocks noChangeAspect="1"/>
+          </p:cNvPicPr>
+          <p:nvPr/>
+        </p:nvPicPr>
+        <p:blipFill>
+          <a:blip r:embed="rId3"/>
+          <a:stretch>
+            <a:fillRect/>
+          </a:stretch>
+        </p:blipFill>
+        <p:spPr>
+          <a:xfrm>
+            <a:off x="677333" y="1350921"/>
+            <a:ext cx="3150527" cy="1119105"/>
+          </a:xfrm>
+          <a:prstGeom prst="rect">
+            <a:avLst/>
+          </a:prstGeom>
+        </p:spPr>
+      </p:pic>
+      <p:sp>
+        <p:nvSpPr>
+          <p:cNvPr id="2" name="Title 1">
+            <a:extLst>
+              <a:ext uri="{FF2B5EF4-FFF2-40B4-BE49-F238E27FC236}">
+                <a16:creationId xmlns:a16="http://schemas.microsoft.com/office/drawing/2014/main" id="{1D75706F-2FB2-4070-B854-EA498DDD5419}"/>
+              </a:ext>
+            </a:extLst>
+          </p:cNvPr>
+          <p:cNvSpPr>
+            <a:spLocks noGrp="1"/>
+          </p:cNvSpPr>
+          <p:nvPr>
+            <p:ph type="title"/>
+          </p:nvPr>
+        </p:nvSpPr>
+        <p:spPr>
+          <a:xfrm>
+            <a:off x="4056462" y="609600"/>
+            <a:ext cx="5217540" cy="1320800"/>
+          </a:xfrm>
+        </p:spPr>
+        <p:txBody>
+          <a:bodyPr>
+            <a:normAutofit/>
+          </a:bodyPr>
+          <a:lstStyle/>
+          <a:p>
+            <a:r>
+              <a:rPr lang="en-AU" dirty="0"/>
+              <a:t>Minimal Phonology</a:t>
+            </a:r>
+          </a:p>
+        </p:txBody>
+      </p:sp>
+      <p:sp>
+        <p:nvSpPr>
+          <p:cNvPr id="12" name="Content Placeholder 11">
+            <a:extLst>
+              <a:ext uri="{FF2B5EF4-FFF2-40B4-BE49-F238E27FC236}">
+                <a16:creationId xmlns:a16="http://schemas.microsoft.com/office/drawing/2014/main" id="{32E29E8B-1D1B-48A4-B646-018F3B54FB27}"/>
+              </a:ext>
+            </a:extLst>
+          </p:cNvPr>
+          <p:cNvSpPr>
+            <a:spLocks noGrp="1"/>
+          </p:cNvSpPr>
+          <p:nvPr>
+            <p:ph idx="1"/>
+          </p:nvPr>
+        </p:nvSpPr>
+        <p:spPr>
+          <a:xfrm>
+            <a:off x="4056462" y="2160589"/>
+            <a:ext cx="5217539" cy="3880773"/>
+          </a:xfrm>
+        </p:spPr>
+        <p:txBody>
+          <a:bodyPr>
+            <a:normAutofit/>
+          </a:bodyPr>
+          <a:lstStyle/>
+          <a:p>
+            <a:r>
+              <a:rPr lang="en-US" dirty="0"/>
+              <a:t>A</a:t>
+            </a:r>
+            <a:r>
+              <a:rPr lang="en-AU" dirty="0" err="1"/>
+              <a:t>nd</a:t>
+            </a:r>
+            <a:r>
+              <a:rPr lang="en-AU" dirty="0"/>
+              <a:t> </a:t>
+            </a:r>
+            <a:r>
+              <a:rPr lang="en-AU" dirty="0" err="1"/>
+              <a:t>Rotokas</a:t>
+            </a:r>
+            <a:r>
+              <a:rPr lang="en-AU" dirty="0"/>
+              <a:t>, a North </a:t>
+            </a:r>
+            <a:r>
+              <a:rPr lang="en-AU" dirty="0" err="1"/>
+              <a:t>Bouganville</a:t>
+            </a:r>
+            <a:r>
+              <a:rPr lang="en-AU" dirty="0"/>
+              <a:t> language has the smallest number of phonemes</a:t>
+            </a:r>
+          </a:p>
+          <a:p>
+            <a:endParaRPr lang="en-AU" dirty="0"/>
+          </a:p>
+          <a:p>
+            <a:r>
+              <a:rPr lang="en-AU" dirty="0"/>
+              <a:t>6 consonants</a:t>
+            </a:r>
+          </a:p>
+          <a:p>
+            <a:endParaRPr lang="en-AU" dirty="0"/>
+          </a:p>
+          <a:p>
+            <a:r>
+              <a:rPr lang="en-AU" dirty="0"/>
+              <a:t>5 vowels (with length distinction)</a:t>
+            </a:r>
+            <a:endParaRPr lang="en-US" dirty="0"/>
+          </a:p>
+        </p:txBody>
+      </p:sp>
+    </p:spTree>
+    <p:extLst>
+      <p:ext uri="{BB962C8B-B14F-4D97-AF65-F5344CB8AC3E}">
+        <p14:creationId xmlns:p14="http://schemas.microsoft.com/office/powerpoint/2010/main" val="3595875007"/>
+      </p:ext>
+    </p:extLst>
+  </p:cSld>
+  <p:clrMapOvr>
+    <a:masterClrMapping/>
+  </p:clrMapOvr>
+</p:sld>
+</file>
+
+<file path=ppt/slides/slide31.xml><?xml version="1.0" encoding="utf-8"?>
+<p:sld xmlns:a="http://schemas.openxmlformats.org/drawingml/2006/main" xmlns:r="http://schemas.openxmlformats.org/officeDocument/2006/relationships" xmlns:p="http://schemas.openxmlformats.org/presentationml/2006/main">
+  <p:cSld>
+    <p:bg>
+      <p:bgPr>
+        <a:solidFill>
+          <a:schemeClr val="bg2"/>
+        </a:solidFill>
+        <a:effectLst/>
+      </p:bgPr>
+    </p:bg>
+    <p:spTree>
+      <p:nvGrpSpPr>
+        <p:cNvPr id="1" name=""/>
+        <p:cNvGrpSpPr/>
+        <p:nvPr/>
+      </p:nvGrpSpPr>
+      <p:grpSpPr>
+        <a:xfrm>
+          <a:off x="0" y="0"/>
+          <a:ext cx="0" cy="0"/>
+          <a:chOff x="0" y="0"/>
+          <a:chExt cx="0" cy="0"/>
+        </a:xfrm>
+      </p:grpSpPr>
+      <p:pic>
+        <p:nvPicPr>
+          <p:cNvPr id="7" name="Picture 6">
+            <a:extLst>
+              <a:ext uri="{FF2B5EF4-FFF2-40B4-BE49-F238E27FC236}">
+                <a16:creationId xmlns:a16="http://schemas.microsoft.com/office/drawing/2014/main" id="{E95B40A5-162F-4DC8-B9D7-149438638F86}"/>
+              </a:ext>
+            </a:extLst>
+          </p:cNvPr>
+          <p:cNvPicPr>
+            <a:picLocks noChangeAspect="1"/>
+          </p:cNvPicPr>
+          <p:nvPr/>
+        </p:nvPicPr>
+        <p:blipFill>
+          <a:blip r:embed="rId2"/>
+          <a:stretch>
+            <a:fillRect/>
+          </a:stretch>
+        </p:blipFill>
+        <p:spPr>
+          <a:xfrm>
+            <a:off x="4714511" y="3439020"/>
+            <a:ext cx="3700815" cy="2602341"/>
+          </a:xfrm>
+          <a:prstGeom prst="rect">
+            <a:avLst/>
+          </a:prstGeom>
+        </p:spPr>
+      </p:pic>
+      <p:pic>
+        <p:nvPicPr>
+          <p:cNvPr id="10" name="Content Placeholder 4">
+            <a:extLst>
+              <a:ext uri="{FF2B5EF4-FFF2-40B4-BE49-F238E27FC236}">
+                <a16:creationId xmlns:a16="http://schemas.microsoft.com/office/drawing/2014/main" id="{AC351A9C-17F8-4F41-B95D-F54ABBC59FE5}"/>
+              </a:ext>
+            </a:extLst>
+          </p:cNvPr>
+          <p:cNvPicPr>
+            <a:picLocks noChangeAspect="1"/>
+          </p:cNvPicPr>
+          <p:nvPr/>
+        </p:nvPicPr>
+        <p:blipFill>
+          <a:blip r:embed="rId3"/>
+          <a:stretch>
+            <a:fillRect/>
+          </a:stretch>
+        </p:blipFill>
+        <p:spPr>
+          <a:xfrm>
+            <a:off x="3854337" y="649300"/>
+            <a:ext cx="5421162" cy="2522346"/>
+          </a:xfrm>
+          <a:prstGeom prst="rect">
+            <a:avLst/>
+          </a:prstGeom>
+        </p:spPr>
+      </p:pic>
+      <p:sp>
+        <p:nvSpPr>
+          <p:cNvPr id="2" name="Title 1">
+            <a:extLst>
+              <a:ext uri="{FF2B5EF4-FFF2-40B4-BE49-F238E27FC236}">
+                <a16:creationId xmlns:a16="http://schemas.microsoft.com/office/drawing/2014/main" id="{354F8A21-4D0F-42BE-96B3-EF520D0FDD90}"/>
+              </a:ext>
+            </a:extLst>
+          </p:cNvPr>
+          <p:cNvSpPr>
+            <a:spLocks noGrp="1"/>
+          </p:cNvSpPr>
+          <p:nvPr>
+            <p:ph type="title"/>
+          </p:nvPr>
+        </p:nvSpPr>
+        <p:spPr>
+          <a:xfrm>
+            <a:off x="675065" y="609600"/>
+            <a:ext cx="2930518" cy="1320800"/>
+          </a:xfrm>
+        </p:spPr>
+        <p:txBody>
+          <a:bodyPr anchor="ctr">
+            <a:normAutofit/>
+          </a:bodyPr>
+          <a:lstStyle/>
+          <a:p>
+            <a:pPr>
+              <a:lnSpc>
+                <a:spcPct val="90000"/>
+              </a:lnSpc>
+            </a:pPr>
+            <a:r>
+              <a:rPr lang="en-AU" sz="2800"/>
+              <a:t>And how does Australian English compare?</a:t>
+            </a:r>
+          </a:p>
+        </p:txBody>
+      </p:sp>
+      <p:sp>
+        <p:nvSpPr>
+          <p:cNvPr id="12" name="Content Placeholder 11">
+            <a:extLst>
+              <a:ext uri="{FF2B5EF4-FFF2-40B4-BE49-F238E27FC236}">
+                <a16:creationId xmlns:a16="http://schemas.microsoft.com/office/drawing/2014/main" id="{70EFB7FB-6812-48A5-B542-5DBC8FD062BE}"/>
+              </a:ext>
+            </a:extLst>
+          </p:cNvPr>
+          <p:cNvSpPr>
+            <a:spLocks noGrp="1"/>
+          </p:cNvSpPr>
+          <p:nvPr>
+            <p:ph idx="1"/>
+          </p:nvPr>
+        </p:nvSpPr>
+        <p:spPr>
+          <a:xfrm>
+            <a:off x="671361" y="2160589"/>
+            <a:ext cx="2930517" cy="3880773"/>
+          </a:xfrm>
+        </p:spPr>
+        <p:txBody>
+          <a:bodyPr>
+            <a:normAutofit/>
+          </a:bodyPr>
+          <a:lstStyle/>
+          <a:p>
+            <a:r>
+              <a:rPr lang="en-US" dirty="0"/>
+              <a:t>4</a:t>
+            </a:r>
+            <a:r>
+              <a:rPr lang="en-AU" dirty="0"/>
+              <a:t>4 phonemes</a:t>
+            </a:r>
+          </a:p>
+          <a:p>
+            <a:endParaRPr lang="en-AU" dirty="0"/>
+          </a:p>
+          <a:p>
+            <a:r>
+              <a:rPr lang="en-AU" dirty="0"/>
+              <a:t>24 consonants</a:t>
+            </a:r>
+          </a:p>
+          <a:p>
+            <a:endParaRPr lang="en-AU" dirty="0"/>
+          </a:p>
+          <a:p>
+            <a:r>
+              <a:rPr lang="en-AU" dirty="0"/>
+              <a:t>20 vowels</a:t>
+            </a:r>
+            <a:endParaRPr lang="en-US" dirty="0"/>
+          </a:p>
+        </p:txBody>
+      </p:sp>
+    </p:spTree>
+    <p:extLst>
+      <p:ext uri="{BB962C8B-B14F-4D97-AF65-F5344CB8AC3E}">
+        <p14:creationId xmlns:p14="http://schemas.microsoft.com/office/powerpoint/2010/main" val="779970333"/>
+      </p:ext>
+    </p:extLst>
+  </p:cSld>
+  <p:clrMapOvr>
+    <a:masterClrMapping/>
+  </p:clrMapOvr>
+</p:sld>
+</file>
+
+<file path=ppt/slides/slide32.xml><?xml version="1.0" encoding="utf-8"?>
+<p:sld xmlns:a="http://schemas.openxmlformats.org/drawingml/2006/main" xmlns:r="http://schemas.openxmlformats.org/officeDocument/2006/relationships" xmlns:p="http://schemas.openxmlformats.org/presentationml/2006/main">
+  <p:cSld>
+    <p:spTree>
+      <p:nvGrpSpPr>
+        <p:cNvPr id="1" name=""/>
+        <p:cNvGrpSpPr/>
+        <p:nvPr/>
+      </p:nvGrpSpPr>
+      <p:grpSpPr>
+        <a:xfrm>
+          <a:off x="0" y="0"/>
+          <a:ext cx="0" cy="0"/>
+          <a:chOff x="0" y="0"/>
+          <a:chExt cx="0" cy="0"/>
+        </a:xfrm>
+      </p:grpSpPr>
+      <p:sp>
+        <p:nvSpPr>
+          <p:cNvPr id="2" name="Title 1">
+            <a:extLst>
+              <a:ext uri="{FF2B5EF4-FFF2-40B4-BE49-F238E27FC236}">
+                <a16:creationId xmlns:a16="http://schemas.microsoft.com/office/drawing/2014/main" id="{853C5B58-44A1-40D1-8987-A8A9B23279DF}"/>
+              </a:ext>
+            </a:extLst>
+          </p:cNvPr>
+          <p:cNvSpPr>
+            <a:spLocks noGrp="1"/>
+          </p:cNvSpPr>
+          <p:nvPr>
+            <p:ph type="title"/>
+          </p:nvPr>
+        </p:nvSpPr>
+        <p:spPr/>
+        <p:txBody>
+          <a:bodyPr/>
+          <a:lstStyle/>
+          <a:p>
+            <a:r>
+              <a:rPr lang="en-AU" dirty="0"/>
+              <a:t>Some comments...</a:t>
+            </a:r>
+          </a:p>
+        </p:txBody>
+      </p:sp>
+      <p:sp>
+        <p:nvSpPr>
+          <p:cNvPr id="3" name="Content Placeholder 2">
+            <a:extLst>
+              <a:ext uri="{FF2B5EF4-FFF2-40B4-BE49-F238E27FC236}">
+                <a16:creationId xmlns:a16="http://schemas.microsoft.com/office/drawing/2014/main" id="{94F96655-97C3-4797-97A6-B4D56AF4E22B}"/>
+              </a:ext>
+            </a:extLst>
+          </p:cNvPr>
+          <p:cNvSpPr>
+            <a:spLocks noGrp="1"/>
+          </p:cNvSpPr>
+          <p:nvPr>
+            <p:ph idx="1"/>
+          </p:nvPr>
+        </p:nvSpPr>
+        <p:spPr/>
+        <p:txBody>
+          <a:bodyPr/>
+          <a:lstStyle/>
+          <a:p>
+            <a:r>
+              <a:rPr lang="en-AU" dirty="0"/>
+              <a:t>Phoneme inventories are often balanced</a:t>
+            </a:r>
+          </a:p>
+          <a:p>
+            <a:pPr lvl="1"/>
+            <a:r>
+              <a:rPr lang="en-AU" dirty="0"/>
+              <a:t>Voiced and voiceless pairs</a:t>
+            </a:r>
+          </a:p>
+          <a:p>
+            <a:pPr lvl="1"/>
+            <a:r>
+              <a:rPr lang="en-AU" dirty="0"/>
+              <a:t>Sets of places of articulation</a:t>
+            </a:r>
+          </a:p>
+          <a:p>
+            <a:pPr lvl="1"/>
+            <a:endParaRPr lang="en-AU" dirty="0"/>
+          </a:p>
+          <a:p>
+            <a:r>
+              <a:rPr lang="en-AU" dirty="0"/>
+              <a:t>Doesn’t mean we don’t find some weird stuff sometimes</a:t>
+            </a:r>
+          </a:p>
+          <a:p>
+            <a:endParaRPr lang="en-AU" dirty="0"/>
+          </a:p>
+          <a:p>
+            <a:r>
+              <a:rPr lang="en-AU" dirty="0"/>
+              <a:t>Phoneme inventories and writing systems often don’t match well</a:t>
+            </a:r>
+          </a:p>
+          <a:p>
+            <a:pPr lvl="1"/>
+            <a:r>
+              <a:rPr lang="en-AU" dirty="0"/>
+              <a:t>We’ll deal with this problem in later sessions</a:t>
+            </a:r>
+          </a:p>
+          <a:p>
+            <a:pPr lvl="1"/>
+            <a:endParaRPr lang="en-AU" dirty="0"/>
+          </a:p>
+          <a:p>
+            <a:pPr lvl="1"/>
+            <a:endParaRPr lang="en-AU" dirty="0"/>
+          </a:p>
+          <a:p>
+            <a:endParaRPr lang="en-AU" dirty="0"/>
+          </a:p>
+          <a:p>
+            <a:endParaRPr lang="en-AU" dirty="0"/>
+          </a:p>
+        </p:txBody>
+      </p:sp>
+    </p:spTree>
+    <p:extLst>
+      <p:ext uri="{BB962C8B-B14F-4D97-AF65-F5344CB8AC3E}">
+        <p14:creationId xmlns:p14="http://schemas.microsoft.com/office/powerpoint/2010/main" val="3837515481"/>
+      </p:ext>
+    </p:extLst>
+  </p:cSld>
+  <p:clrMapOvr>
+    <a:masterClrMapping/>
+  </p:clrMapOvr>
+</p:sld>
+</file>
+
+<file path=ppt/slides/slide33.xml><?xml version="1.0" encoding="utf-8"?>
+<p:sld xmlns:a="http://schemas.openxmlformats.org/drawingml/2006/main" xmlns:r="http://schemas.openxmlformats.org/officeDocument/2006/relationships" xmlns:p="http://schemas.openxmlformats.org/presentationml/2006/main">
+  <p:cSld>
+    <p:spTree>
+      <p:nvGrpSpPr>
+        <p:cNvPr id="1" name=""/>
+        <p:cNvGrpSpPr/>
+        <p:nvPr/>
+      </p:nvGrpSpPr>
+      <p:grpSpPr>
+        <a:xfrm>
+          <a:off x="0" y="0"/>
+          <a:ext cx="0" cy="0"/>
+          <a:chOff x="0" y="0"/>
+          <a:chExt cx="0" cy="0"/>
+        </a:xfrm>
+      </p:grpSpPr>
+      <p:sp>
+        <p:nvSpPr>
+          <p:cNvPr id="2" name="Title 1">
+            <a:extLst>
+              <a:ext uri="{FF2B5EF4-FFF2-40B4-BE49-F238E27FC236}">
+                <a16:creationId xmlns:a16="http://schemas.microsoft.com/office/drawing/2014/main" id="{631ADE66-36F6-4600-8EF1-6A941AB08F66}"/>
+              </a:ext>
+            </a:extLst>
+          </p:cNvPr>
+          <p:cNvSpPr>
+            <a:spLocks noGrp="1"/>
+          </p:cNvSpPr>
+          <p:nvPr>
+            <p:ph type="title"/>
+          </p:nvPr>
+        </p:nvSpPr>
+        <p:spPr/>
+        <p:txBody>
+          <a:bodyPr/>
+          <a:lstStyle/>
+          <a:p>
+            <a:r>
+              <a:rPr lang="en-AU" dirty="0"/>
+              <a:t>But there’s more to phonology...</a:t>
+            </a:r>
+          </a:p>
+        </p:txBody>
+      </p:sp>
+      <p:sp>
+        <p:nvSpPr>
+          <p:cNvPr id="3" name="Content Placeholder 2">
+            <a:extLst>
+              <a:ext uri="{FF2B5EF4-FFF2-40B4-BE49-F238E27FC236}">
+                <a16:creationId xmlns:a16="http://schemas.microsoft.com/office/drawing/2014/main" id="{8875C19F-163B-4E41-B43E-91463F9A69A4}"/>
+              </a:ext>
+            </a:extLst>
+          </p:cNvPr>
+          <p:cNvSpPr>
+            <a:spLocks noGrp="1"/>
+          </p:cNvSpPr>
+          <p:nvPr>
+            <p:ph idx="1"/>
+          </p:nvPr>
+        </p:nvSpPr>
+        <p:spPr/>
+        <p:txBody>
+          <a:bodyPr/>
+          <a:lstStyle/>
+          <a:p>
+            <a:r>
+              <a:rPr lang="en-AU" dirty="0"/>
+              <a:t>Phonology also encompasses the way speech sounds are strung together in words</a:t>
+            </a:r>
+          </a:p>
+          <a:p>
+            <a:endParaRPr lang="en-AU" dirty="0"/>
+          </a:p>
+          <a:p>
+            <a:r>
+              <a:rPr lang="en-AU" dirty="0"/>
+              <a:t>Think about [t] in English</a:t>
+            </a:r>
+          </a:p>
+          <a:p>
+            <a:endParaRPr lang="en-AU" dirty="0"/>
+          </a:p>
+          <a:p>
+            <a:r>
+              <a:rPr lang="en-AU" dirty="0"/>
+              <a:t>Can you think of different ways you can pronounce the sound [t]?</a:t>
+            </a:r>
+          </a:p>
+        </p:txBody>
+      </p:sp>
+    </p:spTree>
+    <p:extLst>
+      <p:ext uri="{BB962C8B-B14F-4D97-AF65-F5344CB8AC3E}">
+        <p14:creationId xmlns:p14="http://schemas.microsoft.com/office/powerpoint/2010/main" val="2392796270"/>
+      </p:ext>
+    </p:extLst>
+  </p:cSld>
+  <p:clrMapOvr>
+    <a:masterClrMapping/>
+  </p:clrMapOvr>
+</p:sld>
+</file>
+
+<file path=ppt/slides/slide34.xml><?xml version="1.0" encoding="utf-8"?>
+<p:sld xmlns:a="http://schemas.openxmlformats.org/drawingml/2006/main" xmlns:r="http://schemas.openxmlformats.org/officeDocument/2006/relationships" xmlns:p="http://schemas.openxmlformats.org/presentationml/2006/main">
+  <p:cSld>
+    <p:spTree>
+      <p:nvGrpSpPr>
+        <p:cNvPr id="1" name=""/>
+        <p:cNvGrpSpPr/>
+        <p:nvPr/>
+      </p:nvGrpSpPr>
+      <p:grpSpPr>
+        <a:xfrm>
+          <a:off x="0" y="0"/>
+          <a:ext cx="0" cy="0"/>
+          <a:chOff x="0" y="0"/>
+          <a:chExt cx="0" cy="0"/>
+        </a:xfrm>
+      </p:grpSpPr>
+      <p:sp>
+        <p:nvSpPr>
+          <p:cNvPr id="2" name="Title 1">
+            <a:extLst>
+              <a:ext uri="{FF2B5EF4-FFF2-40B4-BE49-F238E27FC236}">
+                <a16:creationId xmlns:a16="http://schemas.microsoft.com/office/drawing/2014/main" id="{92B6730D-DC60-427B-A0E7-653648B2ECD5}"/>
+              </a:ext>
+            </a:extLst>
+          </p:cNvPr>
+          <p:cNvSpPr>
+            <a:spLocks noGrp="1"/>
+          </p:cNvSpPr>
+          <p:nvPr>
+            <p:ph type="title"/>
+          </p:nvPr>
+        </p:nvSpPr>
+        <p:spPr/>
+        <p:txBody>
+          <a:bodyPr/>
+          <a:lstStyle/>
+          <a:p>
+            <a:r>
+              <a:rPr lang="en-AU" dirty="0"/>
+              <a:t>The [t] in English</a:t>
+            </a:r>
+          </a:p>
+        </p:txBody>
+      </p:sp>
+      <p:sp>
+        <p:nvSpPr>
+          <p:cNvPr id="3" name="Content Placeholder 2">
+            <a:extLst>
+              <a:ext uri="{FF2B5EF4-FFF2-40B4-BE49-F238E27FC236}">
+                <a16:creationId xmlns:a16="http://schemas.microsoft.com/office/drawing/2014/main" id="{5FE74605-559C-4466-8A17-D6024DD67B20}"/>
+              </a:ext>
+            </a:extLst>
+          </p:cNvPr>
+          <p:cNvSpPr>
+            <a:spLocks noGrp="1"/>
+          </p:cNvSpPr>
+          <p:nvPr>
+            <p:ph idx="1"/>
+          </p:nvPr>
+        </p:nvSpPr>
+        <p:spPr/>
+        <p:txBody>
+          <a:bodyPr/>
+          <a:lstStyle/>
+          <a:p>
+            <a:r>
+              <a:rPr lang="en-AU" dirty="0"/>
+              <a:t>The word table starts with the sound [t] but it’s aspirated</a:t>
+            </a:r>
+          </a:p>
+          <a:p>
+            <a:endParaRPr lang="en-AU" dirty="0"/>
+          </a:p>
+          <a:p>
+            <a:r>
+              <a:rPr lang="en-AU" dirty="0"/>
+              <a:t>If you place your hand in front of your mouth as you say it, there’s a puff of air</a:t>
+            </a:r>
+          </a:p>
+          <a:p>
+            <a:endParaRPr lang="en-AU" dirty="0"/>
+          </a:p>
+          <a:p>
+            <a:r>
+              <a:rPr lang="en-AU" dirty="0"/>
+              <a:t>The most informative way to write the IPA representation of the word is /</a:t>
+            </a:r>
+            <a:r>
+              <a:rPr lang="en-AU" dirty="0" err="1"/>
+              <a:t>tʰɛibl</a:t>
+            </a:r>
+            <a:r>
+              <a:rPr lang="en-AU" dirty="0"/>
+              <a:t>/ </a:t>
+            </a:r>
+          </a:p>
+          <a:p>
+            <a:endParaRPr lang="en-AU" dirty="0"/>
+          </a:p>
+          <a:p>
+            <a:r>
+              <a:rPr lang="en-AU" dirty="0"/>
+              <a:t>But there are rules in English that govern the way we use [t] so we only have to write [</a:t>
+            </a:r>
+            <a:r>
+              <a:rPr lang="en-AU" dirty="0" err="1"/>
+              <a:t>tɛibl</a:t>
+            </a:r>
+            <a:r>
+              <a:rPr lang="en-AU" dirty="0"/>
+              <a:t>]</a:t>
+            </a:r>
+          </a:p>
+        </p:txBody>
+      </p:sp>
+    </p:spTree>
+    <p:extLst>
+      <p:ext uri="{BB962C8B-B14F-4D97-AF65-F5344CB8AC3E}">
+        <p14:creationId xmlns:p14="http://schemas.microsoft.com/office/powerpoint/2010/main" val="1970157660"/>
+      </p:ext>
+    </p:extLst>
+  </p:cSld>
+  <p:clrMapOvr>
+    <a:masterClrMapping/>
+  </p:clrMapOvr>
+</p:sld>
+</file>
+
+<file path=ppt/slides/slide35.xml><?xml version="1.0" encoding="utf-8"?>
+<p:sld xmlns:a="http://schemas.openxmlformats.org/drawingml/2006/main" xmlns:r="http://schemas.openxmlformats.org/officeDocument/2006/relationships" xmlns:p="http://schemas.openxmlformats.org/presentationml/2006/main">
+  <p:cSld>
+    <p:spTree>
+      <p:nvGrpSpPr>
+        <p:cNvPr id="1" name=""/>
+        <p:cNvGrpSpPr/>
+        <p:nvPr/>
+      </p:nvGrpSpPr>
+      <p:grpSpPr>
+        <a:xfrm>
+          <a:off x="0" y="0"/>
+          <a:ext cx="0" cy="0"/>
+          <a:chOff x="0" y="0"/>
+          <a:chExt cx="0" cy="0"/>
+        </a:xfrm>
+      </p:grpSpPr>
+      <p:sp>
+        <p:nvSpPr>
+          <p:cNvPr id="2" name="Title 1">
+            <a:extLst>
+              <a:ext uri="{FF2B5EF4-FFF2-40B4-BE49-F238E27FC236}">
+                <a16:creationId xmlns:a16="http://schemas.microsoft.com/office/drawing/2014/main" id="{5717D23A-2252-4794-A24E-B7108296B882}"/>
+              </a:ext>
+            </a:extLst>
+          </p:cNvPr>
+          <p:cNvSpPr>
+            <a:spLocks noGrp="1"/>
+          </p:cNvSpPr>
+          <p:nvPr>
+            <p:ph type="title"/>
+          </p:nvPr>
+        </p:nvSpPr>
+        <p:spPr/>
+        <p:txBody>
+          <a:bodyPr/>
+          <a:lstStyle/>
+          <a:p>
+            <a:r>
+              <a:rPr lang="en-AU" dirty="0"/>
+              <a:t>The [t] in English</a:t>
+            </a:r>
+          </a:p>
+        </p:txBody>
+      </p:sp>
+      <p:sp>
+        <p:nvSpPr>
+          <p:cNvPr id="3" name="Content Placeholder 2">
+            <a:extLst>
+              <a:ext uri="{FF2B5EF4-FFF2-40B4-BE49-F238E27FC236}">
+                <a16:creationId xmlns:a16="http://schemas.microsoft.com/office/drawing/2014/main" id="{32B83F3F-54B8-4F50-B569-C14423E371DE}"/>
+              </a:ext>
+            </a:extLst>
+          </p:cNvPr>
+          <p:cNvSpPr>
+            <a:spLocks noGrp="1"/>
+          </p:cNvSpPr>
+          <p:nvPr>
+            <p:ph idx="1"/>
+          </p:nvPr>
+        </p:nvSpPr>
+        <p:spPr/>
+        <p:txBody>
+          <a:bodyPr/>
+          <a:lstStyle/>
+          <a:p>
+            <a:r>
+              <a:rPr lang="en-AU" dirty="0"/>
+              <a:t>So at the start and ends of words in English we use an aspirated [t]</a:t>
+            </a:r>
+          </a:p>
+          <a:p>
+            <a:endParaRPr lang="en-AU" dirty="0"/>
+          </a:p>
+          <a:p>
+            <a:r>
+              <a:rPr lang="en-AU" dirty="0"/>
+              <a:t>But what happens in the middle of words?</a:t>
+            </a:r>
+          </a:p>
+          <a:p>
+            <a:endParaRPr lang="en-AU" dirty="0"/>
+          </a:p>
+          <a:p>
+            <a:r>
+              <a:rPr lang="en-AU" dirty="0"/>
+              <a:t>Some varieties of English use a tap instead of a /t/</a:t>
+            </a:r>
+          </a:p>
+          <a:p>
+            <a:endParaRPr lang="en-AU" dirty="0"/>
+          </a:p>
+          <a:p>
+            <a:r>
+              <a:rPr lang="en-AU" dirty="0"/>
+              <a:t>Think of words like ‘butter’ and ‘letter’ when you say them quickly</a:t>
+            </a:r>
+          </a:p>
+          <a:p>
+            <a:endParaRPr lang="en-AU" dirty="0"/>
+          </a:p>
+          <a:p>
+            <a:r>
+              <a:rPr lang="en-AU" dirty="0"/>
+              <a:t>Rather than saying /</a:t>
+            </a:r>
+            <a:r>
+              <a:rPr lang="en-AU" dirty="0" err="1"/>
+              <a:t>bʌtɐ</a:t>
+            </a:r>
+            <a:r>
+              <a:rPr lang="en-AU" dirty="0"/>
+              <a:t>/ some people tend to say /</a:t>
+            </a:r>
+            <a:r>
+              <a:rPr lang="en-AU" dirty="0" err="1"/>
+              <a:t>bʌɾɐ</a:t>
+            </a:r>
+            <a:r>
+              <a:rPr lang="en-AU" dirty="0"/>
+              <a:t>/</a:t>
+            </a:r>
+          </a:p>
+        </p:txBody>
+      </p:sp>
+    </p:spTree>
+    <p:extLst>
+      <p:ext uri="{BB962C8B-B14F-4D97-AF65-F5344CB8AC3E}">
+        <p14:creationId xmlns:p14="http://schemas.microsoft.com/office/powerpoint/2010/main" val="1885566809"/>
+      </p:ext>
+    </p:extLst>
+  </p:cSld>
+  <p:clrMapOvr>
+    <a:masterClrMapping/>
+  </p:clrMapOvr>
+</p:sld>
+</file>
+
+<file path=ppt/slides/slide36.xml><?xml version="1.0" encoding="utf-8"?>
+<p:sld xmlns:a="http://schemas.openxmlformats.org/drawingml/2006/main" xmlns:r="http://schemas.openxmlformats.org/officeDocument/2006/relationships" xmlns:p="http://schemas.openxmlformats.org/presentationml/2006/main">
+  <p:cSld>
+    <p:spTree>
+      <p:nvGrpSpPr>
+        <p:cNvPr id="1" name=""/>
+        <p:cNvGrpSpPr/>
+        <p:nvPr/>
+      </p:nvGrpSpPr>
+      <p:grpSpPr>
+        <a:xfrm>
+          <a:off x="0" y="0"/>
+          <a:ext cx="0" cy="0"/>
+          <a:chOff x="0" y="0"/>
+          <a:chExt cx="0" cy="0"/>
+        </a:xfrm>
+      </p:grpSpPr>
+      <p:sp>
+        <p:nvSpPr>
+          <p:cNvPr id="2" name="Title 1">
+            <a:extLst>
+              <a:ext uri="{FF2B5EF4-FFF2-40B4-BE49-F238E27FC236}">
+                <a16:creationId xmlns:a16="http://schemas.microsoft.com/office/drawing/2014/main" id="{5E884CF3-57DA-4CCD-89AB-E8624F2E3779}"/>
+              </a:ext>
+            </a:extLst>
+          </p:cNvPr>
+          <p:cNvSpPr>
+            <a:spLocks noGrp="1"/>
+          </p:cNvSpPr>
+          <p:nvPr>
+            <p:ph type="title"/>
+          </p:nvPr>
+        </p:nvSpPr>
+        <p:spPr/>
+        <p:txBody>
+          <a:bodyPr/>
+          <a:lstStyle/>
+          <a:p>
+            <a:r>
+              <a:rPr lang="en-AU" dirty="0"/>
+              <a:t>The [t] in English</a:t>
+            </a:r>
+          </a:p>
+        </p:txBody>
+      </p:sp>
+      <mc:AlternateContent xmlns:mc="http://schemas.openxmlformats.org/markup-compatibility/2006">
+        <mc:Choice xmlns:a14="http://schemas.microsoft.com/office/drawing/2010/main" Requires="a14">
+          <p:sp>
+            <p:nvSpPr>
+              <p:cNvPr id="3" name="Content Placeholder 2">
+                <a:extLst>
+                  <a:ext uri="{FF2B5EF4-FFF2-40B4-BE49-F238E27FC236}">
+                    <a16:creationId xmlns:a16="http://schemas.microsoft.com/office/drawing/2014/main" id="{0AF3FB12-536A-42C2-B7BB-DDAAC785692A}"/>
+                  </a:ext>
+                </a:extLst>
+              </p:cNvPr>
+              <p:cNvSpPr>
+                <a:spLocks noGrp="1"/>
+              </p:cNvSpPr>
+              <p:nvPr>
+                <p:ph idx="1"/>
+              </p:nvPr>
+            </p:nvSpPr>
+            <p:spPr/>
+            <p:txBody>
+              <a:bodyPr/>
+              <a:lstStyle/>
+              <a:p>
+                <a:r>
+                  <a:rPr lang="en-AU" dirty="0"/>
+                  <a:t>So this allows us to set up series of rules for all of the sounds in a language (and also allows us to rule out some sounds as phonemes in their own right)</a:t>
+                </a:r>
+              </a:p>
+              <a:p>
+                <a:endParaRPr lang="en-AU" dirty="0"/>
+              </a:p>
+              <a:p>
+                <a:r>
+                  <a:rPr lang="en-AU" dirty="0"/>
+                  <a:t>In English we have a rule that saysː</a:t>
+                </a:r>
+              </a:p>
+              <a:p>
+                <a:pPr marL="0" indent="0" algn="ctr">
+                  <a:buNone/>
+                </a:pPr>
+                <a:r>
+                  <a:rPr lang="en-AU" dirty="0"/>
+                  <a:t>/t/ </a:t>
+                </a:r>
+                <a14:m>
+                  <m:oMath xmlns:m="http://schemas.openxmlformats.org/officeDocument/2006/math">
+                    <m:r>
+                      <a:rPr lang="en-AU" i="1" smtClean="0">
+                        <a:latin typeface="Cambria Math" panose="02040503050406030204" pitchFamily="18" charset="0"/>
+                        <a:ea typeface="Cambria Math" panose="02040503050406030204" pitchFamily="18" charset="0"/>
+                      </a:rPr>
+                      <m:t>→</m:t>
+                    </m:r>
+                  </m:oMath>
+                </a14:m>
+                <a:r>
+                  <a:rPr lang="en-AU" dirty="0"/>
+                  <a:t> [ɾ] / V̠V</a:t>
+                </a:r>
+              </a:p>
+              <a:p>
+                <a:pPr marL="0" indent="0" algn="ctr">
+                  <a:buNone/>
+                </a:pPr>
+                <a:r>
+                  <a:rPr lang="en-AU" dirty="0"/>
+                  <a:t>	            </a:t>
+                </a:r>
+                <a14:m>
+                  <m:oMath xmlns:m="http://schemas.openxmlformats.org/officeDocument/2006/math">
+                    <m:r>
+                      <a:rPr lang="en-AU" i="1" smtClean="0">
+                        <a:latin typeface="Cambria Math" panose="02040503050406030204" pitchFamily="18" charset="0"/>
+                        <a:ea typeface="Cambria Math" panose="02040503050406030204" pitchFamily="18" charset="0"/>
+                      </a:rPr>
+                      <m:t>→</m:t>
+                    </m:r>
+                    <m:r>
+                      <a:rPr lang="en-AU" i="1">
+                        <a:latin typeface="Cambria Math" panose="02040503050406030204" pitchFamily="18" charset="0"/>
+                        <a:ea typeface="Cambria Math" panose="02040503050406030204" pitchFamily="18" charset="0"/>
+                      </a:rPr>
+                      <m:t> </m:t>
+                    </m:r>
+                  </m:oMath>
+                </a14:m>
+                <a:r>
+                  <a:rPr lang="en-AU" dirty="0"/>
+                  <a:t>[</a:t>
+                </a:r>
+                <a:r>
+                  <a:rPr lang="en-AU" dirty="0" err="1"/>
+                  <a:t>tʰ</a:t>
+                </a:r>
+                <a:r>
+                  <a:rPr lang="en-AU" dirty="0"/>
+                  <a:t>] / elsewhere</a:t>
+                </a:r>
+              </a:p>
+              <a:p>
+                <a:pPr marL="0" indent="0" algn="ctr">
+                  <a:buNone/>
+                </a:pPr>
+                <a:endParaRPr lang="en-AU" dirty="0"/>
+              </a:p>
+              <a:p>
+                <a:r>
+                  <a:rPr lang="en-AU" dirty="0"/>
+                  <a:t>Although this is only one example, most English consonants have similar rules</a:t>
+                </a:r>
+              </a:p>
+              <a:p>
+                <a:endParaRPr lang="en-AU" dirty="0"/>
+              </a:p>
+              <a:p>
+                <a:r>
+                  <a:rPr lang="en-AU" dirty="0"/>
+                  <a:t>And don’t get me started on the vowels...</a:t>
+                </a:r>
+              </a:p>
+            </p:txBody>
+          </p:sp>
+        </mc:Choice>
+        <mc:Fallback>
+          <p:sp>
+            <p:nvSpPr>
+              <p:cNvPr id="3" name="Content Placeholder 2">
+                <a:extLst>
+                  <a:ext uri="{FF2B5EF4-FFF2-40B4-BE49-F238E27FC236}">
+                    <a16:creationId xmlns:a16="http://schemas.microsoft.com/office/drawing/2014/main" id="{0AF3FB12-536A-42C2-B7BB-DDAAC785692A}"/>
+                  </a:ext>
+                </a:extLst>
+              </p:cNvPr>
+              <p:cNvSpPr>
+                <a:spLocks noGrp="1" noRot="1" noChangeAspect="1" noMove="1" noResize="1" noEditPoints="1" noAdjustHandles="1" noChangeArrowheads="1" noChangeShapeType="1" noTextEdit="1"/>
+              </p:cNvSpPr>
+              <p:nvPr>
+                <p:ph idx="1"/>
+              </p:nvPr>
+            </p:nvSpPr>
+            <p:spPr>
+              <a:blipFill>
+                <a:blip r:embed="rId2"/>
+                <a:stretch>
+                  <a:fillRect l="-142" t="-942" b="-1570"/>
+                </a:stretch>
+              </a:blipFill>
+            </p:spPr>
+            <p:txBody>
+              <a:bodyPr/>
+              <a:lstStyle/>
+              <a:p>
+                <a:r>
+                  <a:rPr lang="en-AU">
+                    <a:noFill/>
+                  </a:rPr>
+                  <a:t> </a:t>
+                </a:r>
+              </a:p>
+            </p:txBody>
+          </p:sp>
+        </mc:Fallback>
+      </mc:AlternateContent>
+    </p:spTree>
+    <p:extLst>
+      <p:ext uri="{BB962C8B-B14F-4D97-AF65-F5344CB8AC3E}">
+        <p14:creationId xmlns:p14="http://schemas.microsoft.com/office/powerpoint/2010/main" val="3139812875"/>
+      </p:ext>
+    </p:extLst>
+  </p:cSld>
+  <p:clrMapOvr>
+    <a:masterClrMapping/>
+  </p:clrMapOvr>
+</p:sld>
+</file>
+
+<file path=ppt/slides/slide37.xml><?xml version="1.0" encoding="utf-8"?>
+<p:sld xmlns:a="http://schemas.openxmlformats.org/drawingml/2006/main" xmlns:r="http://schemas.openxmlformats.org/officeDocument/2006/relationships" xmlns:p="http://schemas.openxmlformats.org/presentationml/2006/main">
+  <p:cSld>
+    <p:spTree>
+      <p:nvGrpSpPr>
+        <p:cNvPr id="1" name=""/>
+        <p:cNvGrpSpPr/>
+        <p:nvPr/>
+      </p:nvGrpSpPr>
+      <p:grpSpPr>
+        <a:xfrm>
+          <a:off x="0" y="0"/>
+          <a:ext cx="0" cy="0"/>
+          <a:chOff x="0" y="0"/>
+          <a:chExt cx="0" cy="0"/>
+        </a:xfrm>
+      </p:grpSpPr>
+      <p:sp>
+        <p:nvSpPr>
+          <p:cNvPr id="2" name="Title 1">
+            <a:extLst>
+              <a:ext uri="{FF2B5EF4-FFF2-40B4-BE49-F238E27FC236}">
+                <a16:creationId xmlns:a16="http://schemas.microsoft.com/office/drawing/2014/main" id="{FC44A385-3212-4708-BC27-0E23C7D95063}"/>
+              </a:ext>
+            </a:extLst>
+          </p:cNvPr>
+          <p:cNvSpPr>
+            <a:spLocks noGrp="1"/>
+          </p:cNvSpPr>
+          <p:nvPr>
+            <p:ph type="title"/>
+          </p:nvPr>
+        </p:nvSpPr>
+        <p:spPr/>
+        <p:txBody>
+          <a:bodyPr/>
+          <a:lstStyle/>
+          <a:p>
+            <a:r>
+              <a:rPr lang="en-AU" dirty="0"/>
+              <a:t>And on to the more exciting stuff</a:t>
+            </a:r>
+          </a:p>
+        </p:txBody>
+      </p:sp>
+      <p:sp>
+        <p:nvSpPr>
+          <p:cNvPr id="3" name="Text Placeholder 2">
+            <a:extLst>
+              <a:ext uri="{FF2B5EF4-FFF2-40B4-BE49-F238E27FC236}">
+                <a16:creationId xmlns:a16="http://schemas.microsoft.com/office/drawing/2014/main" id="{1268DDD4-CEDA-44EC-BF8B-C797D5F10ACB}"/>
+              </a:ext>
+            </a:extLst>
+          </p:cNvPr>
+          <p:cNvSpPr>
+            <a:spLocks noGrp="1"/>
+          </p:cNvSpPr>
+          <p:nvPr>
+            <p:ph type="body" idx="1"/>
+          </p:nvPr>
+        </p:nvSpPr>
+        <p:spPr/>
+        <p:txBody>
+          <a:bodyPr/>
+          <a:lstStyle/>
+          <a:p>
+            <a:endParaRPr lang="en-AU"/>
+          </a:p>
+        </p:txBody>
+      </p:sp>
+    </p:spTree>
+    <p:extLst>
+      <p:ext uri="{BB962C8B-B14F-4D97-AF65-F5344CB8AC3E}">
+        <p14:creationId xmlns:p14="http://schemas.microsoft.com/office/powerpoint/2010/main" val="1697027921"/>
+      </p:ext>
+    </p:extLst>
+  </p:cSld>
+  <p:clrMapOvr>
+    <a:masterClrMapping/>
+  </p:clrMapOvr>
+</p:sld>
+</file>
+
+<file path=ppt/slides/slide38.xml><?xml version="1.0" encoding="utf-8"?>
+<p:sld xmlns:a="http://schemas.openxmlformats.org/drawingml/2006/main" xmlns:r="http://schemas.openxmlformats.org/officeDocument/2006/relationships" xmlns:p="http://schemas.openxmlformats.org/presentationml/2006/main">
+  <p:cSld>
+    <p:spTree>
+      <p:nvGrpSpPr>
+        <p:cNvPr id="1" name=""/>
+        <p:cNvGrpSpPr/>
+        <p:nvPr/>
+      </p:nvGrpSpPr>
+      <p:grpSpPr>
+        <a:xfrm>
+          <a:off x="0" y="0"/>
+          <a:ext cx="0" cy="0"/>
+          <a:chOff x="0" y="0"/>
+          <a:chExt cx="0" cy="0"/>
+        </a:xfrm>
+      </p:grpSpPr>
+      <p:sp>
+        <p:nvSpPr>
+          <p:cNvPr id="2" name="Title 1">
+            <a:extLst>
+              <a:ext uri="{FF2B5EF4-FFF2-40B4-BE49-F238E27FC236}">
+                <a16:creationId xmlns:a16="http://schemas.microsoft.com/office/drawing/2014/main" id="{8EBF7C2B-8084-476B-92EB-02FB3A355375}"/>
+              </a:ext>
+            </a:extLst>
+          </p:cNvPr>
+          <p:cNvSpPr>
+            <a:spLocks noGrp="1"/>
+          </p:cNvSpPr>
+          <p:nvPr>
+            <p:ph type="title"/>
+          </p:nvPr>
+        </p:nvSpPr>
+        <p:spPr/>
+        <p:txBody>
+          <a:bodyPr/>
+          <a:lstStyle/>
+          <a:p>
+            <a:r>
+              <a:rPr lang="en-AU" dirty="0"/>
+              <a:t>Enter some ASR</a:t>
+            </a:r>
+          </a:p>
+        </p:txBody>
+      </p:sp>
+      <p:sp>
+        <p:nvSpPr>
+          <p:cNvPr id="3" name="Content Placeholder 2">
+            <a:extLst>
+              <a:ext uri="{FF2B5EF4-FFF2-40B4-BE49-F238E27FC236}">
+                <a16:creationId xmlns:a16="http://schemas.microsoft.com/office/drawing/2014/main" id="{EB2CFC8F-503B-4CB4-955A-6E907AB45800}"/>
+              </a:ext>
+            </a:extLst>
+          </p:cNvPr>
+          <p:cNvSpPr>
+            <a:spLocks noGrp="1"/>
+          </p:cNvSpPr>
+          <p:nvPr>
+            <p:ph idx="1"/>
+          </p:nvPr>
+        </p:nvSpPr>
+        <p:spPr/>
+        <p:txBody>
+          <a:bodyPr/>
+          <a:lstStyle/>
+          <a:p>
+            <a:r>
+              <a:rPr lang="en-AU" dirty="0"/>
+              <a:t>Automatic Speech Recognition (ASR) is employed in a wide range of fields</a:t>
+            </a:r>
+          </a:p>
+          <a:p>
+            <a:endParaRPr lang="en-AU" dirty="0"/>
+          </a:p>
+          <a:p>
+            <a:r>
+              <a:rPr lang="en-AU" dirty="0"/>
+              <a:t>Only giving a brief overview of some of the concepts, if there’s interest we can go into more depth later</a:t>
+            </a:r>
+          </a:p>
+          <a:p>
+            <a:endParaRPr lang="en-AU" dirty="0"/>
+          </a:p>
+          <a:p>
+            <a:r>
+              <a:rPr lang="en-AU" dirty="0"/>
+              <a:t>We’ll build on some of the manual methods we’ve discussed</a:t>
+            </a:r>
+          </a:p>
+          <a:p>
+            <a:endParaRPr lang="en-AU" dirty="0"/>
+          </a:p>
+          <a:p>
+            <a:endParaRPr lang="en-AU" dirty="0"/>
+          </a:p>
+        </p:txBody>
+      </p:sp>
+    </p:spTree>
+    <p:extLst>
+      <p:ext uri="{BB962C8B-B14F-4D97-AF65-F5344CB8AC3E}">
+        <p14:creationId xmlns:p14="http://schemas.microsoft.com/office/powerpoint/2010/main" val="4022203537"/>
+      </p:ext>
+    </p:extLst>
+  </p:cSld>
+  <p:clrMapOvr>
+    <a:masterClrMapping/>
+  </p:clrMapOvr>
+</p:sld>
+</file>
+
+<file path=ppt/slides/slide39.xml><?xml version="1.0" encoding="utf-8"?>
+<p:sld xmlns:a="http://schemas.openxmlformats.org/drawingml/2006/main" xmlns:r="http://schemas.openxmlformats.org/officeDocument/2006/relationships" xmlns:p="http://schemas.openxmlformats.org/presentationml/2006/main">
+  <p:cSld>
+    <p:spTree>
+      <p:nvGrpSpPr>
+        <p:cNvPr id="1" name=""/>
+        <p:cNvGrpSpPr/>
+        <p:nvPr/>
+      </p:nvGrpSpPr>
+      <p:grpSpPr>
+        <a:xfrm>
+          <a:off x="0" y="0"/>
+          <a:ext cx="0" cy="0"/>
+          <a:chOff x="0" y="0"/>
+          <a:chExt cx="0" cy="0"/>
+        </a:xfrm>
+      </p:grpSpPr>
+      <p:sp>
+        <p:nvSpPr>
+          <p:cNvPr id="2" name="Title 1">
+            <a:extLst>
+              <a:ext uri="{FF2B5EF4-FFF2-40B4-BE49-F238E27FC236}">
+                <a16:creationId xmlns:a16="http://schemas.microsoft.com/office/drawing/2014/main" id="{3BB23F66-8BEA-457A-B960-AC025AE168D7}"/>
+              </a:ext>
+            </a:extLst>
+          </p:cNvPr>
+          <p:cNvSpPr>
+            <a:spLocks noGrp="1"/>
+          </p:cNvSpPr>
+          <p:nvPr>
+            <p:ph type="title"/>
+          </p:nvPr>
+        </p:nvSpPr>
+        <p:spPr/>
+        <p:txBody>
+          <a:bodyPr/>
+          <a:lstStyle/>
+          <a:p>
+            <a:r>
+              <a:rPr lang="en-AU" dirty="0"/>
+              <a:t>The basics of an ASR system...</a:t>
+            </a:r>
+          </a:p>
+        </p:txBody>
+      </p:sp>
+      <p:sp>
+        <p:nvSpPr>
+          <p:cNvPr id="5" name="Speech Bubble: Oval 4">
+            <a:extLst>
+              <a:ext uri="{FF2B5EF4-FFF2-40B4-BE49-F238E27FC236}">
+                <a16:creationId xmlns:a16="http://schemas.microsoft.com/office/drawing/2014/main" id="{6BE75942-4EA8-4A2C-811B-0933AB4A8F9A}"/>
+              </a:ext>
+            </a:extLst>
+          </p:cNvPr>
+          <p:cNvSpPr/>
+          <p:nvPr/>
+        </p:nvSpPr>
+        <p:spPr>
+          <a:xfrm>
+            <a:off x="548639" y="1331309"/>
+            <a:ext cx="1546167" cy="1427942"/>
+          </a:xfrm>
+          <a:prstGeom prst="wedgeEllipseCallout">
+            <a:avLst/>
+          </a:prstGeom>
+        </p:spPr>
+        <p:style>
+          <a:lnRef idx="2">
+            <a:schemeClr val="accent6"/>
+          </a:lnRef>
+          <a:fillRef idx="1">
+            <a:schemeClr val="lt1"/>
+          </a:fillRef>
+          <a:effectRef idx="0">
+            <a:schemeClr val="accent6"/>
+          </a:effectRef>
+          <a:fontRef idx="minor">
+            <a:schemeClr val="dk1"/>
+          </a:fontRef>
+        </p:style>
+        <p:txBody>
+          <a:bodyPr rtlCol="0" anchor="ctr"/>
+          <a:lstStyle/>
+          <a:p>
+            <a:pPr algn="ctr"/>
+            <a:r>
+              <a:rPr lang="en-AU" dirty="0"/>
+              <a:t>Speech</a:t>
+            </a:r>
+          </a:p>
+        </p:txBody>
+      </p:sp>
+      <p:sp>
+        <p:nvSpPr>
+          <p:cNvPr id="6" name="Arrow: Striped Right 5">
+            <a:extLst>
+              <a:ext uri="{FF2B5EF4-FFF2-40B4-BE49-F238E27FC236}">
+                <a16:creationId xmlns:a16="http://schemas.microsoft.com/office/drawing/2014/main" id="{E122132A-C2CA-4477-A307-2E7812C08C41}"/>
+              </a:ext>
+            </a:extLst>
+          </p:cNvPr>
+          <p:cNvSpPr/>
+          <p:nvPr/>
+        </p:nvSpPr>
+        <p:spPr>
+          <a:xfrm>
+            <a:off x="2296537" y="1834265"/>
+            <a:ext cx="1296785" cy="399011"/>
+          </a:xfrm>
+          <a:prstGeom prst="stripedRightArrow">
+            <a:avLst/>
+          </a:prstGeom>
+        </p:spPr>
+        <p:style>
+          <a:lnRef idx="2">
+            <a:schemeClr val="accent6"/>
+          </a:lnRef>
+          <a:fillRef idx="1">
+            <a:schemeClr val="lt1"/>
+          </a:fillRef>
+          <a:effectRef idx="0">
+            <a:schemeClr val="accent6"/>
+          </a:effectRef>
+          <a:fontRef idx="minor">
+            <a:schemeClr val="dk1"/>
+          </a:fontRef>
+        </p:style>
+        <p:txBody>
+          <a:bodyPr rtlCol="0" anchor="ctr"/>
+          <a:lstStyle/>
+          <a:p>
+            <a:pPr algn="ctr"/>
+            <a:endParaRPr lang="en-AU"/>
+          </a:p>
+        </p:txBody>
+      </p:sp>
+      <p:sp>
+        <p:nvSpPr>
+          <p:cNvPr id="7" name="Rectangle: Rounded Corners 6">
+            <a:extLst>
+              <a:ext uri="{FF2B5EF4-FFF2-40B4-BE49-F238E27FC236}">
+                <a16:creationId xmlns:a16="http://schemas.microsoft.com/office/drawing/2014/main" id="{CEBA9D41-FD72-44B0-B321-CE90DCDDFDB4}"/>
+              </a:ext>
+            </a:extLst>
+          </p:cNvPr>
+          <p:cNvSpPr/>
+          <p:nvPr/>
+        </p:nvSpPr>
+        <p:spPr>
+          <a:xfrm>
+            <a:off x="3824967" y="1319801"/>
+            <a:ext cx="1828800" cy="1427942"/>
+          </a:xfrm>
+          <a:prstGeom prst="roundRect">
+            <a:avLst/>
+          </a:prstGeom>
+        </p:spPr>
+        <p:style>
+          <a:lnRef idx="2">
+            <a:schemeClr val="accent6"/>
+          </a:lnRef>
+          <a:fillRef idx="1">
+            <a:schemeClr val="lt1"/>
+          </a:fillRef>
+          <a:effectRef idx="0">
+            <a:schemeClr val="accent6"/>
+          </a:effectRef>
+          <a:fontRef idx="minor">
+            <a:schemeClr val="dk1"/>
+          </a:fontRef>
+        </p:style>
+        <p:txBody>
+          <a:bodyPr rtlCol="0" anchor="ctr"/>
+          <a:lstStyle/>
+          <a:p>
+            <a:pPr algn="ctr"/>
+            <a:r>
+              <a:rPr lang="en-AU" dirty="0"/>
+              <a:t>Digitisation</a:t>
+            </a:r>
+          </a:p>
+        </p:txBody>
+      </p:sp>
+      <p:pic>
+        <p:nvPicPr>
+          <p:cNvPr id="8" name="Picture 7">
+            <a:extLst>
+              <a:ext uri="{FF2B5EF4-FFF2-40B4-BE49-F238E27FC236}">
+                <a16:creationId xmlns:a16="http://schemas.microsoft.com/office/drawing/2014/main" id="{B111E318-324E-478F-B86A-ADE0EB28CD46}"/>
+              </a:ext>
+            </a:extLst>
+          </p:cNvPr>
+          <p:cNvPicPr>
+            <a:picLocks noChangeAspect="1"/>
+          </p:cNvPicPr>
+          <p:nvPr/>
+        </p:nvPicPr>
+        <p:blipFill>
+          <a:blip r:embed="rId2"/>
+          <a:stretch>
+            <a:fillRect/>
+          </a:stretch>
+        </p:blipFill>
+        <p:spPr>
+          <a:xfrm>
+            <a:off x="5885412" y="1808200"/>
+            <a:ext cx="1322947" cy="451143"/>
+          </a:xfrm>
+          <a:prstGeom prst="rect">
+            <a:avLst/>
+          </a:prstGeom>
+        </p:spPr>
+      </p:pic>
+      <p:sp>
+        <p:nvSpPr>
+          <p:cNvPr id="9" name="Rectangle: Rounded Corners 8">
+            <a:extLst>
+              <a:ext uri="{FF2B5EF4-FFF2-40B4-BE49-F238E27FC236}">
+                <a16:creationId xmlns:a16="http://schemas.microsoft.com/office/drawing/2014/main" id="{5B61D336-24B7-412F-A708-F3B70F6B3CFD}"/>
+              </a:ext>
+            </a:extLst>
+          </p:cNvPr>
+          <p:cNvSpPr/>
+          <p:nvPr/>
+        </p:nvSpPr>
+        <p:spPr>
+          <a:xfrm>
+            <a:off x="7383928" y="1319801"/>
+            <a:ext cx="1828800" cy="1427942"/>
+          </a:xfrm>
+          <a:prstGeom prst="roundRect">
+            <a:avLst/>
+          </a:prstGeom>
+        </p:spPr>
+        <p:style>
+          <a:lnRef idx="2">
+            <a:schemeClr val="accent6"/>
+          </a:lnRef>
+          <a:fillRef idx="1">
+            <a:schemeClr val="lt1"/>
+          </a:fillRef>
+          <a:effectRef idx="0">
+            <a:schemeClr val="accent6"/>
+          </a:effectRef>
+          <a:fontRef idx="minor">
+            <a:schemeClr val="dk1"/>
+          </a:fontRef>
+        </p:style>
+        <p:txBody>
+          <a:bodyPr rtlCol="0" anchor="ctr"/>
+          <a:lstStyle/>
+          <a:p>
+            <a:pPr algn="ctr"/>
+            <a:r>
+              <a:rPr lang="en-AU" dirty="0"/>
+              <a:t>Feature Extraction</a:t>
+            </a:r>
+          </a:p>
+        </p:txBody>
+      </p:sp>
+      <p:pic>
+        <p:nvPicPr>
+          <p:cNvPr id="10" name="Picture 9">
+            <a:extLst>
+              <a:ext uri="{FF2B5EF4-FFF2-40B4-BE49-F238E27FC236}">
+                <a16:creationId xmlns:a16="http://schemas.microsoft.com/office/drawing/2014/main" id="{9505F2D8-E359-4094-9E22-D408287A678C}"/>
+              </a:ext>
+            </a:extLst>
+          </p:cNvPr>
+          <p:cNvPicPr>
+            <a:picLocks noChangeAspect="1"/>
+          </p:cNvPicPr>
+          <p:nvPr/>
+        </p:nvPicPr>
+        <p:blipFill>
+          <a:blip r:embed="rId2"/>
+          <a:stretch>
+            <a:fillRect/>
+          </a:stretch>
+        </p:blipFill>
+        <p:spPr>
+          <a:xfrm rot="5400000">
+            <a:off x="7869685" y="3153016"/>
+            <a:ext cx="857284" cy="451143"/>
+          </a:xfrm>
+          <a:prstGeom prst="rect">
+            <a:avLst/>
+          </a:prstGeom>
+        </p:spPr>
+      </p:pic>
+      <p:sp>
+        <p:nvSpPr>
+          <p:cNvPr id="11" name="Rectangle: Rounded Corners 10">
+            <a:extLst>
+              <a:ext uri="{FF2B5EF4-FFF2-40B4-BE49-F238E27FC236}">
+                <a16:creationId xmlns:a16="http://schemas.microsoft.com/office/drawing/2014/main" id="{FDD19C4E-AEED-4FC5-BFC4-978BB6236996}"/>
+              </a:ext>
+            </a:extLst>
+          </p:cNvPr>
+          <p:cNvSpPr/>
+          <p:nvPr/>
+        </p:nvSpPr>
+        <p:spPr>
+          <a:xfrm>
+            <a:off x="7445202" y="4009432"/>
+            <a:ext cx="1828800" cy="1427942"/>
+          </a:xfrm>
+          <a:prstGeom prst="roundRect">
+            <a:avLst/>
+          </a:prstGeom>
+        </p:spPr>
+        <p:style>
+          <a:lnRef idx="2">
+            <a:schemeClr val="accent6"/>
+          </a:lnRef>
+          <a:fillRef idx="1">
+            <a:schemeClr val="lt1"/>
+          </a:fillRef>
+          <a:effectRef idx="0">
+            <a:schemeClr val="accent6"/>
+          </a:effectRef>
+          <a:fontRef idx="minor">
+            <a:schemeClr val="dk1"/>
+          </a:fontRef>
+        </p:style>
+        <p:txBody>
+          <a:bodyPr rtlCol="0" anchor="ctr"/>
+          <a:lstStyle/>
+          <a:p>
+            <a:pPr algn="ctr"/>
+            <a:r>
+              <a:rPr lang="en-AU" dirty="0"/>
+              <a:t>Construction of a feature vector</a:t>
+            </a:r>
+          </a:p>
+        </p:txBody>
+      </p:sp>
+      <p:pic>
+        <p:nvPicPr>
+          <p:cNvPr id="12" name="Picture 11">
+            <a:extLst>
+              <a:ext uri="{FF2B5EF4-FFF2-40B4-BE49-F238E27FC236}">
+                <a16:creationId xmlns:a16="http://schemas.microsoft.com/office/drawing/2014/main" id="{8A0A94C4-D400-48ED-ADC9-7E28CE6DE1A8}"/>
+              </a:ext>
+            </a:extLst>
+          </p:cNvPr>
+          <p:cNvPicPr>
+            <a:picLocks noChangeAspect="1"/>
+          </p:cNvPicPr>
+          <p:nvPr/>
+        </p:nvPicPr>
+        <p:blipFill>
+          <a:blip r:embed="rId2"/>
+          <a:stretch>
+            <a:fillRect/>
+          </a:stretch>
+        </p:blipFill>
+        <p:spPr>
+          <a:xfrm rot="10800000">
+            <a:off x="5885411" y="4497831"/>
+            <a:ext cx="1322947" cy="451143"/>
+          </a:xfrm>
+          <a:prstGeom prst="rect">
+            <a:avLst/>
+          </a:prstGeom>
+        </p:spPr>
+      </p:pic>
+      <p:sp>
+        <p:nvSpPr>
+          <p:cNvPr id="13" name="Rectangle: Rounded Corners 12">
+            <a:extLst>
+              <a:ext uri="{FF2B5EF4-FFF2-40B4-BE49-F238E27FC236}">
+                <a16:creationId xmlns:a16="http://schemas.microsoft.com/office/drawing/2014/main" id="{A57E03B6-F040-43A4-87CF-B02AFA275F8C}"/>
+              </a:ext>
+            </a:extLst>
+          </p:cNvPr>
+          <p:cNvSpPr/>
+          <p:nvPr/>
+        </p:nvSpPr>
+        <p:spPr>
+          <a:xfrm>
+            <a:off x="3819766" y="4009432"/>
+            <a:ext cx="1828800" cy="1427942"/>
+          </a:xfrm>
+          <a:prstGeom prst="roundRect">
+            <a:avLst/>
+          </a:prstGeom>
+        </p:spPr>
+        <p:style>
+          <a:lnRef idx="2">
+            <a:schemeClr val="accent6"/>
+          </a:lnRef>
+          <a:fillRef idx="1">
+            <a:schemeClr val="lt1"/>
+          </a:fillRef>
+          <a:effectRef idx="0">
+            <a:schemeClr val="accent6"/>
+          </a:effectRef>
+          <a:fontRef idx="minor">
+            <a:schemeClr val="dk1"/>
+          </a:fontRef>
+        </p:style>
+        <p:txBody>
+          <a:bodyPr rtlCol="0" anchor="ctr"/>
+          <a:lstStyle/>
+          <a:p>
+            <a:pPr algn="ctr"/>
+            <a:r>
+              <a:rPr lang="en-AU" dirty="0"/>
+              <a:t>Comparison of feature vector to model</a:t>
+            </a:r>
+          </a:p>
+        </p:txBody>
+      </p:sp>
+      <p:pic>
+        <p:nvPicPr>
+          <p:cNvPr id="14" name="Picture 13">
+            <a:extLst>
+              <a:ext uri="{FF2B5EF4-FFF2-40B4-BE49-F238E27FC236}">
+                <a16:creationId xmlns:a16="http://schemas.microsoft.com/office/drawing/2014/main" id="{5863BA1A-AA3C-4087-AAC7-A8A15F6027C0}"/>
+              </a:ext>
+            </a:extLst>
+          </p:cNvPr>
+          <p:cNvPicPr>
+            <a:picLocks noChangeAspect="1"/>
+          </p:cNvPicPr>
+          <p:nvPr/>
+        </p:nvPicPr>
+        <p:blipFill>
+          <a:blip r:embed="rId2"/>
+          <a:stretch>
+            <a:fillRect/>
+          </a:stretch>
+        </p:blipFill>
+        <p:spPr>
+          <a:xfrm rot="12949898">
+            <a:off x="2283456" y="3777610"/>
+            <a:ext cx="1322947" cy="451143"/>
+          </a:xfrm>
+          <a:prstGeom prst="rect">
+            <a:avLst/>
+          </a:prstGeom>
+        </p:spPr>
+      </p:pic>
+      <p:pic>
+        <p:nvPicPr>
+          <p:cNvPr id="15" name="Picture 14">
+            <a:extLst>
+              <a:ext uri="{FF2B5EF4-FFF2-40B4-BE49-F238E27FC236}">
+                <a16:creationId xmlns:a16="http://schemas.microsoft.com/office/drawing/2014/main" id="{F3DFE0CA-6EBA-44F2-B5FB-E3DDC024EC5A}"/>
+              </a:ext>
+            </a:extLst>
+          </p:cNvPr>
+          <p:cNvPicPr>
+            <a:picLocks noChangeAspect="1"/>
+          </p:cNvPicPr>
+          <p:nvPr/>
+        </p:nvPicPr>
+        <p:blipFill>
+          <a:blip r:embed="rId2"/>
+          <a:stretch>
+            <a:fillRect/>
+          </a:stretch>
+        </p:blipFill>
+        <p:spPr>
+          <a:xfrm rot="10800000">
+            <a:off x="2094806" y="4573292"/>
+            <a:ext cx="1322947" cy="451143"/>
+          </a:xfrm>
+          <a:prstGeom prst="rect">
+            <a:avLst/>
+          </a:prstGeom>
+        </p:spPr>
+      </p:pic>
+      <p:pic>
+        <p:nvPicPr>
+          <p:cNvPr id="16" name="Picture 15">
+            <a:extLst>
+              <a:ext uri="{FF2B5EF4-FFF2-40B4-BE49-F238E27FC236}">
+                <a16:creationId xmlns:a16="http://schemas.microsoft.com/office/drawing/2014/main" id="{2B8DE91E-399C-4450-8879-A5F2168C6172}"/>
+              </a:ext>
+            </a:extLst>
+          </p:cNvPr>
+          <p:cNvPicPr>
+            <a:picLocks noChangeAspect="1"/>
+          </p:cNvPicPr>
+          <p:nvPr/>
+        </p:nvPicPr>
+        <p:blipFill>
+          <a:blip r:embed="rId2"/>
+          <a:stretch>
+            <a:fillRect/>
+          </a:stretch>
+        </p:blipFill>
+        <p:spPr>
+          <a:xfrm rot="8664368">
+            <a:off x="2293605" y="5367291"/>
+            <a:ext cx="1322947" cy="451143"/>
+          </a:xfrm>
+          <a:prstGeom prst="rect">
+            <a:avLst/>
+          </a:prstGeom>
+        </p:spPr>
+      </p:pic>
+      <p:sp>
+        <p:nvSpPr>
+          <p:cNvPr id="17" name="Rectangle: Rounded Corners 16">
+            <a:extLst>
+              <a:ext uri="{FF2B5EF4-FFF2-40B4-BE49-F238E27FC236}">
+                <a16:creationId xmlns:a16="http://schemas.microsoft.com/office/drawing/2014/main" id="{50059628-334B-4783-AFB2-A38517D61521}"/>
+              </a:ext>
+            </a:extLst>
+          </p:cNvPr>
+          <p:cNvSpPr/>
+          <p:nvPr/>
+        </p:nvSpPr>
+        <p:spPr>
+          <a:xfrm>
+            <a:off x="415636" y="3378587"/>
+            <a:ext cx="1880901" cy="624594"/>
+          </a:xfrm>
+          <a:prstGeom prst="roundRect">
+            <a:avLst/>
+          </a:prstGeom>
+        </p:spPr>
+        <p:style>
+          <a:lnRef idx="1">
+            <a:schemeClr val="accent6"/>
+          </a:lnRef>
+          <a:fillRef idx="2">
+            <a:schemeClr val="accent6"/>
+          </a:fillRef>
+          <a:effectRef idx="1">
+            <a:schemeClr val="accent6"/>
+          </a:effectRef>
+          <a:fontRef idx="minor">
+            <a:schemeClr val="dk1"/>
+          </a:fontRef>
+        </p:style>
+        <p:txBody>
+          <a:bodyPr rtlCol="0" anchor="ctr"/>
+          <a:lstStyle/>
+          <a:p>
+            <a:pPr algn="ctr"/>
+            <a:r>
+              <a:rPr lang="en-AU" dirty="0"/>
+              <a:t>Identifying Speakers</a:t>
+            </a:r>
+          </a:p>
+        </p:txBody>
+      </p:sp>
+      <p:sp>
+        <p:nvSpPr>
+          <p:cNvPr id="18" name="Rectangle: Rounded Corners 17">
+            <a:extLst>
+              <a:ext uri="{FF2B5EF4-FFF2-40B4-BE49-F238E27FC236}">
+                <a16:creationId xmlns:a16="http://schemas.microsoft.com/office/drawing/2014/main" id="{73FA4E70-58EC-4959-9F24-97A92CE33138}"/>
+              </a:ext>
+            </a:extLst>
+          </p:cNvPr>
+          <p:cNvSpPr/>
+          <p:nvPr/>
+        </p:nvSpPr>
+        <p:spPr>
+          <a:xfrm>
+            <a:off x="137068" y="4486566"/>
+            <a:ext cx="1880901" cy="624594"/>
+          </a:xfrm>
+          <a:prstGeom prst="roundRect">
+            <a:avLst/>
+          </a:prstGeom>
+        </p:spPr>
+        <p:style>
+          <a:lnRef idx="1">
+            <a:schemeClr val="accent6"/>
+          </a:lnRef>
+          <a:fillRef idx="2">
+            <a:schemeClr val="accent6"/>
+          </a:fillRef>
+          <a:effectRef idx="1">
+            <a:schemeClr val="accent6"/>
+          </a:effectRef>
+          <a:fontRef idx="minor">
+            <a:schemeClr val="dk1"/>
+          </a:fontRef>
+        </p:style>
+        <p:txBody>
+          <a:bodyPr rtlCol="0" anchor="ctr"/>
+          <a:lstStyle/>
+          <a:p>
+            <a:pPr algn="ctr"/>
+            <a:r>
+              <a:rPr lang="en-AU" dirty="0"/>
+              <a:t>Identifying Languages</a:t>
+            </a:r>
+          </a:p>
+        </p:txBody>
+      </p:sp>
+      <p:sp>
+        <p:nvSpPr>
+          <p:cNvPr id="19" name="Rectangle: Rounded Corners 18">
+            <a:extLst>
+              <a:ext uri="{FF2B5EF4-FFF2-40B4-BE49-F238E27FC236}">
+                <a16:creationId xmlns:a16="http://schemas.microsoft.com/office/drawing/2014/main" id="{C9FDF8D7-F01E-458B-A0AE-B829F61C4E55}"/>
+              </a:ext>
+            </a:extLst>
+          </p:cNvPr>
+          <p:cNvSpPr/>
+          <p:nvPr/>
+        </p:nvSpPr>
+        <p:spPr>
+          <a:xfrm>
+            <a:off x="415636" y="5713513"/>
+            <a:ext cx="1880901" cy="624594"/>
+          </a:xfrm>
+          <a:prstGeom prst="roundRect">
+            <a:avLst/>
+          </a:prstGeom>
+        </p:spPr>
+        <p:style>
+          <a:lnRef idx="1">
+            <a:schemeClr val="accent6"/>
+          </a:lnRef>
+          <a:fillRef idx="2">
+            <a:schemeClr val="accent6"/>
+          </a:fillRef>
+          <a:effectRef idx="1">
+            <a:schemeClr val="accent6"/>
+          </a:effectRef>
+          <a:fontRef idx="minor">
+            <a:schemeClr val="dk1"/>
+          </a:fontRef>
+        </p:style>
+        <p:txBody>
+          <a:bodyPr rtlCol="0" anchor="ctr"/>
+          <a:lstStyle/>
+          <a:p>
+            <a:pPr algn="ctr"/>
+            <a:r>
+              <a:rPr lang="en-AU" dirty="0"/>
+              <a:t>Speech-to-Text</a:t>
+            </a:r>
+          </a:p>
+        </p:txBody>
+      </p:sp>
+    </p:spTree>
+    <p:extLst>
+      <p:ext uri="{BB962C8B-B14F-4D97-AF65-F5344CB8AC3E}">
+        <p14:creationId xmlns:p14="http://schemas.microsoft.com/office/powerpoint/2010/main" val="1749360142"/>
       </p:ext>
     </p:extLst>
   </p:cSld>
@@ -7595,6 +12563,1418 @@
 </p:sld>
 </file>
 
+<file path=ppt/slides/slide40.xml><?xml version="1.0" encoding="utf-8"?>
+<p:sld xmlns:a="http://schemas.openxmlformats.org/drawingml/2006/main" xmlns:r="http://schemas.openxmlformats.org/officeDocument/2006/relationships" xmlns:p="http://schemas.openxmlformats.org/presentationml/2006/main">
+  <p:cSld>
+    <p:spTree>
+      <p:nvGrpSpPr>
+        <p:cNvPr id="1" name=""/>
+        <p:cNvGrpSpPr/>
+        <p:nvPr/>
+      </p:nvGrpSpPr>
+      <p:grpSpPr>
+        <a:xfrm>
+          <a:off x="0" y="0"/>
+          <a:ext cx="0" cy="0"/>
+          <a:chOff x="0" y="0"/>
+          <a:chExt cx="0" cy="0"/>
+        </a:xfrm>
+      </p:grpSpPr>
+      <p:sp>
+        <p:nvSpPr>
+          <p:cNvPr id="2" name="Title 1">
+            <a:extLst>
+              <a:ext uri="{FF2B5EF4-FFF2-40B4-BE49-F238E27FC236}">
+                <a16:creationId xmlns:a16="http://schemas.microsoft.com/office/drawing/2014/main" id="{D19952FC-1080-43B6-8328-AE6F24B384DE}"/>
+              </a:ext>
+            </a:extLst>
+          </p:cNvPr>
+          <p:cNvSpPr>
+            <a:spLocks noGrp="1"/>
+          </p:cNvSpPr>
+          <p:nvPr>
+            <p:ph type="title"/>
+          </p:nvPr>
+        </p:nvSpPr>
+        <p:spPr/>
+        <p:txBody>
+          <a:bodyPr/>
+          <a:lstStyle/>
+          <a:p>
+            <a:r>
+              <a:rPr lang="en-AU" dirty="0"/>
+              <a:t>Digitisation and Quantisation</a:t>
+            </a:r>
+          </a:p>
+        </p:txBody>
+      </p:sp>
+      <p:sp>
+        <p:nvSpPr>
+          <p:cNvPr id="3" name="Content Placeholder 2">
+            <a:extLst>
+              <a:ext uri="{FF2B5EF4-FFF2-40B4-BE49-F238E27FC236}">
+                <a16:creationId xmlns:a16="http://schemas.microsoft.com/office/drawing/2014/main" id="{69D56EB8-13F1-4CDE-BA95-547DE088C607}"/>
+              </a:ext>
+            </a:extLst>
+          </p:cNvPr>
+          <p:cNvSpPr>
+            <a:spLocks noGrp="1"/>
+          </p:cNvSpPr>
+          <p:nvPr>
+            <p:ph idx="1"/>
+          </p:nvPr>
+        </p:nvSpPr>
+        <p:spPr>
+          <a:xfrm>
+            <a:off x="677334" y="1270000"/>
+            <a:ext cx="8596668" cy="4937760"/>
+          </a:xfrm>
+        </p:spPr>
+        <p:txBody>
+          <a:bodyPr>
+            <a:normAutofit lnSpcReduction="10000"/>
+          </a:bodyPr>
+          <a:lstStyle/>
+          <a:p>
+            <a:r>
+              <a:rPr lang="en-AU" dirty="0"/>
+              <a:t>Having already discussed a little of the speech bubble, let’s look at digitisation</a:t>
+            </a:r>
+          </a:p>
+          <a:p>
+            <a:endParaRPr lang="en-AU" dirty="0"/>
+          </a:p>
+          <a:p>
+            <a:r>
+              <a:rPr lang="en-AU" dirty="0"/>
+              <a:t>Speech occurs in the range 0 – 20 000Hz</a:t>
+            </a:r>
+          </a:p>
+          <a:p>
+            <a:endParaRPr lang="en-AU" dirty="0"/>
+          </a:p>
+          <a:p>
+            <a:r>
+              <a:rPr lang="en-AU" dirty="0"/>
+              <a:t>Most information in the human voice contained below 10 000 Hz, so no need to sample at 20 000Hz</a:t>
+            </a:r>
+          </a:p>
+          <a:p>
+            <a:endParaRPr lang="en-AU" dirty="0"/>
+          </a:p>
+          <a:p>
+            <a:r>
+              <a:rPr lang="en-AU" dirty="0"/>
+              <a:t>Telephone networks only transmit signals below 4000Hz, so a sample rate of 8000Hz is sufficient for voices on telephones</a:t>
+            </a:r>
+          </a:p>
+          <a:p>
+            <a:endParaRPr lang="en-AU" dirty="0"/>
+          </a:p>
+          <a:p>
+            <a:r>
+              <a:rPr lang="en-AU" dirty="0"/>
+              <a:t>Microphone speech generally requires 16 000Hz</a:t>
+            </a:r>
+          </a:p>
+          <a:p>
+            <a:endParaRPr lang="en-AU" dirty="0"/>
+          </a:p>
+          <a:p>
+            <a:r>
+              <a:rPr lang="en-AU" dirty="0"/>
+              <a:t>Samples are then quantised in either an 8-bit or 16-bit format</a:t>
+            </a:r>
+          </a:p>
+        </p:txBody>
+      </p:sp>
+    </p:spTree>
+    <p:extLst>
+      <p:ext uri="{BB962C8B-B14F-4D97-AF65-F5344CB8AC3E}">
+        <p14:creationId xmlns:p14="http://schemas.microsoft.com/office/powerpoint/2010/main" val="1543603687"/>
+      </p:ext>
+    </p:extLst>
+  </p:cSld>
+  <p:clrMapOvr>
+    <a:masterClrMapping/>
+  </p:clrMapOvr>
+</p:sld>
+</file>
+
+<file path=ppt/slides/slide41.xml><?xml version="1.0" encoding="utf-8"?>
+<p:sld xmlns:a="http://schemas.openxmlformats.org/drawingml/2006/main" xmlns:r="http://schemas.openxmlformats.org/officeDocument/2006/relationships" xmlns:p="http://schemas.openxmlformats.org/presentationml/2006/main">
+  <p:cSld>
+    <p:spTree>
+      <p:nvGrpSpPr>
+        <p:cNvPr id="1" name=""/>
+        <p:cNvGrpSpPr/>
+        <p:nvPr/>
+      </p:nvGrpSpPr>
+      <p:grpSpPr>
+        <a:xfrm>
+          <a:off x="0" y="0"/>
+          <a:ext cx="0" cy="0"/>
+          <a:chOff x="0" y="0"/>
+          <a:chExt cx="0" cy="0"/>
+        </a:xfrm>
+      </p:grpSpPr>
+      <p:sp>
+        <p:nvSpPr>
+          <p:cNvPr id="2" name="Title 1">
+            <a:extLst>
+              <a:ext uri="{FF2B5EF4-FFF2-40B4-BE49-F238E27FC236}">
+                <a16:creationId xmlns:a16="http://schemas.microsoft.com/office/drawing/2014/main" id="{6B0E5315-A140-4E8A-9760-800B1B5FE846}"/>
+              </a:ext>
+            </a:extLst>
+          </p:cNvPr>
+          <p:cNvSpPr>
+            <a:spLocks noGrp="1"/>
+          </p:cNvSpPr>
+          <p:nvPr>
+            <p:ph type="title"/>
+          </p:nvPr>
+        </p:nvSpPr>
+        <p:spPr/>
+        <p:txBody>
+          <a:bodyPr/>
+          <a:lstStyle/>
+          <a:p>
+            <a:r>
+              <a:rPr lang="en-AU" dirty="0"/>
+              <a:t>Pre-emphasis and Windowing</a:t>
+            </a:r>
+          </a:p>
+        </p:txBody>
+      </p:sp>
+      <p:sp>
+        <p:nvSpPr>
+          <p:cNvPr id="3" name="Content Placeholder 2">
+            <a:extLst>
+              <a:ext uri="{FF2B5EF4-FFF2-40B4-BE49-F238E27FC236}">
+                <a16:creationId xmlns:a16="http://schemas.microsoft.com/office/drawing/2014/main" id="{FD28F2AD-4B41-4A1E-AC5E-768248A37ED8}"/>
+              </a:ext>
+            </a:extLst>
+          </p:cNvPr>
+          <p:cNvSpPr>
+            <a:spLocks noGrp="1"/>
+          </p:cNvSpPr>
+          <p:nvPr>
+            <p:ph idx="1"/>
+          </p:nvPr>
+        </p:nvSpPr>
+        <p:spPr/>
+        <p:txBody>
+          <a:bodyPr/>
+          <a:lstStyle/>
+          <a:p>
+            <a:r>
+              <a:rPr lang="en-AU" dirty="0"/>
+              <a:t>Speech contains far more energy in lower frequencies</a:t>
+            </a:r>
+          </a:p>
+          <a:p>
+            <a:endParaRPr lang="en-AU" dirty="0"/>
+          </a:p>
+          <a:p>
+            <a:r>
+              <a:rPr lang="en-AU" dirty="0"/>
+              <a:t>Boost higher frequencies to make maximal information available to the acoustic model (improves phone accuracy)</a:t>
+            </a:r>
+          </a:p>
+          <a:p>
+            <a:endParaRPr lang="en-AU" dirty="0"/>
+          </a:p>
+          <a:p>
+            <a:r>
+              <a:rPr lang="en-AU" dirty="0"/>
+              <a:t>Statistical properties of speech are not stationary over time, need to extract spectral features from small, overlapping segments to allow </a:t>
+            </a:r>
+            <a:r>
+              <a:rPr lang="en-AU" dirty="0" err="1"/>
+              <a:t>subphone</a:t>
+            </a:r>
+            <a:r>
+              <a:rPr lang="en-AU" dirty="0"/>
+              <a:t> characterization</a:t>
+            </a:r>
+          </a:p>
+          <a:p>
+            <a:endParaRPr lang="en-AU" dirty="0"/>
+          </a:p>
+          <a:p>
+            <a:r>
+              <a:rPr lang="en-AU" dirty="0"/>
+              <a:t>Usual configuration is to have a width of 25ms and an offset of 10ms</a:t>
+            </a:r>
+          </a:p>
+        </p:txBody>
+      </p:sp>
+    </p:spTree>
+    <p:extLst>
+      <p:ext uri="{BB962C8B-B14F-4D97-AF65-F5344CB8AC3E}">
+        <p14:creationId xmlns:p14="http://schemas.microsoft.com/office/powerpoint/2010/main" val="3413610445"/>
+      </p:ext>
+    </p:extLst>
+  </p:cSld>
+  <p:clrMapOvr>
+    <a:masterClrMapping/>
+  </p:clrMapOvr>
+</p:sld>
+</file>
+
+<file path=ppt/slides/slide42.xml><?xml version="1.0" encoding="utf-8"?>
+<p:sld xmlns:a="http://schemas.openxmlformats.org/drawingml/2006/main" xmlns:r="http://schemas.openxmlformats.org/officeDocument/2006/relationships" xmlns:p="http://schemas.openxmlformats.org/presentationml/2006/main">
+  <p:cSld>
+    <p:bg>
+      <p:bgPr>
+        <a:solidFill>
+          <a:schemeClr val="bg2"/>
+        </a:solidFill>
+        <a:effectLst/>
+      </p:bgPr>
+    </p:bg>
+    <p:spTree>
+      <p:nvGrpSpPr>
+        <p:cNvPr id="1" name=""/>
+        <p:cNvGrpSpPr/>
+        <p:nvPr/>
+      </p:nvGrpSpPr>
+      <p:grpSpPr>
+        <a:xfrm>
+          <a:off x="0" y="0"/>
+          <a:ext cx="0" cy="0"/>
+          <a:chOff x="0" y="0"/>
+          <a:chExt cx="0" cy="0"/>
+        </a:xfrm>
+      </p:grpSpPr>
+      <p:pic>
+        <p:nvPicPr>
+          <p:cNvPr id="23" name="Content Placeholder 4">
+            <a:extLst>
+              <a:ext uri="{FF2B5EF4-FFF2-40B4-BE49-F238E27FC236}">
+                <a16:creationId xmlns:a16="http://schemas.microsoft.com/office/drawing/2014/main" id="{A81B65FF-BF31-4EF6-890B-DEB1BB9DD783}"/>
+              </a:ext>
+            </a:extLst>
+          </p:cNvPr>
+          <p:cNvPicPr>
+            <a:picLocks noChangeAspect="1"/>
+          </p:cNvPicPr>
+          <p:nvPr/>
+        </p:nvPicPr>
+        <p:blipFill>
+          <a:blip r:embed="rId2"/>
+          <a:stretch>
+            <a:fillRect/>
+          </a:stretch>
+        </p:blipFill>
+        <p:spPr>
+          <a:xfrm>
+            <a:off x="4340696" y="3439020"/>
+            <a:ext cx="4448446" cy="2602341"/>
+          </a:xfrm>
+          <a:prstGeom prst="rect">
+            <a:avLst/>
+          </a:prstGeom>
+        </p:spPr>
+      </p:pic>
+      <p:pic>
+        <p:nvPicPr>
+          <p:cNvPr id="7" name="Picture 6">
+            <a:extLst>
+              <a:ext uri="{FF2B5EF4-FFF2-40B4-BE49-F238E27FC236}">
+                <a16:creationId xmlns:a16="http://schemas.microsoft.com/office/drawing/2014/main" id="{674CA4DE-1F33-4A3A-BFCE-37514C2C6571}"/>
+              </a:ext>
+            </a:extLst>
+          </p:cNvPr>
+          <p:cNvPicPr>
+            <a:picLocks noChangeAspect="1"/>
+          </p:cNvPicPr>
+          <p:nvPr/>
+        </p:nvPicPr>
+        <p:blipFill>
+          <a:blip r:embed="rId3"/>
+          <a:stretch>
+            <a:fillRect/>
+          </a:stretch>
+        </p:blipFill>
+        <p:spPr>
+          <a:xfrm>
+            <a:off x="3963171" y="609600"/>
+            <a:ext cx="5203494" cy="2601747"/>
+          </a:xfrm>
+          <a:prstGeom prst="rect">
+            <a:avLst/>
+          </a:prstGeom>
+          <a:solidFill>
+            <a:schemeClr val="tx1"/>
+          </a:solidFill>
+        </p:spPr>
+      </p:pic>
+      <p:sp>
+        <p:nvSpPr>
+          <p:cNvPr id="2" name="Title 1">
+            <a:extLst>
+              <a:ext uri="{FF2B5EF4-FFF2-40B4-BE49-F238E27FC236}">
+                <a16:creationId xmlns:a16="http://schemas.microsoft.com/office/drawing/2014/main" id="{9BC3CA41-F871-4839-8FC3-78EC7ACA3826}"/>
+              </a:ext>
+            </a:extLst>
+          </p:cNvPr>
+          <p:cNvSpPr>
+            <a:spLocks noGrp="1"/>
+          </p:cNvSpPr>
+          <p:nvPr>
+            <p:ph type="title"/>
+          </p:nvPr>
+        </p:nvSpPr>
+        <p:spPr>
+          <a:xfrm>
+            <a:off x="675065" y="609600"/>
+            <a:ext cx="2930518" cy="1320800"/>
+          </a:xfrm>
+        </p:spPr>
+        <p:txBody>
+          <a:bodyPr vert="horz" lIns="91440" tIns="45720" rIns="91440" bIns="45720" rtlCol="0" anchor="ctr">
+            <a:normAutofit/>
+          </a:bodyPr>
+          <a:lstStyle/>
+          <a:p>
+            <a:r>
+              <a:rPr lang="en-US"/>
+              <a:t>Windowing</a:t>
+            </a:r>
+          </a:p>
+        </p:txBody>
+      </p:sp>
+      <p:sp>
+        <p:nvSpPr>
+          <p:cNvPr id="25" name="Content Placeholder 24">
+            <a:extLst>
+              <a:ext uri="{FF2B5EF4-FFF2-40B4-BE49-F238E27FC236}">
+                <a16:creationId xmlns:a16="http://schemas.microsoft.com/office/drawing/2014/main" id="{4879FB9B-9A41-4CCE-9C8A-CF3AF4E02D47}"/>
+              </a:ext>
+            </a:extLst>
+          </p:cNvPr>
+          <p:cNvSpPr>
+            <a:spLocks noGrp="1"/>
+          </p:cNvSpPr>
+          <p:nvPr>
+            <p:ph idx="1"/>
+          </p:nvPr>
+        </p:nvSpPr>
+        <p:spPr>
+          <a:xfrm>
+            <a:off x="671361" y="2160589"/>
+            <a:ext cx="2930517" cy="3880773"/>
+          </a:xfrm>
+        </p:spPr>
+        <p:txBody>
+          <a:bodyPr>
+            <a:normAutofit/>
+          </a:bodyPr>
+          <a:lstStyle/>
+          <a:p>
+            <a:r>
+              <a:rPr lang="en-US" dirty="0"/>
+              <a:t>Usually use a Hamming window to avoid discontinuities at window boundaries</a:t>
+            </a:r>
+          </a:p>
+          <a:p>
+            <a:endParaRPr lang="en-US" dirty="0"/>
+          </a:p>
+          <a:p>
+            <a:r>
+              <a:rPr lang="en-US" dirty="0"/>
+              <a:t>Discontinuities cause problems with Fourier Transforms</a:t>
+            </a:r>
+          </a:p>
+        </p:txBody>
+      </p:sp>
+    </p:spTree>
+    <p:extLst>
+      <p:ext uri="{BB962C8B-B14F-4D97-AF65-F5344CB8AC3E}">
+        <p14:creationId xmlns:p14="http://schemas.microsoft.com/office/powerpoint/2010/main" val="1984172026"/>
+      </p:ext>
+    </p:extLst>
+  </p:cSld>
+  <p:clrMapOvr>
+    <a:masterClrMapping/>
+  </p:clrMapOvr>
+</p:sld>
+</file>
+
+<file path=ppt/slides/slide43.xml><?xml version="1.0" encoding="utf-8"?>
+<p:sld xmlns:a="http://schemas.openxmlformats.org/drawingml/2006/main" xmlns:r="http://schemas.openxmlformats.org/officeDocument/2006/relationships" xmlns:p="http://schemas.openxmlformats.org/presentationml/2006/main">
+  <p:cSld>
+    <p:spTree>
+      <p:nvGrpSpPr>
+        <p:cNvPr id="1" name=""/>
+        <p:cNvGrpSpPr/>
+        <p:nvPr/>
+      </p:nvGrpSpPr>
+      <p:grpSpPr>
+        <a:xfrm>
+          <a:off x="0" y="0"/>
+          <a:ext cx="0" cy="0"/>
+          <a:chOff x="0" y="0"/>
+          <a:chExt cx="0" cy="0"/>
+        </a:xfrm>
+      </p:grpSpPr>
+      <p:sp>
+        <p:nvSpPr>
+          <p:cNvPr id="2" name="Title 1">
+            <a:extLst>
+              <a:ext uri="{FF2B5EF4-FFF2-40B4-BE49-F238E27FC236}">
+                <a16:creationId xmlns:a16="http://schemas.microsoft.com/office/drawing/2014/main" id="{44A5E365-DEF2-4769-BD0D-CC8540607B9C}"/>
+              </a:ext>
+            </a:extLst>
+          </p:cNvPr>
+          <p:cNvSpPr>
+            <a:spLocks noGrp="1"/>
+          </p:cNvSpPr>
+          <p:nvPr>
+            <p:ph type="title"/>
+          </p:nvPr>
+        </p:nvSpPr>
+        <p:spPr/>
+        <p:txBody>
+          <a:bodyPr/>
+          <a:lstStyle/>
+          <a:p>
+            <a:r>
+              <a:rPr lang="en-AU" dirty="0"/>
+              <a:t>Discrete Fourier Transform</a:t>
+            </a:r>
+          </a:p>
+        </p:txBody>
+      </p:sp>
+      <p:sp>
+        <p:nvSpPr>
+          <p:cNvPr id="3" name="Content Placeholder 2">
+            <a:extLst>
+              <a:ext uri="{FF2B5EF4-FFF2-40B4-BE49-F238E27FC236}">
+                <a16:creationId xmlns:a16="http://schemas.microsoft.com/office/drawing/2014/main" id="{6B1755D9-059E-4E4E-B7AD-AA0017BB24E1}"/>
+              </a:ext>
+            </a:extLst>
+          </p:cNvPr>
+          <p:cNvSpPr>
+            <a:spLocks noGrp="1"/>
+          </p:cNvSpPr>
+          <p:nvPr>
+            <p:ph idx="1"/>
+          </p:nvPr>
+        </p:nvSpPr>
+        <p:spPr/>
+        <p:txBody>
+          <a:bodyPr/>
+          <a:lstStyle/>
+          <a:p>
+            <a:r>
+              <a:rPr lang="en-AU" dirty="0"/>
+              <a:t>Don’t worry I’m not going to go through the maths here...</a:t>
+            </a:r>
+          </a:p>
+          <a:p>
+            <a:endParaRPr lang="en-AU" dirty="0"/>
+          </a:p>
+          <a:p>
+            <a:r>
+              <a:rPr lang="en-AU" dirty="0"/>
+              <a:t>The input is the quantised, windowed signal</a:t>
+            </a:r>
+          </a:p>
+          <a:p>
+            <a:endParaRPr lang="en-AU" dirty="0"/>
+          </a:p>
+          <a:p>
+            <a:r>
+              <a:rPr lang="en-AU" dirty="0"/>
+              <a:t>The output is a complex number representing the magnitude and phase of that frequency component of the original signal</a:t>
+            </a:r>
+          </a:p>
+        </p:txBody>
+      </p:sp>
+    </p:spTree>
+    <p:extLst>
+      <p:ext uri="{BB962C8B-B14F-4D97-AF65-F5344CB8AC3E}">
+        <p14:creationId xmlns:p14="http://schemas.microsoft.com/office/powerpoint/2010/main" val="2858721779"/>
+      </p:ext>
+    </p:extLst>
+  </p:cSld>
+  <p:clrMapOvr>
+    <a:masterClrMapping/>
+  </p:clrMapOvr>
+</p:sld>
+</file>
+
+<file path=ppt/slides/slide44.xml><?xml version="1.0" encoding="utf-8"?>
+<p:sld xmlns:a="http://schemas.openxmlformats.org/drawingml/2006/main" xmlns:r="http://schemas.openxmlformats.org/officeDocument/2006/relationships" xmlns:p="http://schemas.openxmlformats.org/presentationml/2006/main">
+  <p:cSld>
+    <p:spTree>
+      <p:nvGrpSpPr>
+        <p:cNvPr id="1" name=""/>
+        <p:cNvGrpSpPr/>
+        <p:nvPr/>
+      </p:nvGrpSpPr>
+      <p:grpSpPr>
+        <a:xfrm>
+          <a:off x="0" y="0"/>
+          <a:ext cx="0" cy="0"/>
+          <a:chOff x="0" y="0"/>
+          <a:chExt cx="0" cy="0"/>
+        </a:xfrm>
+      </p:grpSpPr>
+      <p:sp>
+        <p:nvSpPr>
+          <p:cNvPr id="2" name="Title 1">
+            <a:extLst>
+              <a:ext uri="{FF2B5EF4-FFF2-40B4-BE49-F238E27FC236}">
+                <a16:creationId xmlns:a16="http://schemas.microsoft.com/office/drawing/2014/main" id="{ED83EE5A-A36E-40D2-AB79-3AA8708A9589}"/>
+              </a:ext>
+            </a:extLst>
+          </p:cNvPr>
+          <p:cNvSpPr>
+            <a:spLocks noGrp="1"/>
+          </p:cNvSpPr>
+          <p:nvPr>
+            <p:ph type="title"/>
+          </p:nvPr>
+        </p:nvSpPr>
+        <p:spPr/>
+        <p:txBody>
+          <a:bodyPr/>
+          <a:lstStyle/>
+          <a:p>
+            <a:r>
+              <a:rPr lang="en-AU" dirty="0"/>
+              <a:t>Mel Filter Bank</a:t>
+            </a:r>
+          </a:p>
+        </p:txBody>
+      </p:sp>
+      <mc:AlternateContent xmlns:mc="http://schemas.openxmlformats.org/markup-compatibility/2006">
+        <mc:Choice xmlns:a14="http://schemas.microsoft.com/office/drawing/2010/main" Requires="a14">
+          <p:sp>
+            <p:nvSpPr>
+              <p:cNvPr id="3" name="Content Placeholder 2">
+                <a:extLst>
+                  <a:ext uri="{FF2B5EF4-FFF2-40B4-BE49-F238E27FC236}">
+                    <a16:creationId xmlns:a16="http://schemas.microsoft.com/office/drawing/2014/main" id="{73EAFD71-D756-40AE-BED2-AF5AF9AD6AA9}"/>
+                  </a:ext>
+                </a:extLst>
+              </p:cNvPr>
+              <p:cNvSpPr>
+                <a:spLocks noGrp="1"/>
+              </p:cNvSpPr>
+              <p:nvPr>
+                <p:ph idx="1"/>
+              </p:nvPr>
+            </p:nvSpPr>
+            <p:spPr>
+              <a:xfrm>
+                <a:off x="677334" y="1645921"/>
+                <a:ext cx="8596668" cy="4395442"/>
+              </a:xfrm>
+            </p:spPr>
+            <p:txBody>
+              <a:bodyPr/>
+              <a:lstStyle/>
+              <a:p>
+                <a:r>
+                  <a:rPr lang="en-AU" dirty="0"/>
+                  <a:t>A ‘</a:t>
+                </a:r>
+                <a:r>
+                  <a:rPr lang="en-AU" dirty="0" err="1"/>
+                  <a:t>mel</a:t>
+                </a:r>
+                <a:r>
+                  <a:rPr lang="en-AU" dirty="0"/>
+                  <a:t>’ is a unit of pitch defined such that pairs of sounds which are perceptually equidistant in pitch are separated by an equal number of </a:t>
+                </a:r>
+                <a:r>
+                  <a:rPr lang="en-AU" dirty="0" err="1"/>
+                  <a:t>mels</a:t>
+                </a:r>
+                <a:endParaRPr lang="en-AU" dirty="0"/>
+              </a:p>
+              <a:p>
+                <a:endParaRPr lang="en-AU" dirty="0"/>
+              </a:p>
+              <a:p>
+                <a:r>
+                  <a:rPr lang="en-AU" dirty="0"/>
+                  <a:t>In case you were wondering, it can be calculated using the following formula:</a:t>
+                </a:r>
+              </a:p>
+              <a:p>
+                <a:pPr marL="0" indent="0" algn="ctr">
+                  <a:buNone/>
+                </a:pPr>
+                <a:r>
+                  <a:rPr lang="en-AU" dirty="0"/>
+                  <a:t>m = </a:t>
+                </a:r>
+                <a14:m>
+                  <m:oMath xmlns:m="http://schemas.openxmlformats.org/officeDocument/2006/math">
+                    <m:r>
+                      <a:rPr lang="en-AU" b="0" i="0" smtClean="0">
+                        <a:latin typeface="Cambria Math" panose="02040503050406030204" pitchFamily="18" charset="0"/>
+                      </a:rPr>
+                      <m:t>1127 </m:t>
+                    </m:r>
+                    <m:r>
+                      <m:rPr>
+                        <m:sty m:val="p"/>
+                      </m:rPr>
+                      <a:rPr lang="en-AU" b="0" i="0" smtClean="0">
+                        <a:latin typeface="Cambria Math" panose="02040503050406030204" pitchFamily="18" charset="0"/>
+                      </a:rPr>
+                      <m:t>ln</m:t>
+                    </m:r>
+                    <m:r>
+                      <a:rPr lang="en-AU" b="0" i="0" smtClean="0">
+                        <a:latin typeface="Cambria Math" panose="02040503050406030204" pitchFamily="18" charset="0"/>
+                      </a:rPr>
+                      <m:t>(1+</m:t>
+                    </m:r>
+                    <m:f>
+                      <m:fPr>
+                        <m:ctrlPr>
+                          <a:rPr lang="en-AU" i="1" smtClean="0">
+                            <a:latin typeface="Cambria Math" panose="02040503050406030204" pitchFamily="18" charset="0"/>
+                          </a:rPr>
+                        </m:ctrlPr>
+                      </m:fPr>
+                      <m:num>
+                        <m:r>
+                          <a:rPr lang="en-AU" b="0" i="1" smtClean="0">
+                            <a:latin typeface="Cambria Math" panose="02040503050406030204" pitchFamily="18" charset="0"/>
+                          </a:rPr>
+                          <m:t>𝑓</m:t>
+                        </m:r>
+                      </m:num>
+                      <m:den>
+                        <m:r>
+                          <a:rPr lang="en-AU" b="0" i="1" smtClean="0">
+                            <a:latin typeface="Cambria Math" panose="02040503050406030204" pitchFamily="18" charset="0"/>
+                          </a:rPr>
+                          <m:t>700</m:t>
+                        </m:r>
+                      </m:den>
+                    </m:f>
+                  </m:oMath>
+                </a14:m>
+                <a:r>
+                  <a:rPr lang="en-AU" dirty="0"/>
+                  <a:t>)</a:t>
+                </a:r>
+              </a:p>
+              <a:p>
+                <a:r>
+                  <a:rPr lang="en-AU" dirty="0"/>
+                  <a:t>Allows for the fact that human hearing is not equally sensitive at all frequencies</a:t>
+                </a:r>
+              </a:p>
+              <a:p>
+                <a:endParaRPr lang="en-AU" dirty="0"/>
+              </a:p>
+              <a:p>
+                <a:r>
+                  <a:rPr lang="en-AU" dirty="0"/>
+                  <a:t>Modelling this property of human hearing during feature extraction improves speech recognition </a:t>
+                </a:r>
+              </a:p>
+            </p:txBody>
+          </p:sp>
+        </mc:Choice>
+        <mc:Fallback>
+          <p:sp>
+            <p:nvSpPr>
+              <p:cNvPr id="3" name="Content Placeholder 2">
+                <a:extLst>
+                  <a:ext uri="{FF2B5EF4-FFF2-40B4-BE49-F238E27FC236}">
+                    <a16:creationId xmlns:a16="http://schemas.microsoft.com/office/drawing/2014/main" id="{73EAFD71-D756-40AE-BED2-AF5AF9AD6AA9}"/>
+                  </a:ext>
+                </a:extLst>
+              </p:cNvPr>
+              <p:cNvSpPr>
+                <a:spLocks noGrp="1" noRot="1" noChangeAspect="1" noMove="1" noResize="1" noEditPoints="1" noAdjustHandles="1" noChangeArrowheads="1" noChangeShapeType="1" noTextEdit="1"/>
+              </p:cNvSpPr>
+              <p:nvPr>
+                <p:ph idx="1"/>
+              </p:nvPr>
+            </p:nvSpPr>
+            <p:spPr>
+              <a:xfrm>
+                <a:off x="677334" y="1645921"/>
+                <a:ext cx="8596668" cy="4395442"/>
+              </a:xfrm>
+              <a:blipFill>
+                <a:blip r:embed="rId2"/>
+                <a:stretch>
+                  <a:fillRect l="-142" t="-832"/>
+                </a:stretch>
+              </a:blipFill>
+            </p:spPr>
+            <p:txBody>
+              <a:bodyPr/>
+              <a:lstStyle/>
+              <a:p>
+                <a:r>
+                  <a:rPr lang="en-AU">
+                    <a:noFill/>
+                  </a:rPr>
+                  <a:t> </a:t>
+                </a:r>
+              </a:p>
+            </p:txBody>
+          </p:sp>
+        </mc:Fallback>
+      </mc:AlternateContent>
+    </p:spTree>
+    <p:extLst>
+      <p:ext uri="{BB962C8B-B14F-4D97-AF65-F5344CB8AC3E}">
+        <p14:creationId xmlns:p14="http://schemas.microsoft.com/office/powerpoint/2010/main" val="3193719281"/>
+      </p:ext>
+    </p:extLst>
+  </p:cSld>
+  <p:clrMapOvr>
+    <a:masterClrMapping/>
+  </p:clrMapOvr>
+</p:sld>
+</file>
+
+<file path=ppt/slides/slide45.xml><?xml version="1.0" encoding="utf-8"?>
+<p:sld xmlns:a="http://schemas.openxmlformats.org/drawingml/2006/main" xmlns:r="http://schemas.openxmlformats.org/officeDocument/2006/relationships" xmlns:p="http://schemas.openxmlformats.org/presentationml/2006/main">
+  <p:cSld>
+    <p:spTree>
+      <p:nvGrpSpPr>
+        <p:cNvPr id="1" name=""/>
+        <p:cNvGrpSpPr/>
+        <p:nvPr/>
+      </p:nvGrpSpPr>
+      <p:grpSpPr>
+        <a:xfrm>
+          <a:off x="0" y="0"/>
+          <a:ext cx="0" cy="0"/>
+          <a:chOff x="0" y="0"/>
+          <a:chExt cx="0" cy="0"/>
+        </a:xfrm>
+      </p:grpSpPr>
+      <p:sp>
+        <p:nvSpPr>
+          <p:cNvPr id="2" name="Title 1">
+            <a:extLst>
+              <a:ext uri="{FF2B5EF4-FFF2-40B4-BE49-F238E27FC236}">
+                <a16:creationId xmlns:a16="http://schemas.microsoft.com/office/drawing/2014/main" id="{9FEB1726-A311-470A-9DC5-88ECE417A4D7}"/>
+              </a:ext>
+            </a:extLst>
+          </p:cNvPr>
+          <p:cNvSpPr>
+            <a:spLocks noGrp="1"/>
+          </p:cNvSpPr>
+          <p:nvPr>
+            <p:ph type="title"/>
+          </p:nvPr>
+        </p:nvSpPr>
+        <p:spPr/>
+        <p:txBody>
+          <a:bodyPr/>
+          <a:lstStyle/>
+          <a:p>
+            <a:r>
+              <a:rPr lang="en-AU" dirty="0"/>
+              <a:t>Mel Filter Bank</a:t>
+            </a:r>
+          </a:p>
+        </p:txBody>
+      </p:sp>
+      <p:sp>
+        <p:nvSpPr>
+          <p:cNvPr id="3" name="Content Placeholder 2">
+            <a:extLst>
+              <a:ext uri="{FF2B5EF4-FFF2-40B4-BE49-F238E27FC236}">
+                <a16:creationId xmlns:a16="http://schemas.microsoft.com/office/drawing/2014/main" id="{4864B515-C57D-445E-9CC7-CD0260A2D8BE}"/>
+              </a:ext>
+            </a:extLst>
+          </p:cNvPr>
+          <p:cNvSpPr>
+            <a:spLocks noGrp="1"/>
+          </p:cNvSpPr>
+          <p:nvPr>
+            <p:ph idx="1"/>
+          </p:nvPr>
+        </p:nvSpPr>
+        <p:spPr/>
+        <p:txBody>
+          <a:bodyPr/>
+          <a:lstStyle/>
+          <a:p>
+            <a:r>
+              <a:rPr lang="en-AU" dirty="0"/>
+              <a:t>By taking a number of linearly spaced filters below 1000 Hz and logarithmically spaced filters above 1000Hz</a:t>
+            </a:r>
+          </a:p>
+          <a:p>
+            <a:endParaRPr lang="en-AU" dirty="0"/>
+          </a:p>
+          <a:p>
+            <a:r>
+              <a:rPr lang="en-AU" dirty="0"/>
+              <a:t>And then we measure the </a:t>
+            </a:r>
+            <a:r>
+              <a:rPr lang="en-AU" dirty="0" err="1"/>
+              <a:t>mel</a:t>
+            </a:r>
+            <a:r>
+              <a:rPr lang="en-AU" dirty="0"/>
+              <a:t> spectrum value and take the log of the value.</a:t>
+            </a:r>
+          </a:p>
+          <a:p>
+            <a:endParaRPr lang="en-AU" dirty="0"/>
+          </a:p>
+          <a:p>
+            <a:r>
+              <a:rPr lang="en-AU" dirty="0"/>
+              <a:t>The log value makes the features less sensitive to variations due to things like power variations</a:t>
+            </a:r>
+          </a:p>
+        </p:txBody>
+      </p:sp>
+    </p:spTree>
+    <p:extLst>
+      <p:ext uri="{BB962C8B-B14F-4D97-AF65-F5344CB8AC3E}">
+        <p14:creationId xmlns:p14="http://schemas.microsoft.com/office/powerpoint/2010/main" val="1377816963"/>
+      </p:ext>
+    </p:extLst>
+  </p:cSld>
+  <p:clrMapOvr>
+    <a:masterClrMapping/>
+  </p:clrMapOvr>
+</p:sld>
+</file>
+
+<file path=ppt/slides/slide46.xml><?xml version="1.0" encoding="utf-8"?>
+<p:sld xmlns:a="http://schemas.openxmlformats.org/drawingml/2006/main" xmlns:r="http://schemas.openxmlformats.org/officeDocument/2006/relationships" xmlns:p="http://schemas.openxmlformats.org/presentationml/2006/main">
+  <p:cSld>
+    <p:spTree>
+      <p:nvGrpSpPr>
+        <p:cNvPr id="1" name=""/>
+        <p:cNvGrpSpPr/>
+        <p:nvPr/>
+      </p:nvGrpSpPr>
+      <p:grpSpPr>
+        <a:xfrm>
+          <a:off x="0" y="0"/>
+          <a:ext cx="0" cy="0"/>
+          <a:chOff x="0" y="0"/>
+          <a:chExt cx="0" cy="0"/>
+        </a:xfrm>
+      </p:grpSpPr>
+      <p:sp>
+        <p:nvSpPr>
+          <p:cNvPr id="2" name="Title 1">
+            <a:extLst>
+              <a:ext uri="{FF2B5EF4-FFF2-40B4-BE49-F238E27FC236}">
+                <a16:creationId xmlns:a16="http://schemas.microsoft.com/office/drawing/2014/main" id="{1204C816-2874-41E2-A222-5CCAF109630D}"/>
+              </a:ext>
+            </a:extLst>
+          </p:cNvPr>
+          <p:cNvSpPr>
+            <a:spLocks noGrp="1"/>
+          </p:cNvSpPr>
+          <p:nvPr>
+            <p:ph type="title"/>
+          </p:nvPr>
+        </p:nvSpPr>
+        <p:spPr/>
+        <p:txBody>
+          <a:bodyPr/>
+          <a:lstStyle/>
+          <a:p>
+            <a:r>
+              <a:rPr lang="en-AU" dirty="0" err="1"/>
+              <a:t>Cepstrum</a:t>
+            </a:r>
+            <a:endParaRPr lang="en-AU" dirty="0"/>
+          </a:p>
+        </p:txBody>
+      </p:sp>
+      <p:sp>
+        <p:nvSpPr>
+          <p:cNvPr id="3" name="Content Placeholder 2">
+            <a:extLst>
+              <a:ext uri="{FF2B5EF4-FFF2-40B4-BE49-F238E27FC236}">
+                <a16:creationId xmlns:a16="http://schemas.microsoft.com/office/drawing/2014/main" id="{B8F5271F-9B67-4F66-864E-122FB0DAED3E}"/>
+              </a:ext>
+            </a:extLst>
+          </p:cNvPr>
+          <p:cNvSpPr>
+            <a:spLocks noGrp="1"/>
+          </p:cNvSpPr>
+          <p:nvPr>
+            <p:ph idx="1"/>
+          </p:nvPr>
+        </p:nvSpPr>
+        <p:spPr/>
+        <p:txBody>
+          <a:bodyPr>
+            <a:normAutofit fontScale="92500" lnSpcReduction="20000"/>
+          </a:bodyPr>
+          <a:lstStyle/>
+          <a:p>
+            <a:r>
+              <a:rPr lang="en-AU" dirty="0"/>
+              <a:t>We now need a way to distinguish the source of the speech sound (the glottis) from the filter (the vocal tract)</a:t>
+            </a:r>
+          </a:p>
+          <a:p>
+            <a:endParaRPr lang="en-AU" dirty="0"/>
+          </a:p>
+          <a:p>
+            <a:r>
+              <a:rPr lang="en-AU" dirty="0"/>
+              <a:t>We do this using the </a:t>
+            </a:r>
+            <a:r>
+              <a:rPr lang="en-AU" dirty="0" err="1"/>
+              <a:t>cepstrum</a:t>
+            </a:r>
+            <a:endParaRPr lang="en-AU" dirty="0"/>
+          </a:p>
+          <a:p>
+            <a:endParaRPr lang="en-AU" dirty="0"/>
+          </a:p>
+          <a:p>
+            <a:r>
+              <a:rPr lang="en-AU" dirty="0"/>
+              <a:t>The </a:t>
+            </a:r>
+            <a:r>
+              <a:rPr lang="en-AU" dirty="0" err="1"/>
+              <a:t>cepstrum</a:t>
+            </a:r>
+            <a:r>
+              <a:rPr lang="en-AU" dirty="0"/>
+              <a:t> is the ‘</a:t>
+            </a:r>
+            <a:r>
+              <a:rPr lang="en-AU" i="1" dirty="0"/>
+              <a:t>spectrum of the log of the spectrum’</a:t>
+            </a:r>
+            <a:endParaRPr lang="en-AU" dirty="0"/>
+          </a:p>
+          <a:p>
+            <a:endParaRPr lang="en-AU" dirty="0"/>
+          </a:p>
+          <a:p>
+            <a:r>
+              <a:rPr lang="en-AU" dirty="0"/>
+              <a:t>The resulting graphs show the elements that are associated with the fundamental frequency (F0) and those associated with articulators (various moving parts of the vocal tract)</a:t>
+            </a:r>
+          </a:p>
+          <a:p>
+            <a:endParaRPr lang="en-AU" dirty="0"/>
+          </a:p>
+          <a:p>
+            <a:r>
+              <a:rPr lang="en-AU" dirty="0"/>
+              <a:t>Take the a number of these cepstral values – they have a useful property in that they are uncorrelated</a:t>
+            </a:r>
+          </a:p>
+        </p:txBody>
+      </p:sp>
+    </p:spTree>
+    <p:extLst>
+      <p:ext uri="{BB962C8B-B14F-4D97-AF65-F5344CB8AC3E}">
+        <p14:creationId xmlns:p14="http://schemas.microsoft.com/office/powerpoint/2010/main" val="1103618306"/>
+      </p:ext>
+    </p:extLst>
+  </p:cSld>
+  <p:clrMapOvr>
+    <a:masterClrMapping/>
+  </p:clrMapOvr>
+</p:sld>
+</file>
+
+<file path=ppt/slides/slide47.xml><?xml version="1.0" encoding="utf-8"?>
+<p:sld xmlns:a="http://schemas.openxmlformats.org/drawingml/2006/main" xmlns:r="http://schemas.openxmlformats.org/officeDocument/2006/relationships" xmlns:p="http://schemas.openxmlformats.org/presentationml/2006/main">
+  <p:cSld>
+    <p:spTree>
+      <p:nvGrpSpPr>
+        <p:cNvPr id="1" name=""/>
+        <p:cNvGrpSpPr/>
+        <p:nvPr/>
+      </p:nvGrpSpPr>
+      <p:grpSpPr>
+        <a:xfrm>
+          <a:off x="0" y="0"/>
+          <a:ext cx="0" cy="0"/>
+          <a:chOff x="0" y="0"/>
+          <a:chExt cx="0" cy="0"/>
+        </a:xfrm>
+      </p:grpSpPr>
+      <p:sp>
+        <p:nvSpPr>
+          <p:cNvPr id="2" name="Title 1">
+            <a:extLst>
+              <a:ext uri="{FF2B5EF4-FFF2-40B4-BE49-F238E27FC236}">
+                <a16:creationId xmlns:a16="http://schemas.microsoft.com/office/drawing/2014/main" id="{AAE7E12A-A690-4BC5-888D-81B38FCA90AA}"/>
+              </a:ext>
+            </a:extLst>
+          </p:cNvPr>
+          <p:cNvSpPr>
+            <a:spLocks noGrp="1"/>
+          </p:cNvSpPr>
+          <p:nvPr>
+            <p:ph type="title"/>
+          </p:nvPr>
+        </p:nvSpPr>
+        <p:spPr/>
+        <p:txBody>
+          <a:bodyPr/>
+          <a:lstStyle/>
+          <a:p>
+            <a:r>
+              <a:rPr lang="en-AU" dirty="0"/>
+              <a:t>Cepstral coefficients</a:t>
+            </a:r>
+          </a:p>
+        </p:txBody>
+      </p:sp>
+      <p:sp>
+        <p:nvSpPr>
+          <p:cNvPr id="3" name="Content Placeholder 2">
+            <a:extLst>
+              <a:ext uri="{FF2B5EF4-FFF2-40B4-BE49-F238E27FC236}">
+                <a16:creationId xmlns:a16="http://schemas.microsoft.com/office/drawing/2014/main" id="{937AEA09-331E-40E2-A3C3-078F47E6F8F7}"/>
+              </a:ext>
+            </a:extLst>
+          </p:cNvPr>
+          <p:cNvSpPr>
+            <a:spLocks noGrp="1"/>
+          </p:cNvSpPr>
+          <p:nvPr>
+            <p:ph idx="1"/>
+          </p:nvPr>
+        </p:nvSpPr>
+        <p:spPr/>
+        <p:txBody>
+          <a:bodyPr/>
+          <a:lstStyle/>
+          <a:p>
+            <a:r>
+              <a:rPr lang="en-AU" dirty="0"/>
+              <a:t>From each frame we take the computed coefficients as well as the energy from the frame</a:t>
+            </a:r>
+          </a:p>
+          <a:p>
+            <a:endParaRPr lang="en-AU" dirty="0"/>
+          </a:p>
+          <a:p>
+            <a:r>
+              <a:rPr lang="en-AU" dirty="0"/>
+              <a:t>As the speech signal is not constant from frame to frame, we also need to calculate velocity and acceleration for each of the cepstral coefficients</a:t>
+            </a:r>
+          </a:p>
+          <a:p>
+            <a:endParaRPr lang="en-AU" dirty="0"/>
+          </a:p>
+          <a:p>
+            <a:r>
+              <a:rPr lang="en-AU" dirty="0"/>
+              <a:t>At the end we have a stack of MFCC features </a:t>
+            </a:r>
+          </a:p>
+        </p:txBody>
+      </p:sp>
+    </p:spTree>
+    <p:extLst>
+      <p:ext uri="{BB962C8B-B14F-4D97-AF65-F5344CB8AC3E}">
+        <p14:creationId xmlns:p14="http://schemas.microsoft.com/office/powerpoint/2010/main" val="3643590561"/>
+      </p:ext>
+    </p:extLst>
+  </p:cSld>
+  <p:clrMapOvr>
+    <a:masterClrMapping/>
+  </p:clrMapOvr>
+</p:sld>
+</file>
+
+<file path=ppt/slides/slide48.xml><?xml version="1.0" encoding="utf-8"?>
+<p:sld xmlns:a="http://schemas.openxmlformats.org/drawingml/2006/main" xmlns:r="http://schemas.openxmlformats.org/officeDocument/2006/relationships" xmlns:p="http://schemas.openxmlformats.org/presentationml/2006/main">
+  <p:cSld>
+    <p:spTree>
+      <p:nvGrpSpPr>
+        <p:cNvPr id="1" name=""/>
+        <p:cNvGrpSpPr/>
+        <p:nvPr/>
+      </p:nvGrpSpPr>
+      <p:grpSpPr>
+        <a:xfrm>
+          <a:off x="0" y="0"/>
+          <a:ext cx="0" cy="0"/>
+          <a:chOff x="0" y="0"/>
+          <a:chExt cx="0" cy="0"/>
+        </a:xfrm>
+      </p:grpSpPr>
+      <p:sp>
+        <p:nvSpPr>
+          <p:cNvPr id="2" name="Title 1">
+            <a:extLst>
+              <a:ext uri="{FF2B5EF4-FFF2-40B4-BE49-F238E27FC236}">
+                <a16:creationId xmlns:a16="http://schemas.microsoft.com/office/drawing/2014/main" id="{07214207-9335-4CA1-8970-12BF4D624552}"/>
+              </a:ext>
+            </a:extLst>
+          </p:cNvPr>
+          <p:cNvSpPr>
+            <a:spLocks noGrp="1"/>
+          </p:cNvSpPr>
+          <p:nvPr>
+            <p:ph type="title"/>
+          </p:nvPr>
+        </p:nvSpPr>
+        <p:spPr/>
+        <p:txBody>
+          <a:bodyPr/>
+          <a:lstStyle/>
+          <a:p>
+            <a:r>
+              <a:rPr lang="en-AU" dirty="0" err="1"/>
+              <a:t>i</a:t>
+            </a:r>
+            <a:r>
+              <a:rPr lang="en-AU" dirty="0"/>
+              <a:t>-Vectors</a:t>
+            </a:r>
+          </a:p>
+        </p:txBody>
+      </p:sp>
+      <p:sp>
+        <p:nvSpPr>
+          <p:cNvPr id="3" name="Content Placeholder 2">
+            <a:extLst>
+              <a:ext uri="{FF2B5EF4-FFF2-40B4-BE49-F238E27FC236}">
+                <a16:creationId xmlns:a16="http://schemas.microsoft.com/office/drawing/2014/main" id="{BCF78019-C91A-41A5-A7C1-AA8EB16CF443}"/>
+              </a:ext>
+            </a:extLst>
+          </p:cNvPr>
+          <p:cNvSpPr>
+            <a:spLocks noGrp="1"/>
+          </p:cNvSpPr>
+          <p:nvPr>
+            <p:ph idx="1"/>
+          </p:nvPr>
+        </p:nvSpPr>
+        <p:spPr/>
+        <p:txBody>
+          <a:bodyPr/>
+          <a:lstStyle/>
+          <a:p>
+            <a:r>
+              <a:rPr lang="en-AU" dirty="0"/>
+              <a:t>These MFCC features are then used to generate an </a:t>
+            </a:r>
+            <a:r>
+              <a:rPr lang="en-AU" dirty="0" err="1"/>
+              <a:t>i</a:t>
+            </a:r>
+            <a:r>
+              <a:rPr lang="en-AU" dirty="0"/>
+              <a:t>-vector</a:t>
+            </a:r>
+          </a:p>
+          <a:p>
+            <a:endParaRPr lang="en-AU" dirty="0"/>
+          </a:p>
+          <a:p>
+            <a:r>
+              <a:rPr lang="en-AU" dirty="0"/>
+              <a:t>We use </a:t>
+            </a:r>
+            <a:r>
+              <a:rPr lang="en-AU" dirty="0" err="1"/>
+              <a:t>i</a:t>
+            </a:r>
+            <a:r>
+              <a:rPr lang="en-AU" dirty="0"/>
+              <a:t>-vectors under the assumption that any speech signal can be broken into a speaker independent portion and a set of speaker dependant features</a:t>
+            </a:r>
+          </a:p>
+          <a:p>
+            <a:endParaRPr lang="en-AU" dirty="0"/>
+          </a:p>
+          <a:p>
+            <a:r>
+              <a:rPr lang="en-AU" dirty="0"/>
+              <a:t>Speaker dependant features are represented as a low dimension total variability matrix, where each </a:t>
+            </a:r>
+            <a:r>
+              <a:rPr lang="en-AU" dirty="0" err="1"/>
+              <a:t>i</a:t>
+            </a:r>
+            <a:r>
+              <a:rPr lang="en-AU" dirty="0"/>
+              <a:t>-vector controls an eigen-dimension of the matrix </a:t>
+            </a:r>
+          </a:p>
+        </p:txBody>
+      </p:sp>
+    </p:spTree>
+    <p:extLst>
+      <p:ext uri="{BB962C8B-B14F-4D97-AF65-F5344CB8AC3E}">
+        <p14:creationId xmlns:p14="http://schemas.microsoft.com/office/powerpoint/2010/main" val="2057787204"/>
+      </p:ext>
+    </p:extLst>
+  </p:cSld>
+  <p:clrMapOvr>
+    <a:masterClrMapping/>
+  </p:clrMapOvr>
+</p:sld>
+</file>
+
+<file path=ppt/slides/slide49.xml><?xml version="1.0" encoding="utf-8"?>
+<p:sld xmlns:a="http://schemas.openxmlformats.org/drawingml/2006/main" xmlns:r="http://schemas.openxmlformats.org/officeDocument/2006/relationships" xmlns:p="http://schemas.openxmlformats.org/presentationml/2006/main">
+  <p:cSld>
+    <p:spTree>
+      <p:nvGrpSpPr>
+        <p:cNvPr id="1" name=""/>
+        <p:cNvGrpSpPr/>
+        <p:nvPr/>
+      </p:nvGrpSpPr>
+      <p:grpSpPr>
+        <a:xfrm>
+          <a:off x="0" y="0"/>
+          <a:ext cx="0" cy="0"/>
+          <a:chOff x="0" y="0"/>
+          <a:chExt cx="0" cy="0"/>
+        </a:xfrm>
+      </p:grpSpPr>
+      <p:sp>
+        <p:nvSpPr>
+          <p:cNvPr id="2" name="Title 1">
+            <a:extLst>
+              <a:ext uri="{FF2B5EF4-FFF2-40B4-BE49-F238E27FC236}">
+                <a16:creationId xmlns:a16="http://schemas.microsoft.com/office/drawing/2014/main" id="{36DC4F4A-CC5C-45D8-B4DF-F6346888F980}"/>
+              </a:ext>
+            </a:extLst>
+          </p:cNvPr>
+          <p:cNvSpPr>
+            <a:spLocks noGrp="1"/>
+          </p:cNvSpPr>
+          <p:nvPr>
+            <p:ph type="title"/>
+          </p:nvPr>
+        </p:nvSpPr>
+        <p:spPr/>
+        <p:txBody>
+          <a:bodyPr/>
+          <a:lstStyle/>
+          <a:p>
+            <a:r>
+              <a:rPr lang="en-AU" dirty="0" err="1"/>
+              <a:t>i</a:t>
+            </a:r>
+            <a:r>
+              <a:rPr lang="en-AU" dirty="0"/>
+              <a:t>-vector extraction</a:t>
+            </a:r>
+          </a:p>
+        </p:txBody>
+      </p:sp>
+      <p:sp>
+        <p:nvSpPr>
+          <p:cNvPr id="3" name="Content Placeholder 2">
+            <a:extLst>
+              <a:ext uri="{FF2B5EF4-FFF2-40B4-BE49-F238E27FC236}">
+                <a16:creationId xmlns:a16="http://schemas.microsoft.com/office/drawing/2014/main" id="{6BB5EEAF-5C92-47E8-8D46-B0F51B215E6A}"/>
+              </a:ext>
+            </a:extLst>
+          </p:cNvPr>
+          <p:cNvSpPr>
+            <a:spLocks noGrp="1"/>
+          </p:cNvSpPr>
+          <p:nvPr>
+            <p:ph idx="1"/>
+          </p:nvPr>
+        </p:nvSpPr>
+        <p:spPr/>
+        <p:txBody>
+          <a:bodyPr/>
+          <a:lstStyle/>
+          <a:p>
+            <a:r>
+              <a:rPr lang="en-AU" dirty="0"/>
+              <a:t>After feature extraction we calculate 0</a:t>
+            </a:r>
+            <a:r>
+              <a:rPr lang="en-AU" baseline="30000" dirty="0"/>
+              <a:t>th</a:t>
+            </a:r>
+            <a:r>
+              <a:rPr lang="en-AU" dirty="0"/>
+              <a:t>, 1</a:t>
+            </a:r>
+            <a:r>
+              <a:rPr lang="en-AU" baseline="30000" dirty="0"/>
+              <a:t>st</a:t>
+            </a:r>
+            <a:r>
+              <a:rPr lang="en-AU" dirty="0"/>
+              <a:t> and 2</a:t>
+            </a:r>
+            <a:r>
+              <a:rPr lang="en-AU" baseline="30000" dirty="0"/>
+              <a:t>nd</a:t>
+            </a:r>
+            <a:r>
+              <a:rPr lang="en-AU" dirty="0"/>
+              <a:t> order statistics over the values for the speaker</a:t>
+            </a:r>
+          </a:p>
+          <a:p>
+            <a:endParaRPr lang="en-AU" dirty="0"/>
+          </a:p>
+          <a:p>
+            <a:r>
+              <a:rPr lang="en-AU" dirty="0"/>
+              <a:t>We iterate through a number of steps (estimating speaker factors, accumulating additional statistics, compute hyperparameters, compute covariances)</a:t>
+            </a:r>
+          </a:p>
+          <a:p>
+            <a:endParaRPr lang="en-AU" dirty="0"/>
+          </a:p>
+          <a:p>
+            <a:r>
+              <a:rPr lang="en-AU" dirty="0"/>
+              <a:t>Left with </a:t>
+            </a:r>
+            <a:r>
+              <a:rPr lang="en-AU" dirty="0" err="1"/>
+              <a:t>i</a:t>
+            </a:r>
+            <a:r>
+              <a:rPr lang="en-AU" dirty="0"/>
+              <a:t>-vectors that characterise the speech </a:t>
+            </a:r>
+          </a:p>
+        </p:txBody>
+      </p:sp>
+    </p:spTree>
+    <p:extLst>
+      <p:ext uri="{BB962C8B-B14F-4D97-AF65-F5344CB8AC3E}">
+        <p14:creationId xmlns:p14="http://schemas.microsoft.com/office/powerpoint/2010/main" val="932735728"/>
+      </p:ext>
+    </p:extLst>
+  </p:cSld>
+  <p:clrMapOvr>
+    <a:masterClrMapping/>
+  </p:clrMapOvr>
+</p:sld>
+</file>
+
 <file path=ppt/slides/slide5.xml><?xml version="1.0" encoding="utf-8"?>
 <p:sld xmlns:a="http://schemas.openxmlformats.org/drawingml/2006/main" xmlns:r="http://schemas.openxmlformats.org/officeDocument/2006/relationships" xmlns:p="http://schemas.openxmlformats.org/presentationml/2006/main">
   <p:cSld>
@@ -7708,6 +14088,762 @@
     <p:extLst>
       <p:ext uri="{BB962C8B-B14F-4D97-AF65-F5344CB8AC3E}">
         <p14:creationId xmlns:p14="http://schemas.microsoft.com/office/powerpoint/2010/main" val="4253853894"/>
+      </p:ext>
+    </p:extLst>
+  </p:cSld>
+  <p:clrMapOvr>
+    <a:masterClrMapping/>
+  </p:clrMapOvr>
+</p:sld>
+</file>
+
+<file path=ppt/slides/slide50.xml><?xml version="1.0" encoding="utf-8"?>
+<p:sld xmlns:a="http://schemas.openxmlformats.org/drawingml/2006/main" xmlns:r="http://schemas.openxmlformats.org/officeDocument/2006/relationships" xmlns:p="http://schemas.openxmlformats.org/presentationml/2006/main">
+  <p:cSld>
+    <p:spTree>
+      <p:nvGrpSpPr>
+        <p:cNvPr id="1" name=""/>
+        <p:cNvGrpSpPr/>
+        <p:nvPr/>
+      </p:nvGrpSpPr>
+      <p:grpSpPr>
+        <a:xfrm>
+          <a:off x="0" y="0"/>
+          <a:ext cx="0" cy="0"/>
+          <a:chOff x="0" y="0"/>
+          <a:chExt cx="0" cy="0"/>
+        </a:xfrm>
+      </p:grpSpPr>
+      <p:sp>
+        <p:nvSpPr>
+          <p:cNvPr id="2" name="Title 1">
+            <a:extLst>
+              <a:ext uri="{FF2B5EF4-FFF2-40B4-BE49-F238E27FC236}">
+                <a16:creationId xmlns:a16="http://schemas.microsoft.com/office/drawing/2014/main" id="{E81223C7-1472-474A-9C76-96D0CA39DFBC}"/>
+              </a:ext>
+            </a:extLst>
+          </p:cNvPr>
+          <p:cNvSpPr>
+            <a:spLocks noGrp="1"/>
+          </p:cNvSpPr>
+          <p:nvPr>
+            <p:ph type="title"/>
+          </p:nvPr>
+        </p:nvSpPr>
+        <p:spPr/>
+        <p:txBody>
+          <a:bodyPr/>
+          <a:lstStyle/>
+          <a:p>
+            <a:r>
+              <a:rPr lang="en-AU" dirty="0" err="1"/>
+              <a:t>i</a:t>
+            </a:r>
+            <a:r>
+              <a:rPr lang="en-AU" dirty="0"/>
+              <a:t>-vector scoring</a:t>
+            </a:r>
+          </a:p>
+        </p:txBody>
+      </p:sp>
+      <p:sp>
+        <p:nvSpPr>
+          <p:cNvPr id="3" name="Content Placeholder 2">
+            <a:extLst>
+              <a:ext uri="{FF2B5EF4-FFF2-40B4-BE49-F238E27FC236}">
+                <a16:creationId xmlns:a16="http://schemas.microsoft.com/office/drawing/2014/main" id="{6E5DF645-1E91-4695-B27A-DB924E22F59D}"/>
+              </a:ext>
+            </a:extLst>
+          </p:cNvPr>
+          <p:cNvSpPr>
+            <a:spLocks noGrp="1"/>
+          </p:cNvSpPr>
+          <p:nvPr>
+            <p:ph idx="1"/>
+          </p:nvPr>
+        </p:nvSpPr>
+        <p:spPr/>
+        <p:txBody>
+          <a:bodyPr/>
+          <a:lstStyle/>
+          <a:p>
+            <a:r>
+              <a:rPr lang="en-AU" dirty="0"/>
+              <a:t>This bit is probably the easiest step</a:t>
+            </a:r>
+          </a:p>
+          <a:p>
+            <a:endParaRPr lang="en-AU" dirty="0"/>
+          </a:p>
+          <a:p>
+            <a:r>
+              <a:rPr lang="en-AU" dirty="0"/>
+              <a:t>Calculate the cosine distance between the </a:t>
+            </a:r>
+            <a:r>
+              <a:rPr lang="en-AU" dirty="0" err="1"/>
+              <a:t>i</a:t>
+            </a:r>
+            <a:r>
+              <a:rPr lang="en-AU" dirty="0"/>
+              <a:t>-vectors and the models</a:t>
+            </a:r>
+          </a:p>
+          <a:p>
+            <a:endParaRPr lang="en-AU" dirty="0"/>
+          </a:p>
+          <a:p>
+            <a:r>
+              <a:rPr lang="en-AU" dirty="0"/>
+              <a:t>Closest wins!!</a:t>
+            </a:r>
+          </a:p>
+        </p:txBody>
+      </p:sp>
+    </p:spTree>
+    <p:extLst>
+      <p:ext uri="{BB962C8B-B14F-4D97-AF65-F5344CB8AC3E}">
+        <p14:creationId xmlns:p14="http://schemas.microsoft.com/office/powerpoint/2010/main" val="284331328"/>
+      </p:ext>
+    </p:extLst>
+  </p:cSld>
+  <p:clrMapOvr>
+    <a:masterClrMapping/>
+  </p:clrMapOvr>
+</p:sld>
+</file>
+
+<file path=ppt/slides/slide51.xml><?xml version="1.0" encoding="utf-8"?>
+<p:sld xmlns:a="http://schemas.openxmlformats.org/drawingml/2006/main" xmlns:r="http://schemas.openxmlformats.org/officeDocument/2006/relationships" xmlns:p="http://schemas.openxmlformats.org/presentationml/2006/main">
+  <p:cSld>
+    <p:spTree>
+      <p:nvGrpSpPr>
+        <p:cNvPr id="1" name=""/>
+        <p:cNvGrpSpPr/>
+        <p:nvPr/>
+      </p:nvGrpSpPr>
+      <p:grpSpPr>
+        <a:xfrm>
+          <a:off x="0" y="0"/>
+          <a:ext cx="0" cy="0"/>
+          <a:chOff x="0" y="0"/>
+          <a:chExt cx="0" cy="0"/>
+        </a:xfrm>
+      </p:grpSpPr>
+      <p:sp>
+        <p:nvSpPr>
+          <p:cNvPr id="2" name="Title 1">
+            <a:extLst>
+              <a:ext uri="{FF2B5EF4-FFF2-40B4-BE49-F238E27FC236}">
+                <a16:creationId xmlns:a16="http://schemas.microsoft.com/office/drawing/2014/main" id="{0D05F94A-F8B0-419B-984B-B70F4FA1B0E1}"/>
+              </a:ext>
+            </a:extLst>
+          </p:cNvPr>
+          <p:cNvSpPr>
+            <a:spLocks noGrp="1"/>
+          </p:cNvSpPr>
+          <p:nvPr>
+            <p:ph type="title"/>
+          </p:nvPr>
+        </p:nvSpPr>
+        <p:spPr/>
+        <p:txBody>
+          <a:bodyPr/>
+          <a:lstStyle/>
+          <a:p>
+            <a:r>
+              <a:rPr lang="en-AU" dirty="0"/>
+              <a:t>Tying together the computation and the linguistics...</a:t>
+            </a:r>
+          </a:p>
+        </p:txBody>
+      </p:sp>
+      <p:sp>
+        <p:nvSpPr>
+          <p:cNvPr id="3" name="Text Placeholder 2">
+            <a:extLst>
+              <a:ext uri="{FF2B5EF4-FFF2-40B4-BE49-F238E27FC236}">
+                <a16:creationId xmlns:a16="http://schemas.microsoft.com/office/drawing/2014/main" id="{F74A8047-D3BD-446F-844E-1D352CE94231}"/>
+              </a:ext>
+            </a:extLst>
+          </p:cNvPr>
+          <p:cNvSpPr>
+            <a:spLocks noGrp="1"/>
+          </p:cNvSpPr>
+          <p:nvPr>
+            <p:ph type="body" idx="1"/>
+          </p:nvPr>
+        </p:nvSpPr>
+        <p:spPr/>
+        <p:txBody>
+          <a:bodyPr/>
+          <a:lstStyle/>
+          <a:p>
+            <a:endParaRPr lang="en-AU"/>
+          </a:p>
+        </p:txBody>
+      </p:sp>
+    </p:spTree>
+    <p:extLst>
+      <p:ext uri="{BB962C8B-B14F-4D97-AF65-F5344CB8AC3E}">
+        <p14:creationId xmlns:p14="http://schemas.microsoft.com/office/powerpoint/2010/main" val="3049422845"/>
+      </p:ext>
+    </p:extLst>
+  </p:cSld>
+  <p:clrMapOvr>
+    <a:masterClrMapping/>
+  </p:clrMapOvr>
+</p:sld>
+</file>
+
+<file path=ppt/slides/slide52.xml><?xml version="1.0" encoding="utf-8"?>
+<p:sld xmlns:a="http://schemas.openxmlformats.org/drawingml/2006/main" xmlns:r="http://schemas.openxmlformats.org/officeDocument/2006/relationships" xmlns:p="http://schemas.openxmlformats.org/presentationml/2006/main">
+  <p:cSld>
+    <p:spTree>
+      <p:nvGrpSpPr>
+        <p:cNvPr id="1" name=""/>
+        <p:cNvGrpSpPr/>
+        <p:nvPr/>
+      </p:nvGrpSpPr>
+      <p:grpSpPr>
+        <a:xfrm>
+          <a:off x="0" y="0"/>
+          <a:ext cx="0" cy="0"/>
+          <a:chOff x="0" y="0"/>
+          <a:chExt cx="0" cy="0"/>
+        </a:xfrm>
+      </p:grpSpPr>
+      <p:sp>
+        <p:nvSpPr>
+          <p:cNvPr id="2" name="Title 1">
+            <a:extLst>
+              <a:ext uri="{FF2B5EF4-FFF2-40B4-BE49-F238E27FC236}">
+                <a16:creationId xmlns:a16="http://schemas.microsoft.com/office/drawing/2014/main" id="{9F4138E5-1616-4DE7-9E67-4A8B8AF8B243}"/>
+              </a:ext>
+            </a:extLst>
+          </p:cNvPr>
+          <p:cNvSpPr>
+            <a:spLocks noGrp="1"/>
+          </p:cNvSpPr>
+          <p:nvPr>
+            <p:ph type="title"/>
+          </p:nvPr>
+        </p:nvSpPr>
+        <p:spPr/>
+        <p:txBody>
+          <a:bodyPr/>
+          <a:lstStyle/>
+          <a:p>
+            <a:r>
+              <a:rPr lang="en-AU" dirty="0"/>
+              <a:t>Thinking from the perspective of a language</a:t>
+            </a:r>
+          </a:p>
+        </p:txBody>
+      </p:sp>
+      <p:sp>
+        <p:nvSpPr>
+          <p:cNvPr id="3" name="Content Placeholder 2">
+            <a:extLst>
+              <a:ext uri="{FF2B5EF4-FFF2-40B4-BE49-F238E27FC236}">
+                <a16:creationId xmlns:a16="http://schemas.microsoft.com/office/drawing/2014/main" id="{A875D077-0E17-4146-AC30-E09835B4C8C7}"/>
+              </a:ext>
+            </a:extLst>
+          </p:cNvPr>
+          <p:cNvSpPr>
+            <a:spLocks noGrp="1"/>
+          </p:cNvSpPr>
+          <p:nvPr>
+            <p:ph idx="1"/>
+          </p:nvPr>
+        </p:nvSpPr>
+        <p:spPr>
+          <a:xfrm>
+            <a:off x="677334" y="2160589"/>
+            <a:ext cx="8596668" cy="3880773"/>
+          </a:xfrm>
+        </p:spPr>
+        <p:txBody>
+          <a:bodyPr>
+            <a:normAutofit lnSpcReduction="10000"/>
+          </a:bodyPr>
+          <a:lstStyle/>
+          <a:p>
+            <a:r>
+              <a:rPr lang="en-AU" dirty="0"/>
+              <a:t>We’re trying to capture the knowledge from the start of the slides in the statistics at the end</a:t>
+            </a:r>
+          </a:p>
+          <a:p>
+            <a:endParaRPr lang="en-AU" dirty="0"/>
+          </a:p>
+          <a:p>
+            <a:r>
+              <a:rPr lang="en-AU" dirty="0"/>
+              <a:t>How many sounds does a language contain?</a:t>
+            </a:r>
+          </a:p>
+          <a:p>
+            <a:endParaRPr lang="en-AU" dirty="0"/>
+          </a:p>
+          <a:p>
+            <a:r>
+              <a:rPr lang="en-AU" dirty="0"/>
+              <a:t>What’s their frequency?</a:t>
+            </a:r>
+          </a:p>
+          <a:p>
+            <a:endParaRPr lang="en-AU" dirty="0"/>
+          </a:p>
+          <a:p>
+            <a:r>
+              <a:rPr lang="en-AU" dirty="0"/>
+              <a:t>What rules govern the way they can be put together?</a:t>
+            </a:r>
+          </a:p>
+          <a:p>
+            <a:endParaRPr lang="en-AU" dirty="0"/>
+          </a:p>
+          <a:p>
+            <a:r>
+              <a:rPr lang="en-AU" dirty="0"/>
+              <a:t>Given enough data we can generate statistics that will provide an answer to all of these questions</a:t>
+            </a:r>
+          </a:p>
+          <a:p>
+            <a:endParaRPr lang="en-AU" dirty="0"/>
+          </a:p>
+          <a:p>
+            <a:pPr marL="0" indent="0">
+              <a:buNone/>
+            </a:pPr>
+            <a:endParaRPr lang="en-AU" dirty="0"/>
+          </a:p>
+        </p:txBody>
+      </p:sp>
+    </p:spTree>
+    <p:extLst>
+      <p:ext uri="{BB962C8B-B14F-4D97-AF65-F5344CB8AC3E}">
+        <p14:creationId xmlns:p14="http://schemas.microsoft.com/office/powerpoint/2010/main" val="55292613"/>
+      </p:ext>
+    </p:extLst>
+  </p:cSld>
+  <p:clrMapOvr>
+    <a:masterClrMapping/>
+  </p:clrMapOvr>
+</p:sld>
+</file>
+
+<file path=ppt/slides/slide53.xml><?xml version="1.0" encoding="utf-8"?>
+<p:sld xmlns:a="http://schemas.openxmlformats.org/drawingml/2006/main" xmlns:r="http://schemas.openxmlformats.org/officeDocument/2006/relationships" xmlns:p="http://schemas.openxmlformats.org/presentationml/2006/main">
+  <p:cSld>
+    <p:spTree>
+      <p:nvGrpSpPr>
+        <p:cNvPr id="1" name=""/>
+        <p:cNvGrpSpPr/>
+        <p:nvPr/>
+      </p:nvGrpSpPr>
+      <p:grpSpPr>
+        <a:xfrm>
+          <a:off x="0" y="0"/>
+          <a:ext cx="0" cy="0"/>
+          <a:chOff x="0" y="0"/>
+          <a:chExt cx="0" cy="0"/>
+        </a:xfrm>
+      </p:grpSpPr>
+      <p:sp>
+        <p:nvSpPr>
+          <p:cNvPr id="2" name="Title 1">
+            <a:extLst>
+              <a:ext uri="{FF2B5EF4-FFF2-40B4-BE49-F238E27FC236}">
+                <a16:creationId xmlns:a16="http://schemas.microsoft.com/office/drawing/2014/main" id="{A1710A01-C02C-484D-9FA0-2A278CD235FD}"/>
+              </a:ext>
+            </a:extLst>
+          </p:cNvPr>
+          <p:cNvSpPr>
+            <a:spLocks noGrp="1"/>
+          </p:cNvSpPr>
+          <p:nvPr>
+            <p:ph type="title"/>
+          </p:nvPr>
+        </p:nvSpPr>
+        <p:spPr/>
+        <p:txBody>
+          <a:bodyPr/>
+          <a:lstStyle/>
+          <a:p>
+            <a:r>
+              <a:rPr lang="en-AU" dirty="0"/>
+              <a:t>Thinking about individuals</a:t>
+            </a:r>
+          </a:p>
+        </p:txBody>
+      </p:sp>
+      <p:sp>
+        <p:nvSpPr>
+          <p:cNvPr id="3" name="Content Placeholder 2">
+            <a:extLst>
+              <a:ext uri="{FF2B5EF4-FFF2-40B4-BE49-F238E27FC236}">
+                <a16:creationId xmlns:a16="http://schemas.microsoft.com/office/drawing/2014/main" id="{5C17AFA2-658B-415B-A65B-8EC3D74E284E}"/>
+              </a:ext>
+            </a:extLst>
+          </p:cNvPr>
+          <p:cNvSpPr>
+            <a:spLocks noGrp="1"/>
+          </p:cNvSpPr>
+          <p:nvPr>
+            <p:ph idx="1"/>
+          </p:nvPr>
+        </p:nvSpPr>
+        <p:spPr/>
+        <p:txBody>
+          <a:bodyPr/>
+          <a:lstStyle/>
+          <a:p>
+            <a:r>
+              <a:rPr lang="en-AU" dirty="0"/>
+              <a:t>Different vocal tract dimensions – different frequencies</a:t>
+            </a:r>
+          </a:p>
+          <a:p>
+            <a:endParaRPr lang="en-AU" dirty="0"/>
+          </a:p>
+          <a:p>
+            <a:r>
+              <a:rPr lang="en-AU" dirty="0"/>
+              <a:t>Different shaped/sized glottis – different frequencies</a:t>
+            </a:r>
+          </a:p>
+          <a:p>
+            <a:endParaRPr lang="en-AU" dirty="0"/>
+          </a:p>
+          <a:p>
+            <a:r>
+              <a:rPr lang="en-AU" dirty="0"/>
+              <a:t>Different environmental conditions – different noise</a:t>
+            </a:r>
+          </a:p>
+          <a:p>
+            <a:endParaRPr lang="en-AU" dirty="0"/>
+          </a:p>
+          <a:p>
+            <a:r>
+              <a:rPr lang="en-AU" dirty="0"/>
+              <a:t>What impact do colds and flus have? How about facial trauma?</a:t>
+            </a:r>
+          </a:p>
+          <a:p>
+            <a:endParaRPr lang="en-AU" dirty="0"/>
+          </a:p>
+        </p:txBody>
+      </p:sp>
+    </p:spTree>
+    <p:extLst>
+      <p:ext uri="{BB962C8B-B14F-4D97-AF65-F5344CB8AC3E}">
+        <p14:creationId xmlns:p14="http://schemas.microsoft.com/office/powerpoint/2010/main" val="940892388"/>
+      </p:ext>
+    </p:extLst>
+  </p:cSld>
+  <p:clrMapOvr>
+    <a:masterClrMapping/>
+  </p:clrMapOvr>
+</p:sld>
+</file>
+
+<file path=ppt/slides/slide54.xml><?xml version="1.0" encoding="utf-8"?>
+<p:sld xmlns:a="http://schemas.openxmlformats.org/drawingml/2006/main" xmlns:r="http://schemas.openxmlformats.org/officeDocument/2006/relationships" xmlns:p="http://schemas.openxmlformats.org/presentationml/2006/main">
+  <p:cSld>
+    <p:spTree>
+      <p:nvGrpSpPr>
+        <p:cNvPr id="1" name=""/>
+        <p:cNvGrpSpPr/>
+        <p:nvPr/>
+      </p:nvGrpSpPr>
+      <p:grpSpPr>
+        <a:xfrm>
+          <a:off x="0" y="0"/>
+          <a:ext cx="0" cy="0"/>
+          <a:chOff x="0" y="0"/>
+          <a:chExt cx="0" cy="0"/>
+        </a:xfrm>
+      </p:grpSpPr>
+      <p:sp>
+        <p:nvSpPr>
+          <p:cNvPr id="2" name="Title 1">
+            <a:extLst>
+              <a:ext uri="{FF2B5EF4-FFF2-40B4-BE49-F238E27FC236}">
+                <a16:creationId xmlns:a16="http://schemas.microsoft.com/office/drawing/2014/main" id="{863FD1BF-EC86-496E-9B4C-D11A12B59399}"/>
+              </a:ext>
+            </a:extLst>
+          </p:cNvPr>
+          <p:cNvSpPr>
+            <a:spLocks noGrp="1"/>
+          </p:cNvSpPr>
+          <p:nvPr>
+            <p:ph type="title"/>
+          </p:nvPr>
+        </p:nvSpPr>
+        <p:spPr/>
+        <p:txBody>
+          <a:bodyPr/>
+          <a:lstStyle/>
+          <a:p>
+            <a:r>
+              <a:rPr lang="en-AU" dirty="0"/>
+              <a:t>Speech-to-text</a:t>
+            </a:r>
+          </a:p>
+        </p:txBody>
+      </p:sp>
+      <p:sp>
+        <p:nvSpPr>
+          <p:cNvPr id="3" name="Content Placeholder 2">
+            <a:extLst>
+              <a:ext uri="{FF2B5EF4-FFF2-40B4-BE49-F238E27FC236}">
+                <a16:creationId xmlns:a16="http://schemas.microsoft.com/office/drawing/2014/main" id="{15B56484-CF67-4827-A719-80847E77D76F}"/>
+              </a:ext>
+            </a:extLst>
+          </p:cNvPr>
+          <p:cNvSpPr>
+            <a:spLocks noGrp="1"/>
+          </p:cNvSpPr>
+          <p:nvPr>
+            <p:ph idx="1"/>
+          </p:nvPr>
+        </p:nvSpPr>
+        <p:spPr/>
+        <p:txBody>
+          <a:bodyPr/>
+          <a:lstStyle/>
+          <a:p>
+            <a:r>
+              <a:rPr lang="en-AU" dirty="0"/>
+              <a:t>If we know about the phonemes in a language, AND</a:t>
+            </a:r>
+          </a:p>
+          <a:p>
+            <a:endParaRPr lang="en-AU" dirty="0"/>
+          </a:p>
+          <a:p>
+            <a:r>
+              <a:rPr lang="en-AU" dirty="0"/>
+              <a:t>We know about the probabilities of different patterns of phones, AND</a:t>
+            </a:r>
+          </a:p>
+          <a:p>
+            <a:endParaRPr lang="en-AU" dirty="0"/>
+          </a:p>
+          <a:p>
+            <a:r>
+              <a:rPr lang="en-AU" dirty="0"/>
+              <a:t>We have a list of words (Lexicon)</a:t>
+            </a:r>
+          </a:p>
+          <a:p>
+            <a:endParaRPr lang="en-AU" dirty="0"/>
+          </a:p>
+          <a:p>
+            <a:r>
+              <a:rPr lang="en-AU" dirty="0"/>
+              <a:t>We have the basis of a pretty good speech to text system (but we need a lot of data to model.....)</a:t>
+            </a:r>
+          </a:p>
+        </p:txBody>
+      </p:sp>
+    </p:spTree>
+    <p:extLst>
+      <p:ext uri="{BB962C8B-B14F-4D97-AF65-F5344CB8AC3E}">
+        <p14:creationId xmlns:p14="http://schemas.microsoft.com/office/powerpoint/2010/main" val="1126021618"/>
+      </p:ext>
+    </p:extLst>
+  </p:cSld>
+  <p:clrMapOvr>
+    <a:masterClrMapping/>
+  </p:clrMapOvr>
+</p:sld>
+</file>
+
+<file path=ppt/slides/slide55.xml><?xml version="1.0" encoding="utf-8"?>
+<p:sld xmlns:a="http://schemas.openxmlformats.org/drawingml/2006/main" xmlns:r="http://schemas.openxmlformats.org/officeDocument/2006/relationships" xmlns:p="http://schemas.openxmlformats.org/presentationml/2006/main">
+  <p:cSld>
+    <p:spTree>
+      <p:nvGrpSpPr>
+        <p:cNvPr id="1" name=""/>
+        <p:cNvGrpSpPr/>
+        <p:nvPr/>
+      </p:nvGrpSpPr>
+      <p:grpSpPr>
+        <a:xfrm>
+          <a:off x="0" y="0"/>
+          <a:ext cx="0" cy="0"/>
+          <a:chOff x="0" y="0"/>
+          <a:chExt cx="0" cy="0"/>
+        </a:xfrm>
+      </p:grpSpPr>
+      <p:sp>
+        <p:nvSpPr>
+          <p:cNvPr id="2" name="Title 1">
+            <a:extLst>
+              <a:ext uri="{FF2B5EF4-FFF2-40B4-BE49-F238E27FC236}">
+                <a16:creationId xmlns:a16="http://schemas.microsoft.com/office/drawing/2014/main" id="{AD8F2A9E-5E22-422E-AF09-C91744A156A3}"/>
+              </a:ext>
+            </a:extLst>
+          </p:cNvPr>
+          <p:cNvSpPr>
+            <a:spLocks noGrp="1"/>
+          </p:cNvSpPr>
+          <p:nvPr>
+            <p:ph type="title"/>
+          </p:nvPr>
+        </p:nvSpPr>
+        <p:spPr/>
+        <p:txBody>
+          <a:bodyPr/>
+          <a:lstStyle/>
+          <a:p>
+            <a:r>
+              <a:rPr lang="en-AU" dirty="0"/>
+              <a:t>Next time...</a:t>
+            </a:r>
+          </a:p>
+        </p:txBody>
+      </p:sp>
+      <p:sp>
+        <p:nvSpPr>
+          <p:cNvPr id="3" name="Content Placeholder 2">
+            <a:extLst>
+              <a:ext uri="{FF2B5EF4-FFF2-40B4-BE49-F238E27FC236}">
+                <a16:creationId xmlns:a16="http://schemas.microsoft.com/office/drawing/2014/main" id="{0162BC5A-15C2-4E2E-89B7-D7C388B0D26E}"/>
+              </a:ext>
+            </a:extLst>
+          </p:cNvPr>
+          <p:cNvSpPr>
+            <a:spLocks noGrp="1"/>
+          </p:cNvSpPr>
+          <p:nvPr>
+            <p:ph idx="1"/>
+          </p:nvPr>
+        </p:nvSpPr>
+        <p:spPr/>
+        <p:txBody>
+          <a:bodyPr/>
+          <a:lstStyle/>
+          <a:p>
+            <a:r>
+              <a:rPr lang="en-AU" dirty="0"/>
+              <a:t>We’ll take a look at morphology across a number of languages</a:t>
+            </a:r>
+          </a:p>
+          <a:p>
+            <a:endParaRPr lang="en-AU" dirty="0"/>
+          </a:p>
+          <a:p>
+            <a:r>
+              <a:rPr lang="en-AU" dirty="0"/>
+              <a:t>We’ll look at how we might start developing lemmatization software</a:t>
+            </a:r>
+          </a:p>
+          <a:p>
+            <a:endParaRPr lang="en-AU" dirty="0"/>
+          </a:p>
+          <a:p>
+            <a:r>
+              <a:rPr lang="en-AU" dirty="0"/>
+              <a:t>I’ll be much more enthusiastic because phonetics just isn’t my thing</a:t>
+            </a:r>
+          </a:p>
+        </p:txBody>
+      </p:sp>
+    </p:spTree>
+    <p:extLst>
+      <p:ext uri="{BB962C8B-B14F-4D97-AF65-F5344CB8AC3E}">
+        <p14:creationId xmlns:p14="http://schemas.microsoft.com/office/powerpoint/2010/main" val="1160544579"/>
+      </p:ext>
+    </p:extLst>
+  </p:cSld>
+  <p:clrMapOvr>
+    <a:masterClrMapping/>
+  </p:clrMapOvr>
+</p:sld>
+</file>
+
+<file path=ppt/slides/slide56.xml><?xml version="1.0" encoding="utf-8"?>
+<p:sld xmlns:a="http://schemas.openxmlformats.org/drawingml/2006/main" xmlns:r="http://schemas.openxmlformats.org/officeDocument/2006/relationships" xmlns:p="http://schemas.openxmlformats.org/presentationml/2006/main">
+  <p:cSld>
+    <p:spTree>
+      <p:nvGrpSpPr>
+        <p:cNvPr id="1" name=""/>
+        <p:cNvGrpSpPr/>
+        <p:nvPr/>
+      </p:nvGrpSpPr>
+      <p:grpSpPr>
+        <a:xfrm>
+          <a:off x="0" y="0"/>
+          <a:ext cx="0" cy="0"/>
+          <a:chOff x="0" y="0"/>
+          <a:chExt cx="0" cy="0"/>
+        </a:xfrm>
+      </p:grpSpPr>
+      <p:sp>
+        <p:nvSpPr>
+          <p:cNvPr id="7" name="Title 6">
+            <a:extLst>
+              <a:ext uri="{FF2B5EF4-FFF2-40B4-BE49-F238E27FC236}">
+                <a16:creationId xmlns:a16="http://schemas.microsoft.com/office/drawing/2014/main" id="{BD2589E6-8CB4-4253-87A0-182E13905F51}"/>
+              </a:ext>
+            </a:extLst>
+          </p:cNvPr>
+          <p:cNvSpPr>
+            <a:spLocks noGrp="1"/>
+          </p:cNvSpPr>
+          <p:nvPr>
+            <p:ph type="title"/>
+          </p:nvPr>
+        </p:nvSpPr>
+        <p:spPr/>
+        <p:txBody>
+          <a:bodyPr/>
+          <a:lstStyle/>
+          <a:p>
+            <a:r>
+              <a:rPr lang="en-AU" dirty="0"/>
+              <a:t>Questions?</a:t>
+            </a:r>
+          </a:p>
+        </p:txBody>
+      </p:sp>
+      <p:sp>
+        <p:nvSpPr>
+          <p:cNvPr id="8" name="Text Placeholder 7">
+            <a:extLst>
+              <a:ext uri="{FF2B5EF4-FFF2-40B4-BE49-F238E27FC236}">
+                <a16:creationId xmlns:a16="http://schemas.microsoft.com/office/drawing/2014/main" id="{21DE0C7C-87F9-4F1A-A1C6-22EF7D47B46B}"/>
+              </a:ext>
+            </a:extLst>
+          </p:cNvPr>
+          <p:cNvSpPr>
+            <a:spLocks noGrp="1"/>
+          </p:cNvSpPr>
+          <p:nvPr>
+            <p:ph type="body" idx="1"/>
+          </p:nvPr>
+        </p:nvSpPr>
+        <p:spPr/>
+        <p:txBody>
+          <a:bodyPr/>
+          <a:lstStyle/>
+          <a:p>
+            <a:r>
+              <a:rPr lang="en-AU" dirty="0"/>
+              <a:t>I understand that was pretty long but I would really like some questions and or feedback so that I know that I haven’t put you all to sleep!!</a:t>
+            </a:r>
+          </a:p>
+        </p:txBody>
+      </p:sp>
+    </p:spTree>
+    <p:extLst>
+      <p:ext uri="{BB962C8B-B14F-4D97-AF65-F5344CB8AC3E}">
+        <p14:creationId xmlns:p14="http://schemas.microsoft.com/office/powerpoint/2010/main" val="952625848"/>
       </p:ext>
     </p:extLst>
   </p:cSld>
@@ -7907,6 +15043,14 @@
 <file path=ppt/slides/slide7.xml><?xml version="1.0" encoding="utf-8"?>
 <p:sld xmlns:a="http://schemas.openxmlformats.org/drawingml/2006/main" xmlns:r="http://schemas.openxmlformats.org/officeDocument/2006/relationships" xmlns:p="http://schemas.openxmlformats.org/presentationml/2006/main">
   <p:cSld>
+    <p:bg>
+      <p:bgPr>
+        <a:solidFill>
+          <a:schemeClr val="bg2"/>
+        </a:solidFill>
+        <a:effectLst/>
+      </p:bgPr>
+    </p:bg>
     <p:spTree>
       <p:nvGrpSpPr>
         <p:cNvPr id="1" name=""/>
@@ -7921,12 +15065,42 @@
           <a:chExt cx="0" cy="0"/>
         </a:xfrm>
       </p:grpSpPr>
+      <p:pic>
+        <p:nvPicPr>
+          <p:cNvPr id="7" name="Content Placeholder 3">
+            <a:extLst>
+              <a:ext uri="{FF2B5EF4-FFF2-40B4-BE49-F238E27FC236}">
+                <a16:creationId xmlns:a16="http://schemas.microsoft.com/office/drawing/2014/main" id="{1CE66181-8CF6-40AF-AAD6-9CD05DF61364}"/>
+              </a:ext>
+            </a:extLst>
+          </p:cNvPr>
+          <p:cNvPicPr>
+            <a:picLocks noChangeAspect="1"/>
+          </p:cNvPicPr>
+          <p:nvPr/>
+        </p:nvPicPr>
+        <p:blipFill>
+          <a:blip r:embed="rId2"/>
+          <a:stretch>
+            <a:fillRect/>
+          </a:stretch>
+        </p:blipFill>
+        <p:spPr>
+          <a:xfrm>
+            <a:off x="3486417" y="609600"/>
+            <a:ext cx="5736455" cy="5736455"/>
+          </a:xfrm>
+          <a:prstGeom prst="rect">
+            <a:avLst/>
+          </a:prstGeom>
+        </p:spPr>
+      </p:pic>
       <p:sp>
         <p:nvSpPr>
           <p:cNvPr id="2" name="Title 1">
             <a:extLst>
               <a:ext uri="{FF2B5EF4-FFF2-40B4-BE49-F238E27FC236}">
-                <a16:creationId xmlns:a16="http://schemas.microsoft.com/office/drawing/2014/main" id="{FE99A663-F3EE-4407-8AD7-361DB3B0914F}"/>
+                <a16:creationId xmlns:a16="http://schemas.microsoft.com/office/drawing/2014/main" id="{2F4B4F02-7E9A-4F66-8724-81FD0C6A8E88}"/>
               </a:ext>
             </a:extLst>
           </p:cNvPr>
@@ -7937,24 +15111,31 @@
             <p:ph type="title"/>
           </p:nvPr>
         </p:nvSpPr>
-        <p:spPr/>
-        <p:txBody>
-          <a:bodyPr/>
-          <a:lstStyle/>
-          <a:p>
-            <a:r>
-              <a:rPr lang="en-AU" dirty="0"/>
-              <a:t>Onto today’s topic...</a:t>
-            </a:r>
-          </a:p>
-        </p:txBody>
-      </p:sp>
-      <p:sp>
-        <p:nvSpPr>
-          <p:cNvPr id="3" name="Text Placeholder 2">
+        <p:spPr>
+          <a:xfrm>
+            <a:off x="676746" y="609600"/>
+            <a:ext cx="3729076" cy="1320800"/>
+          </a:xfrm>
+        </p:spPr>
+        <p:txBody>
+          <a:bodyPr anchor="ctr">
+            <a:normAutofit/>
+          </a:bodyPr>
+          <a:lstStyle/>
+          <a:p>
+            <a:r>
+              <a:rPr lang="en-AU" dirty="0"/>
+              <a:t>Linguistic hierarchy</a:t>
+            </a:r>
+          </a:p>
+        </p:txBody>
+      </p:sp>
+      <p:sp>
+        <p:nvSpPr>
+          <p:cNvPr id="9" name="Content Placeholder 8">
             <a:extLst>
               <a:ext uri="{FF2B5EF4-FFF2-40B4-BE49-F238E27FC236}">
-                <a16:creationId xmlns:a16="http://schemas.microsoft.com/office/drawing/2014/main" id="{8775B008-9CE8-4305-BD3A-271709D46D42}"/>
+                <a16:creationId xmlns:a16="http://schemas.microsoft.com/office/drawing/2014/main" id="{51F750C1-A96B-443A-82C7-0BEE812EF616}"/>
               </a:ext>
             </a:extLst>
           </p:cNvPr>
@@ -7962,22 +15143,29 @@
             <a:spLocks noGrp="1"/>
           </p:cNvSpPr>
           <p:nvPr>
-            <p:ph type="body" idx="1"/>
-          </p:nvPr>
-        </p:nvSpPr>
-        <p:spPr/>
-        <p:txBody>
-          <a:bodyPr/>
-          <a:lstStyle/>
-          <a:p>
-            <a:endParaRPr lang="en-AU"/>
+            <p:ph idx="1"/>
+          </p:nvPr>
+        </p:nvSpPr>
+        <p:spPr>
+          <a:xfrm>
+            <a:off x="685167" y="2160589"/>
+            <a:ext cx="3720916" cy="3560733"/>
+          </a:xfrm>
+        </p:spPr>
+        <p:txBody>
+          <a:bodyPr>
+            <a:normAutofit/>
+          </a:bodyPr>
+          <a:lstStyle/>
+          <a:p>
+            <a:endParaRPr lang="en-US"/>
           </a:p>
         </p:txBody>
       </p:sp>
     </p:spTree>
     <p:extLst>
       <p:ext uri="{BB962C8B-B14F-4D97-AF65-F5344CB8AC3E}">
-        <p14:creationId xmlns:p14="http://schemas.microsoft.com/office/powerpoint/2010/main" val="384401053"/>
+        <p14:creationId xmlns:p14="http://schemas.microsoft.com/office/powerpoint/2010/main" val="4161222371"/>
       </p:ext>
     </p:extLst>
   </p:cSld>
@@ -8009,7 +15197,7 @@
           <p:cNvPr id="2" name="Title 1">
             <a:extLst>
               <a:ext uri="{FF2B5EF4-FFF2-40B4-BE49-F238E27FC236}">
-                <a16:creationId xmlns:a16="http://schemas.microsoft.com/office/drawing/2014/main" id="{71BC39AC-1F8F-48FD-915B-05AA4D258F48}"/>
+                <a16:creationId xmlns:a16="http://schemas.microsoft.com/office/drawing/2014/main" id="{FE99A663-F3EE-4407-8AD7-361DB3B0914F}"/>
               </a:ext>
             </a:extLst>
           </p:cNvPr>
@@ -8027,17 +15215,17 @@
           <a:p>
             <a:r>
               <a:rPr lang="en-AU" dirty="0"/>
-              <a:t>Phonetics and Phonology</a:t>
-            </a:r>
-          </a:p>
-        </p:txBody>
-      </p:sp>
-      <p:sp>
-        <p:nvSpPr>
-          <p:cNvPr id="3" name="Content Placeholder 2">
+              <a:t>Onto today’s topic...</a:t>
+            </a:r>
+          </a:p>
+        </p:txBody>
+      </p:sp>
+      <p:sp>
+        <p:nvSpPr>
+          <p:cNvPr id="3" name="Text Placeholder 2">
             <a:extLst>
               <a:ext uri="{FF2B5EF4-FFF2-40B4-BE49-F238E27FC236}">
-                <a16:creationId xmlns:a16="http://schemas.microsoft.com/office/drawing/2014/main" id="{867557F4-3A64-41B9-94C9-D6282D32DED5}"/>
+                <a16:creationId xmlns:a16="http://schemas.microsoft.com/office/drawing/2014/main" id="{8775B008-9CE8-4305-BD3A-271709D46D42}"/>
               </a:ext>
             </a:extLst>
           </p:cNvPr>
@@ -8045,69 +15233,22 @@
             <a:spLocks noGrp="1"/>
           </p:cNvSpPr>
           <p:nvPr>
-            <p:ph idx="1"/>
+            <p:ph type="body" idx="1"/>
           </p:nvPr>
         </p:nvSpPr>
         <p:spPr/>
         <p:txBody>
-          <a:bodyPr>
-            <a:normAutofit/>
-          </a:bodyPr>
-          <a:lstStyle/>
-          <a:p>
-            <a:r>
-              <a:rPr lang="en-AU" sz="2400" dirty="0"/>
-              <a:t>Phonetics</a:t>
-            </a:r>
-          </a:p>
-          <a:p>
-            <a:pPr marL="0" indent="0">
-              <a:buNone/>
-            </a:pPr>
-            <a:endParaRPr lang="en-AU" sz="2400" dirty="0"/>
-          </a:p>
-          <a:p>
-            <a:pPr marL="457200" lvl="1" indent="0">
-              <a:buNone/>
-            </a:pPr>
-            <a:r>
-              <a:rPr lang="en-AU" sz="2400" i="1" dirty="0"/>
-              <a:t>‘the study and classification of speech sounds’</a:t>
-            </a:r>
-          </a:p>
-          <a:p>
-            <a:pPr marL="457200" lvl="1" indent="0">
-              <a:buNone/>
-            </a:pPr>
-            <a:endParaRPr lang="en-AU" sz="2400" i="1" dirty="0"/>
-          </a:p>
-          <a:p>
-            <a:pPr marL="514350" indent="-457200"/>
-            <a:r>
-              <a:rPr lang="en-AU" sz="2400" dirty="0"/>
-              <a:t>Phonology</a:t>
-            </a:r>
-          </a:p>
-          <a:p>
-            <a:pPr marL="514350" indent="-457200"/>
-            <a:endParaRPr lang="en-AU" sz="2400" dirty="0"/>
-          </a:p>
-          <a:p>
-            <a:pPr marL="457200" lvl="1" indent="0">
-              <a:buNone/>
-            </a:pPr>
-            <a:r>
-              <a:rPr lang="en-AU" sz="2400" i="1" dirty="0"/>
-              <a:t>‘the study of relationships among the speech sounds of a language’</a:t>
-            </a:r>
-            <a:endParaRPr lang="en-AU" sz="2200" i="1" dirty="0"/>
+          <a:bodyPr/>
+          <a:lstStyle/>
+          <a:p>
+            <a:endParaRPr lang="en-AU"/>
           </a:p>
         </p:txBody>
       </p:sp>
     </p:spTree>
     <p:extLst>
       <p:ext uri="{BB962C8B-B14F-4D97-AF65-F5344CB8AC3E}">
-        <p14:creationId xmlns:p14="http://schemas.microsoft.com/office/powerpoint/2010/main" val="2711270209"/>
+        <p14:creationId xmlns:p14="http://schemas.microsoft.com/office/powerpoint/2010/main" val="384401053"/>
       </p:ext>
     </p:extLst>
   </p:cSld>
@@ -8139,7 +15280,7 @@
           <p:cNvPr id="2" name="Title 1">
             <a:extLst>
               <a:ext uri="{FF2B5EF4-FFF2-40B4-BE49-F238E27FC236}">
-                <a16:creationId xmlns:a16="http://schemas.microsoft.com/office/drawing/2014/main" id="{E62EB756-97C0-4417-9CE9-3592966F1F18}"/>
+                <a16:creationId xmlns:a16="http://schemas.microsoft.com/office/drawing/2014/main" id="{71BC39AC-1F8F-48FD-915B-05AA4D258F48}"/>
               </a:ext>
             </a:extLst>
           </p:cNvPr>
@@ -8157,7 +15298,7 @@
           <a:p>
             <a:r>
               <a:rPr lang="en-AU" dirty="0"/>
-              <a:t>How do we produce speech sounds?</a:t>
+              <a:t>Phonetics and Phonology</a:t>
             </a:r>
           </a:p>
         </p:txBody>
@@ -8167,7 +15308,7 @@
           <p:cNvPr id="3" name="Content Placeholder 2">
             <a:extLst>
               <a:ext uri="{FF2B5EF4-FFF2-40B4-BE49-F238E27FC236}">
-                <a16:creationId xmlns:a16="http://schemas.microsoft.com/office/drawing/2014/main" id="{56D564AA-8BCA-49B1-B518-59C3812C82CB}"/>
+                <a16:creationId xmlns:a16="http://schemas.microsoft.com/office/drawing/2014/main" id="{867557F4-3A64-41B9-94C9-D6282D32DED5}"/>
               </a:ext>
             </a:extLst>
           </p:cNvPr>
@@ -8180,52 +15321,64 @@
         </p:nvSpPr>
         <p:spPr/>
         <p:txBody>
-          <a:bodyPr/>
-          <a:lstStyle/>
-          <a:p>
-            <a:r>
-              <a:rPr lang="en-AU" dirty="0"/>
-              <a:t>Majority of speech sound created by releasing air from the lungs through the mouth or nose</a:t>
-            </a:r>
-          </a:p>
-          <a:p>
-            <a:endParaRPr lang="en-AU" dirty="0"/>
-          </a:p>
-          <a:p>
-            <a:r>
-              <a:rPr lang="en-AU" dirty="0"/>
-              <a:t>We use the stream of air, vocal chords and different configurations of the mouth</a:t>
-            </a:r>
-          </a:p>
-          <a:p>
-            <a:endParaRPr lang="en-AU" dirty="0"/>
-          </a:p>
-          <a:p>
-            <a:r>
-              <a:rPr lang="en-AU" dirty="0"/>
-              <a:t>Two different types of sounds</a:t>
-            </a:r>
-          </a:p>
-          <a:p>
-            <a:pPr lvl="1"/>
-            <a:r>
-              <a:rPr lang="en-AU" dirty="0"/>
-              <a:t>Consonants – use the mouth to restrict the flow of air</a:t>
-            </a:r>
-          </a:p>
-          <a:p>
-            <a:pPr lvl="1"/>
-            <a:r>
-              <a:rPr lang="en-AU" dirty="0"/>
-              <a:t>Vowels – allow free flowing </a:t>
-            </a:r>
+          <a:bodyPr>
+            <a:normAutofit/>
+          </a:bodyPr>
+          <a:lstStyle/>
+          <a:p>
+            <a:r>
+              <a:rPr lang="en-AU" sz="2400" dirty="0"/>
+              <a:t>Phonetics</a:t>
+            </a:r>
+          </a:p>
+          <a:p>
+            <a:pPr marL="0" indent="0">
+              <a:buNone/>
+            </a:pPr>
+            <a:endParaRPr lang="en-AU" sz="2400" dirty="0"/>
+          </a:p>
+          <a:p>
+            <a:pPr marL="457200" lvl="1" indent="0">
+              <a:buNone/>
+            </a:pPr>
+            <a:r>
+              <a:rPr lang="en-AU" sz="2400" i="1" dirty="0"/>
+              <a:t>‘the study and classification of speech sounds’</a:t>
+            </a:r>
+          </a:p>
+          <a:p>
+            <a:pPr marL="457200" lvl="1" indent="0">
+              <a:buNone/>
+            </a:pPr>
+            <a:endParaRPr lang="en-AU" sz="2400" i="1" dirty="0"/>
+          </a:p>
+          <a:p>
+            <a:pPr marL="514350" indent="-457200"/>
+            <a:r>
+              <a:rPr lang="en-AU" sz="2400" dirty="0"/>
+              <a:t>Phonology</a:t>
+            </a:r>
+          </a:p>
+          <a:p>
+            <a:pPr marL="514350" indent="-457200"/>
+            <a:endParaRPr lang="en-AU" sz="2400" dirty="0"/>
+          </a:p>
+          <a:p>
+            <a:pPr marL="457200" lvl="1" indent="0">
+              <a:buNone/>
+            </a:pPr>
+            <a:r>
+              <a:rPr lang="en-AU" sz="2400" i="1" dirty="0"/>
+              <a:t>‘the study of relationships among the speech sounds of a language’</a:t>
+            </a:r>
+            <a:endParaRPr lang="en-AU" sz="2200" i="1" dirty="0"/>
           </a:p>
         </p:txBody>
       </p:sp>
     </p:spTree>
     <p:extLst>
       <p:ext uri="{BB962C8B-B14F-4D97-AF65-F5344CB8AC3E}">
-        <p14:creationId xmlns:p14="http://schemas.microsoft.com/office/powerpoint/2010/main" val="2054790232"/>
+        <p14:creationId xmlns:p14="http://schemas.microsoft.com/office/powerpoint/2010/main" val="2711270209"/>
       </p:ext>
     </p:extLst>
   </p:cSld>
